--- a/Datas/개발 발표안 1차.pptx
+++ b/Datas/개발 발표안 1차.pptx
@@ -12,8 +12,9 @@
     <p:sldId id="260" r:id="rId6"/>
     <p:sldId id="263" r:id="rId7"/>
     <p:sldId id="261" r:id="rId8"/>
-    <p:sldId id="262" r:id="rId9"/>
-    <p:sldId id="264" r:id="rId10"/>
+    <p:sldId id="268" r:id="rId9"/>
+    <p:sldId id="265" r:id="rId10"/>
+    <p:sldId id="264" r:id="rId11"/>
   </p:sldIdLst>
   <p:sldSz cx="12192000" cy="6858000"/>
   <p:notesSz cx="6858000" cy="9144000"/>
@@ -112,6 +113,11 @@
       </a:defRPr>
     </a:lvl9pPr>
   </p:defaultTextStyle>
+  <p:extLst>
+    <p:ext uri="{EFAFB233-063F-42B5-8137-9DF3F51BA10A}">
+      <p15:sldGuideLst xmlns:p15="http://schemas.microsoft.com/office/powerpoint/2012/main"/>
+    </p:ext>
+  </p:extLst>
 </p:presentation>
 </file>
 
@@ -262,7 +268,7 @@
           <a:p>
             <a:fld id="{5E3354AE-D178-499A-9D39-98E35C092674}" type="datetimeFigureOut">
               <a:rPr lang="ko-KR" altLang="en-US" smtClean="0"/>
-              <a:t>2020-09-21</a:t>
+              <a:t>2020-09-22</a:t>
             </a:fld>
             <a:endParaRPr lang="ko-KR" altLang="en-US"/>
           </a:p>
@@ -460,7 +466,7 @@
           <a:p>
             <a:fld id="{5E3354AE-D178-499A-9D39-98E35C092674}" type="datetimeFigureOut">
               <a:rPr lang="ko-KR" altLang="en-US" smtClean="0"/>
-              <a:t>2020-09-21</a:t>
+              <a:t>2020-09-22</a:t>
             </a:fld>
             <a:endParaRPr lang="ko-KR" altLang="en-US"/>
           </a:p>
@@ -668,7 +674,7 @@
           <a:p>
             <a:fld id="{5E3354AE-D178-499A-9D39-98E35C092674}" type="datetimeFigureOut">
               <a:rPr lang="ko-KR" altLang="en-US" smtClean="0"/>
-              <a:t>2020-09-21</a:t>
+              <a:t>2020-09-22</a:t>
             </a:fld>
             <a:endParaRPr lang="ko-KR" altLang="en-US"/>
           </a:p>
@@ -866,7 +872,7 @@
           <a:p>
             <a:fld id="{5E3354AE-D178-499A-9D39-98E35C092674}" type="datetimeFigureOut">
               <a:rPr lang="ko-KR" altLang="en-US" smtClean="0"/>
-              <a:t>2020-09-21</a:t>
+              <a:t>2020-09-22</a:t>
             </a:fld>
             <a:endParaRPr lang="ko-KR" altLang="en-US"/>
           </a:p>
@@ -1141,7 +1147,7 @@
           <a:p>
             <a:fld id="{5E3354AE-D178-499A-9D39-98E35C092674}" type="datetimeFigureOut">
               <a:rPr lang="ko-KR" altLang="en-US" smtClean="0"/>
-              <a:t>2020-09-21</a:t>
+              <a:t>2020-09-22</a:t>
             </a:fld>
             <a:endParaRPr lang="ko-KR" altLang="en-US"/>
           </a:p>
@@ -1406,7 +1412,7 @@
           <a:p>
             <a:fld id="{5E3354AE-D178-499A-9D39-98E35C092674}" type="datetimeFigureOut">
               <a:rPr lang="ko-KR" altLang="en-US" smtClean="0"/>
-              <a:t>2020-09-21</a:t>
+              <a:t>2020-09-22</a:t>
             </a:fld>
             <a:endParaRPr lang="ko-KR" altLang="en-US"/>
           </a:p>
@@ -1818,7 +1824,7 @@
           <a:p>
             <a:fld id="{5E3354AE-D178-499A-9D39-98E35C092674}" type="datetimeFigureOut">
               <a:rPr lang="ko-KR" altLang="en-US" smtClean="0"/>
-              <a:t>2020-09-21</a:t>
+              <a:t>2020-09-22</a:t>
             </a:fld>
             <a:endParaRPr lang="ko-KR" altLang="en-US"/>
           </a:p>
@@ -1959,7 +1965,7 @@
           <a:p>
             <a:fld id="{5E3354AE-D178-499A-9D39-98E35C092674}" type="datetimeFigureOut">
               <a:rPr lang="ko-KR" altLang="en-US" smtClean="0"/>
-              <a:t>2020-09-21</a:t>
+              <a:t>2020-09-22</a:t>
             </a:fld>
             <a:endParaRPr lang="ko-KR" altLang="en-US"/>
           </a:p>
@@ -2072,7 +2078,7 @@
           <a:p>
             <a:fld id="{5E3354AE-D178-499A-9D39-98E35C092674}" type="datetimeFigureOut">
               <a:rPr lang="ko-KR" altLang="en-US" smtClean="0"/>
-              <a:t>2020-09-21</a:t>
+              <a:t>2020-09-22</a:t>
             </a:fld>
             <a:endParaRPr lang="ko-KR" altLang="en-US"/>
           </a:p>
@@ -2383,7 +2389,7 @@
           <a:p>
             <a:fld id="{5E3354AE-D178-499A-9D39-98E35C092674}" type="datetimeFigureOut">
               <a:rPr lang="ko-KR" altLang="en-US" smtClean="0"/>
-              <a:t>2020-09-21</a:t>
+              <a:t>2020-09-22</a:t>
             </a:fld>
             <a:endParaRPr lang="ko-KR" altLang="en-US"/>
           </a:p>
@@ -2671,7 +2677,7 @@
           <a:p>
             <a:fld id="{5E3354AE-D178-499A-9D39-98E35C092674}" type="datetimeFigureOut">
               <a:rPr lang="ko-KR" altLang="en-US" smtClean="0"/>
-              <a:t>2020-09-21</a:t>
+              <a:t>2020-09-22</a:t>
             </a:fld>
             <a:endParaRPr lang="ko-KR" altLang="en-US"/>
           </a:p>
@@ -2912,7 +2918,7 @@
           <a:p>
             <a:fld id="{5E3354AE-D178-499A-9D39-98E35C092674}" type="datetimeFigureOut">
               <a:rPr lang="ko-KR" altLang="en-US" smtClean="0"/>
-              <a:t>2020-09-21</a:t>
+              <a:t>2020-09-22</a:t>
             </a:fld>
             <a:endParaRPr lang="ko-KR" altLang="en-US"/>
           </a:p>
@@ -3419,7 +3425,7 @@
           </a:ln>
           <a:extLst>
             <a:ext uri="{C572A759-6A51-4108-AA02-DFA0A04FC94B}">
-              <ma14:wrappingTextBoxFlag xmlns:ma14="http://schemas.microsoft.com/office/mac/drawingml/2011/main" xmlns:a14="http://schemas.microsoft.com/office/drawing/2010/main" xmlns:m="http://schemas.openxmlformats.org/officeDocument/2006/math" xmlns="" val="1"/>
+              <ma14:wrappingTextBoxFlag xmlns="" xmlns:m="http://schemas.openxmlformats.org/officeDocument/2006/math" xmlns:a14="http://schemas.microsoft.com/office/drawing/2010/main" xmlns:ma14="http://schemas.microsoft.com/office/mac/drawingml/2011/main" val="1"/>
             </a:ext>
           </a:extLst>
         </p:spPr>
@@ -3467,6 +3473,492 @@
     <p:extLst>
       <p:ext uri="{BB962C8B-B14F-4D97-AF65-F5344CB8AC3E}">
         <p14:creationId xmlns:p14="http://schemas.microsoft.com/office/powerpoint/2010/main" val="2309769359"/>
+      </p:ext>
+    </p:extLst>
+  </p:cSld>
+  <p:clrMapOvr>
+    <a:masterClrMapping/>
+  </p:clrMapOvr>
+</p:sld>
+</file>
+
+<file path=ppt/slides/slide10.xml><?xml version="1.0" encoding="utf-8"?>
+<p:sld xmlns:a="http://schemas.openxmlformats.org/drawingml/2006/main" xmlns:r="http://schemas.openxmlformats.org/officeDocument/2006/relationships" xmlns:p="http://schemas.openxmlformats.org/presentationml/2006/main">
+  <p:cSld>
+    <p:spTree>
+      <p:nvGrpSpPr>
+        <p:cNvPr id="1" name=""/>
+        <p:cNvGrpSpPr/>
+        <p:nvPr/>
+      </p:nvGrpSpPr>
+      <p:grpSpPr>
+        <a:xfrm>
+          <a:off x="0" y="0"/>
+          <a:ext cx="0" cy="0"/>
+          <a:chOff x="0" y="0"/>
+          <a:chExt cx="0" cy="0"/>
+        </a:xfrm>
+      </p:grpSpPr>
+      <p:sp>
+        <p:nvSpPr>
+          <p:cNvPr id="4" name="TextBox 3">
+            <a:extLst>
+              <a:ext uri="{FF2B5EF4-FFF2-40B4-BE49-F238E27FC236}">
+                <a16:creationId xmlns:a16="http://schemas.microsoft.com/office/drawing/2014/main" id="{565939C4-D575-4568-9F1F-823A532B1F45}"/>
+              </a:ext>
+            </a:extLst>
+          </p:cNvPr>
+          <p:cNvSpPr txBox="1"/>
+          <p:nvPr/>
+        </p:nvSpPr>
+        <p:spPr>
+          <a:xfrm>
+            <a:off x="231354" y="231354"/>
+            <a:ext cx="3358612" cy="461665"/>
+          </a:xfrm>
+          <a:prstGeom prst="rect">
+            <a:avLst/>
+          </a:prstGeom>
+          <a:noFill/>
+        </p:spPr>
+        <p:txBody>
+          <a:bodyPr wrap="none" rtlCol="0">
+            <a:spAutoFit/>
+          </a:bodyPr>
+          <a:lstStyle/>
+          <a:p>
+            <a:r>
+              <a:rPr lang="en-US" altLang="ko-KR" sz="2400" b="1" dirty="0"/>
+              <a:t>Development Process</a:t>
+            </a:r>
+          </a:p>
+        </p:txBody>
+      </p:sp>
+      <p:cxnSp>
+        <p:nvCxnSpPr>
+          <p:cNvPr id="5" name="직선 연결선 4">
+            <a:extLst>
+              <a:ext uri="{FF2B5EF4-FFF2-40B4-BE49-F238E27FC236}">
+                <a16:creationId xmlns:a16="http://schemas.microsoft.com/office/drawing/2014/main" id="{BFE9EEFE-8BC0-4879-9D12-2A8BC074C22E}"/>
+              </a:ext>
+            </a:extLst>
+          </p:cNvPr>
+          <p:cNvCxnSpPr>
+            <a:cxnSpLocks/>
+          </p:cNvCxnSpPr>
+          <p:nvPr/>
+        </p:nvCxnSpPr>
+        <p:spPr>
+          <a:xfrm>
+            <a:off x="5586235" y="122850"/>
+            <a:ext cx="6475476" cy="0"/>
+          </a:xfrm>
+          <a:prstGeom prst="line">
+            <a:avLst/>
+          </a:prstGeom>
+          <a:ln w="12700">
+            <a:solidFill>
+              <a:schemeClr val="tx1"/>
+            </a:solidFill>
+            <a:headEnd type="none" w="med" len="med"/>
+            <a:tailEnd type="arrow" w="lg" len="lg"/>
+          </a:ln>
+        </p:spPr>
+        <p:style>
+          <a:lnRef idx="1">
+            <a:schemeClr val="accent1"/>
+          </a:lnRef>
+          <a:fillRef idx="0">
+            <a:schemeClr val="accent1"/>
+          </a:fillRef>
+          <a:effectRef idx="0">
+            <a:schemeClr val="accent1"/>
+          </a:effectRef>
+          <a:fontRef idx="minor">
+            <a:schemeClr val="tx1"/>
+          </a:fontRef>
+        </p:style>
+      </p:cxnSp>
+      <p:sp>
+        <p:nvSpPr>
+          <p:cNvPr id="6" name="TextBox 5">
+            <a:extLst>
+              <a:ext uri="{FF2B5EF4-FFF2-40B4-BE49-F238E27FC236}">
+                <a16:creationId xmlns:a16="http://schemas.microsoft.com/office/drawing/2014/main" id="{DDC4FEB6-5B26-4F0F-A146-69E3C363501F}"/>
+              </a:ext>
+            </a:extLst>
+          </p:cNvPr>
+          <p:cNvSpPr txBox="1"/>
+          <p:nvPr/>
+        </p:nvSpPr>
+        <p:spPr>
+          <a:xfrm>
+            <a:off x="5604443" y="231355"/>
+            <a:ext cx="716286" cy="276999"/>
+          </a:xfrm>
+          <a:prstGeom prst="rect">
+            <a:avLst/>
+          </a:prstGeom>
+          <a:noFill/>
+        </p:spPr>
+        <p:txBody>
+          <a:bodyPr wrap="none" rtlCol="0">
+            <a:spAutoFit/>
+          </a:bodyPr>
+          <a:lstStyle/>
+          <a:p>
+            <a:r>
+              <a:rPr lang="en-US" altLang="ko-KR" sz="1200" dirty="0"/>
+              <a:t>Preview</a:t>
+            </a:r>
+            <a:endParaRPr lang="ko-KR" altLang="en-US" sz="1200" dirty="0"/>
+          </a:p>
+        </p:txBody>
+      </p:sp>
+      <p:sp>
+        <p:nvSpPr>
+          <p:cNvPr id="7" name="TextBox 6">
+            <a:extLst>
+              <a:ext uri="{FF2B5EF4-FFF2-40B4-BE49-F238E27FC236}">
+                <a16:creationId xmlns:a16="http://schemas.microsoft.com/office/drawing/2014/main" id="{1C9DDA0A-F980-4E1D-83FD-D5A5F3D249D0}"/>
+              </a:ext>
+            </a:extLst>
+          </p:cNvPr>
+          <p:cNvSpPr txBox="1"/>
+          <p:nvPr/>
+        </p:nvSpPr>
+        <p:spPr>
+          <a:xfrm>
+            <a:off x="6320729" y="231355"/>
+            <a:ext cx="545855" cy="276999"/>
+          </a:xfrm>
+          <a:prstGeom prst="rect">
+            <a:avLst/>
+          </a:prstGeom>
+          <a:noFill/>
+        </p:spPr>
+        <p:txBody>
+          <a:bodyPr wrap="none" rtlCol="0">
+            <a:spAutoFit/>
+          </a:bodyPr>
+          <a:lstStyle/>
+          <a:p>
+            <a:r>
+              <a:rPr lang="en-US" altLang="ko-KR" sz="1200" dirty="0"/>
+              <a:t>Team</a:t>
+            </a:r>
+            <a:endParaRPr lang="ko-KR" altLang="en-US" sz="1200" dirty="0"/>
+          </a:p>
+        </p:txBody>
+      </p:sp>
+      <p:sp>
+        <p:nvSpPr>
+          <p:cNvPr id="8" name="TextBox 7">
+            <a:extLst>
+              <a:ext uri="{FF2B5EF4-FFF2-40B4-BE49-F238E27FC236}">
+                <a16:creationId xmlns:a16="http://schemas.microsoft.com/office/drawing/2014/main" id="{DF48F0D6-48B6-41ED-B5FC-479983F1A736}"/>
+              </a:ext>
+            </a:extLst>
+          </p:cNvPr>
+          <p:cNvSpPr txBox="1"/>
+          <p:nvPr/>
+        </p:nvSpPr>
+        <p:spPr>
+          <a:xfrm>
+            <a:off x="6866584" y="231355"/>
+            <a:ext cx="1062535" cy="276999"/>
+          </a:xfrm>
+          <a:prstGeom prst="rect">
+            <a:avLst/>
+          </a:prstGeom>
+          <a:noFill/>
+        </p:spPr>
+        <p:txBody>
+          <a:bodyPr wrap="none" rtlCol="0">
+            <a:spAutoFit/>
+          </a:bodyPr>
+          <a:lstStyle/>
+          <a:p>
+            <a:r>
+              <a:rPr lang="en-US" altLang="ko-KR" sz="1200" dirty="0"/>
+              <a:t>Environment</a:t>
+            </a:r>
+            <a:endParaRPr lang="ko-KR" altLang="en-US" sz="1200" dirty="0"/>
+          </a:p>
+        </p:txBody>
+      </p:sp>
+      <p:sp>
+        <p:nvSpPr>
+          <p:cNvPr id="9" name="TextBox 8">
+            <a:extLst>
+              <a:ext uri="{FF2B5EF4-FFF2-40B4-BE49-F238E27FC236}">
+                <a16:creationId xmlns:a16="http://schemas.microsoft.com/office/drawing/2014/main" id="{436432E4-6A8D-4C01-BEF5-05843EDD45ED}"/>
+              </a:ext>
+            </a:extLst>
+          </p:cNvPr>
+          <p:cNvSpPr txBox="1"/>
+          <p:nvPr/>
+        </p:nvSpPr>
+        <p:spPr>
+          <a:xfrm>
+            <a:off x="7929119" y="231354"/>
+            <a:ext cx="1020600" cy="276999"/>
+          </a:xfrm>
+          <a:prstGeom prst="rect">
+            <a:avLst/>
+          </a:prstGeom>
+          <a:noFill/>
+        </p:spPr>
+        <p:txBody>
+          <a:bodyPr wrap="none" rtlCol="0">
+            <a:spAutoFit/>
+          </a:bodyPr>
+          <a:lstStyle/>
+          <a:p>
+            <a:r>
+              <a:rPr lang="en-US" altLang="ko-KR" sz="1200" dirty="0"/>
+              <a:t>Architecture</a:t>
+            </a:r>
+            <a:endParaRPr lang="ko-KR" altLang="en-US" sz="1200" dirty="0"/>
+          </a:p>
+        </p:txBody>
+      </p:sp>
+      <p:sp>
+        <p:nvSpPr>
+          <p:cNvPr id="10" name="TextBox 9">
+            <a:extLst>
+              <a:ext uri="{FF2B5EF4-FFF2-40B4-BE49-F238E27FC236}">
+                <a16:creationId xmlns:a16="http://schemas.microsoft.com/office/drawing/2014/main" id="{898A85B0-6B93-477A-8083-12355552FD85}"/>
+              </a:ext>
+            </a:extLst>
+          </p:cNvPr>
+          <p:cNvSpPr txBox="1"/>
+          <p:nvPr/>
+        </p:nvSpPr>
+        <p:spPr>
+          <a:xfrm>
+            <a:off x="8949719" y="231355"/>
+            <a:ext cx="1354794" cy="276999"/>
+          </a:xfrm>
+          <a:prstGeom prst="rect">
+            <a:avLst/>
+          </a:prstGeom>
+          <a:noFill/>
+        </p:spPr>
+        <p:txBody>
+          <a:bodyPr wrap="none" rtlCol="0">
+            <a:spAutoFit/>
+          </a:bodyPr>
+          <a:lstStyle/>
+          <a:p>
+            <a:r>
+              <a:rPr lang="en-US" altLang="ko-KR" sz="1200" dirty="0"/>
+              <a:t>Core Technology</a:t>
+            </a:r>
+            <a:endParaRPr lang="ko-KR" altLang="en-US" sz="1200" dirty="0"/>
+          </a:p>
+        </p:txBody>
+      </p:sp>
+      <p:sp>
+        <p:nvSpPr>
+          <p:cNvPr id="11" name="TextBox 10">
+            <a:extLst>
+              <a:ext uri="{FF2B5EF4-FFF2-40B4-BE49-F238E27FC236}">
+                <a16:creationId xmlns:a16="http://schemas.microsoft.com/office/drawing/2014/main" id="{8F0386BA-D88E-48CA-A783-34CC75783863}"/>
+              </a:ext>
+            </a:extLst>
+          </p:cNvPr>
+          <p:cNvSpPr txBox="1"/>
+          <p:nvPr/>
+        </p:nvSpPr>
+        <p:spPr>
+          <a:xfrm>
+            <a:off x="10304513" y="231354"/>
+            <a:ext cx="1693156" cy="276999"/>
+          </a:xfrm>
+          <a:prstGeom prst="rect">
+            <a:avLst/>
+          </a:prstGeom>
+          <a:noFill/>
+        </p:spPr>
+        <p:txBody>
+          <a:bodyPr wrap="none" rtlCol="0">
+            <a:spAutoFit/>
+          </a:bodyPr>
+          <a:lstStyle/>
+          <a:p>
+            <a:r>
+              <a:rPr lang="en-US" altLang="ko-KR" sz="1200" dirty="0">
+                <a:solidFill>
+                  <a:srgbClr val="0070C0"/>
+                </a:solidFill>
+              </a:rPr>
+              <a:t>Development Process</a:t>
+            </a:r>
+            <a:endParaRPr lang="ko-KR" altLang="en-US" sz="1200" dirty="0">
+              <a:solidFill>
+                <a:srgbClr val="0070C0"/>
+              </a:solidFill>
+            </a:endParaRPr>
+          </a:p>
+        </p:txBody>
+      </p:sp>
+      <p:sp>
+        <p:nvSpPr>
+          <p:cNvPr id="12" name="TextBox 11">
+            <a:extLst>
+              <a:ext uri="{FF2B5EF4-FFF2-40B4-BE49-F238E27FC236}">
+                <a16:creationId xmlns:a16="http://schemas.microsoft.com/office/drawing/2014/main" id="{76FCFFFC-96B6-4EBA-84EC-A6CF15AA68B6}"/>
+              </a:ext>
+            </a:extLst>
+          </p:cNvPr>
+          <p:cNvSpPr txBox="1"/>
+          <p:nvPr/>
+        </p:nvSpPr>
+        <p:spPr>
+          <a:xfrm>
+            <a:off x="686478" y="1267329"/>
+            <a:ext cx="2982369" cy="369332"/>
+          </a:xfrm>
+          <a:prstGeom prst="rect">
+            <a:avLst/>
+          </a:prstGeom>
+          <a:noFill/>
+        </p:spPr>
+        <p:txBody>
+          <a:bodyPr wrap="square" rtlCol="0">
+            <a:spAutoFit/>
+          </a:bodyPr>
+          <a:lstStyle/>
+          <a:p>
+            <a:r>
+              <a:rPr lang="ko-KR" altLang="en-US" b="1" dirty="0"/>
+              <a:t>향후 계획</a:t>
+            </a:r>
+          </a:p>
+        </p:txBody>
+      </p:sp>
+      <p:sp>
+        <p:nvSpPr>
+          <p:cNvPr id="14" name="TextBox 13">
+            <a:extLst>
+              <a:ext uri="{FF2B5EF4-FFF2-40B4-BE49-F238E27FC236}">
+                <a16:creationId xmlns:a16="http://schemas.microsoft.com/office/drawing/2014/main" id="{CFD5CDA9-5982-494D-BA65-66B8379C6D96}"/>
+              </a:ext>
+            </a:extLst>
+          </p:cNvPr>
+          <p:cNvSpPr txBox="1"/>
+          <p:nvPr/>
+        </p:nvSpPr>
+        <p:spPr>
+          <a:xfrm>
+            <a:off x="379025" y="4206664"/>
+            <a:ext cx="3063270" cy="338554"/>
+          </a:xfrm>
+          <a:prstGeom prst="rect">
+            <a:avLst/>
+          </a:prstGeom>
+          <a:noFill/>
+        </p:spPr>
+        <p:txBody>
+          <a:bodyPr wrap="square" rtlCol="0">
+            <a:spAutoFit/>
+          </a:bodyPr>
+          <a:lstStyle/>
+          <a:p>
+            <a:r>
+              <a:rPr lang="ko-KR" altLang="en-US" sz="1600" b="1" dirty="0"/>
+              <a:t>서버 계획</a:t>
+            </a:r>
+            <a:endParaRPr lang="en-US" altLang="ko-KR" sz="1600" b="1" dirty="0"/>
+          </a:p>
+        </p:txBody>
+      </p:sp>
+      <p:sp>
+        <p:nvSpPr>
+          <p:cNvPr id="17" name="TextBox 16">
+            <a:extLst>
+              <a:ext uri="{FF2B5EF4-FFF2-40B4-BE49-F238E27FC236}">
+                <a16:creationId xmlns:a16="http://schemas.microsoft.com/office/drawing/2014/main" id="{FB231B24-B272-48FD-BCCF-257AA8BD8296}"/>
+              </a:ext>
+            </a:extLst>
+          </p:cNvPr>
+          <p:cNvSpPr txBox="1"/>
+          <p:nvPr/>
+        </p:nvSpPr>
+        <p:spPr>
+          <a:xfrm>
+            <a:off x="379025" y="3404883"/>
+            <a:ext cx="3063270" cy="338554"/>
+          </a:xfrm>
+          <a:prstGeom prst="rect">
+            <a:avLst/>
+          </a:prstGeom>
+          <a:noFill/>
+        </p:spPr>
+        <p:txBody>
+          <a:bodyPr wrap="square" rtlCol="0">
+            <a:spAutoFit/>
+          </a:bodyPr>
+          <a:lstStyle/>
+          <a:p>
+            <a:r>
+              <a:rPr lang="ko-KR" altLang="en-US" sz="1600" b="1" dirty="0"/>
+              <a:t>안드로이드 계획</a:t>
+            </a:r>
+            <a:endParaRPr lang="en-US" altLang="ko-KR" sz="1600" b="1" dirty="0"/>
+          </a:p>
+        </p:txBody>
+      </p:sp>
+      <p:cxnSp>
+        <p:nvCxnSpPr>
+          <p:cNvPr id="19" name="직선 연결선 18">
+            <a:extLst>
+              <a:ext uri="{FF2B5EF4-FFF2-40B4-BE49-F238E27FC236}">
+                <a16:creationId xmlns:a16="http://schemas.microsoft.com/office/drawing/2014/main" id="{7E8A01C9-D479-4399-98F5-5F5DC318460B}"/>
+              </a:ext>
+            </a:extLst>
+          </p:cNvPr>
+          <p:cNvCxnSpPr>
+            <a:cxnSpLocks/>
+          </p:cNvCxnSpPr>
+          <p:nvPr/>
+        </p:nvCxnSpPr>
+        <p:spPr>
+          <a:xfrm>
+            <a:off x="448733" y="3975050"/>
+            <a:ext cx="11413067" cy="0"/>
+          </a:xfrm>
+          <a:prstGeom prst="line">
+            <a:avLst/>
+          </a:prstGeom>
+          <a:ln w="19050">
+            <a:solidFill>
+              <a:schemeClr val="tx1"/>
+            </a:solidFill>
+            <a:headEnd type="none" w="med" len="med"/>
+            <a:tailEnd type="arrow" w="lg" len="lg"/>
+          </a:ln>
+        </p:spPr>
+        <p:style>
+          <a:lnRef idx="1">
+            <a:schemeClr val="accent1"/>
+          </a:lnRef>
+          <a:fillRef idx="0">
+            <a:schemeClr val="accent1"/>
+          </a:fillRef>
+          <a:effectRef idx="0">
+            <a:schemeClr val="accent1"/>
+          </a:effectRef>
+          <a:fontRef idx="minor">
+            <a:schemeClr val="tx1"/>
+          </a:fontRef>
+        </p:style>
+      </p:cxnSp>
+    </p:spTree>
+    <p:extLst>
+      <p:ext uri="{BB962C8B-B14F-4D97-AF65-F5344CB8AC3E}">
+        <p14:creationId xmlns:p14="http://schemas.microsoft.com/office/powerpoint/2010/main" val="3418610673"/>
       </p:ext>
     </p:extLst>
   </p:cSld>
@@ -3683,7 +4175,7 @@
           <a:prstGeom prst="line">
             <a:avLst/>
           </a:prstGeom>
-          <a:ln w="12700">
+          <a:ln w="19050">
             <a:solidFill>
               <a:schemeClr val="tx1"/>
             </a:solidFill>
@@ -4951,7 +5443,7 @@
           <a:prstGeom prst="line">
             <a:avLst/>
           </a:prstGeom>
-          <a:ln w="12700">
+          <a:ln w="19050">
             <a:solidFill>
               <a:schemeClr val="tx1"/>
             </a:solidFill>
@@ -4994,7 +5486,7 @@
           <a:prstGeom prst="line">
             <a:avLst/>
           </a:prstGeom>
-          <a:ln w="12700">
+          <a:ln w="19050">
             <a:solidFill>
               <a:schemeClr val="tx1"/>
             </a:solidFill>
@@ -5477,7 +5969,7 @@
           <a:prstGeom prst="line">
             <a:avLst/>
           </a:prstGeom>
-          <a:ln w="12700">
+          <a:ln w="19050">
             <a:solidFill>
               <a:schemeClr val="tx1"/>
             </a:solidFill>
@@ -5520,7 +6012,7 @@
           <a:prstGeom prst="line">
             <a:avLst/>
           </a:prstGeom>
-          <a:ln w="12700">
+          <a:ln w="19050">
             <a:solidFill>
               <a:schemeClr val="tx1"/>
             </a:solidFill>
@@ -7121,9 +7613,20 @@
           <a:p>
             <a:r>
               <a:rPr lang="ko-KR" altLang="en-US" sz="1600" b="1" dirty="0"/>
-              <a:t>폭포수 모델</a:t>
-            </a:r>
-            <a:endParaRPr lang="en-US" altLang="ko-KR" sz="1600" b="1" dirty="0"/>
+              <a:t>선형 모델</a:t>
+            </a:r>
+            <a:r>
+              <a:rPr lang="en-US" altLang="ko-KR" sz="1600" b="1" dirty="0"/>
+              <a:t>(</a:t>
+            </a:r>
+            <a:r>
+              <a:rPr lang="ko-KR" altLang="en-US" sz="1600" b="1" dirty="0"/>
+              <a:t>순서 지향형 모델</a:t>
+            </a:r>
+            <a:r>
+              <a:rPr lang="en-US" altLang="ko-KR" sz="1600" b="1" dirty="0"/>
+              <a:t>)</a:t>
+            </a:r>
           </a:p>
         </p:txBody>
       </p:sp>
@@ -7157,17 +7660,303 @@
           <a:p>
             <a:r>
               <a:rPr lang="en-US" altLang="ko-KR" sz="1600" b="1" dirty="0"/>
-              <a:t>Waterfall model</a:t>
-            </a:r>
+              <a:t>Plan-based model</a:t>
+            </a:r>
+          </a:p>
+        </p:txBody>
+      </p:sp>
+      <p:sp>
+        <p:nvSpPr>
+          <p:cNvPr id="20" name="TextBox 19">
+            <a:extLst>
+              <a:ext uri="{FF2B5EF4-FFF2-40B4-BE49-F238E27FC236}">
+                <a16:creationId xmlns:a16="http://schemas.microsoft.com/office/drawing/2014/main" id="{7F89C88E-2C85-4D26-995D-F14456C5E686}"/>
+              </a:ext>
+            </a:extLst>
+          </p:cNvPr>
+          <p:cNvSpPr txBox="1"/>
+          <p:nvPr/>
+        </p:nvSpPr>
+        <p:spPr>
+          <a:xfrm>
+            <a:off x="5077710" y="2041694"/>
+            <a:ext cx="2036580" cy="338554"/>
+          </a:xfrm>
+          <a:prstGeom prst="rect">
+            <a:avLst/>
+          </a:prstGeom>
+          <a:noFill/>
+        </p:spPr>
+        <p:txBody>
+          <a:bodyPr wrap="square" rtlCol="0">
+            <a:spAutoFit/>
+          </a:bodyPr>
+          <a:lstStyle/>
+          <a:p>
+            <a:pPr algn="ctr"/>
+            <a:r>
+              <a:rPr lang="en-US" altLang="ko-KR" sz="1600" b="1" dirty="0"/>
+              <a:t>VS</a:t>
+            </a:r>
+          </a:p>
+        </p:txBody>
+      </p:sp>
+      <p:sp>
+        <p:nvSpPr>
+          <p:cNvPr id="21" name="TextBox 20">
+            <a:extLst>
+              <a:ext uri="{FF2B5EF4-FFF2-40B4-BE49-F238E27FC236}">
+                <a16:creationId xmlns:a16="http://schemas.microsoft.com/office/drawing/2014/main" id="{AB166F5F-E464-4AEC-ABE9-8043933BC3D8}"/>
+              </a:ext>
+            </a:extLst>
+          </p:cNvPr>
+          <p:cNvSpPr txBox="1"/>
+          <p:nvPr/>
+        </p:nvSpPr>
+        <p:spPr>
+          <a:xfrm>
+            <a:off x="891617" y="2698400"/>
+            <a:ext cx="3759447" cy="3228513"/>
+          </a:xfrm>
+          <a:prstGeom prst="rect">
+            <a:avLst/>
+          </a:prstGeom>
+          <a:noFill/>
+        </p:spPr>
+        <p:txBody>
+          <a:bodyPr wrap="square" rtlCol="0">
+            <a:spAutoFit/>
+          </a:bodyPr>
+          <a:lstStyle/>
+          <a:p>
+            <a:pPr algn="r">
+              <a:lnSpc>
+                <a:spcPct val="250000"/>
+              </a:lnSpc>
+            </a:pPr>
+            <a:r>
+              <a:rPr lang="ko-KR" altLang="en-US" sz="1400" dirty="0">
+                <a:latin typeface="+mj-lt"/>
+              </a:rPr>
+              <a:t>짧은 단위 </a:t>
+            </a:r>
+            <a:endParaRPr lang="en-US" altLang="ko-KR" sz="1400" dirty="0">
+              <a:latin typeface="+mj-lt"/>
+            </a:endParaRPr>
+          </a:p>
+          <a:p>
+            <a:pPr algn="r">
+              <a:lnSpc>
+                <a:spcPct val="250000"/>
+              </a:lnSpc>
+            </a:pPr>
+            <a:r>
+              <a:rPr lang="ko-KR" altLang="en-US" sz="1400" dirty="0"/>
+              <a:t>추상적 </a:t>
+            </a:r>
+            <a:r>
+              <a:rPr lang="en-US" altLang="ko-KR" sz="1400" dirty="0"/>
+              <a:t>/ </a:t>
+            </a:r>
+            <a:r>
+              <a:rPr lang="ko-KR" altLang="en-US" sz="1400" dirty="0"/>
+              <a:t>거시적 정리</a:t>
+            </a:r>
+            <a:endParaRPr lang="en-US" altLang="ko-KR" sz="1400" dirty="0"/>
+          </a:p>
+          <a:p>
+            <a:pPr algn="r">
+              <a:lnSpc>
+                <a:spcPct val="250000"/>
+              </a:lnSpc>
+            </a:pPr>
+            <a:r>
+              <a:rPr lang="ko-KR" altLang="en-US" sz="1400" dirty="0"/>
+              <a:t>구성원 전원이 전체를 인식</a:t>
+            </a:r>
+            <a:endParaRPr lang="en-US" altLang="ko-KR" sz="1400" dirty="0"/>
+          </a:p>
+          <a:p>
+            <a:pPr algn="r">
+              <a:lnSpc>
+                <a:spcPct val="250000"/>
+              </a:lnSpc>
+            </a:pPr>
+            <a:r>
+              <a:rPr lang="ko-KR" altLang="en-US" sz="1400" dirty="0"/>
+              <a:t>완만한 체계를 통한 유연한 대처</a:t>
+            </a:r>
+            <a:endParaRPr lang="en-US" altLang="ko-KR" sz="1400" dirty="0"/>
+          </a:p>
+          <a:p>
+            <a:pPr algn="r">
+              <a:lnSpc>
+                <a:spcPct val="250000"/>
+              </a:lnSpc>
+            </a:pPr>
+            <a:r>
+              <a:rPr lang="ko-KR" altLang="en-US" sz="1400" dirty="0"/>
+              <a:t>잦은 파편적 회의 </a:t>
+            </a:r>
+            <a:r>
+              <a:rPr lang="en-US" altLang="ko-KR" sz="1400" dirty="0"/>
+              <a:t>/ </a:t>
+            </a:r>
+            <a:r>
+              <a:rPr lang="ko-KR" altLang="en-US" sz="1400" dirty="0"/>
+              <a:t>피드백</a:t>
+            </a:r>
+            <a:endParaRPr lang="en-US" altLang="ko-KR" sz="1400" dirty="0"/>
+          </a:p>
+          <a:p>
+            <a:pPr algn="r">
+              <a:lnSpc>
+                <a:spcPct val="250000"/>
+              </a:lnSpc>
+            </a:pPr>
+            <a:r>
+              <a:rPr lang="ko-KR" altLang="en-US" sz="1400" dirty="0"/>
+              <a:t>수시로 추가되는 업무량 </a:t>
+            </a:r>
+            <a:r>
+              <a:rPr lang="en-US" altLang="ko-KR" sz="1400" dirty="0"/>
+              <a:t>/ </a:t>
+            </a:r>
+            <a:r>
+              <a:rPr lang="ko-KR" altLang="en-US" sz="1400" dirty="0"/>
+              <a:t>동적 기여</a:t>
+            </a:r>
+            <a:endParaRPr lang="en-US" altLang="ko-KR" sz="1400" dirty="0"/>
+          </a:p>
+        </p:txBody>
+      </p:sp>
+      <p:sp>
+        <p:nvSpPr>
+          <p:cNvPr id="29" name="TextBox 28">
+            <a:extLst>
+              <a:ext uri="{FF2B5EF4-FFF2-40B4-BE49-F238E27FC236}">
+                <a16:creationId xmlns:a16="http://schemas.microsoft.com/office/drawing/2014/main" id="{202D963C-C42F-4FC7-8B6C-4C77964EFD17}"/>
+              </a:ext>
+            </a:extLst>
+          </p:cNvPr>
+          <p:cNvSpPr txBox="1"/>
+          <p:nvPr/>
+        </p:nvSpPr>
+        <p:spPr>
+          <a:xfrm>
+            <a:off x="7540935" y="2698400"/>
+            <a:ext cx="3759447" cy="3228513"/>
+          </a:xfrm>
+          <a:prstGeom prst="rect">
+            <a:avLst/>
+          </a:prstGeom>
+          <a:noFill/>
+        </p:spPr>
+        <p:txBody>
+          <a:bodyPr wrap="square" rtlCol="0">
+            <a:spAutoFit/>
+          </a:bodyPr>
+          <a:lstStyle/>
+          <a:p>
+            <a:pPr algn="just">
+              <a:lnSpc>
+                <a:spcPct val="250000"/>
+              </a:lnSpc>
+            </a:pPr>
+            <a:r>
+              <a:rPr lang="ko-KR" altLang="en-US" sz="1400" dirty="0">
+                <a:latin typeface="+mj-lt"/>
+              </a:rPr>
+              <a:t>세부적 단위</a:t>
+            </a:r>
+            <a:endParaRPr lang="en-US" altLang="ko-KR" sz="1400" dirty="0">
+              <a:latin typeface="+mj-lt"/>
+            </a:endParaRPr>
+          </a:p>
+          <a:p>
+            <a:pPr algn="just">
+              <a:lnSpc>
+                <a:spcPct val="250000"/>
+              </a:lnSpc>
+            </a:pPr>
+            <a:r>
+              <a:rPr lang="ko-KR" altLang="en-US" sz="1400" dirty="0"/>
+              <a:t>체계적 정리</a:t>
+            </a:r>
+            <a:endParaRPr lang="en-US" altLang="ko-KR" sz="1400" dirty="0"/>
+          </a:p>
+          <a:p>
+            <a:pPr algn="just">
+              <a:lnSpc>
+                <a:spcPct val="250000"/>
+              </a:lnSpc>
+            </a:pPr>
+            <a:r>
+              <a:rPr lang="ko-KR" altLang="en-US" sz="1400" dirty="0"/>
+              <a:t>본인 분야 </a:t>
+            </a:r>
+            <a:r>
+              <a:rPr lang="en-US" altLang="ko-KR" sz="1400" dirty="0"/>
+              <a:t>/ </a:t>
+            </a:r>
+            <a:r>
+              <a:rPr lang="ko-KR" altLang="en-US" sz="1400" dirty="0"/>
+              <a:t>업무를 정확히 인식</a:t>
+            </a:r>
+            <a:endParaRPr lang="en-US" altLang="ko-KR" sz="1400" dirty="0"/>
+          </a:p>
+          <a:p>
+            <a:pPr algn="just">
+              <a:lnSpc>
+                <a:spcPct val="250000"/>
+              </a:lnSpc>
+            </a:pPr>
+            <a:r>
+              <a:rPr lang="ko-KR" altLang="en-US" sz="1400" dirty="0"/>
+              <a:t>수직적 체계로 인한 경직된 대처</a:t>
+            </a:r>
+            <a:endParaRPr lang="en-US" altLang="ko-KR" sz="1400" dirty="0"/>
+          </a:p>
+          <a:p>
+            <a:pPr algn="just">
+              <a:lnSpc>
+                <a:spcPct val="250000"/>
+              </a:lnSpc>
+            </a:pPr>
+            <a:r>
+              <a:rPr lang="ko-KR" altLang="en-US" sz="1400" dirty="0"/>
+              <a:t>정기 회의</a:t>
+            </a:r>
+            <a:endParaRPr lang="en-US" altLang="ko-KR" sz="1400" dirty="0"/>
+          </a:p>
+          <a:p>
+            <a:pPr algn="just">
+              <a:lnSpc>
+                <a:spcPct val="250000"/>
+              </a:lnSpc>
+            </a:pPr>
+            <a:r>
+              <a:rPr lang="ko-KR" altLang="en-US" sz="1400" dirty="0"/>
+              <a:t>정해진 업무량</a:t>
+            </a:r>
+            <a:r>
+              <a:rPr lang="en-US" altLang="ko-KR" sz="1400" dirty="0"/>
+              <a:t> / </a:t>
+            </a:r>
+            <a:r>
+              <a:rPr lang="ko-KR" altLang="en-US" sz="1400" dirty="0"/>
+              <a:t>정적 기여</a:t>
+            </a:r>
+            <a:endParaRPr lang="en-US" altLang="ko-KR" sz="1400" dirty="0"/>
           </a:p>
         </p:txBody>
       </p:sp>
       <p:cxnSp>
         <p:nvCxnSpPr>
-          <p:cNvPr id="19" name="직선 연결선 18">
-            <a:extLst>
-              <a:ext uri="{FF2B5EF4-FFF2-40B4-BE49-F238E27FC236}">
-                <a16:creationId xmlns:a16="http://schemas.microsoft.com/office/drawing/2014/main" id="{99FC73B8-B95E-4C83-9135-F2EF80C68510}"/>
+          <p:cNvPr id="30" name="직선 연결선 29">
+            <a:extLst>
+              <a:ext uri="{FF2B5EF4-FFF2-40B4-BE49-F238E27FC236}">
+                <a16:creationId xmlns:a16="http://schemas.microsoft.com/office/drawing/2014/main" id="{2DDE14CC-DC4B-4059-B9B1-3B1579B7CC7B}"/>
               </a:ext>
             </a:extLst>
           </p:cNvPr>
@@ -7178,16 +7967,17 @@
         </p:nvCxnSpPr>
         <p:spPr>
           <a:xfrm>
-            <a:off x="6320729" y="2668772"/>
-            <a:ext cx="0" cy="4189228"/>
+            <a:off x="686478" y="3306107"/>
+            <a:ext cx="10808377" cy="0"/>
           </a:xfrm>
           <a:prstGeom prst="line">
             <a:avLst/>
           </a:prstGeom>
-          <a:ln w="12700">
+          <a:ln w="19050">
             <a:solidFill>
               <a:schemeClr val="tx1"/>
             </a:solidFill>
+            <a:prstDash val="sysDot"/>
           </a:ln>
         </p:spPr>
         <p:style>
@@ -7205,12 +7995,404 @@
           </a:fontRef>
         </p:style>
       </p:cxnSp>
-      <p:sp>
-        <p:nvSpPr>
-          <p:cNvPr id="20" name="TextBox 19">
-            <a:extLst>
-              <a:ext uri="{FF2B5EF4-FFF2-40B4-BE49-F238E27FC236}">
-                <a16:creationId xmlns:a16="http://schemas.microsoft.com/office/drawing/2014/main" id="{7F89C88E-2C85-4D26-995D-F14456C5E686}"/>
+      <p:cxnSp>
+        <p:nvCxnSpPr>
+          <p:cNvPr id="40" name="직선 연결선 39">
+            <a:extLst>
+              <a:ext uri="{FF2B5EF4-FFF2-40B4-BE49-F238E27FC236}">
+                <a16:creationId xmlns:a16="http://schemas.microsoft.com/office/drawing/2014/main" id="{5658019C-8CD4-49DA-888F-06F335C36470}"/>
+              </a:ext>
+            </a:extLst>
+          </p:cNvPr>
+          <p:cNvCxnSpPr>
+            <a:cxnSpLocks/>
+          </p:cNvCxnSpPr>
+          <p:nvPr/>
+        </p:nvCxnSpPr>
+        <p:spPr>
+          <a:xfrm>
+            <a:off x="686478" y="3856072"/>
+            <a:ext cx="10808377" cy="0"/>
+          </a:xfrm>
+          <a:prstGeom prst="line">
+            <a:avLst/>
+          </a:prstGeom>
+          <a:ln w="19050">
+            <a:solidFill>
+              <a:schemeClr val="tx1"/>
+            </a:solidFill>
+            <a:prstDash val="sysDot"/>
+          </a:ln>
+        </p:spPr>
+        <p:style>
+          <a:lnRef idx="1">
+            <a:schemeClr val="accent1"/>
+          </a:lnRef>
+          <a:fillRef idx="0">
+            <a:schemeClr val="accent1"/>
+          </a:fillRef>
+          <a:effectRef idx="0">
+            <a:schemeClr val="accent1"/>
+          </a:effectRef>
+          <a:fontRef idx="minor">
+            <a:schemeClr val="tx1"/>
+          </a:fontRef>
+        </p:style>
+      </p:cxnSp>
+      <p:cxnSp>
+        <p:nvCxnSpPr>
+          <p:cNvPr id="41" name="직선 연결선 40">
+            <a:extLst>
+              <a:ext uri="{FF2B5EF4-FFF2-40B4-BE49-F238E27FC236}">
+                <a16:creationId xmlns:a16="http://schemas.microsoft.com/office/drawing/2014/main" id="{88292891-5D55-49D4-9743-4F9B8179D92C}"/>
+              </a:ext>
+            </a:extLst>
+          </p:cNvPr>
+          <p:cNvCxnSpPr>
+            <a:cxnSpLocks/>
+          </p:cNvCxnSpPr>
+          <p:nvPr/>
+        </p:nvCxnSpPr>
+        <p:spPr>
+          <a:xfrm>
+            <a:off x="686478" y="4402724"/>
+            <a:ext cx="10808377" cy="0"/>
+          </a:xfrm>
+          <a:prstGeom prst="line">
+            <a:avLst/>
+          </a:prstGeom>
+          <a:ln w="19050">
+            <a:solidFill>
+              <a:schemeClr val="tx1"/>
+            </a:solidFill>
+            <a:prstDash val="sysDot"/>
+          </a:ln>
+        </p:spPr>
+        <p:style>
+          <a:lnRef idx="1">
+            <a:schemeClr val="accent1"/>
+          </a:lnRef>
+          <a:fillRef idx="0">
+            <a:schemeClr val="accent1"/>
+          </a:fillRef>
+          <a:effectRef idx="0">
+            <a:schemeClr val="accent1"/>
+          </a:effectRef>
+          <a:fontRef idx="minor">
+            <a:schemeClr val="tx1"/>
+          </a:fontRef>
+        </p:style>
+      </p:cxnSp>
+      <p:cxnSp>
+        <p:nvCxnSpPr>
+          <p:cNvPr id="42" name="직선 연결선 41">
+            <a:extLst>
+              <a:ext uri="{FF2B5EF4-FFF2-40B4-BE49-F238E27FC236}">
+                <a16:creationId xmlns:a16="http://schemas.microsoft.com/office/drawing/2014/main" id="{C156CE71-0EAE-4B75-83A6-4EC59DCF0A54}"/>
+              </a:ext>
+            </a:extLst>
+          </p:cNvPr>
+          <p:cNvCxnSpPr>
+            <a:cxnSpLocks/>
+          </p:cNvCxnSpPr>
+          <p:nvPr/>
+        </p:nvCxnSpPr>
+        <p:spPr>
+          <a:xfrm>
+            <a:off x="686478" y="4922872"/>
+            <a:ext cx="10808377" cy="0"/>
+          </a:xfrm>
+          <a:prstGeom prst="line">
+            <a:avLst/>
+          </a:prstGeom>
+          <a:ln w="19050">
+            <a:solidFill>
+              <a:schemeClr val="tx1"/>
+            </a:solidFill>
+            <a:prstDash val="sysDot"/>
+          </a:ln>
+        </p:spPr>
+        <p:style>
+          <a:lnRef idx="1">
+            <a:schemeClr val="accent1"/>
+          </a:lnRef>
+          <a:fillRef idx="0">
+            <a:schemeClr val="accent1"/>
+          </a:fillRef>
+          <a:effectRef idx="0">
+            <a:schemeClr val="accent1"/>
+          </a:effectRef>
+          <a:fontRef idx="minor">
+            <a:schemeClr val="tx1"/>
+          </a:fontRef>
+        </p:style>
+      </p:cxnSp>
+      <p:cxnSp>
+        <p:nvCxnSpPr>
+          <p:cNvPr id="44" name="직선 연결선 43">
+            <a:extLst>
+              <a:ext uri="{FF2B5EF4-FFF2-40B4-BE49-F238E27FC236}">
+                <a16:creationId xmlns:a16="http://schemas.microsoft.com/office/drawing/2014/main" id="{0309AB31-9FD0-4FA6-B5A9-9C83306CBEF8}"/>
+              </a:ext>
+            </a:extLst>
+          </p:cNvPr>
+          <p:cNvCxnSpPr>
+            <a:cxnSpLocks/>
+          </p:cNvCxnSpPr>
+          <p:nvPr/>
+        </p:nvCxnSpPr>
+        <p:spPr>
+          <a:xfrm>
+            <a:off x="686478" y="5472837"/>
+            <a:ext cx="10808377" cy="0"/>
+          </a:xfrm>
+          <a:prstGeom prst="line">
+            <a:avLst/>
+          </a:prstGeom>
+          <a:ln w="19050">
+            <a:solidFill>
+              <a:schemeClr val="tx1"/>
+            </a:solidFill>
+            <a:prstDash val="sysDot"/>
+          </a:ln>
+        </p:spPr>
+        <p:style>
+          <a:lnRef idx="1">
+            <a:schemeClr val="accent1"/>
+          </a:lnRef>
+          <a:fillRef idx="0">
+            <a:schemeClr val="accent1"/>
+          </a:fillRef>
+          <a:effectRef idx="0">
+            <a:schemeClr val="accent1"/>
+          </a:effectRef>
+          <a:fontRef idx="minor">
+            <a:schemeClr val="tx1"/>
+          </a:fontRef>
+        </p:style>
+      </p:cxnSp>
+      <p:cxnSp>
+        <p:nvCxnSpPr>
+          <p:cNvPr id="45" name="직선 연결선 44">
+            <a:extLst>
+              <a:ext uri="{FF2B5EF4-FFF2-40B4-BE49-F238E27FC236}">
+                <a16:creationId xmlns:a16="http://schemas.microsoft.com/office/drawing/2014/main" id="{637C27FD-F435-41DA-B3E2-A4EF31236A63}"/>
+              </a:ext>
+            </a:extLst>
+          </p:cNvPr>
+          <p:cNvCxnSpPr>
+            <a:cxnSpLocks/>
+          </p:cNvCxnSpPr>
+          <p:nvPr/>
+        </p:nvCxnSpPr>
+        <p:spPr>
+          <a:xfrm>
+            <a:off x="686478" y="6039367"/>
+            <a:ext cx="10808377" cy="0"/>
+          </a:xfrm>
+          <a:prstGeom prst="line">
+            <a:avLst/>
+          </a:prstGeom>
+          <a:ln w="19050">
+            <a:solidFill>
+              <a:schemeClr val="tx1"/>
+            </a:solidFill>
+            <a:prstDash val="sysDot"/>
+          </a:ln>
+        </p:spPr>
+        <p:style>
+          <a:lnRef idx="1">
+            <a:schemeClr val="accent1"/>
+          </a:lnRef>
+          <a:fillRef idx="0">
+            <a:schemeClr val="accent1"/>
+          </a:fillRef>
+          <a:effectRef idx="0">
+            <a:schemeClr val="accent1"/>
+          </a:effectRef>
+          <a:fontRef idx="minor">
+            <a:schemeClr val="tx1"/>
+          </a:fontRef>
+        </p:style>
+      </p:cxnSp>
+      <p:cxnSp>
+        <p:nvCxnSpPr>
+          <p:cNvPr id="25" name="직선 연결선 24">
+            <a:extLst>
+              <a:ext uri="{FF2B5EF4-FFF2-40B4-BE49-F238E27FC236}">
+                <a16:creationId xmlns:a16="http://schemas.microsoft.com/office/drawing/2014/main" id="{5C53A204-EF7D-4E55-846A-ED1E891CFFF8}"/>
+              </a:ext>
+            </a:extLst>
+          </p:cNvPr>
+          <p:cNvCxnSpPr>
+            <a:cxnSpLocks/>
+          </p:cNvCxnSpPr>
+          <p:nvPr/>
+        </p:nvCxnSpPr>
+        <p:spPr>
+          <a:xfrm>
+            <a:off x="7084473" y="2812774"/>
+            <a:ext cx="0" cy="3240000"/>
+          </a:xfrm>
+          <a:prstGeom prst="line">
+            <a:avLst/>
+          </a:prstGeom>
+          <a:ln w="19050">
+            <a:solidFill>
+              <a:schemeClr val="tx1"/>
+            </a:solidFill>
+          </a:ln>
+        </p:spPr>
+        <p:style>
+          <a:lnRef idx="1">
+            <a:schemeClr val="accent1"/>
+          </a:lnRef>
+          <a:fillRef idx="0">
+            <a:schemeClr val="accent1"/>
+          </a:fillRef>
+          <a:effectRef idx="0">
+            <a:schemeClr val="accent1"/>
+          </a:effectRef>
+          <a:fontRef idx="minor">
+            <a:schemeClr val="tx1"/>
+          </a:fontRef>
+        </p:style>
+      </p:cxnSp>
+      <p:cxnSp>
+        <p:nvCxnSpPr>
+          <p:cNvPr id="27" name="직선 연결선 26">
+            <a:extLst>
+              <a:ext uri="{FF2B5EF4-FFF2-40B4-BE49-F238E27FC236}">
+                <a16:creationId xmlns:a16="http://schemas.microsoft.com/office/drawing/2014/main" id="{366732E7-9121-4A04-B5ED-43BB8145BE2F}"/>
+              </a:ext>
+            </a:extLst>
+          </p:cNvPr>
+          <p:cNvCxnSpPr>
+            <a:cxnSpLocks/>
+          </p:cNvCxnSpPr>
+          <p:nvPr/>
+        </p:nvCxnSpPr>
+        <p:spPr>
+          <a:xfrm>
+            <a:off x="5107527" y="2812774"/>
+            <a:ext cx="0" cy="3240000"/>
+          </a:xfrm>
+          <a:prstGeom prst="line">
+            <a:avLst/>
+          </a:prstGeom>
+          <a:ln w="19050">
+            <a:solidFill>
+              <a:schemeClr val="tx1"/>
+            </a:solidFill>
+          </a:ln>
+        </p:spPr>
+        <p:style>
+          <a:lnRef idx="1">
+            <a:schemeClr val="accent1"/>
+          </a:lnRef>
+          <a:fillRef idx="0">
+            <a:schemeClr val="accent1"/>
+          </a:fillRef>
+          <a:effectRef idx="0">
+            <a:schemeClr val="accent1"/>
+          </a:effectRef>
+          <a:fontRef idx="minor">
+            <a:schemeClr val="tx1"/>
+          </a:fontRef>
+        </p:style>
+      </p:cxnSp>
+      <p:cxnSp>
+        <p:nvCxnSpPr>
+          <p:cNvPr id="32" name="직선 연결선 31">
+            <a:extLst>
+              <a:ext uri="{FF2B5EF4-FFF2-40B4-BE49-F238E27FC236}">
+                <a16:creationId xmlns:a16="http://schemas.microsoft.com/office/drawing/2014/main" id="{A48F445D-D391-4189-B8B8-A13DC596F881}"/>
+              </a:ext>
+            </a:extLst>
+          </p:cNvPr>
+          <p:cNvCxnSpPr>
+            <a:cxnSpLocks/>
+          </p:cNvCxnSpPr>
+          <p:nvPr/>
+        </p:nvCxnSpPr>
+        <p:spPr>
+          <a:xfrm>
+            <a:off x="7540935" y="2812774"/>
+            <a:ext cx="0" cy="3240000"/>
+          </a:xfrm>
+          <a:prstGeom prst="line">
+            <a:avLst/>
+          </a:prstGeom>
+          <a:ln w="19050">
+            <a:solidFill>
+              <a:schemeClr val="tx1"/>
+            </a:solidFill>
+          </a:ln>
+        </p:spPr>
+        <p:style>
+          <a:lnRef idx="1">
+            <a:schemeClr val="accent1"/>
+          </a:lnRef>
+          <a:fillRef idx="0">
+            <a:schemeClr val="accent1"/>
+          </a:fillRef>
+          <a:effectRef idx="0">
+            <a:schemeClr val="accent1"/>
+          </a:effectRef>
+          <a:fontRef idx="minor">
+            <a:schemeClr val="tx1"/>
+          </a:fontRef>
+        </p:style>
+      </p:cxnSp>
+      <p:cxnSp>
+        <p:nvCxnSpPr>
+          <p:cNvPr id="35" name="직선 연결선 34">
+            <a:extLst>
+              <a:ext uri="{FF2B5EF4-FFF2-40B4-BE49-F238E27FC236}">
+                <a16:creationId xmlns:a16="http://schemas.microsoft.com/office/drawing/2014/main" id="{D11CC437-4D1A-4C15-B549-5B5662317732}"/>
+              </a:ext>
+            </a:extLst>
+          </p:cNvPr>
+          <p:cNvCxnSpPr>
+            <a:cxnSpLocks/>
+          </p:cNvCxnSpPr>
+          <p:nvPr/>
+        </p:nvCxnSpPr>
+        <p:spPr>
+          <a:xfrm>
+            <a:off x="4651065" y="2812774"/>
+            <a:ext cx="0" cy="3240000"/>
+          </a:xfrm>
+          <a:prstGeom prst="line">
+            <a:avLst/>
+          </a:prstGeom>
+          <a:ln w="19050">
+            <a:solidFill>
+              <a:schemeClr val="tx1"/>
+            </a:solidFill>
+          </a:ln>
+        </p:spPr>
+        <p:style>
+          <a:lnRef idx="1">
+            <a:schemeClr val="accent1"/>
+          </a:lnRef>
+          <a:fillRef idx="0">
+            <a:schemeClr val="accent1"/>
+          </a:fillRef>
+          <a:effectRef idx="0">
+            <a:schemeClr val="accent1"/>
+          </a:effectRef>
+          <a:fontRef idx="minor">
+            <a:schemeClr val="tx1"/>
+          </a:fontRef>
+        </p:style>
+      </p:cxnSp>
+      <p:sp>
+        <p:nvSpPr>
+          <p:cNvPr id="46" name="TextBox 45">
+            <a:extLst>
+              <a:ext uri="{FF2B5EF4-FFF2-40B4-BE49-F238E27FC236}">
+                <a16:creationId xmlns:a16="http://schemas.microsoft.com/office/drawing/2014/main" id="{11B37F0F-DC43-43A6-BC54-D0F3CF817FC7}"/>
               </a:ext>
             </a:extLst>
           </p:cNvPr>
@@ -7219,8 +8401,8 @@
         </p:nvSpPr>
         <p:spPr>
           <a:xfrm>
-            <a:off x="5747955" y="2041694"/>
-            <a:ext cx="1145547" cy="338554"/>
+            <a:off x="4715488" y="2684834"/>
+            <a:ext cx="2750354" cy="3228513"/>
           </a:xfrm>
           <a:prstGeom prst="rect">
             <a:avLst/>
@@ -7233,18 +8415,388 @@
           </a:bodyPr>
           <a:lstStyle/>
           <a:p>
-            <a:pPr algn="ctr"/>
-            <a:r>
-              <a:rPr lang="en-US" altLang="ko-KR" sz="1600" b="1" dirty="0"/>
-              <a:t>VS</a:t>
-            </a:r>
-          </a:p>
-        </p:txBody>
-      </p:sp>
+            <a:pPr algn="ctr">
+              <a:lnSpc>
+                <a:spcPct val="250000"/>
+              </a:lnSpc>
+            </a:pPr>
+            <a:r>
+              <a:rPr lang="ko-KR" altLang="en-US" sz="1400" dirty="0">
+                <a:latin typeface="+mj-lt"/>
+              </a:rPr>
+              <a:t>작업 계획</a:t>
+            </a:r>
+            <a:endParaRPr lang="en-US" altLang="ko-KR" sz="1400" dirty="0">
+              <a:latin typeface="+mj-lt"/>
+            </a:endParaRPr>
+          </a:p>
+          <a:p>
+            <a:pPr algn="ctr">
+              <a:lnSpc>
+                <a:spcPct val="250000"/>
+              </a:lnSpc>
+            </a:pPr>
+            <a:r>
+              <a:rPr lang="en-US" altLang="ko-KR" sz="1400" dirty="0"/>
+              <a:t>Requirements</a:t>
+            </a:r>
+          </a:p>
+          <a:p>
+            <a:pPr algn="ctr">
+              <a:lnSpc>
+                <a:spcPct val="250000"/>
+              </a:lnSpc>
+            </a:pPr>
+            <a:r>
+              <a:rPr lang="ko-KR" altLang="en-US" sz="1400" dirty="0"/>
+              <a:t>팀원 역할</a:t>
+            </a:r>
+            <a:endParaRPr lang="en-US" altLang="ko-KR" sz="1400" dirty="0"/>
+          </a:p>
+          <a:p>
+            <a:pPr algn="ctr">
+              <a:lnSpc>
+                <a:spcPct val="250000"/>
+              </a:lnSpc>
+            </a:pPr>
+            <a:r>
+              <a:rPr lang="ko-KR" altLang="en-US" sz="1400" dirty="0"/>
+              <a:t>개발 과정 중 변동사항</a:t>
+            </a:r>
+            <a:endParaRPr lang="en-US" altLang="ko-KR" sz="1400" dirty="0"/>
+          </a:p>
+          <a:p>
+            <a:pPr algn="ctr">
+              <a:lnSpc>
+                <a:spcPct val="250000"/>
+              </a:lnSpc>
+            </a:pPr>
+            <a:r>
+              <a:rPr lang="ko-KR" altLang="en-US" sz="1400" dirty="0"/>
+              <a:t>피드백 </a:t>
+            </a:r>
+            <a:r>
+              <a:rPr lang="en-US" altLang="ko-KR" sz="1400" dirty="0"/>
+              <a:t>/ </a:t>
+            </a:r>
+            <a:r>
+              <a:rPr lang="ko-KR" altLang="en-US" sz="1400" dirty="0"/>
+              <a:t>소통 </a:t>
+            </a:r>
+            <a:r>
+              <a:rPr lang="en-US" altLang="ko-KR" sz="1400" dirty="0"/>
+              <a:t>/ </a:t>
+            </a:r>
+            <a:r>
+              <a:rPr lang="ko-KR" altLang="en-US" sz="1400" dirty="0"/>
+              <a:t>협력</a:t>
+            </a:r>
+            <a:endParaRPr lang="en-US" altLang="ko-KR" sz="1400" dirty="0"/>
+          </a:p>
+          <a:p>
+            <a:pPr algn="ctr">
+              <a:lnSpc>
+                <a:spcPct val="250000"/>
+              </a:lnSpc>
+            </a:pPr>
+            <a:r>
+              <a:rPr lang="ko-KR" altLang="en-US" sz="1400" dirty="0"/>
+              <a:t>기여 </a:t>
+            </a:r>
+            <a:r>
+              <a:rPr lang="en-US" altLang="ko-KR" sz="1400" dirty="0"/>
+              <a:t>/ </a:t>
+            </a:r>
+            <a:r>
+              <a:rPr lang="ko-KR" altLang="en-US" sz="1400" dirty="0"/>
+              <a:t>업무량</a:t>
+            </a:r>
+            <a:endParaRPr lang="en-US" altLang="ko-KR" sz="1400" dirty="0"/>
+          </a:p>
+        </p:txBody>
+      </p:sp>
+      <p:cxnSp>
+        <p:nvCxnSpPr>
+          <p:cNvPr id="50" name="직선 연결선 49">
+            <a:extLst>
+              <a:ext uri="{FF2B5EF4-FFF2-40B4-BE49-F238E27FC236}">
+                <a16:creationId xmlns:a16="http://schemas.microsoft.com/office/drawing/2014/main" id="{9E7CEC02-4C1E-4EF3-8308-3095F0054FED}"/>
+              </a:ext>
+            </a:extLst>
+          </p:cNvPr>
+          <p:cNvCxnSpPr>
+            <a:cxnSpLocks/>
+          </p:cNvCxnSpPr>
+          <p:nvPr/>
+        </p:nvCxnSpPr>
+        <p:spPr>
+          <a:xfrm>
+            <a:off x="686477" y="2812774"/>
+            <a:ext cx="10808377" cy="0"/>
+          </a:xfrm>
+          <a:prstGeom prst="line">
+            <a:avLst/>
+          </a:prstGeom>
+          <a:ln w="19050">
+            <a:solidFill>
+              <a:schemeClr val="tx1"/>
+            </a:solidFill>
+            <a:prstDash val="sysDot"/>
+          </a:ln>
+        </p:spPr>
+        <p:style>
+          <a:lnRef idx="1">
+            <a:schemeClr val="accent1"/>
+          </a:lnRef>
+          <a:fillRef idx="0">
+            <a:schemeClr val="accent1"/>
+          </a:fillRef>
+          <a:effectRef idx="0">
+            <a:schemeClr val="accent1"/>
+          </a:effectRef>
+          <a:fontRef idx="minor">
+            <a:schemeClr val="tx1"/>
+          </a:fontRef>
+        </p:style>
+      </p:cxnSp>
+      <p:pic>
+        <p:nvPicPr>
+          <p:cNvPr id="53" name="그래픽 52" descr="확인 표시">
+            <a:extLst>
+              <a:ext uri="{FF2B5EF4-FFF2-40B4-BE49-F238E27FC236}">
+                <a16:creationId xmlns:a16="http://schemas.microsoft.com/office/drawing/2014/main" id="{99E9F65F-8D96-436D-A1F2-94CE33B3C8E2}"/>
+              </a:ext>
+            </a:extLst>
+          </p:cNvPr>
+          <p:cNvPicPr>
+            <a:picLocks noChangeAspect="1"/>
+          </p:cNvPicPr>
+          <p:nvPr/>
+        </p:nvPicPr>
+        <p:blipFill>
+          <a:blip r:embed="rId2">
+            <a:extLst>
+              <a:ext uri="{28A0092B-C50C-407E-A947-70E740481C1C}">
+                <a14:useLocalDpi xmlns:a14="http://schemas.microsoft.com/office/drawing/2010/main" val="0"/>
+              </a:ext>
+              <a:ext uri="{96DAC541-7B7A-43D3-8B79-37D633B846F1}">
+                <asvg:svgBlip xmlns:asvg="http://schemas.microsoft.com/office/drawing/2016/SVG/main" r:embed="rId3"/>
+              </a:ext>
+            </a:extLst>
+          </a:blip>
+          <a:stretch>
+            <a:fillRect/>
+          </a:stretch>
+        </p:blipFill>
+        <p:spPr>
+          <a:xfrm>
+            <a:off x="4710021" y="2895164"/>
+            <a:ext cx="338547" cy="338547"/>
+          </a:xfrm>
+          <a:prstGeom prst="rect">
+            <a:avLst/>
+          </a:prstGeom>
+        </p:spPr>
+      </p:pic>
+      <p:pic>
+        <p:nvPicPr>
+          <p:cNvPr id="54" name="그래픽 53" descr="확인 표시">
+            <a:extLst>
+              <a:ext uri="{FF2B5EF4-FFF2-40B4-BE49-F238E27FC236}">
+                <a16:creationId xmlns:a16="http://schemas.microsoft.com/office/drawing/2014/main" id="{82E56B2A-D62F-4C75-9F30-3ECE36C06BAA}"/>
+              </a:ext>
+            </a:extLst>
+          </p:cNvPr>
+          <p:cNvPicPr>
+            <a:picLocks noChangeAspect="1"/>
+          </p:cNvPicPr>
+          <p:nvPr/>
+        </p:nvPicPr>
+        <p:blipFill>
+          <a:blip r:embed="rId2">
+            <a:extLst>
+              <a:ext uri="{28A0092B-C50C-407E-A947-70E740481C1C}">
+                <a14:useLocalDpi xmlns:a14="http://schemas.microsoft.com/office/drawing/2010/main" val="0"/>
+              </a:ext>
+              <a:ext uri="{96DAC541-7B7A-43D3-8B79-37D633B846F1}">
+                <asvg:svgBlip xmlns:asvg="http://schemas.microsoft.com/office/drawing/2016/SVG/main" r:embed="rId3"/>
+              </a:ext>
+            </a:extLst>
+          </a:blip>
+          <a:stretch>
+            <a:fillRect/>
+          </a:stretch>
+        </p:blipFill>
+        <p:spPr>
+          <a:xfrm>
+            <a:off x="4710021" y="3396908"/>
+            <a:ext cx="338547" cy="338547"/>
+          </a:xfrm>
+          <a:prstGeom prst="rect">
+            <a:avLst/>
+          </a:prstGeom>
+        </p:spPr>
+      </p:pic>
+      <p:pic>
+        <p:nvPicPr>
+          <p:cNvPr id="55" name="그래픽 54" descr="확인 표시">
+            <a:extLst>
+              <a:ext uri="{FF2B5EF4-FFF2-40B4-BE49-F238E27FC236}">
+                <a16:creationId xmlns:a16="http://schemas.microsoft.com/office/drawing/2014/main" id="{7A36AB02-1390-4AF5-AA06-C74D4ED28B95}"/>
+              </a:ext>
+            </a:extLst>
+          </p:cNvPr>
+          <p:cNvPicPr>
+            <a:picLocks noChangeAspect="1"/>
+          </p:cNvPicPr>
+          <p:nvPr/>
+        </p:nvPicPr>
+        <p:blipFill>
+          <a:blip r:embed="rId2">
+            <a:extLst>
+              <a:ext uri="{28A0092B-C50C-407E-A947-70E740481C1C}">
+                <a14:useLocalDpi xmlns:a14="http://schemas.microsoft.com/office/drawing/2010/main" val="0"/>
+              </a:ext>
+              <a:ext uri="{96DAC541-7B7A-43D3-8B79-37D633B846F1}">
+                <asvg:svgBlip xmlns:asvg="http://schemas.microsoft.com/office/drawing/2016/SVG/main" r:embed="rId3"/>
+              </a:ext>
+            </a:extLst>
+          </a:blip>
+          <a:stretch>
+            <a:fillRect/>
+          </a:stretch>
+        </p:blipFill>
+        <p:spPr>
+          <a:xfrm>
+            <a:off x="4710020" y="3939691"/>
+            <a:ext cx="338547" cy="338547"/>
+          </a:xfrm>
+          <a:prstGeom prst="rect">
+            <a:avLst/>
+          </a:prstGeom>
+        </p:spPr>
+      </p:pic>
+      <p:pic>
+        <p:nvPicPr>
+          <p:cNvPr id="57" name="그래픽 56" descr="확인 표시">
+            <a:extLst>
+              <a:ext uri="{FF2B5EF4-FFF2-40B4-BE49-F238E27FC236}">
+                <a16:creationId xmlns:a16="http://schemas.microsoft.com/office/drawing/2014/main" id="{BD3A0B44-B3EE-49DA-AFE3-AC3C092D4F90}"/>
+              </a:ext>
+            </a:extLst>
+          </p:cNvPr>
+          <p:cNvPicPr>
+            <a:picLocks noChangeAspect="1"/>
+          </p:cNvPicPr>
+          <p:nvPr/>
+        </p:nvPicPr>
+        <p:blipFill>
+          <a:blip r:embed="rId2">
+            <a:extLst>
+              <a:ext uri="{28A0092B-C50C-407E-A947-70E740481C1C}">
+                <a14:useLocalDpi xmlns:a14="http://schemas.microsoft.com/office/drawing/2010/main" val="0"/>
+              </a:ext>
+              <a:ext uri="{96DAC541-7B7A-43D3-8B79-37D633B846F1}">
+                <asvg:svgBlip xmlns:asvg="http://schemas.microsoft.com/office/drawing/2016/SVG/main" r:embed="rId3"/>
+              </a:ext>
+            </a:extLst>
+          </a:blip>
+          <a:stretch>
+            <a:fillRect/>
+          </a:stretch>
+        </p:blipFill>
+        <p:spPr>
+          <a:xfrm>
+            <a:off x="4710019" y="4486342"/>
+            <a:ext cx="338547" cy="338547"/>
+          </a:xfrm>
+          <a:prstGeom prst="rect">
+            <a:avLst/>
+          </a:prstGeom>
+        </p:spPr>
+      </p:pic>
+      <p:pic>
+        <p:nvPicPr>
+          <p:cNvPr id="59" name="그래픽 58" descr="확인 표시">
+            <a:extLst>
+              <a:ext uri="{FF2B5EF4-FFF2-40B4-BE49-F238E27FC236}">
+                <a16:creationId xmlns:a16="http://schemas.microsoft.com/office/drawing/2014/main" id="{920FCA03-0AA1-4349-B47F-E6891D57486A}"/>
+              </a:ext>
+            </a:extLst>
+          </p:cNvPr>
+          <p:cNvPicPr>
+            <a:picLocks noChangeAspect="1"/>
+          </p:cNvPicPr>
+          <p:nvPr/>
+        </p:nvPicPr>
+        <p:blipFill>
+          <a:blip r:embed="rId2">
+            <a:extLst>
+              <a:ext uri="{28A0092B-C50C-407E-A947-70E740481C1C}">
+                <a14:useLocalDpi xmlns:a14="http://schemas.microsoft.com/office/drawing/2010/main" val="0"/>
+              </a:ext>
+              <a:ext uri="{96DAC541-7B7A-43D3-8B79-37D633B846F1}">
+                <asvg:svgBlip xmlns:asvg="http://schemas.microsoft.com/office/drawing/2016/SVG/main" r:embed="rId3"/>
+              </a:ext>
+            </a:extLst>
+          </a:blip>
+          <a:stretch>
+            <a:fillRect/>
+          </a:stretch>
+        </p:blipFill>
+        <p:spPr>
+          <a:xfrm>
+            <a:off x="4702934" y="5005965"/>
+            <a:ext cx="338547" cy="338547"/>
+          </a:xfrm>
+          <a:prstGeom prst="rect">
+            <a:avLst/>
+          </a:prstGeom>
+        </p:spPr>
+      </p:pic>
+      <p:pic>
+        <p:nvPicPr>
+          <p:cNvPr id="61" name="그래픽 60" descr="확인 표시">
+            <a:extLst>
+              <a:ext uri="{FF2B5EF4-FFF2-40B4-BE49-F238E27FC236}">
+                <a16:creationId xmlns:a16="http://schemas.microsoft.com/office/drawing/2014/main" id="{7953025C-2330-40B9-8710-A5B8B0F4664A}"/>
+              </a:ext>
+            </a:extLst>
+          </p:cNvPr>
+          <p:cNvPicPr>
+            <a:picLocks noChangeAspect="1"/>
+          </p:cNvPicPr>
+          <p:nvPr/>
+        </p:nvPicPr>
+        <p:blipFill>
+          <a:blip r:embed="rId2">
+            <a:extLst>
+              <a:ext uri="{28A0092B-C50C-407E-A947-70E740481C1C}">
+                <a14:useLocalDpi xmlns:a14="http://schemas.microsoft.com/office/drawing/2010/main" val="0"/>
+              </a:ext>
+              <a:ext uri="{96DAC541-7B7A-43D3-8B79-37D633B846F1}">
+                <asvg:svgBlip xmlns:asvg="http://schemas.microsoft.com/office/drawing/2016/SVG/main" r:embed="rId3"/>
+              </a:ext>
+            </a:extLst>
+          </a:blip>
+          <a:stretch>
+            <a:fillRect/>
+          </a:stretch>
+        </p:blipFill>
+        <p:spPr>
+          <a:xfrm>
+            <a:off x="4709284" y="5588366"/>
+            <a:ext cx="338547" cy="338547"/>
+          </a:xfrm>
+          <a:prstGeom prst="rect">
+            <a:avLst/>
+          </a:prstGeom>
+        </p:spPr>
+      </p:pic>
     </p:spTree>
     <p:extLst>
       <p:ext uri="{BB962C8B-B14F-4D97-AF65-F5344CB8AC3E}">
-        <p14:creationId xmlns:p14="http://schemas.microsoft.com/office/powerpoint/2010/main" val="550389542"/>
+        <p14:creationId xmlns:p14="http://schemas.microsoft.com/office/powerpoint/2010/main" val="4038394245"/>
       </p:ext>
     </p:extLst>
   </p:cSld>
@@ -7271,420 +8823,87 @@
           <a:chExt cx="0" cy="0"/>
         </a:xfrm>
       </p:grpSpPr>
-      <p:sp>
-        <p:nvSpPr>
-          <p:cNvPr id="4" name="TextBox 3">
-            <a:extLst>
-              <a:ext uri="{FF2B5EF4-FFF2-40B4-BE49-F238E27FC236}">
-                <a16:creationId xmlns:a16="http://schemas.microsoft.com/office/drawing/2014/main" id="{565939C4-D575-4568-9F1F-823A532B1F45}"/>
-              </a:ext>
-            </a:extLst>
-          </p:cNvPr>
-          <p:cNvSpPr txBox="1"/>
-          <p:nvPr/>
-        </p:nvSpPr>
-        <p:spPr>
-          <a:xfrm>
-            <a:off x="231354" y="231354"/>
-            <a:ext cx="3358612" cy="461665"/>
+      <p:pic>
+        <p:nvPicPr>
+          <p:cNvPr id="4" name="그림 3">
+            <a:extLst>
+              <a:ext uri="{FF2B5EF4-FFF2-40B4-BE49-F238E27FC236}">
+                <a16:creationId xmlns:a16="http://schemas.microsoft.com/office/drawing/2014/main" id="{518CDEA0-F25B-4153-8DF8-299A90F23ECA}"/>
+              </a:ext>
+            </a:extLst>
+          </p:cNvPr>
+          <p:cNvPicPr>
+            <a:picLocks noChangeAspect="1"/>
+          </p:cNvPicPr>
+          <p:nvPr/>
+        </p:nvPicPr>
+        <p:blipFill>
+          <a:blip r:embed="rId2"/>
+          <a:stretch>
+            <a:fillRect/>
+          </a:stretch>
+        </p:blipFill>
+        <p:spPr>
+          <a:xfrm>
+            <a:off x="989709" y="3550286"/>
+            <a:ext cx="9763125" cy="2895600"/>
+          </a:xfrm>
+          <a:prstGeom prst="rect">
+            <a:avLst/>
+          </a:prstGeom>
+        </p:spPr>
+      </p:pic>
+      <p:pic>
+        <p:nvPicPr>
+          <p:cNvPr id="6" name="Picture 4" descr="CS 410/510 - Software Engineering class notes">
+            <a:extLst>
+              <a:ext uri="{FF2B5EF4-FFF2-40B4-BE49-F238E27FC236}">
+                <a16:creationId xmlns:a16="http://schemas.microsoft.com/office/drawing/2014/main" id="{BBD75ABC-5750-4CBF-A96E-711F32BD2F75}"/>
+              </a:ext>
+            </a:extLst>
+          </p:cNvPr>
+          <p:cNvPicPr>
+            <a:picLocks noChangeAspect="1" noChangeArrowheads="1"/>
+          </p:cNvPicPr>
+          <p:nvPr/>
+        </p:nvPicPr>
+        <p:blipFill>
+          <a:blip r:embed="rId3">
+            <a:extLst>
+              <a:ext uri="{28A0092B-C50C-407E-A947-70E740481C1C}">
+                <a14:useLocalDpi xmlns:a14="http://schemas.microsoft.com/office/drawing/2010/main" val="0"/>
+              </a:ext>
+            </a:extLst>
+          </a:blip>
+          <a:srcRect/>
+          <a:stretch>
+            <a:fillRect/>
+          </a:stretch>
+        </p:blipFill>
+        <p:spPr bwMode="auto">
+          <a:xfrm>
+            <a:off x="3626270" y="664080"/>
+            <a:ext cx="3308229" cy="2510920"/>
           </a:xfrm>
           <a:prstGeom prst="rect">
             <a:avLst/>
           </a:prstGeom>
           <a:noFill/>
-        </p:spPr>
-        <p:txBody>
-          <a:bodyPr wrap="none" rtlCol="0">
-            <a:spAutoFit/>
-          </a:bodyPr>
-          <a:lstStyle/>
-          <a:p>
-            <a:r>
-              <a:rPr lang="en-US" altLang="ko-KR" sz="2400" b="1" dirty="0"/>
-              <a:t>Development Process</a:t>
-            </a:r>
-          </a:p>
-        </p:txBody>
-      </p:sp>
-      <p:cxnSp>
-        <p:nvCxnSpPr>
-          <p:cNvPr id="5" name="직선 연결선 4">
-            <a:extLst>
-              <a:ext uri="{FF2B5EF4-FFF2-40B4-BE49-F238E27FC236}">
-                <a16:creationId xmlns:a16="http://schemas.microsoft.com/office/drawing/2014/main" id="{BFE9EEFE-8BC0-4879-9D12-2A8BC074C22E}"/>
-              </a:ext>
-            </a:extLst>
-          </p:cNvPr>
-          <p:cNvCxnSpPr>
-            <a:cxnSpLocks/>
-          </p:cNvCxnSpPr>
-          <p:nvPr/>
-        </p:nvCxnSpPr>
-        <p:spPr>
-          <a:xfrm>
-            <a:off x="5586235" y="122850"/>
-            <a:ext cx="6475476" cy="0"/>
-          </a:xfrm>
-          <a:prstGeom prst="line">
-            <a:avLst/>
-          </a:prstGeom>
-          <a:ln w="12700">
-            <a:solidFill>
-              <a:schemeClr val="tx1"/>
-            </a:solidFill>
-            <a:headEnd type="none" w="med" len="med"/>
-            <a:tailEnd type="arrow" w="lg" len="lg"/>
-          </a:ln>
-        </p:spPr>
-        <p:style>
-          <a:lnRef idx="1">
-            <a:schemeClr val="accent1"/>
-          </a:lnRef>
-          <a:fillRef idx="0">
-            <a:schemeClr val="accent1"/>
-          </a:fillRef>
-          <a:effectRef idx="0">
-            <a:schemeClr val="accent1"/>
-          </a:effectRef>
-          <a:fontRef idx="minor">
-            <a:schemeClr val="tx1"/>
-          </a:fontRef>
-        </p:style>
-      </p:cxnSp>
-      <p:sp>
-        <p:nvSpPr>
-          <p:cNvPr id="6" name="TextBox 5">
-            <a:extLst>
-              <a:ext uri="{FF2B5EF4-FFF2-40B4-BE49-F238E27FC236}">
-                <a16:creationId xmlns:a16="http://schemas.microsoft.com/office/drawing/2014/main" id="{DDC4FEB6-5B26-4F0F-A146-69E3C363501F}"/>
-              </a:ext>
-            </a:extLst>
-          </p:cNvPr>
-          <p:cNvSpPr txBox="1"/>
-          <p:nvPr/>
-        </p:nvSpPr>
-        <p:spPr>
-          <a:xfrm>
-            <a:off x="5604443" y="231355"/>
-            <a:ext cx="716286" cy="276999"/>
-          </a:xfrm>
-          <a:prstGeom prst="rect">
-            <a:avLst/>
-          </a:prstGeom>
-          <a:noFill/>
-        </p:spPr>
-        <p:txBody>
-          <a:bodyPr wrap="none" rtlCol="0">
-            <a:spAutoFit/>
-          </a:bodyPr>
-          <a:lstStyle/>
-          <a:p>
-            <a:r>
-              <a:rPr lang="en-US" altLang="ko-KR" sz="1200" dirty="0"/>
-              <a:t>Preview</a:t>
-            </a:r>
-            <a:endParaRPr lang="ko-KR" altLang="en-US" sz="1200" dirty="0"/>
-          </a:p>
-        </p:txBody>
-      </p:sp>
-      <p:sp>
-        <p:nvSpPr>
-          <p:cNvPr id="7" name="TextBox 6">
-            <a:extLst>
-              <a:ext uri="{FF2B5EF4-FFF2-40B4-BE49-F238E27FC236}">
-                <a16:creationId xmlns:a16="http://schemas.microsoft.com/office/drawing/2014/main" id="{1C9DDA0A-F980-4E1D-83FD-D5A5F3D249D0}"/>
-              </a:ext>
-            </a:extLst>
-          </p:cNvPr>
-          <p:cNvSpPr txBox="1"/>
-          <p:nvPr/>
-        </p:nvSpPr>
-        <p:spPr>
-          <a:xfrm>
-            <a:off x="6320729" y="231355"/>
-            <a:ext cx="545855" cy="276999"/>
-          </a:xfrm>
-          <a:prstGeom prst="rect">
-            <a:avLst/>
-          </a:prstGeom>
-          <a:noFill/>
-        </p:spPr>
-        <p:txBody>
-          <a:bodyPr wrap="none" rtlCol="0">
-            <a:spAutoFit/>
-          </a:bodyPr>
-          <a:lstStyle/>
-          <a:p>
-            <a:r>
-              <a:rPr lang="en-US" altLang="ko-KR" sz="1200" dirty="0"/>
-              <a:t>Team</a:t>
-            </a:r>
-            <a:endParaRPr lang="ko-KR" altLang="en-US" sz="1200" dirty="0"/>
-          </a:p>
-        </p:txBody>
-      </p:sp>
-      <p:sp>
-        <p:nvSpPr>
-          <p:cNvPr id="8" name="TextBox 7">
-            <a:extLst>
-              <a:ext uri="{FF2B5EF4-FFF2-40B4-BE49-F238E27FC236}">
-                <a16:creationId xmlns:a16="http://schemas.microsoft.com/office/drawing/2014/main" id="{DF48F0D6-48B6-41ED-B5FC-479983F1A736}"/>
-              </a:ext>
-            </a:extLst>
-          </p:cNvPr>
-          <p:cNvSpPr txBox="1"/>
-          <p:nvPr/>
-        </p:nvSpPr>
-        <p:spPr>
-          <a:xfrm>
-            <a:off x="6866584" y="231355"/>
-            <a:ext cx="1062535" cy="276999"/>
-          </a:xfrm>
-          <a:prstGeom prst="rect">
-            <a:avLst/>
-          </a:prstGeom>
-          <a:noFill/>
-        </p:spPr>
-        <p:txBody>
-          <a:bodyPr wrap="none" rtlCol="0">
-            <a:spAutoFit/>
-          </a:bodyPr>
-          <a:lstStyle/>
-          <a:p>
-            <a:r>
-              <a:rPr lang="en-US" altLang="ko-KR" sz="1200" dirty="0"/>
-              <a:t>Environment</a:t>
-            </a:r>
-            <a:endParaRPr lang="ko-KR" altLang="en-US" sz="1200" dirty="0"/>
-          </a:p>
-        </p:txBody>
-      </p:sp>
-      <p:sp>
-        <p:nvSpPr>
-          <p:cNvPr id="9" name="TextBox 8">
-            <a:extLst>
-              <a:ext uri="{FF2B5EF4-FFF2-40B4-BE49-F238E27FC236}">
-                <a16:creationId xmlns:a16="http://schemas.microsoft.com/office/drawing/2014/main" id="{436432E4-6A8D-4C01-BEF5-05843EDD45ED}"/>
-              </a:ext>
-            </a:extLst>
-          </p:cNvPr>
-          <p:cNvSpPr txBox="1"/>
-          <p:nvPr/>
-        </p:nvSpPr>
-        <p:spPr>
-          <a:xfrm>
-            <a:off x="7929119" y="231354"/>
-            <a:ext cx="1020600" cy="276999"/>
-          </a:xfrm>
-          <a:prstGeom prst="rect">
-            <a:avLst/>
-          </a:prstGeom>
-          <a:noFill/>
-        </p:spPr>
-        <p:txBody>
-          <a:bodyPr wrap="none" rtlCol="0">
-            <a:spAutoFit/>
-          </a:bodyPr>
-          <a:lstStyle/>
-          <a:p>
-            <a:r>
-              <a:rPr lang="en-US" altLang="ko-KR" sz="1200" dirty="0"/>
-              <a:t>Architecture</a:t>
-            </a:r>
-            <a:endParaRPr lang="ko-KR" altLang="en-US" sz="1200" dirty="0"/>
-          </a:p>
-        </p:txBody>
-      </p:sp>
-      <p:sp>
-        <p:nvSpPr>
-          <p:cNvPr id="10" name="TextBox 9">
-            <a:extLst>
-              <a:ext uri="{FF2B5EF4-FFF2-40B4-BE49-F238E27FC236}">
-                <a16:creationId xmlns:a16="http://schemas.microsoft.com/office/drawing/2014/main" id="{898A85B0-6B93-477A-8083-12355552FD85}"/>
-              </a:ext>
-            </a:extLst>
-          </p:cNvPr>
-          <p:cNvSpPr txBox="1"/>
-          <p:nvPr/>
-        </p:nvSpPr>
-        <p:spPr>
-          <a:xfrm>
-            <a:off x="8949719" y="231355"/>
-            <a:ext cx="1354794" cy="276999"/>
-          </a:xfrm>
-          <a:prstGeom prst="rect">
-            <a:avLst/>
-          </a:prstGeom>
-          <a:noFill/>
-        </p:spPr>
-        <p:txBody>
-          <a:bodyPr wrap="none" rtlCol="0">
-            <a:spAutoFit/>
-          </a:bodyPr>
-          <a:lstStyle/>
-          <a:p>
-            <a:r>
-              <a:rPr lang="en-US" altLang="ko-KR" sz="1200" dirty="0"/>
-              <a:t>Core Technology</a:t>
-            </a:r>
-            <a:endParaRPr lang="ko-KR" altLang="en-US" sz="1200" dirty="0"/>
-          </a:p>
-        </p:txBody>
-      </p:sp>
-      <p:sp>
-        <p:nvSpPr>
-          <p:cNvPr id="11" name="TextBox 10">
-            <a:extLst>
-              <a:ext uri="{FF2B5EF4-FFF2-40B4-BE49-F238E27FC236}">
-                <a16:creationId xmlns:a16="http://schemas.microsoft.com/office/drawing/2014/main" id="{8F0386BA-D88E-48CA-A783-34CC75783863}"/>
-              </a:ext>
-            </a:extLst>
-          </p:cNvPr>
-          <p:cNvSpPr txBox="1"/>
-          <p:nvPr/>
-        </p:nvSpPr>
-        <p:spPr>
-          <a:xfrm>
-            <a:off x="10304513" y="231354"/>
-            <a:ext cx="1693156" cy="276999"/>
-          </a:xfrm>
-          <a:prstGeom prst="rect">
-            <a:avLst/>
-          </a:prstGeom>
-          <a:noFill/>
-        </p:spPr>
-        <p:txBody>
-          <a:bodyPr wrap="none" rtlCol="0">
-            <a:spAutoFit/>
-          </a:bodyPr>
-          <a:lstStyle/>
-          <a:p>
-            <a:r>
-              <a:rPr lang="en-US" altLang="ko-KR" sz="1200" dirty="0">
+          <a:extLst>
+            <a:ext uri="{909E8E84-426E-40DD-AFC4-6F175D3DCCD1}">
+              <a14:hiddenFill xmlns:a14="http://schemas.microsoft.com/office/drawing/2010/main">
                 <a:solidFill>
-                  <a:srgbClr val="0070C0"/>
+                  <a:srgbClr val="FFFFFF"/>
                 </a:solidFill>
-              </a:rPr>
-              <a:t>Development Process</a:t>
-            </a:r>
-            <a:endParaRPr lang="ko-KR" altLang="en-US" sz="1200" dirty="0">
-              <a:solidFill>
-                <a:srgbClr val="0070C0"/>
-              </a:solidFill>
-            </a:endParaRPr>
-          </a:p>
-        </p:txBody>
-      </p:sp>
-      <p:sp>
-        <p:nvSpPr>
-          <p:cNvPr id="12" name="TextBox 11">
-            <a:extLst>
-              <a:ext uri="{FF2B5EF4-FFF2-40B4-BE49-F238E27FC236}">
-                <a16:creationId xmlns:a16="http://schemas.microsoft.com/office/drawing/2014/main" id="{76FCFFFC-96B6-4EBA-84EC-A6CF15AA68B6}"/>
-              </a:ext>
-            </a:extLst>
-          </p:cNvPr>
-          <p:cNvSpPr txBox="1"/>
-          <p:nvPr/>
-        </p:nvSpPr>
-        <p:spPr>
-          <a:xfrm>
-            <a:off x="686478" y="1267329"/>
-            <a:ext cx="2982369" cy="369332"/>
-          </a:xfrm>
-          <a:prstGeom prst="rect">
-            <a:avLst/>
-          </a:prstGeom>
-          <a:noFill/>
-        </p:spPr>
-        <p:txBody>
-          <a:bodyPr wrap="square" rtlCol="0">
-            <a:spAutoFit/>
-          </a:bodyPr>
-          <a:lstStyle/>
-          <a:p>
-            <a:r>
-              <a:rPr lang="ko-KR" altLang="en-US" b="1" dirty="0"/>
-              <a:t>세부 계획</a:t>
-            </a:r>
-          </a:p>
-        </p:txBody>
-      </p:sp>
-      <p:sp>
-        <p:nvSpPr>
-          <p:cNvPr id="13" name="TextBox 12">
-            <a:extLst>
-              <a:ext uri="{FF2B5EF4-FFF2-40B4-BE49-F238E27FC236}">
-                <a16:creationId xmlns:a16="http://schemas.microsoft.com/office/drawing/2014/main" id="{71CFA767-FC64-4294-8A24-545FD6B3B900}"/>
-              </a:ext>
-            </a:extLst>
-          </p:cNvPr>
-          <p:cNvSpPr txBox="1"/>
-          <p:nvPr/>
-        </p:nvSpPr>
-        <p:spPr>
-          <a:xfrm>
-            <a:off x="1587795" y="1872417"/>
-            <a:ext cx="3063270" cy="338554"/>
-          </a:xfrm>
-          <a:prstGeom prst="rect">
-            <a:avLst/>
-          </a:prstGeom>
-          <a:noFill/>
-        </p:spPr>
-        <p:txBody>
-          <a:bodyPr wrap="square" rtlCol="0">
-            <a:spAutoFit/>
-          </a:bodyPr>
-          <a:lstStyle/>
-          <a:p>
-            <a:r>
-              <a:rPr lang="ko-KR" altLang="en-US" sz="1600" b="1" dirty="0"/>
-              <a:t>애자일 프로세스</a:t>
-            </a:r>
-            <a:endParaRPr lang="en-US" altLang="ko-KR" sz="1600" b="1" dirty="0"/>
-          </a:p>
-        </p:txBody>
-      </p:sp>
-      <p:sp>
-        <p:nvSpPr>
-          <p:cNvPr id="14" name="TextBox 13">
-            <a:extLst>
-              <a:ext uri="{FF2B5EF4-FFF2-40B4-BE49-F238E27FC236}">
-                <a16:creationId xmlns:a16="http://schemas.microsoft.com/office/drawing/2014/main" id="{CFD5CDA9-5982-494D-BA65-66B8379C6D96}"/>
-              </a:ext>
-            </a:extLst>
-          </p:cNvPr>
-          <p:cNvSpPr txBox="1"/>
-          <p:nvPr/>
-        </p:nvSpPr>
-        <p:spPr>
-          <a:xfrm>
-            <a:off x="1587795" y="2210971"/>
-            <a:ext cx="3063270" cy="338554"/>
-          </a:xfrm>
-          <a:prstGeom prst="rect">
-            <a:avLst/>
-          </a:prstGeom>
-          <a:noFill/>
-        </p:spPr>
-        <p:txBody>
-          <a:bodyPr wrap="square" rtlCol="0">
-            <a:spAutoFit/>
-          </a:bodyPr>
-          <a:lstStyle/>
-          <a:p>
-            <a:r>
-              <a:rPr lang="en-US" altLang="ko-KR" sz="1600" b="1" dirty="0"/>
-              <a:t>Agile Software Development</a:t>
-            </a:r>
-          </a:p>
-        </p:txBody>
-      </p:sp>
+              </a14:hiddenFill>
+            </a:ext>
+          </a:extLst>
+        </p:spPr>
+      </p:pic>
     </p:spTree>
     <p:extLst>
       <p:ext uri="{BB962C8B-B14F-4D97-AF65-F5344CB8AC3E}">
-        <p14:creationId xmlns:p14="http://schemas.microsoft.com/office/powerpoint/2010/main" val="3418610673"/>
+        <p14:creationId xmlns:p14="http://schemas.microsoft.com/office/powerpoint/2010/main" val="4065941260"/>
       </p:ext>
     </p:extLst>
   </p:cSld>

--- a/Datas/개발 발표안 1차.pptx
+++ b/Datas/개발 발표안 1차.pptx
@@ -4,6 +4,9 @@
   <p:sldMasterIdLst>
     <p:sldMasterId id="2147483648" r:id="rId1"/>
   </p:sldMasterIdLst>
+  <p:notesMasterIdLst>
+    <p:notesMasterId r:id="rId11"/>
+  </p:notesMasterIdLst>
   <p:sldIdLst>
     <p:sldId id="256" r:id="rId2"/>
     <p:sldId id="257" r:id="rId3"/>
@@ -11,10 +14,9 @@
     <p:sldId id="259" r:id="rId5"/>
     <p:sldId id="260" r:id="rId6"/>
     <p:sldId id="263" r:id="rId7"/>
-    <p:sldId id="261" r:id="rId8"/>
+    <p:sldId id="269" r:id="rId8"/>
     <p:sldId id="268" r:id="rId9"/>
-    <p:sldId id="265" r:id="rId10"/>
-    <p:sldId id="264" r:id="rId11"/>
+    <p:sldId id="264" r:id="rId10"/>
   </p:sldIdLst>
   <p:sldSz cx="12192000" cy="6858000"/>
   <p:notesSz cx="6858000" cy="9144000"/>
@@ -121,6 +123,439 @@
 </p:presentation>
 </file>
 
+<file path=ppt/notesMasters/notesMaster1.xml><?xml version="1.0" encoding="utf-8"?>
+<p:notesMaster xmlns:a="http://schemas.openxmlformats.org/drawingml/2006/main" xmlns:r="http://schemas.openxmlformats.org/officeDocument/2006/relationships" xmlns:p="http://schemas.openxmlformats.org/presentationml/2006/main">
+  <p:cSld>
+    <p:bg>
+      <p:bgRef idx="1001">
+        <a:schemeClr val="bg1"/>
+      </p:bgRef>
+    </p:bg>
+    <p:spTree>
+      <p:nvGrpSpPr>
+        <p:cNvPr id="1" name=""/>
+        <p:cNvGrpSpPr/>
+        <p:nvPr/>
+      </p:nvGrpSpPr>
+      <p:grpSpPr>
+        <a:xfrm>
+          <a:off x="0" y="0"/>
+          <a:ext cx="0" cy="0"/>
+          <a:chOff x="0" y="0"/>
+          <a:chExt cx="0" cy="0"/>
+        </a:xfrm>
+      </p:grpSpPr>
+      <p:sp>
+        <p:nvSpPr>
+          <p:cNvPr id="2" name="머리글 개체 틀 1"/>
+          <p:cNvSpPr>
+            <a:spLocks noGrp="1"/>
+          </p:cNvSpPr>
+          <p:nvPr>
+            <p:ph type="hdr" sz="quarter"/>
+          </p:nvPr>
+        </p:nvSpPr>
+        <p:spPr>
+          <a:xfrm>
+            <a:off x="0" y="0"/>
+            <a:ext cx="2971800" cy="458788"/>
+          </a:xfrm>
+          <a:prstGeom prst="rect">
+            <a:avLst/>
+          </a:prstGeom>
+        </p:spPr>
+        <p:txBody>
+          <a:bodyPr vert="horz" lIns="91440" tIns="45720" rIns="91440" bIns="45720" rtlCol="0"/>
+          <a:lstStyle>
+            <a:lvl1pPr algn="l">
+              <a:defRPr sz="1200"/>
+            </a:lvl1pPr>
+          </a:lstStyle>
+          <a:p>
+            <a:endParaRPr lang="ko-KR" altLang="en-US"/>
+          </a:p>
+        </p:txBody>
+      </p:sp>
+      <p:sp>
+        <p:nvSpPr>
+          <p:cNvPr id="3" name="날짜 개체 틀 2"/>
+          <p:cNvSpPr>
+            <a:spLocks noGrp="1"/>
+          </p:cNvSpPr>
+          <p:nvPr>
+            <p:ph type="dt" idx="1"/>
+          </p:nvPr>
+        </p:nvSpPr>
+        <p:spPr>
+          <a:xfrm>
+            <a:off x="3884613" y="0"/>
+            <a:ext cx="2971800" cy="458788"/>
+          </a:xfrm>
+          <a:prstGeom prst="rect">
+            <a:avLst/>
+          </a:prstGeom>
+        </p:spPr>
+        <p:txBody>
+          <a:bodyPr vert="horz" lIns="91440" tIns="45720" rIns="91440" bIns="45720" rtlCol="0"/>
+          <a:lstStyle>
+            <a:lvl1pPr algn="r">
+              <a:defRPr sz="1200"/>
+            </a:lvl1pPr>
+          </a:lstStyle>
+          <a:p>
+            <a:fld id="{C46C8B0E-9D4F-4EE9-A0B3-2F5DC9B95294}" type="datetimeFigureOut">
+              <a:rPr lang="ko-KR" altLang="en-US" smtClean="0"/>
+              <a:t>2020-09-23</a:t>
+            </a:fld>
+            <a:endParaRPr lang="ko-KR" altLang="en-US"/>
+          </a:p>
+        </p:txBody>
+      </p:sp>
+      <p:sp>
+        <p:nvSpPr>
+          <p:cNvPr id="4" name="슬라이드 이미지 개체 틀 3"/>
+          <p:cNvSpPr>
+            <a:spLocks noGrp="1" noRot="1" noChangeAspect="1"/>
+          </p:cNvSpPr>
+          <p:nvPr>
+            <p:ph type="sldImg" idx="2"/>
+          </p:nvPr>
+        </p:nvSpPr>
+        <p:spPr>
+          <a:xfrm>
+            <a:off x="685800" y="1143000"/>
+            <a:ext cx="5486400" cy="3086100"/>
+          </a:xfrm>
+          <a:prstGeom prst="rect">
+            <a:avLst/>
+          </a:prstGeom>
+          <a:noFill/>
+          <a:ln w="12700">
+            <a:solidFill>
+              <a:prstClr val="black"/>
+            </a:solidFill>
+          </a:ln>
+        </p:spPr>
+        <p:txBody>
+          <a:bodyPr vert="horz" lIns="91440" tIns="45720" rIns="91440" bIns="45720" rtlCol="0" anchor="ctr"/>
+          <a:lstStyle/>
+          <a:p>
+            <a:endParaRPr lang="ko-KR" altLang="en-US"/>
+          </a:p>
+        </p:txBody>
+      </p:sp>
+      <p:sp>
+        <p:nvSpPr>
+          <p:cNvPr id="5" name="슬라이드 노트 개체 틀 4"/>
+          <p:cNvSpPr>
+            <a:spLocks noGrp="1"/>
+          </p:cNvSpPr>
+          <p:nvPr>
+            <p:ph type="body" sz="quarter" idx="3"/>
+          </p:nvPr>
+        </p:nvSpPr>
+        <p:spPr>
+          <a:xfrm>
+            <a:off x="685800" y="4400550"/>
+            <a:ext cx="5486400" cy="3600450"/>
+          </a:xfrm>
+          <a:prstGeom prst="rect">
+            <a:avLst/>
+          </a:prstGeom>
+        </p:spPr>
+        <p:txBody>
+          <a:bodyPr vert="horz" lIns="91440" tIns="45720" rIns="91440" bIns="45720" rtlCol="0"/>
+          <a:lstStyle/>
+          <a:p>
+            <a:pPr lvl="0"/>
+            <a:r>
+              <a:rPr lang="ko-KR" altLang="en-US"/>
+              <a:t>마스터 텍스트 스타일을 편집하려면 클릭</a:t>
+            </a:r>
+          </a:p>
+          <a:p>
+            <a:pPr lvl="1"/>
+            <a:r>
+              <a:rPr lang="ko-KR" altLang="en-US"/>
+              <a:t>두 번째 수준</a:t>
+            </a:r>
+          </a:p>
+          <a:p>
+            <a:pPr lvl="2"/>
+            <a:r>
+              <a:rPr lang="ko-KR" altLang="en-US"/>
+              <a:t>세 번째 수준</a:t>
+            </a:r>
+          </a:p>
+          <a:p>
+            <a:pPr lvl="3"/>
+            <a:r>
+              <a:rPr lang="ko-KR" altLang="en-US"/>
+              <a:t>네 번째 수준</a:t>
+            </a:r>
+          </a:p>
+          <a:p>
+            <a:pPr lvl="4"/>
+            <a:r>
+              <a:rPr lang="ko-KR" altLang="en-US"/>
+              <a:t>다섯 번째 수준</a:t>
+            </a:r>
+          </a:p>
+        </p:txBody>
+      </p:sp>
+      <p:sp>
+        <p:nvSpPr>
+          <p:cNvPr id="6" name="바닥글 개체 틀 5"/>
+          <p:cNvSpPr>
+            <a:spLocks noGrp="1"/>
+          </p:cNvSpPr>
+          <p:nvPr>
+            <p:ph type="ftr" sz="quarter" idx="4"/>
+          </p:nvPr>
+        </p:nvSpPr>
+        <p:spPr>
+          <a:xfrm>
+            <a:off x="0" y="8685213"/>
+            <a:ext cx="2971800" cy="458787"/>
+          </a:xfrm>
+          <a:prstGeom prst="rect">
+            <a:avLst/>
+          </a:prstGeom>
+        </p:spPr>
+        <p:txBody>
+          <a:bodyPr vert="horz" lIns="91440" tIns="45720" rIns="91440" bIns="45720" rtlCol="0" anchor="b"/>
+          <a:lstStyle>
+            <a:lvl1pPr algn="l">
+              <a:defRPr sz="1200"/>
+            </a:lvl1pPr>
+          </a:lstStyle>
+          <a:p>
+            <a:endParaRPr lang="ko-KR" altLang="en-US"/>
+          </a:p>
+        </p:txBody>
+      </p:sp>
+      <p:sp>
+        <p:nvSpPr>
+          <p:cNvPr id="7" name="슬라이드 번호 개체 틀 6"/>
+          <p:cNvSpPr>
+            <a:spLocks noGrp="1"/>
+          </p:cNvSpPr>
+          <p:nvPr>
+            <p:ph type="sldNum" sz="quarter" idx="5"/>
+          </p:nvPr>
+        </p:nvSpPr>
+        <p:spPr>
+          <a:xfrm>
+            <a:off x="3884613" y="8685213"/>
+            <a:ext cx="2971800" cy="458787"/>
+          </a:xfrm>
+          <a:prstGeom prst="rect">
+            <a:avLst/>
+          </a:prstGeom>
+        </p:spPr>
+        <p:txBody>
+          <a:bodyPr vert="horz" lIns="91440" tIns="45720" rIns="91440" bIns="45720" rtlCol="0" anchor="b"/>
+          <a:lstStyle>
+            <a:lvl1pPr algn="r">
+              <a:defRPr sz="1200"/>
+            </a:lvl1pPr>
+          </a:lstStyle>
+          <a:p>
+            <a:fld id="{B3090701-2984-4737-BCC2-F8F3B783C112}" type="slidenum">
+              <a:rPr lang="ko-KR" altLang="en-US" smtClean="0"/>
+              <a:t>‹#›</a:t>
+            </a:fld>
+            <a:endParaRPr lang="ko-KR" altLang="en-US"/>
+          </a:p>
+        </p:txBody>
+      </p:sp>
+    </p:spTree>
+    <p:extLst>
+      <p:ext uri="{BB962C8B-B14F-4D97-AF65-F5344CB8AC3E}">
+        <p14:creationId xmlns:p14="http://schemas.microsoft.com/office/powerpoint/2010/main" val="1018371245"/>
+      </p:ext>
+    </p:extLst>
+  </p:cSld>
+  <p:clrMap bg1="lt1" tx1="dk1" bg2="lt2" tx2="dk2" accent1="accent1" accent2="accent2" accent3="accent3" accent4="accent4" accent5="accent5" accent6="accent6" hlink="hlink" folHlink="folHlink"/>
+  <p:notesStyle>
+    <a:lvl1pPr marL="0" algn="l" defTabSz="914400" rtl="0" eaLnBrk="1" latinLnBrk="1" hangingPunct="1">
+      <a:defRPr sz="1200" kern="1200">
+        <a:solidFill>
+          <a:schemeClr val="tx1"/>
+        </a:solidFill>
+        <a:latin typeface="+mn-lt"/>
+        <a:ea typeface="+mn-ea"/>
+        <a:cs typeface="+mn-cs"/>
+      </a:defRPr>
+    </a:lvl1pPr>
+    <a:lvl2pPr marL="457200" algn="l" defTabSz="914400" rtl="0" eaLnBrk="1" latinLnBrk="1" hangingPunct="1">
+      <a:defRPr sz="1200" kern="1200">
+        <a:solidFill>
+          <a:schemeClr val="tx1"/>
+        </a:solidFill>
+        <a:latin typeface="+mn-lt"/>
+        <a:ea typeface="+mn-ea"/>
+        <a:cs typeface="+mn-cs"/>
+      </a:defRPr>
+    </a:lvl2pPr>
+    <a:lvl3pPr marL="914400" algn="l" defTabSz="914400" rtl="0" eaLnBrk="1" latinLnBrk="1" hangingPunct="1">
+      <a:defRPr sz="1200" kern="1200">
+        <a:solidFill>
+          <a:schemeClr val="tx1"/>
+        </a:solidFill>
+        <a:latin typeface="+mn-lt"/>
+        <a:ea typeface="+mn-ea"/>
+        <a:cs typeface="+mn-cs"/>
+      </a:defRPr>
+    </a:lvl3pPr>
+    <a:lvl4pPr marL="1371600" algn="l" defTabSz="914400" rtl="0" eaLnBrk="1" latinLnBrk="1" hangingPunct="1">
+      <a:defRPr sz="1200" kern="1200">
+        <a:solidFill>
+          <a:schemeClr val="tx1"/>
+        </a:solidFill>
+        <a:latin typeface="+mn-lt"/>
+        <a:ea typeface="+mn-ea"/>
+        <a:cs typeface="+mn-cs"/>
+      </a:defRPr>
+    </a:lvl4pPr>
+    <a:lvl5pPr marL="1828800" algn="l" defTabSz="914400" rtl="0" eaLnBrk="1" latinLnBrk="1" hangingPunct="1">
+      <a:defRPr sz="1200" kern="1200">
+        <a:solidFill>
+          <a:schemeClr val="tx1"/>
+        </a:solidFill>
+        <a:latin typeface="+mn-lt"/>
+        <a:ea typeface="+mn-ea"/>
+        <a:cs typeface="+mn-cs"/>
+      </a:defRPr>
+    </a:lvl5pPr>
+    <a:lvl6pPr marL="2286000" algn="l" defTabSz="914400" rtl="0" eaLnBrk="1" latinLnBrk="1" hangingPunct="1">
+      <a:defRPr sz="1200" kern="1200">
+        <a:solidFill>
+          <a:schemeClr val="tx1"/>
+        </a:solidFill>
+        <a:latin typeface="+mn-lt"/>
+        <a:ea typeface="+mn-ea"/>
+        <a:cs typeface="+mn-cs"/>
+      </a:defRPr>
+    </a:lvl6pPr>
+    <a:lvl7pPr marL="2743200" algn="l" defTabSz="914400" rtl="0" eaLnBrk="1" latinLnBrk="1" hangingPunct="1">
+      <a:defRPr sz="1200" kern="1200">
+        <a:solidFill>
+          <a:schemeClr val="tx1"/>
+        </a:solidFill>
+        <a:latin typeface="+mn-lt"/>
+        <a:ea typeface="+mn-ea"/>
+        <a:cs typeface="+mn-cs"/>
+      </a:defRPr>
+    </a:lvl7pPr>
+    <a:lvl8pPr marL="3200400" algn="l" defTabSz="914400" rtl="0" eaLnBrk="1" latinLnBrk="1" hangingPunct="1">
+      <a:defRPr sz="1200" kern="1200">
+        <a:solidFill>
+          <a:schemeClr val="tx1"/>
+        </a:solidFill>
+        <a:latin typeface="+mn-lt"/>
+        <a:ea typeface="+mn-ea"/>
+        <a:cs typeface="+mn-cs"/>
+      </a:defRPr>
+    </a:lvl8pPr>
+    <a:lvl9pPr marL="3657600" algn="l" defTabSz="914400" rtl="0" eaLnBrk="1" latinLnBrk="1" hangingPunct="1">
+      <a:defRPr sz="1200" kern="1200">
+        <a:solidFill>
+          <a:schemeClr val="tx1"/>
+        </a:solidFill>
+        <a:latin typeface="+mn-lt"/>
+        <a:ea typeface="+mn-ea"/>
+        <a:cs typeface="+mn-cs"/>
+      </a:defRPr>
+    </a:lvl9pPr>
+  </p:notesStyle>
+</p:notesMaster>
+</file>
+
+<file path=ppt/notesSlides/notesSlide1.xml><?xml version="1.0" encoding="utf-8"?>
+<p:notes xmlns:a="http://schemas.openxmlformats.org/drawingml/2006/main" xmlns:r="http://schemas.openxmlformats.org/officeDocument/2006/relationships" xmlns:p="http://schemas.openxmlformats.org/presentationml/2006/main">
+  <p:cSld>
+    <p:spTree>
+      <p:nvGrpSpPr>
+        <p:cNvPr id="1" name=""/>
+        <p:cNvGrpSpPr/>
+        <p:nvPr/>
+      </p:nvGrpSpPr>
+      <p:grpSpPr>
+        <a:xfrm>
+          <a:off x="0" y="0"/>
+          <a:ext cx="0" cy="0"/>
+          <a:chOff x="0" y="0"/>
+          <a:chExt cx="0" cy="0"/>
+        </a:xfrm>
+      </p:grpSpPr>
+      <p:sp>
+        <p:nvSpPr>
+          <p:cNvPr id="2" name="슬라이드 이미지 개체 틀 1"/>
+          <p:cNvSpPr>
+            <a:spLocks noGrp="1" noRot="1" noChangeAspect="1"/>
+          </p:cNvSpPr>
+          <p:nvPr>
+            <p:ph type="sldImg"/>
+          </p:nvPr>
+        </p:nvSpPr>
+        <p:spPr/>
+      </p:sp>
+      <p:sp>
+        <p:nvSpPr>
+          <p:cNvPr id="3" name="슬라이드 노트 개체 틀 2"/>
+          <p:cNvSpPr>
+            <a:spLocks noGrp="1"/>
+          </p:cNvSpPr>
+          <p:nvPr>
+            <p:ph type="body" idx="1"/>
+          </p:nvPr>
+        </p:nvSpPr>
+        <p:spPr/>
+        <p:txBody>
+          <a:bodyPr/>
+          <a:lstStyle/>
+          <a:p>
+            <a:endParaRPr lang="ko-KR" altLang="en-US" dirty="0"/>
+          </a:p>
+        </p:txBody>
+      </p:sp>
+      <p:sp>
+        <p:nvSpPr>
+          <p:cNvPr id="4" name="슬라이드 번호 개체 틀 3"/>
+          <p:cNvSpPr>
+            <a:spLocks noGrp="1"/>
+          </p:cNvSpPr>
+          <p:nvPr>
+            <p:ph type="sldNum" sz="quarter" idx="5"/>
+          </p:nvPr>
+        </p:nvSpPr>
+        <p:spPr/>
+        <p:txBody>
+          <a:bodyPr/>
+          <a:lstStyle/>
+          <a:p>
+            <a:fld id="{B3090701-2984-4737-BCC2-F8F3B783C112}" type="slidenum">
+              <a:rPr lang="ko-KR" altLang="en-US" smtClean="0"/>
+              <a:t>5</a:t>
+            </a:fld>
+            <a:endParaRPr lang="ko-KR" altLang="en-US"/>
+          </a:p>
+        </p:txBody>
+      </p:sp>
+    </p:spTree>
+    <p:extLst>
+      <p:ext uri="{BB962C8B-B14F-4D97-AF65-F5344CB8AC3E}">
+        <p14:creationId xmlns:p14="http://schemas.microsoft.com/office/powerpoint/2010/main" val="1439242244"/>
+      </p:ext>
+    </p:extLst>
+  </p:cSld>
+  <p:clrMapOvr>
+    <a:masterClrMapping/>
+  </p:clrMapOvr>
+</p:notes>
+</file>
+
 <file path=ppt/slideLayouts/slideLayout1.xml><?xml version="1.0" encoding="utf-8"?>
 <p:sldLayout xmlns:a="http://schemas.openxmlformats.org/drawingml/2006/main" xmlns:r="http://schemas.openxmlformats.org/officeDocument/2006/relationships" xmlns:p="http://schemas.openxmlformats.org/presentationml/2006/main" type="title" preserve="1">
   <p:cSld name="제목 슬라이드">
@@ -268,7 +703,7 @@
           <a:p>
             <a:fld id="{5E3354AE-D178-499A-9D39-98E35C092674}" type="datetimeFigureOut">
               <a:rPr lang="ko-KR" altLang="en-US" smtClean="0"/>
-              <a:t>2020-09-22</a:t>
+              <a:t>2020-09-23</a:t>
             </a:fld>
             <a:endParaRPr lang="ko-KR" altLang="en-US"/>
           </a:p>
@@ -466,7 +901,7 @@
           <a:p>
             <a:fld id="{5E3354AE-D178-499A-9D39-98E35C092674}" type="datetimeFigureOut">
               <a:rPr lang="ko-KR" altLang="en-US" smtClean="0"/>
-              <a:t>2020-09-22</a:t>
+              <a:t>2020-09-23</a:t>
             </a:fld>
             <a:endParaRPr lang="ko-KR" altLang="en-US"/>
           </a:p>
@@ -674,7 +1109,7 @@
           <a:p>
             <a:fld id="{5E3354AE-D178-499A-9D39-98E35C092674}" type="datetimeFigureOut">
               <a:rPr lang="ko-KR" altLang="en-US" smtClean="0"/>
-              <a:t>2020-09-22</a:t>
+              <a:t>2020-09-23</a:t>
             </a:fld>
             <a:endParaRPr lang="ko-KR" altLang="en-US"/>
           </a:p>
@@ -872,7 +1307,7 @@
           <a:p>
             <a:fld id="{5E3354AE-D178-499A-9D39-98E35C092674}" type="datetimeFigureOut">
               <a:rPr lang="ko-KR" altLang="en-US" smtClean="0"/>
-              <a:t>2020-09-22</a:t>
+              <a:t>2020-09-23</a:t>
             </a:fld>
             <a:endParaRPr lang="ko-KR" altLang="en-US"/>
           </a:p>
@@ -1147,7 +1582,7 @@
           <a:p>
             <a:fld id="{5E3354AE-D178-499A-9D39-98E35C092674}" type="datetimeFigureOut">
               <a:rPr lang="ko-KR" altLang="en-US" smtClean="0"/>
-              <a:t>2020-09-22</a:t>
+              <a:t>2020-09-23</a:t>
             </a:fld>
             <a:endParaRPr lang="ko-KR" altLang="en-US"/>
           </a:p>
@@ -1412,7 +1847,7 @@
           <a:p>
             <a:fld id="{5E3354AE-D178-499A-9D39-98E35C092674}" type="datetimeFigureOut">
               <a:rPr lang="ko-KR" altLang="en-US" smtClean="0"/>
-              <a:t>2020-09-22</a:t>
+              <a:t>2020-09-23</a:t>
             </a:fld>
             <a:endParaRPr lang="ko-KR" altLang="en-US"/>
           </a:p>
@@ -1824,7 +2259,7 @@
           <a:p>
             <a:fld id="{5E3354AE-D178-499A-9D39-98E35C092674}" type="datetimeFigureOut">
               <a:rPr lang="ko-KR" altLang="en-US" smtClean="0"/>
-              <a:t>2020-09-22</a:t>
+              <a:t>2020-09-23</a:t>
             </a:fld>
             <a:endParaRPr lang="ko-KR" altLang="en-US"/>
           </a:p>
@@ -1965,7 +2400,7 @@
           <a:p>
             <a:fld id="{5E3354AE-D178-499A-9D39-98E35C092674}" type="datetimeFigureOut">
               <a:rPr lang="ko-KR" altLang="en-US" smtClean="0"/>
-              <a:t>2020-09-22</a:t>
+              <a:t>2020-09-23</a:t>
             </a:fld>
             <a:endParaRPr lang="ko-KR" altLang="en-US"/>
           </a:p>
@@ -2078,7 +2513,7 @@
           <a:p>
             <a:fld id="{5E3354AE-D178-499A-9D39-98E35C092674}" type="datetimeFigureOut">
               <a:rPr lang="ko-KR" altLang="en-US" smtClean="0"/>
-              <a:t>2020-09-22</a:t>
+              <a:t>2020-09-23</a:t>
             </a:fld>
             <a:endParaRPr lang="ko-KR" altLang="en-US"/>
           </a:p>
@@ -2389,7 +2824,7 @@
           <a:p>
             <a:fld id="{5E3354AE-D178-499A-9D39-98E35C092674}" type="datetimeFigureOut">
               <a:rPr lang="ko-KR" altLang="en-US" smtClean="0"/>
-              <a:t>2020-09-22</a:t>
+              <a:t>2020-09-23</a:t>
             </a:fld>
             <a:endParaRPr lang="ko-KR" altLang="en-US"/>
           </a:p>
@@ -2677,7 +3112,7 @@
           <a:p>
             <a:fld id="{5E3354AE-D178-499A-9D39-98E35C092674}" type="datetimeFigureOut">
               <a:rPr lang="ko-KR" altLang="en-US" smtClean="0"/>
-              <a:t>2020-09-22</a:t>
+              <a:t>2020-09-23</a:t>
             </a:fld>
             <a:endParaRPr lang="ko-KR" altLang="en-US"/>
           </a:p>
@@ -2918,7 +3353,7 @@
           <a:p>
             <a:fld id="{5E3354AE-D178-499A-9D39-98E35C092674}" type="datetimeFigureOut">
               <a:rPr lang="ko-KR" altLang="en-US" smtClean="0"/>
-              <a:t>2020-09-22</a:t>
+              <a:t>2020-09-23</a:t>
             </a:fld>
             <a:endParaRPr lang="ko-KR" altLang="en-US"/>
           </a:p>
@@ -3425,7 +3860,7 @@
           </a:ln>
           <a:extLst>
             <a:ext uri="{C572A759-6A51-4108-AA02-DFA0A04FC94B}">
-              <ma14:wrappingTextBoxFlag xmlns="" xmlns:m="http://schemas.openxmlformats.org/officeDocument/2006/math" xmlns:a14="http://schemas.microsoft.com/office/drawing/2010/main" xmlns:ma14="http://schemas.microsoft.com/office/mac/drawingml/2011/main" val="1"/>
+              <ma14:wrappingTextBoxFlag xmlns:ma14="http://schemas.microsoft.com/office/mac/drawingml/2011/main" xmlns:a14="http://schemas.microsoft.com/office/drawing/2010/main" xmlns:m="http://schemas.openxmlformats.org/officeDocument/2006/math" xmlns="" val="1"/>
             </a:ext>
           </a:extLst>
         </p:spPr>
@@ -3473,492 +3908,6 @@
     <p:extLst>
       <p:ext uri="{BB962C8B-B14F-4D97-AF65-F5344CB8AC3E}">
         <p14:creationId xmlns:p14="http://schemas.microsoft.com/office/powerpoint/2010/main" val="2309769359"/>
-      </p:ext>
-    </p:extLst>
-  </p:cSld>
-  <p:clrMapOvr>
-    <a:masterClrMapping/>
-  </p:clrMapOvr>
-</p:sld>
-</file>
-
-<file path=ppt/slides/slide10.xml><?xml version="1.0" encoding="utf-8"?>
-<p:sld xmlns:a="http://schemas.openxmlformats.org/drawingml/2006/main" xmlns:r="http://schemas.openxmlformats.org/officeDocument/2006/relationships" xmlns:p="http://schemas.openxmlformats.org/presentationml/2006/main">
-  <p:cSld>
-    <p:spTree>
-      <p:nvGrpSpPr>
-        <p:cNvPr id="1" name=""/>
-        <p:cNvGrpSpPr/>
-        <p:nvPr/>
-      </p:nvGrpSpPr>
-      <p:grpSpPr>
-        <a:xfrm>
-          <a:off x="0" y="0"/>
-          <a:ext cx="0" cy="0"/>
-          <a:chOff x="0" y="0"/>
-          <a:chExt cx="0" cy="0"/>
-        </a:xfrm>
-      </p:grpSpPr>
-      <p:sp>
-        <p:nvSpPr>
-          <p:cNvPr id="4" name="TextBox 3">
-            <a:extLst>
-              <a:ext uri="{FF2B5EF4-FFF2-40B4-BE49-F238E27FC236}">
-                <a16:creationId xmlns:a16="http://schemas.microsoft.com/office/drawing/2014/main" id="{565939C4-D575-4568-9F1F-823A532B1F45}"/>
-              </a:ext>
-            </a:extLst>
-          </p:cNvPr>
-          <p:cNvSpPr txBox="1"/>
-          <p:nvPr/>
-        </p:nvSpPr>
-        <p:spPr>
-          <a:xfrm>
-            <a:off x="231354" y="231354"/>
-            <a:ext cx="3358612" cy="461665"/>
-          </a:xfrm>
-          <a:prstGeom prst="rect">
-            <a:avLst/>
-          </a:prstGeom>
-          <a:noFill/>
-        </p:spPr>
-        <p:txBody>
-          <a:bodyPr wrap="none" rtlCol="0">
-            <a:spAutoFit/>
-          </a:bodyPr>
-          <a:lstStyle/>
-          <a:p>
-            <a:r>
-              <a:rPr lang="en-US" altLang="ko-KR" sz="2400" b="1" dirty="0"/>
-              <a:t>Development Process</a:t>
-            </a:r>
-          </a:p>
-        </p:txBody>
-      </p:sp>
-      <p:cxnSp>
-        <p:nvCxnSpPr>
-          <p:cNvPr id="5" name="직선 연결선 4">
-            <a:extLst>
-              <a:ext uri="{FF2B5EF4-FFF2-40B4-BE49-F238E27FC236}">
-                <a16:creationId xmlns:a16="http://schemas.microsoft.com/office/drawing/2014/main" id="{BFE9EEFE-8BC0-4879-9D12-2A8BC074C22E}"/>
-              </a:ext>
-            </a:extLst>
-          </p:cNvPr>
-          <p:cNvCxnSpPr>
-            <a:cxnSpLocks/>
-          </p:cNvCxnSpPr>
-          <p:nvPr/>
-        </p:nvCxnSpPr>
-        <p:spPr>
-          <a:xfrm>
-            <a:off x="5586235" y="122850"/>
-            <a:ext cx="6475476" cy="0"/>
-          </a:xfrm>
-          <a:prstGeom prst="line">
-            <a:avLst/>
-          </a:prstGeom>
-          <a:ln w="12700">
-            <a:solidFill>
-              <a:schemeClr val="tx1"/>
-            </a:solidFill>
-            <a:headEnd type="none" w="med" len="med"/>
-            <a:tailEnd type="arrow" w="lg" len="lg"/>
-          </a:ln>
-        </p:spPr>
-        <p:style>
-          <a:lnRef idx="1">
-            <a:schemeClr val="accent1"/>
-          </a:lnRef>
-          <a:fillRef idx="0">
-            <a:schemeClr val="accent1"/>
-          </a:fillRef>
-          <a:effectRef idx="0">
-            <a:schemeClr val="accent1"/>
-          </a:effectRef>
-          <a:fontRef idx="minor">
-            <a:schemeClr val="tx1"/>
-          </a:fontRef>
-        </p:style>
-      </p:cxnSp>
-      <p:sp>
-        <p:nvSpPr>
-          <p:cNvPr id="6" name="TextBox 5">
-            <a:extLst>
-              <a:ext uri="{FF2B5EF4-FFF2-40B4-BE49-F238E27FC236}">
-                <a16:creationId xmlns:a16="http://schemas.microsoft.com/office/drawing/2014/main" id="{DDC4FEB6-5B26-4F0F-A146-69E3C363501F}"/>
-              </a:ext>
-            </a:extLst>
-          </p:cNvPr>
-          <p:cNvSpPr txBox="1"/>
-          <p:nvPr/>
-        </p:nvSpPr>
-        <p:spPr>
-          <a:xfrm>
-            <a:off x="5604443" y="231355"/>
-            <a:ext cx="716286" cy="276999"/>
-          </a:xfrm>
-          <a:prstGeom prst="rect">
-            <a:avLst/>
-          </a:prstGeom>
-          <a:noFill/>
-        </p:spPr>
-        <p:txBody>
-          <a:bodyPr wrap="none" rtlCol="0">
-            <a:spAutoFit/>
-          </a:bodyPr>
-          <a:lstStyle/>
-          <a:p>
-            <a:r>
-              <a:rPr lang="en-US" altLang="ko-KR" sz="1200" dirty="0"/>
-              <a:t>Preview</a:t>
-            </a:r>
-            <a:endParaRPr lang="ko-KR" altLang="en-US" sz="1200" dirty="0"/>
-          </a:p>
-        </p:txBody>
-      </p:sp>
-      <p:sp>
-        <p:nvSpPr>
-          <p:cNvPr id="7" name="TextBox 6">
-            <a:extLst>
-              <a:ext uri="{FF2B5EF4-FFF2-40B4-BE49-F238E27FC236}">
-                <a16:creationId xmlns:a16="http://schemas.microsoft.com/office/drawing/2014/main" id="{1C9DDA0A-F980-4E1D-83FD-D5A5F3D249D0}"/>
-              </a:ext>
-            </a:extLst>
-          </p:cNvPr>
-          <p:cNvSpPr txBox="1"/>
-          <p:nvPr/>
-        </p:nvSpPr>
-        <p:spPr>
-          <a:xfrm>
-            <a:off x="6320729" y="231355"/>
-            <a:ext cx="545855" cy="276999"/>
-          </a:xfrm>
-          <a:prstGeom prst="rect">
-            <a:avLst/>
-          </a:prstGeom>
-          <a:noFill/>
-        </p:spPr>
-        <p:txBody>
-          <a:bodyPr wrap="none" rtlCol="0">
-            <a:spAutoFit/>
-          </a:bodyPr>
-          <a:lstStyle/>
-          <a:p>
-            <a:r>
-              <a:rPr lang="en-US" altLang="ko-KR" sz="1200" dirty="0"/>
-              <a:t>Team</a:t>
-            </a:r>
-            <a:endParaRPr lang="ko-KR" altLang="en-US" sz="1200" dirty="0"/>
-          </a:p>
-        </p:txBody>
-      </p:sp>
-      <p:sp>
-        <p:nvSpPr>
-          <p:cNvPr id="8" name="TextBox 7">
-            <a:extLst>
-              <a:ext uri="{FF2B5EF4-FFF2-40B4-BE49-F238E27FC236}">
-                <a16:creationId xmlns:a16="http://schemas.microsoft.com/office/drawing/2014/main" id="{DF48F0D6-48B6-41ED-B5FC-479983F1A736}"/>
-              </a:ext>
-            </a:extLst>
-          </p:cNvPr>
-          <p:cNvSpPr txBox="1"/>
-          <p:nvPr/>
-        </p:nvSpPr>
-        <p:spPr>
-          <a:xfrm>
-            <a:off x="6866584" y="231355"/>
-            <a:ext cx="1062535" cy="276999"/>
-          </a:xfrm>
-          <a:prstGeom prst="rect">
-            <a:avLst/>
-          </a:prstGeom>
-          <a:noFill/>
-        </p:spPr>
-        <p:txBody>
-          <a:bodyPr wrap="none" rtlCol="0">
-            <a:spAutoFit/>
-          </a:bodyPr>
-          <a:lstStyle/>
-          <a:p>
-            <a:r>
-              <a:rPr lang="en-US" altLang="ko-KR" sz="1200" dirty="0"/>
-              <a:t>Environment</a:t>
-            </a:r>
-            <a:endParaRPr lang="ko-KR" altLang="en-US" sz="1200" dirty="0"/>
-          </a:p>
-        </p:txBody>
-      </p:sp>
-      <p:sp>
-        <p:nvSpPr>
-          <p:cNvPr id="9" name="TextBox 8">
-            <a:extLst>
-              <a:ext uri="{FF2B5EF4-FFF2-40B4-BE49-F238E27FC236}">
-                <a16:creationId xmlns:a16="http://schemas.microsoft.com/office/drawing/2014/main" id="{436432E4-6A8D-4C01-BEF5-05843EDD45ED}"/>
-              </a:ext>
-            </a:extLst>
-          </p:cNvPr>
-          <p:cNvSpPr txBox="1"/>
-          <p:nvPr/>
-        </p:nvSpPr>
-        <p:spPr>
-          <a:xfrm>
-            <a:off x="7929119" y="231354"/>
-            <a:ext cx="1020600" cy="276999"/>
-          </a:xfrm>
-          <a:prstGeom prst="rect">
-            <a:avLst/>
-          </a:prstGeom>
-          <a:noFill/>
-        </p:spPr>
-        <p:txBody>
-          <a:bodyPr wrap="none" rtlCol="0">
-            <a:spAutoFit/>
-          </a:bodyPr>
-          <a:lstStyle/>
-          <a:p>
-            <a:r>
-              <a:rPr lang="en-US" altLang="ko-KR" sz="1200" dirty="0"/>
-              <a:t>Architecture</a:t>
-            </a:r>
-            <a:endParaRPr lang="ko-KR" altLang="en-US" sz="1200" dirty="0"/>
-          </a:p>
-        </p:txBody>
-      </p:sp>
-      <p:sp>
-        <p:nvSpPr>
-          <p:cNvPr id="10" name="TextBox 9">
-            <a:extLst>
-              <a:ext uri="{FF2B5EF4-FFF2-40B4-BE49-F238E27FC236}">
-                <a16:creationId xmlns:a16="http://schemas.microsoft.com/office/drawing/2014/main" id="{898A85B0-6B93-477A-8083-12355552FD85}"/>
-              </a:ext>
-            </a:extLst>
-          </p:cNvPr>
-          <p:cNvSpPr txBox="1"/>
-          <p:nvPr/>
-        </p:nvSpPr>
-        <p:spPr>
-          <a:xfrm>
-            <a:off x="8949719" y="231355"/>
-            <a:ext cx="1354794" cy="276999"/>
-          </a:xfrm>
-          <a:prstGeom prst="rect">
-            <a:avLst/>
-          </a:prstGeom>
-          <a:noFill/>
-        </p:spPr>
-        <p:txBody>
-          <a:bodyPr wrap="none" rtlCol="0">
-            <a:spAutoFit/>
-          </a:bodyPr>
-          <a:lstStyle/>
-          <a:p>
-            <a:r>
-              <a:rPr lang="en-US" altLang="ko-KR" sz="1200" dirty="0"/>
-              <a:t>Core Technology</a:t>
-            </a:r>
-            <a:endParaRPr lang="ko-KR" altLang="en-US" sz="1200" dirty="0"/>
-          </a:p>
-        </p:txBody>
-      </p:sp>
-      <p:sp>
-        <p:nvSpPr>
-          <p:cNvPr id="11" name="TextBox 10">
-            <a:extLst>
-              <a:ext uri="{FF2B5EF4-FFF2-40B4-BE49-F238E27FC236}">
-                <a16:creationId xmlns:a16="http://schemas.microsoft.com/office/drawing/2014/main" id="{8F0386BA-D88E-48CA-A783-34CC75783863}"/>
-              </a:ext>
-            </a:extLst>
-          </p:cNvPr>
-          <p:cNvSpPr txBox="1"/>
-          <p:nvPr/>
-        </p:nvSpPr>
-        <p:spPr>
-          <a:xfrm>
-            <a:off x="10304513" y="231354"/>
-            <a:ext cx="1693156" cy="276999"/>
-          </a:xfrm>
-          <a:prstGeom prst="rect">
-            <a:avLst/>
-          </a:prstGeom>
-          <a:noFill/>
-        </p:spPr>
-        <p:txBody>
-          <a:bodyPr wrap="none" rtlCol="0">
-            <a:spAutoFit/>
-          </a:bodyPr>
-          <a:lstStyle/>
-          <a:p>
-            <a:r>
-              <a:rPr lang="en-US" altLang="ko-KR" sz="1200" dirty="0">
-                <a:solidFill>
-                  <a:srgbClr val="0070C0"/>
-                </a:solidFill>
-              </a:rPr>
-              <a:t>Development Process</a:t>
-            </a:r>
-            <a:endParaRPr lang="ko-KR" altLang="en-US" sz="1200" dirty="0">
-              <a:solidFill>
-                <a:srgbClr val="0070C0"/>
-              </a:solidFill>
-            </a:endParaRPr>
-          </a:p>
-        </p:txBody>
-      </p:sp>
-      <p:sp>
-        <p:nvSpPr>
-          <p:cNvPr id="12" name="TextBox 11">
-            <a:extLst>
-              <a:ext uri="{FF2B5EF4-FFF2-40B4-BE49-F238E27FC236}">
-                <a16:creationId xmlns:a16="http://schemas.microsoft.com/office/drawing/2014/main" id="{76FCFFFC-96B6-4EBA-84EC-A6CF15AA68B6}"/>
-              </a:ext>
-            </a:extLst>
-          </p:cNvPr>
-          <p:cNvSpPr txBox="1"/>
-          <p:nvPr/>
-        </p:nvSpPr>
-        <p:spPr>
-          <a:xfrm>
-            <a:off x="686478" y="1267329"/>
-            <a:ext cx="2982369" cy="369332"/>
-          </a:xfrm>
-          <a:prstGeom prst="rect">
-            <a:avLst/>
-          </a:prstGeom>
-          <a:noFill/>
-        </p:spPr>
-        <p:txBody>
-          <a:bodyPr wrap="square" rtlCol="0">
-            <a:spAutoFit/>
-          </a:bodyPr>
-          <a:lstStyle/>
-          <a:p>
-            <a:r>
-              <a:rPr lang="ko-KR" altLang="en-US" b="1" dirty="0"/>
-              <a:t>향후 계획</a:t>
-            </a:r>
-          </a:p>
-        </p:txBody>
-      </p:sp>
-      <p:sp>
-        <p:nvSpPr>
-          <p:cNvPr id="14" name="TextBox 13">
-            <a:extLst>
-              <a:ext uri="{FF2B5EF4-FFF2-40B4-BE49-F238E27FC236}">
-                <a16:creationId xmlns:a16="http://schemas.microsoft.com/office/drawing/2014/main" id="{CFD5CDA9-5982-494D-BA65-66B8379C6D96}"/>
-              </a:ext>
-            </a:extLst>
-          </p:cNvPr>
-          <p:cNvSpPr txBox="1"/>
-          <p:nvPr/>
-        </p:nvSpPr>
-        <p:spPr>
-          <a:xfrm>
-            <a:off x="379025" y="4206664"/>
-            <a:ext cx="3063270" cy="338554"/>
-          </a:xfrm>
-          <a:prstGeom prst="rect">
-            <a:avLst/>
-          </a:prstGeom>
-          <a:noFill/>
-        </p:spPr>
-        <p:txBody>
-          <a:bodyPr wrap="square" rtlCol="0">
-            <a:spAutoFit/>
-          </a:bodyPr>
-          <a:lstStyle/>
-          <a:p>
-            <a:r>
-              <a:rPr lang="ko-KR" altLang="en-US" sz="1600" b="1" dirty="0"/>
-              <a:t>서버 계획</a:t>
-            </a:r>
-            <a:endParaRPr lang="en-US" altLang="ko-KR" sz="1600" b="1" dirty="0"/>
-          </a:p>
-        </p:txBody>
-      </p:sp>
-      <p:sp>
-        <p:nvSpPr>
-          <p:cNvPr id="17" name="TextBox 16">
-            <a:extLst>
-              <a:ext uri="{FF2B5EF4-FFF2-40B4-BE49-F238E27FC236}">
-                <a16:creationId xmlns:a16="http://schemas.microsoft.com/office/drawing/2014/main" id="{FB231B24-B272-48FD-BCCF-257AA8BD8296}"/>
-              </a:ext>
-            </a:extLst>
-          </p:cNvPr>
-          <p:cNvSpPr txBox="1"/>
-          <p:nvPr/>
-        </p:nvSpPr>
-        <p:spPr>
-          <a:xfrm>
-            <a:off x="379025" y="3404883"/>
-            <a:ext cx="3063270" cy="338554"/>
-          </a:xfrm>
-          <a:prstGeom prst="rect">
-            <a:avLst/>
-          </a:prstGeom>
-          <a:noFill/>
-        </p:spPr>
-        <p:txBody>
-          <a:bodyPr wrap="square" rtlCol="0">
-            <a:spAutoFit/>
-          </a:bodyPr>
-          <a:lstStyle/>
-          <a:p>
-            <a:r>
-              <a:rPr lang="ko-KR" altLang="en-US" sz="1600" b="1" dirty="0"/>
-              <a:t>안드로이드 계획</a:t>
-            </a:r>
-            <a:endParaRPr lang="en-US" altLang="ko-KR" sz="1600" b="1" dirty="0"/>
-          </a:p>
-        </p:txBody>
-      </p:sp>
-      <p:cxnSp>
-        <p:nvCxnSpPr>
-          <p:cNvPr id="19" name="직선 연결선 18">
-            <a:extLst>
-              <a:ext uri="{FF2B5EF4-FFF2-40B4-BE49-F238E27FC236}">
-                <a16:creationId xmlns:a16="http://schemas.microsoft.com/office/drawing/2014/main" id="{7E8A01C9-D479-4399-98F5-5F5DC318460B}"/>
-              </a:ext>
-            </a:extLst>
-          </p:cNvPr>
-          <p:cNvCxnSpPr>
-            <a:cxnSpLocks/>
-          </p:cNvCxnSpPr>
-          <p:nvPr/>
-        </p:nvCxnSpPr>
-        <p:spPr>
-          <a:xfrm>
-            <a:off x="448733" y="3975050"/>
-            <a:ext cx="11413067" cy="0"/>
-          </a:xfrm>
-          <a:prstGeom prst="line">
-            <a:avLst/>
-          </a:prstGeom>
-          <a:ln w="19050">
-            <a:solidFill>
-              <a:schemeClr val="tx1"/>
-            </a:solidFill>
-            <a:headEnd type="none" w="med" len="med"/>
-            <a:tailEnd type="arrow" w="lg" len="lg"/>
-          </a:ln>
-        </p:spPr>
-        <p:style>
-          <a:lnRef idx="1">
-            <a:schemeClr val="accent1"/>
-          </a:lnRef>
-          <a:fillRef idx="0">
-            <a:schemeClr val="accent1"/>
-          </a:fillRef>
-          <a:effectRef idx="0">
-            <a:schemeClr val="accent1"/>
-          </a:effectRef>
-          <a:fontRef idx="minor">
-            <a:schemeClr val="tx1"/>
-          </a:fontRef>
-        </p:style>
-      </p:cxnSp>
-    </p:spTree>
-    <p:extLst>
-      <p:ext uri="{BB962C8B-B14F-4D97-AF65-F5344CB8AC3E}">
-        <p14:creationId xmlns:p14="http://schemas.microsoft.com/office/powerpoint/2010/main" val="3418610673"/>
       </p:ext>
     </p:extLst>
   </p:cSld>
@@ -4212,8 +4161,8 @@
         </p:nvSpPr>
         <p:spPr>
           <a:xfrm>
-            <a:off x="6464595" y="3167621"/>
-            <a:ext cx="5195778" cy="869790"/>
+            <a:off x="6796568" y="2385694"/>
+            <a:ext cx="4531832" cy="869790"/>
           </a:xfrm>
           <a:prstGeom prst="rect">
             <a:avLst/>
@@ -4521,6 +4470,128 @@
               <a:t>Development Process</a:t>
             </a:r>
             <a:endParaRPr lang="ko-KR" altLang="en-US" sz="1200" dirty="0"/>
+          </a:p>
+        </p:txBody>
+      </p:sp>
+      <p:sp>
+        <p:nvSpPr>
+          <p:cNvPr id="2" name="TextBox 1">
+            <a:extLst>
+              <a:ext uri="{FF2B5EF4-FFF2-40B4-BE49-F238E27FC236}">
+                <a16:creationId xmlns:a16="http://schemas.microsoft.com/office/drawing/2014/main" id="{BC5F71D1-0774-4BB4-8AAB-9F1913AA1B9F}"/>
+              </a:ext>
+            </a:extLst>
+          </p:cNvPr>
+          <p:cNvSpPr txBox="1"/>
+          <p:nvPr/>
+        </p:nvSpPr>
+        <p:spPr>
+          <a:xfrm>
+            <a:off x="7630227" y="3602516"/>
+            <a:ext cx="2864513" cy="2636043"/>
+          </a:xfrm>
+          <a:prstGeom prst="rect">
+            <a:avLst/>
+          </a:prstGeom>
+          <a:noFill/>
+        </p:spPr>
+        <p:txBody>
+          <a:bodyPr wrap="square" rtlCol="0">
+            <a:spAutoFit/>
+          </a:bodyPr>
+          <a:lstStyle/>
+          <a:p>
+            <a:pPr algn="ctr">
+              <a:lnSpc>
+                <a:spcPct val="150000"/>
+              </a:lnSpc>
+            </a:pPr>
+            <a:r>
+              <a:rPr lang="en-US" altLang="ko-KR" sz="1400" b="1" dirty="0"/>
+              <a:t>+</a:t>
+            </a:r>
+          </a:p>
+          <a:p>
+            <a:pPr algn="ctr">
+              <a:lnSpc>
+                <a:spcPct val="150000"/>
+              </a:lnSpc>
+            </a:pPr>
+            <a:r>
+              <a:rPr lang="ko-KR" altLang="en-US" sz="1400" b="1" dirty="0"/>
+              <a:t>분리배출법</a:t>
+            </a:r>
+            <a:r>
+              <a:rPr lang="en-US" altLang="ko-KR" sz="1400" b="1" dirty="0"/>
+              <a:t> </a:t>
+            </a:r>
+            <a:r>
+              <a:rPr lang="ko-KR" altLang="en-US" sz="1400" b="1" dirty="0"/>
+              <a:t>제공</a:t>
+            </a:r>
+            <a:endParaRPr lang="en-US" altLang="ko-KR" sz="1400" b="1" dirty="0"/>
+          </a:p>
+          <a:p>
+            <a:pPr algn="ctr">
+              <a:lnSpc>
+                <a:spcPct val="150000"/>
+              </a:lnSpc>
+            </a:pPr>
+            <a:endParaRPr lang="en-US" altLang="ko-KR" sz="1400" b="1" dirty="0"/>
+          </a:p>
+          <a:p>
+            <a:pPr algn="ctr">
+              <a:lnSpc>
+                <a:spcPct val="150000"/>
+              </a:lnSpc>
+            </a:pPr>
+            <a:r>
+              <a:rPr lang="en-US" altLang="ko-KR" sz="1400" b="1" dirty="0"/>
+              <a:t>+</a:t>
+            </a:r>
+          </a:p>
+          <a:p>
+            <a:pPr algn="ctr">
+              <a:lnSpc>
+                <a:spcPct val="150000"/>
+              </a:lnSpc>
+            </a:pPr>
+            <a:r>
+              <a:rPr lang="ko-KR" altLang="en-US" sz="1400" b="1" dirty="0"/>
+              <a:t>도전과제 기능 제공</a:t>
+            </a:r>
+            <a:endParaRPr lang="en-US" altLang="ko-KR" sz="1400" b="1" dirty="0"/>
+          </a:p>
+          <a:p>
+            <a:pPr algn="ctr">
+              <a:lnSpc>
+                <a:spcPct val="150000"/>
+              </a:lnSpc>
+            </a:pPr>
+            <a:endParaRPr lang="en-US" altLang="ko-KR" sz="1400" b="1" dirty="0"/>
+          </a:p>
+          <a:p>
+            <a:pPr algn="ctr">
+              <a:lnSpc>
+                <a:spcPct val="150000"/>
+              </a:lnSpc>
+            </a:pPr>
+            <a:r>
+              <a:rPr lang="en-US" altLang="ko-KR" sz="1400" b="1" dirty="0"/>
+              <a:t>+</a:t>
+            </a:r>
+          </a:p>
+          <a:p>
+            <a:pPr algn="ctr">
+              <a:lnSpc>
+                <a:spcPct val="150000"/>
+              </a:lnSpc>
+            </a:pPr>
+            <a:r>
+              <a:rPr lang="ko-KR" altLang="en-US" sz="1400" b="1" dirty="0"/>
+              <a:t>펀딩 기능을 통한 동기부여</a:t>
+            </a:r>
+            <a:endParaRPr lang="en-US" altLang="ko-KR" sz="1400" b="1" dirty="0"/>
           </a:p>
         </p:txBody>
       </p:sp>
@@ -6403,6 +6474,455 @@
           </a:p>
         </p:txBody>
       </p:sp>
+      <p:pic>
+        <p:nvPicPr>
+          <p:cNvPr id="221" name="그림 220" descr="스크린샷이(가) 표시된 사진&#10;&#10;자동 생성된 설명">
+            <a:extLst>
+              <a:ext uri="{FF2B5EF4-FFF2-40B4-BE49-F238E27FC236}">
+                <a16:creationId xmlns:a16="http://schemas.microsoft.com/office/drawing/2014/main" id="{A0D95622-9117-40BF-AB36-817AF5D61A01}"/>
+              </a:ext>
+            </a:extLst>
+          </p:cNvPr>
+          <p:cNvPicPr>
+            <a:picLocks noChangeAspect="1"/>
+          </p:cNvPicPr>
+          <p:nvPr/>
+        </p:nvPicPr>
+        <p:blipFill>
+          <a:blip r:embed="rId3">
+            <a:extLst>
+              <a:ext uri="{28A0092B-C50C-407E-A947-70E740481C1C}">
+                <a14:useLocalDpi xmlns:a14="http://schemas.microsoft.com/office/drawing/2010/main" val="0"/>
+              </a:ext>
+            </a:extLst>
+          </a:blip>
+          <a:stretch>
+            <a:fillRect/>
+          </a:stretch>
+        </p:blipFill>
+        <p:spPr>
+          <a:xfrm>
+            <a:off x="3668847" y="1829566"/>
+            <a:ext cx="8328822" cy="4797080"/>
+          </a:xfrm>
+          <a:prstGeom prst="rect">
+            <a:avLst/>
+          </a:prstGeom>
+        </p:spPr>
+      </p:pic>
+      <p:sp>
+        <p:nvSpPr>
+          <p:cNvPr id="223" name="TextBox 222">
+            <a:extLst>
+              <a:ext uri="{FF2B5EF4-FFF2-40B4-BE49-F238E27FC236}">
+                <a16:creationId xmlns:a16="http://schemas.microsoft.com/office/drawing/2014/main" id="{9652D828-6FE3-47F8-BF47-205569DD5713}"/>
+              </a:ext>
+            </a:extLst>
+          </p:cNvPr>
+          <p:cNvSpPr txBox="1"/>
+          <p:nvPr/>
+        </p:nvSpPr>
+        <p:spPr>
+          <a:xfrm>
+            <a:off x="855472" y="1754931"/>
+            <a:ext cx="2864513" cy="276999"/>
+          </a:xfrm>
+          <a:prstGeom prst="rect">
+            <a:avLst/>
+          </a:prstGeom>
+          <a:noFill/>
+        </p:spPr>
+        <p:txBody>
+          <a:bodyPr wrap="square" rtlCol="0">
+            <a:spAutoFit/>
+          </a:bodyPr>
+          <a:lstStyle/>
+          <a:p>
+            <a:r>
+              <a:rPr lang="ko-KR" altLang="en-US" sz="1200" b="1" dirty="0"/>
+              <a:t>주요 클래스 관계도</a:t>
+            </a:r>
+          </a:p>
+        </p:txBody>
+      </p:sp>
+      <p:sp>
+        <p:nvSpPr>
+          <p:cNvPr id="225" name="TextBox 224">
+            <a:extLst>
+              <a:ext uri="{FF2B5EF4-FFF2-40B4-BE49-F238E27FC236}">
+                <a16:creationId xmlns:a16="http://schemas.microsoft.com/office/drawing/2014/main" id="{6ECD822A-C27C-4429-AC73-0F97BD2CD936}"/>
+              </a:ext>
+            </a:extLst>
+          </p:cNvPr>
+          <p:cNvSpPr txBox="1"/>
+          <p:nvPr/>
+        </p:nvSpPr>
+        <p:spPr>
+          <a:xfrm>
+            <a:off x="906611" y="2106565"/>
+            <a:ext cx="2762236" cy="1470659"/>
+          </a:xfrm>
+          <a:prstGeom prst="rect">
+            <a:avLst/>
+          </a:prstGeom>
+          <a:noFill/>
+        </p:spPr>
+        <p:txBody>
+          <a:bodyPr wrap="square" rtlCol="0">
+            <a:spAutoFit/>
+          </a:bodyPr>
+          <a:lstStyle/>
+          <a:p>
+            <a:pPr>
+              <a:lnSpc>
+                <a:spcPct val="150000"/>
+              </a:lnSpc>
+            </a:pPr>
+            <a:r>
+              <a:rPr lang="ko-KR" altLang="en-US" sz="1100" b="1" dirty="0"/>
+              <a:t>각 페이지 프레그먼트</a:t>
+            </a:r>
+            <a:endParaRPr lang="en-US" altLang="ko-KR" sz="1100" b="1" dirty="0"/>
+          </a:p>
+          <a:p>
+            <a:pPr marL="171450" indent="-171450">
+              <a:lnSpc>
+                <a:spcPct val="150000"/>
+              </a:lnSpc>
+              <a:buFont typeface="Arial" panose="020B0604020202020204" pitchFamily="34" charset="0"/>
+              <a:buChar char="•"/>
+            </a:pPr>
+            <a:r>
+              <a:rPr lang="en-US" altLang="ko-KR" sz="1000" dirty="0" err="1"/>
+              <a:t>homeMian</a:t>
+            </a:r>
+            <a:r>
+              <a:rPr lang="en-US" altLang="ko-KR" sz="1000" dirty="0"/>
+              <a:t> : Fragment</a:t>
+            </a:r>
+          </a:p>
+          <a:p>
+            <a:pPr marL="171450" indent="-171450">
+              <a:lnSpc>
+                <a:spcPct val="150000"/>
+              </a:lnSpc>
+              <a:buFont typeface="Arial" panose="020B0604020202020204" pitchFamily="34" charset="0"/>
+              <a:buChar char="•"/>
+            </a:pPr>
+            <a:r>
+              <a:rPr lang="en-US" altLang="ko-KR" sz="1000" dirty="0" err="1"/>
+              <a:t>challengeMain</a:t>
+            </a:r>
+            <a:r>
+              <a:rPr lang="en-US" altLang="ko-KR" sz="1000" dirty="0"/>
+              <a:t>: Fragment</a:t>
+            </a:r>
+          </a:p>
+          <a:p>
+            <a:pPr marL="171450" indent="-171450">
+              <a:lnSpc>
+                <a:spcPct val="150000"/>
+              </a:lnSpc>
+              <a:buFont typeface="Arial" panose="020B0604020202020204" pitchFamily="34" charset="0"/>
+              <a:buChar char="•"/>
+            </a:pPr>
+            <a:r>
+              <a:rPr lang="en-US" altLang="ko-KR" sz="1000" dirty="0" err="1"/>
+              <a:t>listMain</a:t>
+            </a:r>
+            <a:r>
+              <a:rPr lang="en-US" altLang="ko-KR" sz="1000" dirty="0"/>
+              <a:t> : Fragment</a:t>
+            </a:r>
+          </a:p>
+          <a:p>
+            <a:pPr marL="171450" indent="-171450">
+              <a:lnSpc>
+                <a:spcPct val="150000"/>
+              </a:lnSpc>
+              <a:buFont typeface="Arial" panose="020B0604020202020204" pitchFamily="34" charset="0"/>
+              <a:buChar char="•"/>
+            </a:pPr>
+            <a:r>
+              <a:rPr lang="en-US" altLang="ko-KR" sz="1000" dirty="0" err="1"/>
+              <a:t>fundingMain</a:t>
+            </a:r>
+            <a:r>
+              <a:rPr lang="en-US" altLang="ko-KR" sz="1000" dirty="0"/>
+              <a:t> : Fragment</a:t>
+            </a:r>
+          </a:p>
+          <a:p>
+            <a:pPr marL="171450" indent="-171450">
+              <a:lnSpc>
+                <a:spcPct val="150000"/>
+              </a:lnSpc>
+              <a:buFont typeface="Arial" panose="020B0604020202020204" pitchFamily="34" charset="0"/>
+              <a:buChar char="•"/>
+            </a:pPr>
+            <a:r>
+              <a:rPr lang="en-US" altLang="ko-KR" sz="1000" dirty="0" err="1"/>
+              <a:t>infoMain</a:t>
+            </a:r>
+            <a:r>
+              <a:rPr lang="en-US" altLang="ko-KR" sz="1000" dirty="0"/>
+              <a:t> : Fragment</a:t>
+            </a:r>
+            <a:endParaRPr lang="ko-KR" altLang="en-US" sz="1000" dirty="0"/>
+          </a:p>
+        </p:txBody>
+      </p:sp>
+      <p:sp>
+        <p:nvSpPr>
+          <p:cNvPr id="227" name="TextBox 226">
+            <a:extLst>
+              <a:ext uri="{FF2B5EF4-FFF2-40B4-BE49-F238E27FC236}">
+                <a16:creationId xmlns:a16="http://schemas.microsoft.com/office/drawing/2014/main" id="{6366C273-7F93-4201-ABED-37522C6CD975}"/>
+              </a:ext>
+            </a:extLst>
+          </p:cNvPr>
+          <p:cNvSpPr txBox="1"/>
+          <p:nvPr/>
+        </p:nvSpPr>
+        <p:spPr>
+          <a:xfrm>
+            <a:off x="906611" y="3734002"/>
+            <a:ext cx="2762236" cy="1008994"/>
+          </a:xfrm>
+          <a:prstGeom prst="rect">
+            <a:avLst/>
+          </a:prstGeom>
+          <a:noFill/>
+        </p:spPr>
+        <p:txBody>
+          <a:bodyPr wrap="square" rtlCol="0">
+            <a:spAutoFit/>
+          </a:bodyPr>
+          <a:lstStyle/>
+          <a:p>
+            <a:pPr>
+              <a:lnSpc>
+                <a:spcPct val="150000"/>
+              </a:lnSpc>
+            </a:pPr>
+            <a:r>
+              <a:rPr lang="ko-KR" altLang="en-US" sz="1100" b="1" dirty="0"/>
+              <a:t>사용 데이터 별 형식 정의</a:t>
+            </a:r>
+            <a:endParaRPr lang="en-US" altLang="ko-KR" sz="1100" b="1" dirty="0"/>
+          </a:p>
+          <a:p>
+            <a:pPr marL="171450" indent="-171450">
+              <a:lnSpc>
+                <a:spcPct val="150000"/>
+              </a:lnSpc>
+              <a:buFont typeface="Arial" panose="020B0604020202020204" pitchFamily="34" charset="0"/>
+              <a:buChar char="•"/>
+            </a:pPr>
+            <a:r>
+              <a:rPr lang="en-US" altLang="ko-KR" sz="1000" dirty="0" err="1"/>
+              <a:t>wasteItem</a:t>
+            </a:r>
+            <a:r>
+              <a:rPr lang="en-US" altLang="ko-KR" sz="1000" dirty="0"/>
+              <a:t> : Object</a:t>
+            </a:r>
+          </a:p>
+          <a:p>
+            <a:pPr marL="171450" indent="-171450">
+              <a:lnSpc>
+                <a:spcPct val="150000"/>
+              </a:lnSpc>
+              <a:buFont typeface="Arial" panose="020B0604020202020204" pitchFamily="34" charset="0"/>
+              <a:buChar char="•"/>
+            </a:pPr>
+            <a:r>
+              <a:rPr lang="en-US" altLang="ko-KR" sz="1000" dirty="0" err="1"/>
+              <a:t>challengeItem</a:t>
+            </a:r>
+            <a:r>
+              <a:rPr lang="en-US" altLang="ko-KR" sz="1000" dirty="0"/>
+              <a:t> : Object</a:t>
+            </a:r>
+          </a:p>
+          <a:p>
+            <a:pPr marL="171450" indent="-171450">
+              <a:lnSpc>
+                <a:spcPct val="150000"/>
+              </a:lnSpc>
+              <a:buFont typeface="Arial" panose="020B0604020202020204" pitchFamily="34" charset="0"/>
+              <a:buChar char="•"/>
+            </a:pPr>
+            <a:r>
+              <a:rPr lang="en-US" altLang="ko-KR" sz="1000" dirty="0" err="1"/>
+              <a:t>fundingItem</a:t>
+            </a:r>
+            <a:r>
+              <a:rPr lang="en-US" altLang="ko-KR" sz="1000" dirty="0"/>
+              <a:t> : Object</a:t>
+            </a:r>
+            <a:endParaRPr lang="ko-KR" altLang="en-US" sz="1000" dirty="0"/>
+          </a:p>
+        </p:txBody>
+      </p:sp>
+      <p:sp>
+        <p:nvSpPr>
+          <p:cNvPr id="235" name="TextBox 234">
+            <a:extLst>
+              <a:ext uri="{FF2B5EF4-FFF2-40B4-BE49-F238E27FC236}">
+                <a16:creationId xmlns:a16="http://schemas.microsoft.com/office/drawing/2014/main" id="{357D04F5-CF07-4C7D-9E94-422E0440F52E}"/>
+              </a:ext>
+            </a:extLst>
+          </p:cNvPr>
+          <p:cNvSpPr txBox="1"/>
+          <p:nvPr/>
+        </p:nvSpPr>
+        <p:spPr>
+          <a:xfrm>
+            <a:off x="906609" y="4898436"/>
+            <a:ext cx="2982368" cy="547329"/>
+          </a:xfrm>
+          <a:prstGeom prst="rect">
+            <a:avLst/>
+          </a:prstGeom>
+          <a:noFill/>
+        </p:spPr>
+        <p:txBody>
+          <a:bodyPr wrap="square" rtlCol="0">
+            <a:spAutoFit/>
+          </a:bodyPr>
+          <a:lstStyle/>
+          <a:p>
+            <a:pPr>
+              <a:lnSpc>
+                <a:spcPct val="150000"/>
+              </a:lnSpc>
+            </a:pPr>
+            <a:r>
+              <a:rPr lang="ko-KR" altLang="en-US" sz="1100" b="1" dirty="0"/>
+              <a:t>용이한</a:t>
+            </a:r>
+            <a:r>
+              <a:rPr lang="en-US" altLang="ko-KR" sz="1100" b="1" dirty="0"/>
+              <a:t> </a:t>
+            </a:r>
+            <a:r>
+              <a:rPr lang="ko-KR" altLang="en-US" sz="1100" b="1" dirty="0"/>
+              <a:t>데이터 관리를 위한 오브젝트 정의</a:t>
+            </a:r>
+            <a:endParaRPr lang="en-US" altLang="ko-KR" sz="1100" b="1" dirty="0"/>
+          </a:p>
+          <a:p>
+            <a:pPr marL="171450" indent="-171450">
+              <a:lnSpc>
+                <a:spcPct val="150000"/>
+              </a:lnSpc>
+              <a:buFont typeface="Arial" panose="020B0604020202020204" pitchFamily="34" charset="0"/>
+              <a:buChar char="•"/>
+            </a:pPr>
+            <a:r>
+              <a:rPr lang="en-US" altLang="ko-KR" sz="1000" dirty="0" err="1"/>
+              <a:t>aCurrentData</a:t>
+            </a:r>
+            <a:r>
+              <a:rPr lang="en-US" altLang="ko-KR" sz="1000" dirty="0"/>
+              <a:t> : Object</a:t>
+            </a:r>
+          </a:p>
+        </p:txBody>
+      </p:sp>
+      <p:sp>
+        <p:nvSpPr>
+          <p:cNvPr id="237" name="TextBox 236">
+            <a:extLst>
+              <a:ext uri="{FF2B5EF4-FFF2-40B4-BE49-F238E27FC236}">
+                <a16:creationId xmlns:a16="http://schemas.microsoft.com/office/drawing/2014/main" id="{C4CEBD4C-59A8-46E4-A298-24816FA9BAEA}"/>
+              </a:ext>
+            </a:extLst>
+          </p:cNvPr>
+          <p:cNvSpPr txBox="1"/>
+          <p:nvPr/>
+        </p:nvSpPr>
+        <p:spPr>
+          <a:xfrm>
+            <a:off x="906609" y="5605457"/>
+            <a:ext cx="3199723" cy="1008994"/>
+          </a:xfrm>
+          <a:prstGeom prst="rect">
+            <a:avLst/>
+          </a:prstGeom>
+          <a:noFill/>
+        </p:spPr>
+        <p:txBody>
+          <a:bodyPr wrap="square" rtlCol="0">
+            <a:spAutoFit/>
+          </a:bodyPr>
+          <a:lstStyle/>
+          <a:p>
+            <a:pPr>
+              <a:lnSpc>
+                <a:spcPct val="150000"/>
+              </a:lnSpc>
+            </a:pPr>
+            <a:r>
+              <a:rPr lang="ko-KR" altLang="en-US" sz="1100" b="1" dirty="0"/>
+              <a:t>데이터 별 세부 페이지 프레그먼트</a:t>
+            </a:r>
+            <a:endParaRPr lang="en-US" altLang="ko-KR" sz="1100" b="1" dirty="0"/>
+          </a:p>
+          <a:p>
+            <a:pPr marL="171450" indent="-171450">
+              <a:lnSpc>
+                <a:spcPct val="150000"/>
+              </a:lnSpc>
+              <a:buFont typeface="Arial" panose="020B0604020202020204" pitchFamily="34" charset="0"/>
+              <a:buChar char="•"/>
+            </a:pPr>
+            <a:r>
+              <a:rPr lang="en-US" altLang="ko-KR" sz="1000" dirty="0" err="1"/>
+              <a:t>wasteItemSpecific</a:t>
+            </a:r>
+            <a:r>
+              <a:rPr lang="en-US" altLang="ko-KR" sz="1000" dirty="0"/>
+              <a:t> : Fragment</a:t>
+            </a:r>
+          </a:p>
+          <a:p>
+            <a:pPr marL="171450" indent="-171450">
+              <a:lnSpc>
+                <a:spcPct val="150000"/>
+              </a:lnSpc>
+              <a:buFont typeface="Arial" panose="020B0604020202020204" pitchFamily="34" charset="0"/>
+              <a:buChar char="•"/>
+            </a:pPr>
+            <a:r>
+              <a:rPr lang="en-US" altLang="ko-KR" sz="1000" dirty="0" err="1"/>
+              <a:t>challengeItemSpecific</a:t>
+            </a:r>
+            <a:r>
+              <a:rPr lang="en-US" altLang="ko-KR" sz="1000" dirty="0"/>
+              <a:t> : Fragment</a:t>
+            </a:r>
+          </a:p>
+          <a:p>
+            <a:pPr marL="171450" indent="-171450">
+              <a:lnSpc>
+                <a:spcPct val="150000"/>
+              </a:lnSpc>
+              <a:buFont typeface="Arial" panose="020B0604020202020204" pitchFamily="34" charset="0"/>
+              <a:buChar char="•"/>
+            </a:pPr>
+            <a:r>
+              <a:rPr lang="en-US" altLang="ko-KR" sz="1000" dirty="0" err="1"/>
+              <a:t>fundingItemSpecific</a:t>
+            </a:r>
+            <a:r>
+              <a:rPr lang="en-US" altLang="ko-KR" sz="1000" dirty="0"/>
+              <a:t> : Fragment</a:t>
+            </a:r>
+          </a:p>
+        </p:txBody>
+      </p:sp>
     </p:spTree>
     <p:extLst>
       <p:ext uri="{BB962C8B-B14F-4D97-AF65-F5344CB8AC3E}">
@@ -7143,10 +7663,274 @@
           </a:p>
         </p:txBody>
       </p:sp>
+      <p:cxnSp>
+        <p:nvCxnSpPr>
+          <p:cNvPr id="13" name="직선 연결선 14">
+            <a:extLst>
+              <a:ext uri="{FF2B5EF4-FFF2-40B4-BE49-F238E27FC236}">
+                <a16:creationId xmlns:a16="http://schemas.microsoft.com/office/drawing/2014/main" id="{43F4A7B5-809B-4247-AF54-33856AC503CA}"/>
+              </a:ext>
+            </a:extLst>
+          </p:cNvPr>
+          <p:cNvCxnSpPr>
+            <a:cxnSpLocks/>
+          </p:cNvCxnSpPr>
+          <p:nvPr/>
+        </p:nvCxnSpPr>
+        <p:spPr>
+          <a:xfrm>
+            <a:off x="6035415" y="1267329"/>
+            <a:ext cx="0" cy="5590671"/>
+          </a:xfrm>
+          <a:prstGeom prst="line">
+            <a:avLst/>
+          </a:prstGeom>
+          <a:ln w="19050">
+            <a:solidFill>
+              <a:schemeClr val="tx1"/>
+            </a:solidFill>
+          </a:ln>
+        </p:spPr>
+        <p:style>
+          <a:lnRef idx="1">
+            <a:schemeClr val="accent1"/>
+          </a:lnRef>
+          <a:fillRef idx="0">
+            <a:schemeClr val="accent1"/>
+          </a:fillRef>
+          <a:effectRef idx="0">
+            <a:schemeClr val="accent1"/>
+          </a:effectRef>
+          <a:fontRef idx="minor">
+            <a:schemeClr val="tx1"/>
+          </a:fontRef>
+        </p:style>
+      </p:cxnSp>
+      <p:pic>
+        <p:nvPicPr>
+          <p:cNvPr id="19" name="그림 18">
+            <a:extLst>
+              <a:ext uri="{FF2B5EF4-FFF2-40B4-BE49-F238E27FC236}">
+                <a16:creationId xmlns:a16="http://schemas.microsoft.com/office/drawing/2014/main" id="{AD295372-4860-134C-A8C0-E5DC0AA8290F}"/>
+              </a:ext>
+            </a:extLst>
+          </p:cNvPr>
+          <p:cNvPicPr>
+            <a:picLocks noChangeAspect="1"/>
+          </p:cNvPicPr>
+          <p:nvPr/>
+        </p:nvPicPr>
+        <p:blipFill>
+          <a:blip r:embed="rId2">
+            <a:extLst>
+              <a:ext uri="{28A0092B-C50C-407E-A947-70E740481C1C}">
+                <a14:useLocalDpi xmlns:a14="http://schemas.microsoft.com/office/drawing/2010/main" val="0"/>
+              </a:ext>
+            </a:extLst>
+          </a:blip>
+          <a:stretch>
+            <a:fillRect/>
+          </a:stretch>
+        </p:blipFill>
+        <p:spPr>
+          <a:xfrm>
+            <a:off x="686478" y="2019202"/>
+            <a:ext cx="4786229" cy="3804749"/>
+          </a:xfrm>
+          <a:prstGeom prst="rect">
+            <a:avLst/>
+          </a:prstGeom>
+        </p:spPr>
+      </p:pic>
+      <p:sp>
+        <p:nvSpPr>
+          <p:cNvPr id="20" name="TextBox 19">
+            <a:extLst>
+              <a:ext uri="{FF2B5EF4-FFF2-40B4-BE49-F238E27FC236}">
+                <a16:creationId xmlns:a16="http://schemas.microsoft.com/office/drawing/2014/main" id="{ACEBE0BA-DB62-B746-B07C-37DE6FA93A74}"/>
+              </a:ext>
+            </a:extLst>
+          </p:cNvPr>
+          <p:cNvSpPr txBox="1"/>
+          <p:nvPr/>
+        </p:nvSpPr>
+        <p:spPr>
+          <a:xfrm>
+            <a:off x="6741580" y="1523507"/>
+            <a:ext cx="4763942" cy="5078313"/>
+          </a:xfrm>
+          <a:prstGeom prst="rect">
+            <a:avLst/>
+          </a:prstGeom>
+          <a:noFill/>
+        </p:spPr>
+        <p:txBody>
+          <a:bodyPr wrap="square" rtlCol="0">
+            <a:spAutoFit/>
+          </a:bodyPr>
+          <a:lstStyle/>
+          <a:p>
+            <a:pPr marL="342900" indent="-342900">
+              <a:buAutoNum type="arabicPeriod"/>
+            </a:pPr>
+            <a:r>
+              <a:rPr kumimoji="1" lang="ko-KR" altLang="en-US" dirty="0"/>
+              <a:t>기능</a:t>
+            </a:r>
+            <a:endParaRPr kumimoji="1" lang="en-US" altLang="ko-KR" dirty="0"/>
+          </a:p>
+          <a:p>
+            <a:pPr marL="800100" lvl="1" indent="-342900">
+              <a:buFont typeface="Arial" panose="020B0604020202020204" pitchFamily="34" charset="0"/>
+              <a:buChar char="•"/>
+            </a:pPr>
+            <a:r>
+              <a:rPr kumimoji="1" lang="ko-KR" altLang="en-US" dirty="0"/>
+              <a:t>앱을 사용하는 유저 중 내 주변 지역 사람들이 얼마나 많이 </a:t>
+            </a:r>
+            <a:r>
+              <a:rPr kumimoji="1" lang="ko-KR" altLang="en-US" dirty="0" err="1"/>
+              <a:t>챌린지를</a:t>
+            </a:r>
+            <a:r>
+              <a:rPr kumimoji="1" lang="ko-KR" altLang="en-US" dirty="0"/>
+              <a:t> 하고 있는지 나타낸다</a:t>
+            </a:r>
+            <a:endParaRPr kumimoji="1" lang="en-US" altLang="ko-KR" dirty="0"/>
+          </a:p>
+          <a:p>
+            <a:pPr lvl="1"/>
+            <a:endParaRPr kumimoji="1" lang="en-US" altLang="ko-KR" dirty="0"/>
+          </a:p>
+          <a:p>
+            <a:pPr marL="342900" indent="-342900">
+              <a:buAutoNum type="arabicPeriod"/>
+            </a:pPr>
+            <a:r>
+              <a:rPr kumimoji="1" lang="ko-KR" altLang="en-US" dirty="0"/>
+              <a:t>효과</a:t>
+            </a:r>
+            <a:endParaRPr kumimoji="1" lang="en-US" altLang="ko-KR" dirty="0"/>
+          </a:p>
+          <a:p>
+            <a:pPr marL="800100" lvl="1" indent="-342900">
+              <a:buFont typeface="Arial" panose="020B0604020202020204" pitchFamily="34" charset="0"/>
+              <a:buChar char="•"/>
+            </a:pPr>
+            <a:r>
+              <a:rPr kumimoji="1" lang="ko-KR" altLang="en-US" dirty="0"/>
+              <a:t>심리적 보상</a:t>
+            </a:r>
+            <a:endParaRPr kumimoji="1" lang="en-US" altLang="ko-KR" dirty="0"/>
+          </a:p>
+          <a:p>
+            <a:pPr marL="800100" lvl="1" indent="-342900">
+              <a:buFont typeface="Arial" panose="020B0604020202020204" pitchFamily="34" charset="0"/>
+              <a:buChar char="•"/>
+            </a:pPr>
+            <a:endParaRPr kumimoji="1" lang="en-US" altLang="ko-KR" dirty="0"/>
+          </a:p>
+          <a:p>
+            <a:pPr marL="1257300" lvl="2" indent="-342900">
+              <a:buFont typeface="Arial" panose="020B0604020202020204" pitchFamily="34" charset="0"/>
+              <a:buChar char="•"/>
+            </a:pPr>
+            <a:r>
+              <a:rPr kumimoji="1" lang="ko-KR" altLang="en-US" dirty="0"/>
+              <a:t>주변 사람들이 많이 하는 것에 대해 승부욕 유발</a:t>
+            </a:r>
+            <a:endParaRPr kumimoji="1" lang="en-US" altLang="ko-KR" dirty="0"/>
+          </a:p>
+          <a:p>
+            <a:pPr lvl="2"/>
+            <a:endParaRPr kumimoji="1" lang="en-US" altLang="ko-KR" dirty="0"/>
+          </a:p>
+          <a:p>
+            <a:pPr marL="800100" lvl="1" indent="-342900">
+              <a:buFont typeface="Arial" panose="020B0604020202020204" pitchFamily="34" charset="0"/>
+              <a:buChar char="•"/>
+            </a:pPr>
+            <a:r>
+              <a:rPr kumimoji="1" lang="ko-KR" altLang="en-US" dirty="0"/>
+              <a:t>시각적 정보 제공</a:t>
+            </a:r>
+            <a:endParaRPr kumimoji="1" lang="en-US" altLang="ko-KR" dirty="0"/>
+          </a:p>
+          <a:p>
+            <a:pPr marL="1257300" lvl="2" indent="-342900">
+              <a:buFont typeface="Arial" panose="020B0604020202020204" pitchFamily="34" charset="0"/>
+              <a:buChar char="•"/>
+            </a:pPr>
+            <a:r>
+              <a:rPr kumimoji="1" lang="ko-KR" altLang="en-US" dirty="0" err="1"/>
+              <a:t>마커</a:t>
+            </a:r>
+            <a:r>
+              <a:rPr kumimoji="1" lang="ko-KR" altLang="en-US" dirty="0"/>
+              <a:t> 색 구분을 통해 </a:t>
+            </a:r>
+            <a:r>
+              <a:rPr kumimoji="1" lang="en-US" altLang="ko-KR" dirty="0"/>
+              <a:t>Everyday,</a:t>
+            </a:r>
+            <a:r>
+              <a:rPr kumimoji="1" lang="ko-KR" altLang="en-US" dirty="0"/>
+              <a:t> 요일 별</a:t>
+            </a:r>
+            <a:r>
+              <a:rPr kumimoji="1" lang="en-US" altLang="ko-KR" dirty="0"/>
+              <a:t>,</a:t>
+            </a:r>
+            <a:r>
+              <a:rPr kumimoji="1" lang="ko-KR" altLang="en-US" dirty="0"/>
+              <a:t> 일주일 별 </a:t>
+            </a:r>
+            <a:r>
+              <a:rPr kumimoji="1" lang="ko-KR" altLang="en-US" dirty="0" err="1"/>
+              <a:t>챌린지</a:t>
+            </a:r>
+            <a:r>
+              <a:rPr kumimoji="1" lang="ko-KR" altLang="en-US" dirty="0"/>
+              <a:t> 구분</a:t>
+            </a:r>
+            <a:endParaRPr kumimoji="1" lang="en-US" altLang="ko-KR" dirty="0"/>
+          </a:p>
+          <a:p>
+            <a:pPr lvl="2"/>
+            <a:endParaRPr kumimoji="1" lang="en-US" altLang="ko-KR" dirty="0"/>
+          </a:p>
+          <a:p>
+            <a:pPr marL="1257300" lvl="2" indent="-342900">
+              <a:buFont typeface="Arial" panose="020B0604020202020204" pitchFamily="34" charset="0"/>
+              <a:buChar char="•"/>
+            </a:pPr>
+            <a:r>
+              <a:rPr kumimoji="1" lang="ko-KR" altLang="en-US" dirty="0" err="1"/>
+              <a:t>마커</a:t>
+            </a:r>
+            <a:r>
+              <a:rPr kumimoji="1" lang="ko-KR" altLang="en-US" dirty="0"/>
+              <a:t> 클릭 시 </a:t>
+            </a:r>
+            <a:r>
+              <a:rPr kumimoji="1" lang="ko-KR" altLang="en-US" dirty="0" err="1"/>
+              <a:t>카테고리별</a:t>
+            </a:r>
+            <a:r>
+              <a:rPr kumimoji="1" lang="ko-KR" altLang="en-US" dirty="0"/>
+              <a:t> 정보제공 분류 </a:t>
+            </a:r>
+            <a:endParaRPr kumimoji="1" lang="en-US" altLang="ko-KR" dirty="0"/>
+          </a:p>
+          <a:p>
+            <a:endParaRPr kumimoji="1" lang="ko-Kore-KR" altLang="en-US" dirty="0"/>
+          </a:p>
+        </p:txBody>
+      </p:sp>
     </p:spTree>
     <p:extLst>
       <p:ext uri="{BB962C8B-B14F-4D97-AF65-F5344CB8AC3E}">
-        <p14:creationId xmlns:p14="http://schemas.microsoft.com/office/powerpoint/2010/main" val="1635800245"/>
+        <p14:creationId xmlns:p14="http://schemas.microsoft.com/office/powerpoint/2010/main" val="1285532446"/>
       </p:ext>
     </p:extLst>
   </p:cSld>
@@ -8823,87 +9607,466 @@
           <a:chExt cx="0" cy="0"/>
         </a:xfrm>
       </p:grpSpPr>
-      <p:pic>
-        <p:nvPicPr>
-          <p:cNvPr id="4" name="그림 3">
-            <a:extLst>
-              <a:ext uri="{FF2B5EF4-FFF2-40B4-BE49-F238E27FC236}">
-                <a16:creationId xmlns:a16="http://schemas.microsoft.com/office/drawing/2014/main" id="{518CDEA0-F25B-4153-8DF8-299A90F23ECA}"/>
-              </a:ext>
-            </a:extLst>
-          </p:cNvPr>
-          <p:cNvPicPr>
-            <a:picLocks noChangeAspect="1"/>
-          </p:cNvPicPr>
-          <p:nvPr/>
-        </p:nvPicPr>
-        <p:blipFill>
-          <a:blip r:embed="rId2"/>
-          <a:stretch>
-            <a:fillRect/>
-          </a:stretch>
-        </p:blipFill>
-        <p:spPr>
-          <a:xfrm>
-            <a:off x="989709" y="3550286"/>
-            <a:ext cx="9763125" cy="2895600"/>
-          </a:xfrm>
-          <a:prstGeom prst="rect">
-            <a:avLst/>
-          </a:prstGeom>
-        </p:spPr>
-      </p:pic>
-      <p:pic>
-        <p:nvPicPr>
-          <p:cNvPr id="6" name="Picture 4" descr="CS 410/510 - Software Engineering class notes">
-            <a:extLst>
-              <a:ext uri="{FF2B5EF4-FFF2-40B4-BE49-F238E27FC236}">
-                <a16:creationId xmlns:a16="http://schemas.microsoft.com/office/drawing/2014/main" id="{BBD75ABC-5750-4CBF-A96E-711F32BD2F75}"/>
-              </a:ext>
-            </a:extLst>
-          </p:cNvPr>
-          <p:cNvPicPr>
-            <a:picLocks noChangeAspect="1" noChangeArrowheads="1"/>
-          </p:cNvPicPr>
-          <p:nvPr/>
-        </p:nvPicPr>
-        <p:blipFill>
-          <a:blip r:embed="rId3">
-            <a:extLst>
-              <a:ext uri="{28A0092B-C50C-407E-A947-70E740481C1C}">
-                <a14:useLocalDpi xmlns:a14="http://schemas.microsoft.com/office/drawing/2010/main" val="0"/>
-              </a:ext>
-            </a:extLst>
-          </a:blip>
-          <a:srcRect/>
-          <a:stretch>
-            <a:fillRect/>
-          </a:stretch>
-        </p:blipFill>
-        <p:spPr bwMode="auto">
-          <a:xfrm>
-            <a:off x="3626270" y="664080"/>
-            <a:ext cx="3308229" cy="2510920"/>
+      <p:sp>
+        <p:nvSpPr>
+          <p:cNvPr id="4" name="TextBox 3">
+            <a:extLst>
+              <a:ext uri="{FF2B5EF4-FFF2-40B4-BE49-F238E27FC236}">
+                <a16:creationId xmlns:a16="http://schemas.microsoft.com/office/drawing/2014/main" id="{565939C4-D575-4568-9F1F-823A532B1F45}"/>
+              </a:ext>
+            </a:extLst>
+          </p:cNvPr>
+          <p:cNvSpPr txBox="1"/>
+          <p:nvPr/>
+        </p:nvSpPr>
+        <p:spPr>
+          <a:xfrm>
+            <a:off x="231354" y="231354"/>
+            <a:ext cx="3358612" cy="461665"/>
           </a:xfrm>
           <a:prstGeom prst="rect">
             <a:avLst/>
           </a:prstGeom>
           <a:noFill/>
-          <a:extLst>
-            <a:ext uri="{909E8E84-426E-40DD-AFC4-6F175D3DCCD1}">
-              <a14:hiddenFill xmlns:a14="http://schemas.microsoft.com/office/drawing/2010/main">
+        </p:spPr>
+        <p:txBody>
+          <a:bodyPr wrap="none" rtlCol="0">
+            <a:spAutoFit/>
+          </a:bodyPr>
+          <a:lstStyle/>
+          <a:p>
+            <a:r>
+              <a:rPr lang="en-US" altLang="ko-KR" sz="2400" b="1" dirty="0"/>
+              <a:t>Development Process</a:t>
+            </a:r>
+          </a:p>
+        </p:txBody>
+      </p:sp>
+      <p:cxnSp>
+        <p:nvCxnSpPr>
+          <p:cNvPr id="5" name="직선 연결선 4">
+            <a:extLst>
+              <a:ext uri="{FF2B5EF4-FFF2-40B4-BE49-F238E27FC236}">
+                <a16:creationId xmlns:a16="http://schemas.microsoft.com/office/drawing/2014/main" id="{BFE9EEFE-8BC0-4879-9D12-2A8BC074C22E}"/>
+              </a:ext>
+            </a:extLst>
+          </p:cNvPr>
+          <p:cNvCxnSpPr>
+            <a:cxnSpLocks/>
+          </p:cNvCxnSpPr>
+          <p:nvPr/>
+        </p:nvCxnSpPr>
+        <p:spPr>
+          <a:xfrm>
+            <a:off x="5586235" y="122850"/>
+            <a:ext cx="6475476" cy="0"/>
+          </a:xfrm>
+          <a:prstGeom prst="line">
+            <a:avLst/>
+          </a:prstGeom>
+          <a:ln w="12700">
+            <a:solidFill>
+              <a:schemeClr val="tx1"/>
+            </a:solidFill>
+            <a:headEnd type="none" w="med" len="med"/>
+            <a:tailEnd type="arrow" w="lg" len="lg"/>
+          </a:ln>
+        </p:spPr>
+        <p:style>
+          <a:lnRef idx="1">
+            <a:schemeClr val="accent1"/>
+          </a:lnRef>
+          <a:fillRef idx="0">
+            <a:schemeClr val="accent1"/>
+          </a:fillRef>
+          <a:effectRef idx="0">
+            <a:schemeClr val="accent1"/>
+          </a:effectRef>
+          <a:fontRef idx="minor">
+            <a:schemeClr val="tx1"/>
+          </a:fontRef>
+        </p:style>
+      </p:cxnSp>
+      <p:sp>
+        <p:nvSpPr>
+          <p:cNvPr id="6" name="TextBox 5">
+            <a:extLst>
+              <a:ext uri="{FF2B5EF4-FFF2-40B4-BE49-F238E27FC236}">
+                <a16:creationId xmlns:a16="http://schemas.microsoft.com/office/drawing/2014/main" id="{DDC4FEB6-5B26-4F0F-A146-69E3C363501F}"/>
+              </a:ext>
+            </a:extLst>
+          </p:cNvPr>
+          <p:cNvSpPr txBox="1"/>
+          <p:nvPr/>
+        </p:nvSpPr>
+        <p:spPr>
+          <a:xfrm>
+            <a:off x="5604443" y="231355"/>
+            <a:ext cx="716286" cy="276999"/>
+          </a:xfrm>
+          <a:prstGeom prst="rect">
+            <a:avLst/>
+          </a:prstGeom>
+          <a:noFill/>
+        </p:spPr>
+        <p:txBody>
+          <a:bodyPr wrap="none" rtlCol="0">
+            <a:spAutoFit/>
+          </a:bodyPr>
+          <a:lstStyle/>
+          <a:p>
+            <a:r>
+              <a:rPr lang="en-US" altLang="ko-KR" sz="1200" dirty="0"/>
+              <a:t>Preview</a:t>
+            </a:r>
+            <a:endParaRPr lang="ko-KR" altLang="en-US" sz="1200" dirty="0"/>
+          </a:p>
+        </p:txBody>
+      </p:sp>
+      <p:sp>
+        <p:nvSpPr>
+          <p:cNvPr id="7" name="TextBox 6">
+            <a:extLst>
+              <a:ext uri="{FF2B5EF4-FFF2-40B4-BE49-F238E27FC236}">
+                <a16:creationId xmlns:a16="http://schemas.microsoft.com/office/drawing/2014/main" id="{1C9DDA0A-F980-4E1D-83FD-D5A5F3D249D0}"/>
+              </a:ext>
+            </a:extLst>
+          </p:cNvPr>
+          <p:cNvSpPr txBox="1"/>
+          <p:nvPr/>
+        </p:nvSpPr>
+        <p:spPr>
+          <a:xfrm>
+            <a:off x="6320729" y="231355"/>
+            <a:ext cx="545855" cy="276999"/>
+          </a:xfrm>
+          <a:prstGeom prst="rect">
+            <a:avLst/>
+          </a:prstGeom>
+          <a:noFill/>
+        </p:spPr>
+        <p:txBody>
+          <a:bodyPr wrap="none" rtlCol="0">
+            <a:spAutoFit/>
+          </a:bodyPr>
+          <a:lstStyle/>
+          <a:p>
+            <a:r>
+              <a:rPr lang="en-US" altLang="ko-KR" sz="1200" dirty="0"/>
+              <a:t>Team</a:t>
+            </a:r>
+            <a:endParaRPr lang="ko-KR" altLang="en-US" sz="1200" dirty="0"/>
+          </a:p>
+        </p:txBody>
+      </p:sp>
+      <p:sp>
+        <p:nvSpPr>
+          <p:cNvPr id="8" name="TextBox 7">
+            <a:extLst>
+              <a:ext uri="{FF2B5EF4-FFF2-40B4-BE49-F238E27FC236}">
+                <a16:creationId xmlns:a16="http://schemas.microsoft.com/office/drawing/2014/main" id="{DF48F0D6-48B6-41ED-B5FC-479983F1A736}"/>
+              </a:ext>
+            </a:extLst>
+          </p:cNvPr>
+          <p:cNvSpPr txBox="1"/>
+          <p:nvPr/>
+        </p:nvSpPr>
+        <p:spPr>
+          <a:xfrm>
+            <a:off x="6866584" y="231355"/>
+            <a:ext cx="1062535" cy="276999"/>
+          </a:xfrm>
+          <a:prstGeom prst="rect">
+            <a:avLst/>
+          </a:prstGeom>
+          <a:noFill/>
+        </p:spPr>
+        <p:txBody>
+          <a:bodyPr wrap="none" rtlCol="0">
+            <a:spAutoFit/>
+          </a:bodyPr>
+          <a:lstStyle/>
+          <a:p>
+            <a:r>
+              <a:rPr lang="en-US" altLang="ko-KR" sz="1200" dirty="0"/>
+              <a:t>Environment</a:t>
+            </a:r>
+            <a:endParaRPr lang="ko-KR" altLang="en-US" sz="1200" dirty="0"/>
+          </a:p>
+        </p:txBody>
+      </p:sp>
+      <p:sp>
+        <p:nvSpPr>
+          <p:cNvPr id="9" name="TextBox 8">
+            <a:extLst>
+              <a:ext uri="{FF2B5EF4-FFF2-40B4-BE49-F238E27FC236}">
+                <a16:creationId xmlns:a16="http://schemas.microsoft.com/office/drawing/2014/main" id="{436432E4-6A8D-4C01-BEF5-05843EDD45ED}"/>
+              </a:ext>
+            </a:extLst>
+          </p:cNvPr>
+          <p:cNvSpPr txBox="1"/>
+          <p:nvPr/>
+        </p:nvSpPr>
+        <p:spPr>
+          <a:xfrm>
+            <a:off x="7929119" y="231354"/>
+            <a:ext cx="1020600" cy="276999"/>
+          </a:xfrm>
+          <a:prstGeom prst="rect">
+            <a:avLst/>
+          </a:prstGeom>
+          <a:noFill/>
+        </p:spPr>
+        <p:txBody>
+          <a:bodyPr wrap="none" rtlCol="0">
+            <a:spAutoFit/>
+          </a:bodyPr>
+          <a:lstStyle/>
+          <a:p>
+            <a:r>
+              <a:rPr lang="en-US" altLang="ko-KR" sz="1200" dirty="0"/>
+              <a:t>Architecture</a:t>
+            </a:r>
+            <a:endParaRPr lang="ko-KR" altLang="en-US" sz="1200" dirty="0"/>
+          </a:p>
+        </p:txBody>
+      </p:sp>
+      <p:sp>
+        <p:nvSpPr>
+          <p:cNvPr id="10" name="TextBox 9">
+            <a:extLst>
+              <a:ext uri="{FF2B5EF4-FFF2-40B4-BE49-F238E27FC236}">
+                <a16:creationId xmlns:a16="http://schemas.microsoft.com/office/drawing/2014/main" id="{898A85B0-6B93-477A-8083-12355552FD85}"/>
+              </a:ext>
+            </a:extLst>
+          </p:cNvPr>
+          <p:cNvSpPr txBox="1"/>
+          <p:nvPr/>
+        </p:nvSpPr>
+        <p:spPr>
+          <a:xfrm>
+            <a:off x="8949719" y="231355"/>
+            <a:ext cx="1354794" cy="276999"/>
+          </a:xfrm>
+          <a:prstGeom prst="rect">
+            <a:avLst/>
+          </a:prstGeom>
+          <a:noFill/>
+        </p:spPr>
+        <p:txBody>
+          <a:bodyPr wrap="none" rtlCol="0">
+            <a:spAutoFit/>
+          </a:bodyPr>
+          <a:lstStyle/>
+          <a:p>
+            <a:r>
+              <a:rPr lang="en-US" altLang="ko-KR" sz="1200" dirty="0"/>
+              <a:t>Core Technology</a:t>
+            </a:r>
+            <a:endParaRPr lang="ko-KR" altLang="en-US" sz="1200" dirty="0"/>
+          </a:p>
+        </p:txBody>
+      </p:sp>
+      <p:sp>
+        <p:nvSpPr>
+          <p:cNvPr id="11" name="TextBox 10">
+            <a:extLst>
+              <a:ext uri="{FF2B5EF4-FFF2-40B4-BE49-F238E27FC236}">
+                <a16:creationId xmlns:a16="http://schemas.microsoft.com/office/drawing/2014/main" id="{8F0386BA-D88E-48CA-A783-34CC75783863}"/>
+              </a:ext>
+            </a:extLst>
+          </p:cNvPr>
+          <p:cNvSpPr txBox="1"/>
+          <p:nvPr/>
+        </p:nvSpPr>
+        <p:spPr>
+          <a:xfrm>
+            <a:off x="10304513" y="231354"/>
+            <a:ext cx="1693156" cy="276999"/>
+          </a:xfrm>
+          <a:prstGeom prst="rect">
+            <a:avLst/>
+          </a:prstGeom>
+          <a:noFill/>
+        </p:spPr>
+        <p:txBody>
+          <a:bodyPr wrap="none" rtlCol="0">
+            <a:spAutoFit/>
+          </a:bodyPr>
+          <a:lstStyle/>
+          <a:p>
+            <a:r>
+              <a:rPr lang="en-US" altLang="ko-KR" sz="1200" dirty="0">
                 <a:solidFill>
-                  <a:srgbClr val="FFFFFF"/>
+                  <a:srgbClr val="0070C0"/>
                 </a:solidFill>
-              </a14:hiddenFill>
-            </a:ext>
-          </a:extLst>
-        </p:spPr>
-      </p:pic>
+              </a:rPr>
+              <a:t>Development Process</a:t>
+            </a:r>
+            <a:endParaRPr lang="ko-KR" altLang="en-US" sz="1200" dirty="0">
+              <a:solidFill>
+                <a:srgbClr val="0070C0"/>
+              </a:solidFill>
+            </a:endParaRPr>
+          </a:p>
+        </p:txBody>
+      </p:sp>
+      <p:sp>
+        <p:nvSpPr>
+          <p:cNvPr id="12" name="TextBox 11">
+            <a:extLst>
+              <a:ext uri="{FF2B5EF4-FFF2-40B4-BE49-F238E27FC236}">
+                <a16:creationId xmlns:a16="http://schemas.microsoft.com/office/drawing/2014/main" id="{76FCFFFC-96B6-4EBA-84EC-A6CF15AA68B6}"/>
+              </a:ext>
+            </a:extLst>
+          </p:cNvPr>
+          <p:cNvSpPr txBox="1"/>
+          <p:nvPr/>
+        </p:nvSpPr>
+        <p:spPr>
+          <a:xfrm>
+            <a:off x="686478" y="1267329"/>
+            <a:ext cx="2982369" cy="369332"/>
+          </a:xfrm>
+          <a:prstGeom prst="rect">
+            <a:avLst/>
+          </a:prstGeom>
+          <a:noFill/>
+        </p:spPr>
+        <p:txBody>
+          <a:bodyPr wrap="square" rtlCol="0">
+            <a:spAutoFit/>
+          </a:bodyPr>
+          <a:lstStyle/>
+          <a:p>
+            <a:r>
+              <a:rPr lang="ko-KR" altLang="en-US" b="1" dirty="0"/>
+              <a:t>향후 계획</a:t>
+            </a:r>
+          </a:p>
+        </p:txBody>
+      </p:sp>
+      <p:sp>
+        <p:nvSpPr>
+          <p:cNvPr id="14" name="TextBox 13">
+            <a:extLst>
+              <a:ext uri="{FF2B5EF4-FFF2-40B4-BE49-F238E27FC236}">
+                <a16:creationId xmlns:a16="http://schemas.microsoft.com/office/drawing/2014/main" id="{CFD5CDA9-5982-494D-BA65-66B8379C6D96}"/>
+              </a:ext>
+            </a:extLst>
+          </p:cNvPr>
+          <p:cNvSpPr txBox="1"/>
+          <p:nvPr/>
+        </p:nvSpPr>
+        <p:spPr>
+          <a:xfrm>
+            <a:off x="379025" y="4206664"/>
+            <a:ext cx="3063270" cy="338554"/>
+          </a:xfrm>
+          <a:prstGeom prst="rect">
+            <a:avLst/>
+          </a:prstGeom>
+          <a:noFill/>
+        </p:spPr>
+        <p:txBody>
+          <a:bodyPr wrap="square" rtlCol="0">
+            <a:spAutoFit/>
+          </a:bodyPr>
+          <a:lstStyle/>
+          <a:p>
+            <a:r>
+              <a:rPr lang="ko-KR" altLang="en-US" sz="1600" b="1" dirty="0"/>
+              <a:t>서버 계획</a:t>
+            </a:r>
+            <a:endParaRPr lang="en-US" altLang="ko-KR" sz="1600" b="1" dirty="0"/>
+          </a:p>
+        </p:txBody>
+      </p:sp>
+      <p:sp>
+        <p:nvSpPr>
+          <p:cNvPr id="17" name="TextBox 16">
+            <a:extLst>
+              <a:ext uri="{FF2B5EF4-FFF2-40B4-BE49-F238E27FC236}">
+                <a16:creationId xmlns:a16="http://schemas.microsoft.com/office/drawing/2014/main" id="{FB231B24-B272-48FD-BCCF-257AA8BD8296}"/>
+              </a:ext>
+            </a:extLst>
+          </p:cNvPr>
+          <p:cNvSpPr txBox="1"/>
+          <p:nvPr/>
+        </p:nvSpPr>
+        <p:spPr>
+          <a:xfrm>
+            <a:off x="379025" y="3404883"/>
+            <a:ext cx="3063270" cy="338554"/>
+          </a:xfrm>
+          <a:prstGeom prst="rect">
+            <a:avLst/>
+          </a:prstGeom>
+          <a:noFill/>
+        </p:spPr>
+        <p:txBody>
+          <a:bodyPr wrap="square" rtlCol="0">
+            <a:spAutoFit/>
+          </a:bodyPr>
+          <a:lstStyle/>
+          <a:p>
+            <a:r>
+              <a:rPr lang="ko-KR" altLang="en-US" sz="1600" b="1" dirty="0"/>
+              <a:t>안드로이드 계획</a:t>
+            </a:r>
+            <a:endParaRPr lang="en-US" altLang="ko-KR" sz="1600" b="1" dirty="0"/>
+          </a:p>
+        </p:txBody>
+      </p:sp>
+      <p:cxnSp>
+        <p:nvCxnSpPr>
+          <p:cNvPr id="19" name="직선 연결선 18">
+            <a:extLst>
+              <a:ext uri="{FF2B5EF4-FFF2-40B4-BE49-F238E27FC236}">
+                <a16:creationId xmlns:a16="http://schemas.microsoft.com/office/drawing/2014/main" id="{7E8A01C9-D479-4399-98F5-5F5DC318460B}"/>
+              </a:ext>
+            </a:extLst>
+          </p:cNvPr>
+          <p:cNvCxnSpPr>
+            <a:cxnSpLocks/>
+          </p:cNvCxnSpPr>
+          <p:nvPr/>
+        </p:nvCxnSpPr>
+        <p:spPr>
+          <a:xfrm>
+            <a:off x="448733" y="3975050"/>
+            <a:ext cx="11413067" cy="0"/>
+          </a:xfrm>
+          <a:prstGeom prst="line">
+            <a:avLst/>
+          </a:prstGeom>
+          <a:ln w="19050">
+            <a:solidFill>
+              <a:schemeClr val="tx1"/>
+            </a:solidFill>
+            <a:headEnd type="none" w="med" len="med"/>
+            <a:tailEnd type="arrow" w="lg" len="lg"/>
+          </a:ln>
+        </p:spPr>
+        <p:style>
+          <a:lnRef idx="1">
+            <a:schemeClr val="accent1"/>
+          </a:lnRef>
+          <a:fillRef idx="0">
+            <a:schemeClr val="accent1"/>
+          </a:fillRef>
+          <a:effectRef idx="0">
+            <a:schemeClr val="accent1"/>
+          </a:effectRef>
+          <a:fontRef idx="minor">
+            <a:schemeClr val="tx1"/>
+          </a:fontRef>
+        </p:style>
+      </p:cxnSp>
     </p:spTree>
     <p:extLst>
       <p:ext uri="{BB962C8B-B14F-4D97-AF65-F5344CB8AC3E}">
-        <p14:creationId xmlns:p14="http://schemas.microsoft.com/office/powerpoint/2010/main" val="4065941260"/>
+        <p14:creationId xmlns:p14="http://schemas.microsoft.com/office/powerpoint/2010/main" val="3418610673"/>
       </p:ext>
     </p:extLst>
   </p:cSld>
@@ -9199,6 +10362,40 @@
     </a:fmtScheme>
   </a:themeElements>
   <a:objectDefaults>
+    <a:spDef>
+      <a:spPr>
+        <a:solidFill>
+          <a:schemeClr val="bg1"/>
+        </a:solidFill>
+        <a:ln>
+          <a:solidFill>
+            <a:schemeClr val="tx1"/>
+          </a:solidFill>
+        </a:ln>
+      </a:spPr>
+      <a:bodyPr rtlCol="0" anchor="ctr"/>
+      <a:lstStyle>
+        <a:defPPr algn="ctr">
+          <a:defRPr/>
+        </a:defPPr>
+      </a:lstStyle>
+      <a:style>
+        <a:lnRef idx="2">
+          <a:schemeClr val="accent1">
+            <a:shade val="50000"/>
+          </a:schemeClr>
+        </a:lnRef>
+        <a:fillRef idx="1">
+          <a:schemeClr val="accent1"/>
+        </a:fillRef>
+        <a:effectRef idx="0">
+          <a:schemeClr val="accent1"/>
+        </a:effectRef>
+        <a:fontRef idx="minor">
+          <a:schemeClr val="lt1"/>
+        </a:fontRef>
+      </a:style>
+    </a:spDef>
     <a:lnDef>
       <a:spPr>
         <a:ln w="12700">
@@ -9232,4 +10429,299 @@
     </a:ext>
   </a:extLst>
 </a:theme>
+</file>
+
+<file path=ppt/theme/theme2.xml><?xml version="1.0" encoding="utf-8"?>
+<a:theme xmlns:a="http://schemas.openxmlformats.org/drawingml/2006/main" name="Office 테마">
+  <a:themeElements>
+    <a:clrScheme name="Office">
+      <a:dk1>
+        <a:sysClr val="windowText" lastClr="000000"/>
+      </a:dk1>
+      <a:lt1>
+        <a:sysClr val="window" lastClr="FFFFFF"/>
+      </a:lt1>
+      <a:dk2>
+        <a:srgbClr val="44546A"/>
+      </a:dk2>
+      <a:lt2>
+        <a:srgbClr val="E7E6E6"/>
+      </a:lt2>
+      <a:accent1>
+        <a:srgbClr val="4472C4"/>
+      </a:accent1>
+      <a:accent2>
+        <a:srgbClr val="ED7D31"/>
+      </a:accent2>
+      <a:accent3>
+        <a:srgbClr val="A5A5A5"/>
+      </a:accent3>
+      <a:accent4>
+        <a:srgbClr val="FFC000"/>
+      </a:accent4>
+      <a:accent5>
+        <a:srgbClr val="5B9BD5"/>
+      </a:accent5>
+      <a:accent6>
+        <a:srgbClr val="70AD47"/>
+      </a:accent6>
+      <a:hlink>
+        <a:srgbClr val="0563C1"/>
+      </a:hlink>
+      <a:folHlink>
+        <a:srgbClr val="954F72"/>
+      </a:folHlink>
+    </a:clrScheme>
+    <a:fontScheme name="Office">
+      <a:majorFont>
+        <a:latin typeface="맑은 고딕" panose="020F0302020204030204"/>
+        <a:ea typeface=""/>
+        <a:cs typeface=""/>
+        <a:font script="Jpan" typeface="游ゴシック Light"/>
+        <a:font script="Hang" typeface="맑은 고딕"/>
+        <a:font script="Hans" typeface="等线 Light"/>
+        <a:font script="Hant" typeface="新細明體"/>
+        <a:font script="Arab" typeface="Times New Roman"/>
+        <a:font script="Hebr" typeface="Times New Roman"/>
+        <a:font script="Thai" typeface="Angsana New"/>
+        <a:font script="Ethi" typeface="Nyala"/>
+        <a:font script="Beng" typeface="Vrinda"/>
+        <a:font script="Gujr" typeface="Shruti"/>
+        <a:font script="Khmr" typeface="MoolBoran"/>
+        <a:font script="Knda" typeface="Tunga"/>
+        <a:font script="Guru" typeface="Raavi"/>
+        <a:font script="Cans" typeface="Euphemia"/>
+        <a:font script="Cher" typeface="Plantagenet Cherokee"/>
+        <a:font script="Yiii" typeface="Microsoft Yi Baiti"/>
+        <a:font script="Tibt" typeface="Microsoft Himalaya"/>
+        <a:font script="Thaa" typeface="MV Boli"/>
+        <a:font script="Deva" typeface="Mangal"/>
+        <a:font script="Telu" typeface="Gautami"/>
+        <a:font script="Taml" typeface="Latha"/>
+        <a:font script="Syrc" typeface="Estrangelo Edessa"/>
+        <a:font script="Orya" typeface="Kalinga"/>
+        <a:font script="Mlym" typeface="Kartika"/>
+        <a:font script="Laoo" typeface="DokChampa"/>
+        <a:font script="Sinh" typeface="Iskoola Pota"/>
+        <a:font script="Mong" typeface="Mongolian Baiti"/>
+        <a:font script="Viet" typeface="Times New Roman"/>
+        <a:font script="Uigh" typeface="Microsoft Uighur"/>
+        <a:font script="Geor" typeface="Sylfaen"/>
+        <a:font script="Armn" typeface="Arial"/>
+        <a:font script="Bugi" typeface="Leelawadee UI"/>
+        <a:font script="Bopo" typeface="Microsoft JhengHei"/>
+        <a:font script="Java" typeface="Javanese Text"/>
+        <a:font script="Lisu" typeface="Segoe UI"/>
+        <a:font script="Mymr" typeface="Myanmar Text"/>
+        <a:font script="Nkoo" typeface="Ebrima"/>
+        <a:font script="Olck" typeface="Nirmala UI"/>
+        <a:font script="Osma" typeface="Ebrima"/>
+        <a:font script="Phag" typeface="Phagspa"/>
+        <a:font script="Syrn" typeface="Estrangelo Edessa"/>
+        <a:font script="Syrj" typeface="Estrangelo Edessa"/>
+        <a:font script="Syre" typeface="Estrangelo Edessa"/>
+        <a:font script="Sora" typeface="Nirmala UI"/>
+        <a:font script="Tale" typeface="Microsoft Tai Le"/>
+        <a:font script="Talu" typeface="Microsoft New Tai Lue"/>
+        <a:font script="Tfng" typeface="Ebrima"/>
+      </a:majorFont>
+      <a:minorFont>
+        <a:latin typeface="맑은 고딕" panose="020F0502020204030204"/>
+        <a:ea typeface=""/>
+        <a:cs typeface=""/>
+        <a:font script="Jpan" typeface="游ゴシック"/>
+        <a:font script="Hang" typeface="맑은 고딕"/>
+        <a:font script="Hans" typeface="等线"/>
+        <a:font script="Hant" typeface="新細明體"/>
+        <a:font script="Arab" typeface="Arial"/>
+        <a:font script="Hebr" typeface="Arial"/>
+        <a:font script="Thai" typeface="Cordia New"/>
+        <a:font script="Ethi" typeface="Nyala"/>
+        <a:font script="Beng" typeface="Vrinda"/>
+        <a:font script="Gujr" typeface="Shruti"/>
+        <a:font script="Khmr" typeface="DaunPenh"/>
+        <a:font script="Knda" typeface="Tunga"/>
+        <a:font script="Guru" typeface="Raavi"/>
+        <a:font script="Cans" typeface="Euphemia"/>
+        <a:font script="Cher" typeface="Plantagenet Cherokee"/>
+        <a:font script="Yiii" typeface="Microsoft Yi Baiti"/>
+        <a:font script="Tibt" typeface="Microsoft Himalaya"/>
+        <a:font script="Thaa" typeface="MV Boli"/>
+        <a:font script="Deva" typeface="Mangal"/>
+        <a:font script="Telu" typeface="Gautami"/>
+        <a:font script="Taml" typeface="Latha"/>
+        <a:font script="Syrc" typeface="Estrangelo Edessa"/>
+        <a:font script="Orya" typeface="Kalinga"/>
+        <a:font script="Mlym" typeface="Kartika"/>
+        <a:font script="Laoo" typeface="DokChampa"/>
+        <a:font script="Sinh" typeface="Iskoola Pota"/>
+        <a:font script="Mong" typeface="Mongolian Baiti"/>
+        <a:font script="Viet" typeface="Arial"/>
+        <a:font script="Uigh" typeface="Microsoft Uighur"/>
+        <a:font script="Geor" typeface="Sylfaen"/>
+        <a:font script="Armn" typeface="Arial"/>
+        <a:font script="Bugi" typeface="Leelawadee UI"/>
+        <a:font script="Bopo" typeface="Microsoft JhengHei"/>
+        <a:font script="Java" typeface="Javanese Text"/>
+        <a:font script="Lisu" typeface="Segoe UI"/>
+        <a:font script="Mymr" typeface="Myanmar Text"/>
+        <a:font script="Nkoo" typeface="Ebrima"/>
+        <a:font script="Olck" typeface="Nirmala UI"/>
+        <a:font script="Osma" typeface="Ebrima"/>
+        <a:font script="Phag" typeface="Phagspa"/>
+        <a:font script="Syrn" typeface="Estrangelo Edessa"/>
+        <a:font script="Syrj" typeface="Estrangelo Edessa"/>
+        <a:font script="Syre" typeface="Estrangelo Edessa"/>
+        <a:font script="Sora" typeface="Nirmala UI"/>
+        <a:font script="Tale" typeface="Microsoft Tai Le"/>
+        <a:font script="Talu" typeface="Microsoft New Tai Lue"/>
+        <a:font script="Tfng" typeface="Ebrima"/>
+      </a:minorFont>
+    </a:fontScheme>
+    <a:fmtScheme name="Office">
+      <a:fillStyleLst>
+        <a:solidFill>
+          <a:schemeClr val="phClr"/>
+        </a:solidFill>
+        <a:gradFill rotWithShape="1">
+          <a:gsLst>
+            <a:gs pos="0">
+              <a:schemeClr val="phClr">
+                <a:lumMod val="110000"/>
+                <a:satMod val="105000"/>
+                <a:tint val="67000"/>
+              </a:schemeClr>
+            </a:gs>
+            <a:gs pos="50000">
+              <a:schemeClr val="phClr">
+                <a:lumMod val="105000"/>
+                <a:satMod val="103000"/>
+                <a:tint val="73000"/>
+              </a:schemeClr>
+            </a:gs>
+            <a:gs pos="100000">
+              <a:schemeClr val="phClr">
+                <a:lumMod val="105000"/>
+                <a:satMod val="109000"/>
+                <a:tint val="81000"/>
+              </a:schemeClr>
+            </a:gs>
+          </a:gsLst>
+          <a:lin ang="5400000" scaled="0"/>
+        </a:gradFill>
+        <a:gradFill rotWithShape="1">
+          <a:gsLst>
+            <a:gs pos="0">
+              <a:schemeClr val="phClr">
+                <a:satMod val="103000"/>
+                <a:lumMod val="102000"/>
+                <a:tint val="94000"/>
+              </a:schemeClr>
+            </a:gs>
+            <a:gs pos="50000">
+              <a:schemeClr val="phClr">
+                <a:satMod val="110000"/>
+                <a:lumMod val="100000"/>
+                <a:shade val="100000"/>
+              </a:schemeClr>
+            </a:gs>
+            <a:gs pos="100000">
+              <a:schemeClr val="phClr">
+                <a:lumMod val="99000"/>
+                <a:satMod val="120000"/>
+                <a:shade val="78000"/>
+              </a:schemeClr>
+            </a:gs>
+          </a:gsLst>
+          <a:lin ang="5400000" scaled="0"/>
+        </a:gradFill>
+      </a:fillStyleLst>
+      <a:lnStyleLst>
+        <a:ln w="6350" cap="flat" cmpd="sng" algn="ctr">
+          <a:solidFill>
+            <a:schemeClr val="phClr"/>
+          </a:solidFill>
+          <a:prstDash val="solid"/>
+          <a:miter lim="800000"/>
+        </a:ln>
+        <a:ln w="12700" cap="flat" cmpd="sng" algn="ctr">
+          <a:solidFill>
+            <a:schemeClr val="phClr"/>
+          </a:solidFill>
+          <a:prstDash val="solid"/>
+          <a:miter lim="800000"/>
+        </a:ln>
+        <a:ln w="19050" cap="flat" cmpd="sng" algn="ctr">
+          <a:solidFill>
+            <a:schemeClr val="phClr"/>
+          </a:solidFill>
+          <a:prstDash val="solid"/>
+          <a:miter lim="800000"/>
+        </a:ln>
+      </a:lnStyleLst>
+      <a:effectStyleLst>
+        <a:effectStyle>
+          <a:effectLst/>
+        </a:effectStyle>
+        <a:effectStyle>
+          <a:effectLst/>
+        </a:effectStyle>
+        <a:effectStyle>
+          <a:effectLst>
+            <a:outerShdw blurRad="57150" dist="19050" dir="5400000" algn="ctr" rotWithShape="0">
+              <a:srgbClr val="000000">
+                <a:alpha val="63000"/>
+              </a:srgbClr>
+            </a:outerShdw>
+          </a:effectLst>
+        </a:effectStyle>
+      </a:effectStyleLst>
+      <a:bgFillStyleLst>
+        <a:solidFill>
+          <a:schemeClr val="phClr"/>
+        </a:solidFill>
+        <a:solidFill>
+          <a:schemeClr val="phClr">
+            <a:tint val="95000"/>
+            <a:satMod val="170000"/>
+          </a:schemeClr>
+        </a:solidFill>
+        <a:gradFill rotWithShape="1">
+          <a:gsLst>
+            <a:gs pos="0">
+              <a:schemeClr val="phClr">
+                <a:tint val="93000"/>
+                <a:satMod val="150000"/>
+                <a:shade val="98000"/>
+                <a:lumMod val="102000"/>
+              </a:schemeClr>
+            </a:gs>
+            <a:gs pos="50000">
+              <a:schemeClr val="phClr">
+                <a:tint val="98000"/>
+                <a:satMod val="130000"/>
+                <a:shade val="90000"/>
+                <a:lumMod val="103000"/>
+              </a:schemeClr>
+            </a:gs>
+            <a:gs pos="100000">
+              <a:schemeClr val="phClr">
+                <a:shade val="63000"/>
+                <a:satMod val="120000"/>
+              </a:schemeClr>
+            </a:gs>
+          </a:gsLst>
+          <a:lin ang="5400000" scaled="0"/>
+        </a:gradFill>
+      </a:bgFillStyleLst>
+    </a:fmtScheme>
+  </a:themeElements>
+  <a:objectDefaults/>
+  <a:extraClrSchemeLst/>
+  <a:extLst>
+    <a:ext uri="{05A4C25C-085E-4340-85A3-A5531E510DB2}">
+      <thm15:themeFamily xmlns:thm15="http://schemas.microsoft.com/office/thememl/2012/main" name="Office Theme" id="{62F939B6-93AF-4DB8-9C6B-D6C7DFDC589F}" vid="{4A3C46E8-61CC-4603-A589-7422A47A8E4A}"/>
+    </a:ext>
+  </a:extLst>
+</a:theme>
 </file>
--- a/Datas/개발 발표안 1차.pptx
+++ b/Datas/개발 발표안 1차.pptx
@@ -5,7 +5,7 @@
     <p:sldMasterId id="2147483648" r:id="rId1"/>
   </p:sldMasterIdLst>
   <p:notesMasterIdLst>
-    <p:notesMasterId r:id="rId11"/>
+    <p:notesMasterId r:id="rId13"/>
   </p:notesMasterIdLst>
   <p:sldIdLst>
     <p:sldId id="256" r:id="rId2"/>
@@ -14,9 +14,11 @@
     <p:sldId id="259" r:id="rId5"/>
     <p:sldId id="260" r:id="rId6"/>
     <p:sldId id="263" r:id="rId7"/>
-    <p:sldId id="269" r:id="rId8"/>
-    <p:sldId id="268" r:id="rId9"/>
-    <p:sldId id="264" r:id="rId10"/>
+    <p:sldId id="270" r:id="rId8"/>
+    <p:sldId id="269" r:id="rId9"/>
+    <p:sldId id="268" r:id="rId10"/>
+    <p:sldId id="271" r:id="rId11"/>
+    <p:sldId id="264" r:id="rId12"/>
   </p:sldIdLst>
   <p:sldSz cx="12192000" cy="6858000"/>
   <p:notesSz cx="6858000" cy="9144000"/>
@@ -547,6 +549,90 @@
     <p:extLst>
       <p:ext uri="{BB962C8B-B14F-4D97-AF65-F5344CB8AC3E}">
         <p14:creationId xmlns:p14="http://schemas.microsoft.com/office/powerpoint/2010/main" val="1439242244"/>
+      </p:ext>
+    </p:extLst>
+  </p:cSld>
+  <p:clrMapOvr>
+    <a:masterClrMapping/>
+  </p:clrMapOvr>
+</p:notes>
+</file>
+
+<file path=ppt/notesSlides/notesSlide2.xml><?xml version="1.0" encoding="utf-8"?>
+<p:notes xmlns:a="http://schemas.openxmlformats.org/drawingml/2006/main" xmlns:r="http://schemas.openxmlformats.org/officeDocument/2006/relationships" xmlns:p="http://schemas.openxmlformats.org/presentationml/2006/main">
+  <p:cSld>
+    <p:spTree>
+      <p:nvGrpSpPr>
+        <p:cNvPr id="1" name=""/>
+        <p:cNvGrpSpPr/>
+        <p:nvPr/>
+      </p:nvGrpSpPr>
+      <p:grpSpPr>
+        <a:xfrm>
+          <a:off x="0" y="0"/>
+          <a:ext cx="0" cy="0"/>
+          <a:chOff x="0" y="0"/>
+          <a:chExt cx="0" cy="0"/>
+        </a:xfrm>
+      </p:grpSpPr>
+      <p:sp>
+        <p:nvSpPr>
+          <p:cNvPr id="2" name="슬라이드 이미지 개체 틀 1"/>
+          <p:cNvSpPr>
+            <a:spLocks noGrp="1" noRot="1" noChangeAspect="1"/>
+          </p:cNvSpPr>
+          <p:nvPr>
+            <p:ph type="sldImg"/>
+          </p:nvPr>
+        </p:nvSpPr>
+        <p:spPr/>
+      </p:sp>
+      <p:sp>
+        <p:nvSpPr>
+          <p:cNvPr id="3" name="슬라이드 노트 개체 틀 2"/>
+          <p:cNvSpPr>
+            <a:spLocks noGrp="1"/>
+          </p:cNvSpPr>
+          <p:nvPr>
+            <p:ph type="body" idx="1"/>
+          </p:nvPr>
+        </p:nvSpPr>
+        <p:spPr/>
+        <p:txBody>
+          <a:bodyPr/>
+          <a:lstStyle/>
+          <a:p>
+            <a:endParaRPr kumimoji="1" lang="ko-Kore-KR" altLang="en-US" dirty="0"/>
+          </a:p>
+        </p:txBody>
+      </p:sp>
+      <p:sp>
+        <p:nvSpPr>
+          <p:cNvPr id="4" name="슬라이드 번호 개체 틀 3"/>
+          <p:cNvSpPr>
+            <a:spLocks noGrp="1"/>
+          </p:cNvSpPr>
+          <p:nvPr>
+            <p:ph type="sldNum" sz="quarter" idx="5"/>
+          </p:nvPr>
+        </p:nvSpPr>
+        <p:spPr/>
+        <p:txBody>
+          <a:bodyPr/>
+          <a:lstStyle/>
+          <a:p>
+            <a:fld id="{A3751355-EC13-4140-9326-ABA115296197}" type="slidenum">
+              <a:rPr kumimoji="1" lang="ko-Kore-KR" altLang="en-US" smtClean="0"/>
+              <a:t>7</a:t>
+            </a:fld>
+            <a:endParaRPr kumimoji="1" lang="ko-Kore-KR" altLang="en-US"/>
+          </a:p>
+        </p:txBody>
+      </p:sp>
+    </p:spTree>
+    <p:extLst>
+      <p:ext uri="{BB962C8B-B14F-4D97-AF65-F5344CB8AC3E}">
+        <p14:creationId xmlns:p14="http://schemas.microsoft.com/office/powerpoint/2010/main" val="1260157726"/>
       </p:ext>
     </p:extLst>
   </p:cSld>
@@ -3860,7 +3946,7 @@
           </a:ln>
           <a:extLst>
             <a:ext uri="{C572A759-6A51-4108-AA02-DFA0A04FC94B}">
-              <ma14:wrappingTextBoxFlag xmlns:ma14="http://schemas.microsoft.com/office/mac/drawingml/2011/main" xmlns:a14="http://schemas.microsoft.com/office/drawing/2010/main" xmlns:m="http://schemas.openxmlformats.org/officeDocument/2006/math" xmlns="" val="1"/>
+              <ma14:wrappingTextBoxFlag xmlns="" xmlns:m="http://schemas.openxmlformats.org/officeDocument/2006/math" xmlns:a14="http://schemas.microsoft.com/office/drawing/2010/main" xmlns:ma14="http://schemas.microsoft.com/office/mac/drawingml/2011/main" val="1"/>
             </a:ext>
           </a:extLst>
         </p:spPr>
@@ -3908,6 +3994,1862 @@
     <p:extLst>
       <p:ext uri="{BB962C8B-B14F-4D97-AF65-F5344CB8AC3E}">
         <p14:creationId xmlns:p14="http://schemas.microsoft.com/office/powerpoint/2010/main" val="2309769359"/>
+      </p:ext>
+    </p:extLst>
+  </p:cSld>
+  <p:clrMapOvr>
+    <a:masterClrMapping/>
+  </p:clrMapOvr>
+</p:sld>
+</file>
+
+<file path=ppt/slides/slide10.xml><?xml version="1.0" encoding="utf-8"?>
+<p:sld xmlns:a="http://schemas.openxmlformats.org/drawingml/2006/main" xmlns:r="http://schemas.openxmlformats.org/officeDocument/2006/relationships" xmlns:p="http://schemas.openxmlformats.org/presentationml/2006/main">
+  <p:cSld>
+    <p:spTree>
+      <p:nvGrpSpPr>
+        <p:cNvPr id="1" name=""/>
+        <p:cNvGrpSpPr/>
+        <p:nvPr/>
+      </p:nvGrpSpPr>
+      <p:grpSpPr>
+        <a:xfrm>
+          <a:off x="0" y="0"/>
+          <a:ext cx="0" cy="0"/>
+          <a:chOff x="0" y="0"/>
+          <a:chExt cx="0" cy="0"/>
+        </a:xfrm>
+      </p:grpSpPr>
+      <p:sp>
+        <p:nvSpPr>
+          <p:cNvPr id="4" name="TextBox 3">
+            <a:extLst>
+              <a:ext uri="{FF2B5EF4-FFF2-40B4-BE49-F238E27FC236}">
+                <a16:creationId xmlns:a16="http://schemas.microsoft.com/office/drawing/2014/main" id="{565939C4-D575-4568-9F1F-823A532B1F45}"/>
+              </a:ext>
+            </a:extLst>
+          </p:cNvPr>
+          <p:cNvSpPr txBox="1"/>
+          <p:nvPr/>
+        </p:nvSpPr>
+        <p:spPr>
+          <a:xfrm>
+            <a:off x="231354" y="231354"/>
+            <a:ext cx="3358612" cy="461665"/>
+          </a:xfrm>
+          <a:prstGeom prst="rect">
+            <a:avLst/>
+          </a:prstGeom>
+          <a:noFill/>
+        </p:spPr>
+        <p:txBody>
+          <a:bodyPr wrap="none" rtlCol="0">
+            <a:spAutoFit/>
+          </a:bodyPr>
+          <a:lstStyle/>
+          <a:p>
+            <a:r>
+              <a:rPr lang="en-US" altLang="ko-KR" sz="2400" b="1" dirty="0"/>
+              <a:t>Development Process</a:t>
+            </a:r>
+          </a:p>
+        </p:txBody>
+      </p:sp>
+      <p:cxnSp>
+        <p:nvCxnSpPr>
+          <p:cNvPr id="5" name="직선 연결선 4">
+            <a:extLst>
+              <a:ext uri="{FF2B5EF4-FFF2-40B4-BE49-F238E27FC236}">
+                <a16:creationId xmlns:a16="http://schemas.microsoft.com/office/drawing/2014/main" id="{BFE9EEFE-8BC0-4879-9D12-2A8BC074C22E}"/>
+              </a:ext>
+            </a:extLst>
+          </p:cNvPr>
+          <p:cNvCxnSpPr>
+            <a:cxnSpLocks/>
+          </p:cNvCxnSpPr>
+          <p:nvPr/>
+        </p:nvCxnSpPr>
+        <p:spPr>
+          <a:xfrm>
+            <a:off x="5586235" y="122850"/>
+            <a:ext cx="6475476" cy="0"/>
+          </a:xfrm>
+          <a:prstGeom prst="line">
+            <a:avLst/>
+          </a:prstGeom>
+          <a:ln w="12700">
+            <a:solidFill>
+              <a:schemeClr val="tx1"/>
+            </a:solidFill>
+            <a:headEnd type="none" w="med" len="med"/>
+            <a:tailEnd type="arrow" w="lg" len="lg"/>
+          </a:ln>
+        </p:spPr>
+        <p:style>
+          <a:lnRef idx="1">
+            <a:schemeClr val="accent1"/>
+          </a:lnRef>
+          <a:fillRef idx="0">
+            <a:schemeClr val="accent1"/>
+          </a:fillRef>
+          <a:effectRef idx="0">
+            <a:schemeClr val="accent1"/>
+          </a:effectRef>
+          <a:fontRef idx="minor">
+            <a:schemeClr val="tx1"/>
+          </a:fontRef>
+        </p:style>
+      </p:cxnSp>
+      <p:sp>
+        <p:nvSpPr>
+          <p:cNvPr id="6" name="TextBox 5">
+            <a:extLst>
+              <a:ext uri="{FF2B5EF4-FFF2-40B4-BE49-F238E27FC236}">
+                <a16:creationId xmlns:a16="http://schemas.microsoft.com/office/drawing/2014/main" id="{DDC4FEB6-5B26-4F0F-A146-69E3C363501F}"/>
+              </a:ext>
+            </a:extLst>
+          </p:cNvPr>
+          <p:cNvSpPr txBox="1"/>
+          <p:nvPr/>
+        </p:nvSpPr>
+        <p:spPr>
+          <a:xfrm>
+            <a:off x="5604443" y="231355"/>
+            <a:ext cx="716286" cy="276999"/>
+          </a:xfrm>
+          <a:prstGeom prst="rect">
+            <a:avLst/>
+          </a:prstGeom>
+          <a:noFill/>
+        </p:spPr>
+        <p:txBody>
+          <a:bodyPr wrap="none" rtlCol="0">
+            <a:spAutoFit/>
+          </a:bodyPr>
+          <a:lstStyle/>
+          <a:p>
+            <a:r>
+              <a:rPr lang="en-US" altLang="ko-KR" sz="1200" dirty="0"/>
+              <a:t>Preview</a:t>
+            </a:r>
+            <a:endParaRPr lang="ko-KR" altLang="en-US" sz="1200" dirty="0"/>
+          </a:p>
+        </p:txBody>
+      </p:sp>
+      <p:sp>
+        <p:nvSpPr>
+          <p:cNvPr id="7" name="TextBox 6">
+            <a:extLst>
+              <a:ext uri="{FF2B5EF4-FFF2-40B4-BE49-F238E27FC236}">
+                <a16:creationId xmlns:a16="http://schemas.microsoft.com/office/drawing/2014/main" id="{1C9DDA0A-F980-4E1D-83FD-D5A5F3D249D0}"/>
+              </a:ext>
+            </a:extLst>
+          </p:cNvPr>
+          <p:cNvSpPr txBox="1"/>
+          <p:nvPr/>
+        </p:nvSpPr>
+        <p:spPr>
+          <a:xfrm>
+            <a:off x="6320729" y="231355"/>
+            <a:ext cx="545855" cy="276999"/>
+          </a:xfrm>
+          <a:prstGeom prst="rect">
+            <a:avLst/>
+          </a:prstGeom>
+          <a:noFill/>
+        </p:spPr>
+        <p:txBody>
+          <a:bodyPr wrap="none" rtlCol="0">
+            <a:spAutoFit/>
+          </a:bodyPr>
+          <a:lstStyle/>
+          <a:p>
+            <a:r>
+              <a:rPr lang="en-US" altLang="ko-KR" sz="1200" dirty="0"/>
+              <a:t>Team</a:t>
+            </a:r>
+            <a:endParaRPr lang="ko-KR" altLang="en-US" sz="1200" dirty="0"/>
+          </a:p>
+        </p:txBody>
+      </p:sp>
+      <p:sp>
+        <p:nvSpPr>
+          <p:cNvPr id="8" name="TextBox 7">
+            <a:extLst>
+              <a:ext uri="{FF2B5EF4-FFF2-40B4-BE49-F238E27FC236}">
+                <a16:creationId xmlns:a16="http://schemas.microsoft.com/office/drawing/2014/main" id="{DF48F0D6-48B6-41ED-B5FC-479983F1A736}"/>
+              </a:ext>
+            </a:extLst>
+          </p:cNvPr>
+          <p:cNvSpPr txBox="1"/>
+          <p:nvPr/>
+        </p:nvSpPr>
+        <p:spPr>
+          <a:xfrm>
+            <a:off x="6866584" y="231355"/>
+            <a:ext cx="1062535" cy="276999"/>
+          </a:xfrm>
+          <a:prstGeom prst="rect">
+            <a:avLst/>
+          </a:prstGeom>
+          <a:noFill/>
+        </p:spPr>
+        <p:txBody>
+          <a:bodyPr wrap="none" rtlCol="0">
+            <a:spAutoFit/>
+          </a:bodyPr>
+          <a:lstStyle/>
+          <a:p>
+            <a:r>
+              <a:rPr lang="en-US" altLang="ko-KR" sz="1200" dirty="0"/>
+              <a:t>Environment</a:t>
+            </a:r>
+            <a:endParaRPr lang="ko-KR" altLang="en-US" sz="1200" dirty="0"/>
+          </a:p>
+        </p:txBody>
+      </p:sp>
+      <p:sp>
+        <p:nvSpPr>
+          <p:cNvPr id="9" name="TextBox 8">
+            <a:extLst>
+              <a:ext uri="{FF2B5EF4-FFF2-40B4-BE49-F238E27FC236}">
+                <a16:creationId xmlns:a16="http://schemas.microsoft.com/office/drawing/2014/main" id="{436432E4-6A8D-4C01-BEF5-05843EDD45ED}"/>
+              </a:ext>
+            </a:extLst>
+          </p:cNvPr>
+          <p:cNvSpPr txBox="1"/>
+          <p:nvPr/>
+        </p:nvSpPr>
+        <p:spPr>
+          <a:xfrm>
+            <a:off x="7929119" y="231354"/>
+            <a:ext cx="1020600" cy="276999"/>
+          </a:xfrm>
+          <a:prstGeom prst="rect">
+            <a:avLst/>
+          </a:prstGeom>
+          <a:noFill/>
+        </p:spPr>
+        <p:txBody>
+          <a:bodyPr wrap="none" rtlCol="0">
+            <a:spAutoFit/>
+          </a:bodyPr>
+          <a:lstStyle/>
+          <a:p>
+            <a:r>
+              <a:rPr lang="en-US" altLang="ko-KR" sz="1200" dirty="0"/>
+              <a:t>Architecture</a:t>
+            </a:r>
+            <a:endParaRPr lang="ko-KR" altLang="en-US" sz="1200" dirty="0"/>
+          </a:p>
+        </p:txBody>
+      </p:sp>
+      <p:sp>
+        <p:nvSpPr>
+          <p:cNvPr id="10" name="TextBox 9">
+            <a:extLst>
+              <a:ext uri="{FF2B5EF4-FFF2-40B4-BE49-F238E27FC236}">
+                <a16:creationId xmlns:a16="http://schemas.microsoft.com/office/drawing/2014/main" id="{898A85B0-6B93-477A-8083-12355552FD85}"/>
+              </a:ext>
+            </a:extLst>
+          </p:cNvPr>
+          <p:cNvSpPr txBox="1"/>
+          <p:nvPr/>
+        </p:nvSpPr>
+        <p:spPr>
+          <a:xfrm>
+            <a:off x="8949719" y="231355"/>
+            <a:ext cx="1354794" cy="276999"/>
+          </a:xfrm>
+          <a:prstGeom prst="rect">
+            <a:avLst/>
+          </a:prstGeom>
+          <a:noFill/>
+        </p:spPr>
+        <p:txBody>
+          <a:bodyPr wrap="none" rtlCol="0">
+            <a:spAutoFit/>
+          </a:bodyPr>
+          <a:lstStyle/>
+          <a:p>
+            <a:r>
+              <a:rPr lang="en-US" altLang="ko-KR" sz="1200" dirty="0"/>
+              <a:t>Core Technology</a:t>
+            </a:r>
+            <a:endParaRPr lang="ko-KR" altLang="en-US" sz="1200" dirty="0"/>
+          </a:p>
+        </p:txBody>
+      </p:sp>
+      <p:sp>
+        <p:nvSpPr>
+          <p:cNvPr id="11" name="TextBox 10">
+            <a:extLst>
+              <a:ext uri="{FF2B5EF4-FFF2-40B4-BE49-F238E27FC236}">
+                <a16:creationId xmlns:a16="http://schemas.microsoft.com/office/drawing/2014/main" id="{8F0386BA-D88E-48CA-A783-34CC75783863}"/>
+              </a:ext>
+            </a:extLst>
+          </p:cNvPr>
+          <p:cNvSpPr txBox="1"/>
+          <p:nvPr/>
+        </p:nvSpPr>
+        <p:spPr>
+          <a:xfrm>
+            <a:off x="10304513" y="231354"/>
+            <a:ext cx="1693156" cy="276999"/>
+          </a:xfrm>
+          <a:prstGeom prst="rect">
+            <a:avLst/>
+          </a:prstGeom>
+          <a:noFill/>
+        </p:spPr>
+        <p:txBody>
+          <a:bodyPr wrap="none" rtlCol="0">
+            <a:spAutoFit/>
+          </a:bodyPr>
+          <a:lstStyle/>
+          <a:p>
+            <a:r>
+              <a:rPr lang="en-US" altLang="ko-KR" sz="1200" dirty="0">
+                <a:solidFill>
+                  <a:srgbClr val="0070C0"/>
+                </a:solidFill>
+              </a:rPr>
+              <a:t>Development Process</a:t>
+            </a:r>
+            <a:endParaRPr lang="ko-KR" altLang="en-US" sz="1200" dirty="0">
+              <a:solidFill>
+                <a:srgbClr val="0070C0"/>
+              </a:solidFill>
+            </a:endParaRPr>
+          </a:p>
+        </p:txBody>
+      </p:sp>
+      <p:sp>
+        <p:nvSpPr>
+          <p:cNvPr id="12" name="TextBox 11">
+            <a:extLst>
+              <a:ext uri="{FF2B5EF4-FFF2-40B4-BE49-F238E27FC236}">
+                <a16:creationId xmlns:a16="http://schemas.microsoft.com/office/drawing/2014/main" id="{76FCFFFC-96B6-4EBA-84EC-A6CF15AA68B6}"/>
+              </a:ext>
+            </a:extLst>
+          </p:cNvPr>
+          <p:cNvSpPr txBox="1"/>
+          <p:nvPr/>
+        </p:nvSpPr>
+        <p:spPr>
+          <a:xfrm>
+            <a:off x="686478" y="1267329"/>
+            <a:ext cx="2982369" cy="369332"/>
+          </a:xfrm>
+          <a:prstGeom prst="rect">
+            <a:avLst/>
+          </a:prstGeom>
+          <a:noFill/>
+        </p:spPr>
+        <p:txBody>
+          <a:bodyPr wrap="square" rtlCol="0">
+            <a:spAutoFit/>
+          </a:bodyPr>
+          <a:lstStyle/>
+          <a:p>
+            <a:r>
+              <a:rPr lang="ko-KR" altLang="en-US" b="1" dirty="0"/>
+              <a:t>향후 계획</a:t>
+            </a:r>
+          </a:p>
+        </p:txBody>
+      </p:sp>
+      <p:sp>
+        <p:nvSpPr>
+          <p:cNvPr id="14" name="TextBox 13">
+            <a:extLst>
+              <a:ext uri="{FF2B5EF4-FFF2-40B4-BE49-F238E27FC236}">
+                <a16:creationId xmlns:a16="http://schemas.microsoft.com/office/drawing/2014/main" id="{CFD5CDA9-5982-494D-BA65-66B8379C6D96}"/>
+              </a:ext>
+            </a:extLst>
+          </p:cNvPr>
+          <p:cNvSpPr txBox="1"/>
+          <p:nvPr/>
+        </p:nvSpPr>
+        <p:spPr>
+          <a:xfrm>
+            <a:off x="1762989" y="5305444"/>
+            <a:ext cx="3063270" cy="338554"/>
+          </a:xfrm>
+          <a:prstGeom prst="rect">
+            <a:avLst/>
+          </a:prstGeom>
+          <a:noFill/>
+        </p:spPr>
+        <p:txBody>
+          <a:bodyPr wrap="square" rtlCol="0">
+            <a:spAutoFit/>
+          </a:bodyPr>
+          <a:lstStyle/>
+          <a:p>
+            <a:r>
+              <a:rPr lang="ko-KR" altLang="en-US" sz="1600" b="1" dirty="0"/>
+              <a:t>서버 계획</a:t>
+            </a:r>
+            <a:endParaRPr lang="en-US" altLang="ko-KR" sz="1600" b="1" dirty="0"/>
+          </a:p>
+        </p:txBody>
+      </p:sp>
+      <p:sp>
+        <p:nvSpPr>
+          <p:cNvPr id="17" name="TextBox 16">
+            <a:extLst>
+              <a:ext uri="{FF2B5EF4-FFF2-40B4-BE49-F238E27FC236}">
+                <a16:creationId xmlns:a16="http://schemas.microsoft.com/office/drawing/2014/main" id="{FB231B24-B272-48FD-BCCF-257AA8BD8296}"/>
+              </a:ext>
+            </a:extLst>
+          </p:cNvPr>
+          <p:cNvSpPr txBox="1"/>
+          <p:nvPr/>
+        </p:nvSpPr>
+        <p:spPr>
+          <a:xfrm>
+            <a:off x="231354" y="3827939"/>
+            <a:ext cx="3063270" cy="338554"/>
+          </a:xfrm>
+          <a:prstGeom prst="rect">
+            <a:avLst/>
+          </a:prstGeom>
+          <a:noFill/>
+        </p:spPr>
+        <p:txBody>
+          <a:bodyPr wrap="square" rtlCol="0">
+            <a:spAutoFit/>
+          </a:bodyPr>
+          <a:lstStyle/>
+          <a:p>
+            <a:r>
+              <a:rPr lang="ko-KR" altLang="en-US" sz="1600" b="1" dirty="0"/>
+              <a:t>개발 환경 결정</a:t>
+            </a:r>
+            <a:endParaRPr lang="en-US" altLang="ko-KR" sz="1600" b="1" dirty="0"/>
+          </a:p>
+        </p:txBody>
+      </p:sp>
+      <p:cxnSp>
+        <p:nvCxnSpPr>
+          <p:cNvPr id="19" name="직선 연결선 18">
+            <a:extLst>
+              <a:ext uri="{FF2B5EF4-FFF2-40B4-BE49-F238E27FC236}">
+                <a16:creationId xmlns:a16="http://schemas.microsoft.com/office/drawing/2014/main" id="{7E8A01C9-D479-4399-98F5-5F5DC318460B}"/>
+              </a:ext>
+            </a:extLst>
+          </p:cNvPr>
+          <p:cNvCxnSpPr>
+            <a:cxnSpLocks/>
+          </p:cNvCxnSpPr>
+          <p:nvPr/>
+        </p:nvCxnSpPr>
+        <p:spPr>
+          <a:xfrm flipV="1">
+            <a:off x="1910660" y="3978881"/>
+            <a:ext cx="9778577" cy="18335"/>
+          </a:xfrm>
+          <a:prstGeom prst="line">
+            <a:avLst/>
+          </a:prstGeom>
+          <a:ln w="19050">
+            <a:solidFill>
+              <a:schemeClr val="tx1"/>
+            </a:solidFill>
+            <a:headEnd type="none" w="med" len="med"/>
+            <a:tailEnd type="arrow" w="lg" len="lg"/>
+          </a:ln>
+        </p:spPr>
+        <p:style>
+          <a:lnRef idx="1">
+            <a:schemeClr val="accent1"/>
+          </a:lnRef>
+          <a:fillRef idx="0">
+            <a:schemeClr val="accent1"/>
+          </a:fillRef>
+          <a:effectRef idx="0">
+            <a:schemeClr val="accent1"/>
+          </a:effectRef>
+          <a:fontRef idx="minor">
+            <a:schemeClr val="tx1"/>
+          </a:fontRef>
+        </p:style>
+      </p:cxnSp>
+      <p:sp>
+        <p:nvSpPr>
+          <p:cNvPr id="16" name="TextBox 15">
+            <a:extLst>
+              <a:ext uri="{FF2B5EF4-FFF2-40B4-BE49-F238E27FC236}">
+                <a16:creationId xmlns:a16="http://schemas.microsoft.com/office/drawing/2014/main" id="{D770479D-652B-40C5-BB9A-0B22F43CD673}"/>
+              </a:ext>
+            </a:extLst>
+          </p:cNvPr>
+          <p:cNvSpPr txBox="1"/>
+          <p:nvPr/>
+        </p:nvSpPr>
+        <p:spPr>
+          <a:xfrm>
+            <a:off x="1762989" y="2309107"/>
+            <a:ext cx="3063270" cy="338554"/>
+          </a:xfrm>
+          <a:prstGeom prst="rect">
+            <a:avLst/>
+          </a:prstGeom>
+          <a:noFill/>
+        </p:spPr>
+        <p:txBody>
+          <a:bodyPr wrap="square" rtlCol="0">
+            <a:spAutoFit/>
+          </a:bodyPr>
+          <a:lstStyle/>
+          <a:p>
+            <a:r>
+              <a:rPr lang="ko-KR" altLang="en-US" sz="1600" b="1" dirty="0"/>
+              <a:t>안드로이드 계획</a:t>
+            </a:r>
+            <a:endParaRPr lang="en-US" altLang="ko-KR" sz="1600" b="1" dirty="0"/>
+          </a:p>
+        </p:txBody>
+      </p:sp>
+      <p:cxnSp>
+        <p:nvCxnSpPr>
+          <p:cNvPr id="15" name="직선 연결선 14">
+            <a:extLst>
+              <a:ext uri="{FF2B5EF4-FFF2-40B4-BE49-F238E27FC236}">
+                <a16:creationId xmlns:a16="http://schemas.microsoft.com/office/drawing/2014/main" id="{D282570B-98E4-40CF-BCC5-92960E8D8465}"/>
+              </a:ext>
+            </a:extLst>
+          </p:cNvPr>
+          <p:cNvCxnSpPr>
+            <a:cxnSpLocks/>
+          </p:cNvCxnSpPr>
+          <p:nvPr/>
+        </p:nvCxnSpPr>
+        <p:spPr>
+          <a:xfrm>
+            <a:off x="3129699" y="3429000"/>
+            <a:ext cx="0" cy="568216"/>
+          </a:xfrm>
+          <a:prstGeom prst="line">
+            <a:avLst/>
+          </a:prstGeom>
+          <a:ln w="28575">
+            <a:solidFill>
+              <a:schemeClr val="tx1"/>
+            </a:solidFill>
+          </a:ln>
+        </p:spPr>
+        <p:style>
+          <a:lnRef idx="1">
+            <a:schemeClr val="accent1"/>
+          </a:lnRef>
+          <a:fillRef idx="0">
+            <a:schemeClr val="accent1"/>
+          </a:fillRef>
+          <a:effectRef idx="0">
+            <a:schemeClr val="accent1"/>
+          </a:effectRef>
+          <a:fontRef idx="minor">
+            <a:schemeClr val="tx1"/>
+          </a:fontRef>
+        </p:style>
+      </p:cxnSp>
+      <p:sp>
+        <p:nvSpPr>
+          <p:cNvPr id="21" name="TextBox 20">
+            <a:extLst>
+              <a:ext uri="{FF2B5EF4-FFF2-40B4-BE49-F238E27FC236}">
+                <a16:creationId xmlns:a16="http://schemas.microsoft.com/office/drawing/2014/main" id="{F99F13E5-A38F-4B42-8747-067118510EDA}"/>
+              </a:ext>
+            </a:extLst>
+          </p:cNvPr>
+          <p:cNvSpPr txBox="1"/>
+          <p:nvPr/>
+        </p:nvSpPr>
+        <p:spPr>
+          <a:xfrm>
+            <a:off x="2384110" y="3004549"/>
+            <a:ext cx="1491177" cy="338554"/>
+          </a:xfrm>
+          <a:prstGeom prst="rect">
+            <a:avLst/>
+          </a:prstGeom>
+          <a:noFill/>
+        </p:spPr>
+        <p:txBody>
+          <a:bodyPr wrap="square" rtlCol="0">
+            <a:spAutoFit/>
+          </a:bodyPr>
+          <a:lstStyle/>
+          <a:p>
+            <a:r>
+              <a:rPr lang="ko-KR" altLang="en-US" sz="1600" b="1" dirty="0"/>
+              <a:t>레이아웃 구성</a:t>
+            </a:r>
+            <a:endParaRPr lang="en-US" altLang="ko-KR" sz="1600" b="1" dirty="0"/>
+          </a:p>
+        </p:txBody>
+      </p:sp>
+      <p:cxnSp>
+        <p:nvCxnSpPr>
+          <p:cNvPr id="22" name="직선 연결선 21">
+            <a:extLst>
+              <a:ext uri="{FF2B5EF4-FFF2-40B4-BE49-F238E27FC236}">
+                <a16:creationId xmlns:a16="http://schemas.microsoft.com/office/drawing/2014/main" id="{C7E3EA71-851F-455F-9153-36C174F59D9E}"/>
+              </a:ext>
+            </a:extLst>
+          </p:cNvPr>
+          <p:cNvCxnSpPr>
+            <a:cxnSpLocks/>
+          </p:cNvCxnSpPr>
+          <p:nvPr/>
+        </p:nvCxnSpPr>
+        <p:spPr>
+          <a:xfrm>
+            <a:off x="2818613" y="3997216"/>
+            <a:ext cx="0" cy="568216"/>
+          </a:xfrm>
+          <a:prstGeom prst="line">
+            <a:avLst/>
+          </a:prstGeom>
+          <a:ln w="28575">
+            <a:solidFill>
+              <a:schemeClr val="tx1"/>
+            </a:solidFill>
+          </a:ln>
+        </p:spPr>
+        <p:style>
+          <a:lnRef idx="1">
+            <a:schemeClr val="accent1"/>
+          </a:lnRef>
+          <a:fillRef idx="0">
+            <a:schemeClr val="accent1"/>
+          </a:fillRef>
+          <a:effectRef idx="0">
+            <a:schemeClr val="accent1"/>
+          </a:effectRef>
+          <a:fontRef idx="minor">
+            <a:schemeClr val="tx1"/>
+          </a:fontRef>
+        </p:style>
+      </p:cxnSp>
+      <p:cxnSp>
+        <p:nvCxnSpPr>
+          <p:cNvPr id="23" name="직선 연결선 22">
+            <a:extLst>
+              <a:ext uri="{FF2B5EF4-FFF2-40B4-BE49-F238E27FC236}">
+                <a16:creationId xmlns:a16="http://schemas.microsoft.com/office/drawing/2014/main" id="{FE521378-3F64-458E-8788-29BB121BF63D}"/>
+              </a:ext>
+            </a:extLst>
+          </p:cNvPr>
+          <p:cNvCxnSpPr>
+            <a:cxnSpLocks/>
+          </p:cNvCxnSpPr>
+          <p:nvPr/>
+        </p:nvCxnSpPr>
+        <p:spPr>
+          <a:xfrm>
+            <a:off x="4799550" y="3004549"/>
+            <a:ext cx="0" cy="992667"/>
+          </a:xfrm>
+          <a:prstGeom prst="line">
+            <a:avLst/>
+          </a:prstGeom>
+          <a:ln w="28575">
+            <a:solidFill>
+              <a:schemeClr val="tx1"/>
+            </a:solidFill>
+          </a:ln>
+        </p:spPr>
+        <p:style>
+          <a:lnRef idx="1">
+            <a:schemeClr val="accent1"/>
+          </a:lnRef>
+          <a:fillRef idx="0">
+            <a:schemeClr val="accent1"/>
+          </a:fillRef>
+          <a:effectRef idx="0">
+            <a:schemeClr val="accent1"/>
+          </a:effectRef>
+          <a:fontRef idx="minor">
+            <a:schemeClr val="tx1"/>
+          </a:fontRef>
+        </p:style>
+      </p:cxnSp>
+      <p:cxnSp>
+        <p:nvCxnSpPr>
+          <p:cNvPr id="24" name="직선 연결선 23">
+            <a:extLst>
+              <a:ext uri="{FF2B5EF4-FFF2-40B4-BE49-F238E27FC236}">
+                <a16:creationId xmlns:a16="http://schemas.microsoft.com/office/drawing/2014/main" id="{922B7BD5-1996-4918-B115-2A31AD280DCA}"/>
+              </a:ext>
+            </a:extLst>
+          </p:cNvPr>
+          <p:cNvCxnSpPr>
+            <a:cxnSpLocks/>
+          </p:cNvCxnSpPr>
+          <p:nvPr/>
+        </p:nvCxnSpPr>
+        <p:spPr>
+          <a:xfrm>
+            <a:off x="6585800" y="3429000"/>
+            <a:ext cx="0" cy="568216"/>
+          </a:xfrm>
+          <a:prstGeom prst="line">
+            <a:avLst/>
+          </a:prstGeom>
+          <a:ln w="28575">
+            <a:solidFill>
+              <a:schemeClr val="tx1"/>
+            </a:solidFill>
+          </a:ln>
+        </p:spPr>
+        <p:style>
+          <a:lnRef idx="1">
+            <a:schemeClr val="accent1"/>
+          </a:lnRef>
+          <a:fillRef idx="0">
+            <a:schemeClr val="accent1"/>
+          </a:fillRef>
+          <a:effectRef idx="0">
+            <a:schemeClr val="accent1"/>
+          </a:effectRef>
+          <a:fontRef idx="minor">
+            <a:schemeClr val="tx1"/>
+          </a:fontRef>
+        </p:style>
+      </p:cxnSp>
+      <p:cxnSp>
+        <p:nvCxnSpPr>
+          <p:cNvPr id="25" name="직선 연결선 24">
+            <a:extLst>
+              <a:ext uri="{FF2B5EF4-FFF2-40B4-BE49-F238E27FC236}">
+                <a16:creationId xmlns:a16="http://schemas.microsoft.com/office/drawing/2014/main" id="{48ED583C-5C6C-49B6-A2C0-3CBB057DB208}"/>
+              </a:ext>
+            </a:extLst>
+          </p:cNvPr>
+          <p:cNvCxnSpPr>
+            <a:cxnSpLocks/>
+          </p:cNvCxnSpPr>
+          <p:nvPr/>
+        </p:nvCxnSpPr>
+        <p:spPr>
+          <a:xfrm>
+            <a:off x="8424566" y="3429000"/>
+            <a:ext cx="0" cy="568216"/>
+          </a:xfrm>
+          <a:prstGeom prst="line">
+            <a:avLst/>
+          </a:prstGeom>
+          <a:ln w="28575">
+            <a:solidFill>
+              <a:schemeClr val="tx1"/>
+            </a:solidFill>
+          </a:ln>
+        </p:spPr>
+        <p:style>
+          <a:lnRef idx="1">
+            <a:schemeClr val="accent1"/>
+          </a:lnRef>
+          <a:fillRef idx="0">
+            <a:schemeClr val="accent1"/>
+          </a:fillRef>
+          <a:effectRef idx="0">
+            <a:schemeClr val="accent1"/>
+          </a:effectRef>
+          <a:fontRef idx="minor">
+            <a:schemeClr val="tx1"/>
+          </a:fontRef>
+        </p:style>
+      </p:cxnSp>
+      <p:cxnSp>
+        <p:nvCxnSpPr>
+          <p:cNvPr id="26" name="직선 연결선 25">
+            <a:extLst>
+              <a:ext uri="{FF2B5EF4-FFF2-40B4-BE49-F238E27FC236}">
+                <a16:creationId xmlns:a16="http://schemas.microsoft.com/office/drawing/2014/main" id="{3F026D76-FFC2-4691-83F4-BD3DBC89758F}"/>
+              </a:ext>
+            </a:extLst>
+          </p:cNvPr>
+          <p:cNvCxnSpPr>
+            <a:cxnSpLocks/>
+          </p:cNvCxnSpPr>
+          <p:nvPr/>
+        </p:nvCxnSpPr>
+        <p:spPr>
+          <a:xfrm>
+            <a:off x="4507583" y="3997216"/>
+            <a:ext cx="0" cy="568216"/>
+          </a:xfrm>
+          <a:prstGeom prst="line">
+            <a:avLst/>
+          </a:prstGeom>
+          <a:ln w="28575">
+            <a:solidFill>
+              <a:schemeClr val="tx1"/>
+            </a:solidFill>
+          </a:ln>
+        </p:spPr>
+        <p:style>
+          <a:lnRef idx="1">
+            <a:schemeClr val="accent1"/>
+          </a:lnRef>
+          <a:fillRef idx="0">
+            <a:schemeClr val="accent1"/>
+          </a:fillRef>
+          <a:effectRef idx="0">
+            <a:schemeClr val="accent1"/>
+          </a:effectRef>
+          <a:fontRef idx="minor">
+            <a:schemeClr val="tx1"/>
+          </a:fontRef>
+        </p:style>
+      </p:cxnSp>
+      <p:cxnSp>
+        <p:nvCxnSpPr>
+          <p:cNvPr id="27" name="직선 연결선 26">
+            <a:extLst>
+              <a:ext uri="{FF2B5EF4-FFF2-40B4-BE49-F238E27FC236}">
+                <a16:creationId xmlns:a16="http://schemas.microsoft.com/office/drawing/2014/main" id="{C598853D-83BD-4467-A8CB-ED8A9F587085}"/>
+              </a:ext>
+            </a:extLst>
+          </p:cNvPr>
+          <p:cNvCxnSpPr>
+            <a:cxnSpLocks/>
+          </p:cNvCxnSpPr>
+          <p:nvPr/>
+        </p:nvCxnSpPr>
+        <p:spPr>
+          <a:xfrm>
+            <a:off x="6320729" y="3978881"/>
+            <a:ext cx="0" cy="568216"/>
+          </a:xfrm>
+          <a:prstGeom prst="line">
+            <a:avLst/>
+          </a:prstGeom>
+          <a:ln w="28575">
+            <a:solidFill>
+              <a:schemeClr val="tx1"/>
+            </a:solidFill>
+          </a:ln>
+        </p:spPr>
+        <p:style>
+          <a:lnRef idx="1">
+            <a:schemeClr val="accent1"/>
+          </a:lnRef>
+          <a:fillRef idx="0">
+            <a:schemeClr val="accent1"/>
+          </a:fillRef>
+          <a:effectRef idx="0">
+            <a:schemeClr val="accent1"/>
+          </a:effectRef>
+          <a:fontRef idx="minor">
+            <a:schemeClr val="tx1"/>
+          </a:fontRef>
+        </p:style>
+      </p:cxnSp>
+      <p:cxnSp>
+        <p:nvCxnSpPr>
+          <p:cNvPr id="28" name="직선 연결선 27">
+            <a:extLst>
+              <a:ext uri="{FF2B5EF4-FFF2-40B4-BE49-F238E27FC236}">
+                <a16:creationId xmlns:a16="http://schemas.microsoft.com/office/drawing/2014/main" id="{107A4C37-B675-40FD-B2C7-366DF8869354}"/>
+              </a:ext>
+            </a:extLst>
+          </p:cNvPr>
+          <p:cNvCxnSpPr>
+            <a:cxnSpLocks/>
+          </p:cNvCxnSpPr>
+          <p:nvPr/>
+        </p:nvCxnSpPr>
+        <p:spPr>
+          <a:xfrm>
+            <a:off x="8118050" y="3997216"/>
+            <a:ext cx="0" cy="568216"/>
+          </a:xfrm>
+          <a:prstGeom prst="line">
+            <a:avLst/>
+          </a:prstGeom>
+          <a:ln w="28575">
+            <a:solidFill>
+              <a:schemeClr val="tx1"/>
+            </a:solidFill>
+          </a:ln>
+        </p:spPr>
+        <p:style>
+          <a:lnRef idx="1">
+            <a:schemeClr val="accent1"/>
+          </a:lnRef>
+          <a:fillRef idx="0">
+            <a:schemeClr val="accent1"/>
+          </a:fillRef>
+          <a:effectRef idx="0">
+            <a:schemeClr val="accent1"/>
+          </a:effectRef>
+          <a:fontRef idx="minor">
+            <a:schemeClr val="tx1"/>
+          </a:fontRef>
+        </p:style>
+      </p:cxnSp>
+      <p:sp>
+        <p:nvSpPr>
+          <p:cNvPr id="29" name="TextBox 28">
+            <a:extLst>
+              <a:ext uri="{FF2B5EF4-FFF2-40B4-BE49-F238E27FC236}">
+                <a16:creationId xmlns:a16="http://schemas.microsoft.com/office/drawing/2014/main" id="{7D17B7B3-BAB7-4F8A-B060-EE0E22EE8436}"/>
+              </a:ext>
+            </a:extLst>
+          </p:cNvPr>
+          <p:cNvSpPr txBox="1"/>
+          <p:nvPr/>
+        </p:nvSpPr>
+        <p:spPr>
+          <a:xfrm>
+            <a:off x="3875287" y="2656828"/>
+            <a:ext cx="2042039" cy="338554"/>
+          </a:xfrm>
+          <a:prstGeom prst="rect">
+            <a:avLst/>
+          </a:prstGeom>
+          <a:noFill/>
+        </p:spPr>
+        <p:txBody>
+          <a:bodyPr wrap="square" rtlCol="0">
+            <a:spAutoFit/>
+          </a:bodyPr>
+          <a:lstStyle/>
+          <a:p>
+            <a:r>
+              <a:rPr lang="ko-KR" altLang="en-US" sz="1600" b="1" dirty="0"/>
+              <a:t>지도 </a:t>
+            </a:r>
+            <a:r>
+              <a:rPr lang="en-US" altLang="ko-KR" sz="1600" b="1" dirty="0" err="1"/>
+              <a:t>api</a:t>
+            </a:r>
+            <a:r>
+              <a:rPr lang="en-US" altLang="ko-KR" sz="1600" b="1" dirty="0"/>
+              <a:t> </a:t>
+            </a:r>
+            <a:r>
+              <a:rPr lang="ko-KR" altLang="en-US" sz="1600" b="1" dirty="0"/>
+              <a:t>기능 구현</a:t>
+            </a:r>
+            <a:endParaRPr lang="en-US" altLang="ko-KR" sz="1600" b="1" dirty="0"/>
+          </a:p>
+        </p:txBody>
+      </p:sp>
+      <p:sp>
+        <p:nvSpPr>
+          <p:cNvPr id="31" name="TextBox 30">
+            <a:extLst>
+              <a:ext uri="{FF2B5EF4-FFF2-40B4-BE49-F238E27FC236}">
+                <a16:creationId xmlns:a16="http://schemas.microsoft.com/office/drawing/2014/main" id="{476244EB-D892-41D3-9773-8B9E6213512F}"/>
+              </a:ext>
+            </a:extLst>
+          </p:cNvPr>
+          <p:cNvSpPr txBox="1"/>
+          <p:nvPr/>
+        </p:nvSpPr>
+        <p:spPr>
+          <a:xfrm>
+            <a:off x="5561781" y="2995382"/>
+            <a:ext cx="2154773" cy="338554"/>
+          </a:xfrm>
+          <a:prstGeom prst="rect">
+            <a:avLst/>
+          </a:prstGeom>
+          <a:noFill/>
+        </p:spPr>
+        <p:txBody>
+          <a:bodyPr wrap="square" rtlCol="0">
+            <a:spAutoFit/>
+          </a:bodyPr>
+          <a:lstStyle/>
+          <a:p>
+            <a:r>
+              <a:rPr lang="en-US" altLang="ko-KR" sz="1600" b="1" dirty="0"/>
+              <a:t>Oracle – </a:t>
+            </a:r>
+            <a:r>
+              <a:rPr lang="ko-KR" altLang="en-US" sz="1600" b="1" dirty="0" err="1"/>
+              <a:t>안드</a:t>
+            </a:r>
+            <a:r>
+              <a:rPr lang="ko-KR" altLang="en-US" sz="1600" b="1" dirty="0"/>
+              <a:t> 연동</a:t>
+            </a:r>
+            <a:endParaRPr lang="en-US" altLang="ko-KR" sz="1600" b="1" dirty="0"/>
+          </a:p>
+        </p:txBody>
+      </p:sp>
+      <p:sp>
+        <p:nvSpPr>
+          <p:cNvPr id="32" name="TextBox 31">
+            <a:extLst>
+              <a:ext uri="{FF2B5EF4-FFF2-40B4-BE49-F238E27FC236}">
+                <a16:creationId xmlns:a16="http://schemas.microsoft.com/office/drawing/2014/main" id="{368C546D-B55D-4124-8F09-9DE23DC11DD7}"/>
+              </a:ext>
+            </a:extLst>
+          </p:cNvPr>
+          <p:cNvSpPr txBox="1"/>
+          <p:nvPr/>
+        </p:nvSpPr>
+        <p:spPr>
+          <a:xfrm>
+            <a:off x="7733195" y="3004549"/>
+            <a:ext cx="1491177" cy="338554"/>
+          </a:xfrm>
+          <a:prstGeom prst="rect">
+            <a:avLst/>
+          </a:prstGeom>
+          <a:noFill/>
+        </p:spPr>
+        <p:txBody>
+          <a:bodyPr wrap="square" rtlCol="0">
+            <a:spAutoFit/>
+          </a:bodyPr>
+          <a:lstStyle/>
+          <a:p>
+            <a:r>
+              <a:rPr lang="ko-KR" altLang="en-US" sz="1600" b="1" dirty="0"/>
+              <a:t>각 기능 구현</a:t>
+            </a:r>
+            <a:endParaRPr lang="en-US" altLang="ko-KR" sz="1600" b="1" dirty="0"/>
+          </a:p>
+        </p:txBody>
+      </p:sp>
+      <p:sp>
+        <p:nvSpPr>
+          <p:cNvPr id="33" name="TextBox 32">
+            <a:extLst>
+              <a:ext uri="{FF2B5EF4-FFF2-40B4-BE49-F238E27FC236}">
+                <a16:creationId xmlns:a16="http://schemas.microsoft.com/office/drawing/2014/main" id="{2973688E-A0E7-4211-A001-2CA0385AC3E1}"/>
+              </a:ext>
+            </a:extLst>
+          </p:cNvPr>
+          <p:cNvSpPr txBox="1"/>
+          <p:nvPr/>
+        </p:nvSpPr>
+        <p:spPr>
+          <a:xfrm>
+            <a:off x="2073024" y="4669662"/>
+            <a:ext cx="1491177" cy="584775"/>
+          </a:xfrm>
+          <a:prstGeom prst="rect">
+            <a:avLst/>
+          </a:prstGeom>
+          <a:noFill/>
+        </p:spPr>
+        <p:txBody>
+          <a:bodyPr wrap="square" rtlCol="0">
+            <a:spAutoFit/>
+          </a:bodyPr>
+          <a:lstStyle/>
+          <a:p>
+            <a:r>
+              <a:rPr lang="en-US" altLang="ko-KR" sz="1600" b="1" dirty="0"/>
+              <a:t>Spring boot - Oracle </a:t>
+            </a:r>
+            <a:r>
+              <a:rPr lang="ko-KR" altLang="en-US" sz="1600" b="1" dirty="0"/>
+              <a:t>연동</a:t>
+            </a:r>
+            <a:endParaRPr lang="en-US" altLang="ko-KR" sz="1600" b="1" dirty="0"/>
+          </a:p>
+        </p:txBody>
+      </p:sp>
+      <p:sp>
+        <p:nvSpPr>
+          <p:cNvPr id="34" name="TextBox 33">
+            <a:extLst>
+              <a:ext uri="{FF2B5EF4-FFF2-40B4-BE49-F238E27FC236}">
+                <a16:creationId xmlns:a16="http://schemas.microsoft.com/office/drawing/2014/main" id="{C18E7D90-C1C3-41B3-B2E7-2E24AD1C22E2}"/>
+              </a:ext>
+            </a:extLst>
+          </p:cNvPr>
+          <p:cNvSpPr txBox="1"/>
+          <p:nvPr/>
+        </p:nvSpPr>
+        <p:spPr>
+          <a:xfrm>
+            <a:off x="3761994" y="4669662"/>
+            <a:ext cx="1545273" cy="1323439"/>
+          </a:xfrm>
+          <a:prstGeom prst="rect">
+            <a:avLst/>
+          </a:prstGeom>
+          <a:noFill/>
+        </p:spPr>
+        <p:txBody>
+          <a:bodyPr wrap="square" rtlCol="0">
+            <a:spAutoFit/>
+          </a:bodyPr>
+          <a:lstStyle/>
+          <a:p>
+            <a:r>
+              <a:rPr lang="ko-KR" altLang="en-US" sz="1600" b="1" dirty="0"/>
+              <a:t>네이버 클라우드 플랫폼 서버</a:t>
+            </a:r>
+            <a:endParaRPr lang="en-US" altLang="ko-KR" sz="1600" b="1" dirty="0"/>
+          </a:p>
+          <a:p>
+            <a:endParaRPr lang="en-US" altLang="ko-KR" sz="1600" b="1" dirty="0"/>
+          </a:p>
+          <a:p>
+            <a:r>
+              <a:rPr lang="en-US" altLang="ko-KR" sz="1600" b="1" dirty="0"/>
+              <a:t>=</a:t>
+            </a:r>
+            <a:r>
+              <a:rPr lang="ko-KR" altLang="en-US" sz="1600" b="1" dirty="0"/>
+              <a:t> 중간에 한번 거치는 웹 서버 </a:t>
+            </a:r>
+            <a:endParaRPr lang="en-US" altLang="ko-KR" sz="1600" b="1" dirty="0"/>
+          </a:p>
+        </p:txBody>
+      </p:sp>
+      <p:sp>
+        <p:nvSpPr>
+          <p:cNvPr id="35" name="TextBox 34">
+            <a:extLst>
+              <a:ext uri="{FF2B5EF4-FFF2-40B4-BE49-F238E27FC236}">
+                <a16:creationId xmlns:a16="http://schemas.microsoft.com/office/drawing/2014/main" id="{C50DC025-857A-4759-B2DF-4B9A37E9780E}"/>
+              </a:ext>
+            </a:extLst>
+          </p:cNvPr>
+          <p:cNvSpPr txBox="1"/>
+          <p:nvPr/>
+        </p:nvSpPr>
+        <p:spPr>
+          <a:xfrm>
+            <a:off x="5561781" y="4660496"/>
+            <a:ext cx="1491177" cy="830997"/>
+          </a:xfrm>
+          <a:prstGeom prst="rect">
+            <a:avLst/>
+          </a:prstGeom>
+          <a:noFill/>
+        </p:spPr>
+        <p:txBody>
+          <a:bodyPr wrap="square" rtlCol="0">
+            <a:spAutoFit/>
+          </a:bodyPr>
+          <a:lstStyle/>
+          <a:p>
+            <a:r>
+              <a:rPr lang="ko-KR" altLang="en-US" sz="1600" b="1" dirty="0"/>
+              <a:t>로그인 기능 </a:t>
+            </a:r>
+            <a:r>
+              <a:rPr lang="en-US" altLang="ko-KR" sz="1600" b="1" dirty="0"/>
+              <a:t>– </a:t>
+            </a:r>
+            <a:r>
+              <a:rPr lang="en-US" altLang="ko-KR" sz="1600" b="1" dirty="0" err="1"/>
+              <a:t>kakao</a:t>
+            </a:r>
+            <a:r>
+              <a:rPr lang="en-US" altLang="ko-KR" sz="1600" b="1"/>
+              <a:t> API </a:t>
+            </a:r>
+            <a:r>
+              <a:rPr lang="ko-KR" altLang="en-US" sz="1600" b="1"/>
+              <a:t>이용</a:t>
+            </a:r>
+            <a:endParaRPr lang="en-US" altLang="ko-KR" sz="1600" b="1" dirty="0"/>
+          </a:p>
+        </p:txBody>
+      </p:sp>
+      <p:sp>
+        <p:nvSpPr>
+          <p:cNvPr id="36" name="TextBox 35">
+            <a:extLst>
+              <a:ext uri="{FF2B5EF4-FFF2-40B4-BE49-F238E27FC236}">
+                <a16:creationId xmlns:a16="http://schemas.microsoft.com/office/drawing/2014/main" id="{487CCD70-3BDC-45BE-A33D-EEDE2940C342}"/>
+              </a:ext>
+            </a:extLst>
+          </p:cNvPr>
+          <p:cNvSpPr txBox="1"/>
+          <p:nvPr/>
+        </p:nvSpPr>
+        <p:spPr>
+          <a:xfrm>
+            <a:off x="7458418" y="4669662"/>
+            <a:ext cx="1491177" cy="338554"/>
+          </a:xfrm>
+          <a:prstGeom prst="rect">
+            <a:avLst/>
+          </a:prstGeom>
+          <a:noFill/>
+        </p:spPr>
+        <p:txBody>
+          <a:bodyPr wrap="square" rtlCol="0">
+            <a:spAutoFit/>
+          </a:bodyPr>
+          <a:lstStyle/>
+          <a:p>
+            <a:r>
+              <a:rPr lang="ko-KR" altLang="en-US" sz="1600" b="1" dirty="0"/>
+              <a:t>각 기능 구현</a:t>
+            </a:r>
+            <a:endParaRPr lang="en-US" altLang="ko-KR" sz="1600" b="1" dirty="0"/>
+          </a:p>
+        </p:txBody>
+      </p:sp>
+      <p:sp>
+        <p:nvSpPr>
+          <p:cNvPr id="37" name="TextBox 36">
+            <a:extLst>
+              <a:ext uri="{FF2B5EF4-FFF2-40B4-BE49-F238E27FC236}">
+                <a16:creationId xmlns:a16="http://schemas.microsoft.com/office/drawing/2014/main" id="{1B329EB2-4EAB-461E-B564-43561355B889}"/>
+              </a:ext>
+            </a:extLst>
+          </p:cNvPr>
+          <p:cNvSpPr txBox="1"/>
+          <p:nvPr/>
+        </p:nvSpPr>
+        <p:spPr>
+          <a:xfrm>
+            <a:off x="5317576" y="6032124"/>
+            <a:ext cx="6744135" cy="338554"/>
+          </a:xfrm>
+          <a:prstGeom prst="rect">
+            <a:avLst/>
+          </a:prstGeom>
+          <a:noFill/>
+        </p:spPr>
+        <p:txBody>
+          <a:bodyPr wrap="square" rtlCol="0">
+            <a:spAutoFit/>
+          </a:bodyPr>
+          <a:lstStyle/>
+          <a:p>
+            <a:r>
+              <a:rPr lang="ko-KR" altLang="en-US" sz="1600" b="1" dirty="0"/>
+              <a:t>개발 과정에서 변화 생길 시</a:t>
+            </a:r>
+            <a:r>
+              <a:rPr lang="en-US" altLang="ko-KR" sz="1600" b="1" dirty="0"/>
+              <a:t>, </a:t>
+            </a:r>
+            <a:r>
+              <a:rPr lang="ko-KR" altLang="en-US" sz="1600" b="1" dirty="0"/>
+              <a:t>소통을 통해 바로 대처 할 예정</a:t>
+            </a:r>
+            <a:r>
+              <a:rPr lang="en-US" altLang="ko-KR" sz="1600" b="1" dirty="0"/>
+              <a:t>.</a:t>
+            </a:r>
+          </a:p>
+        </p:txBody>
+      </p:sp>
+      <p:cxnSp>
+        <p:nvCxnSpPr>
+          <p:cNvPr id="39" name="직선 연결선 38">
+            <a:extLst>
+              <a:ext uri="{FF2B5EF4-FFF2-40B4-BE49-F238E27FC236}">
+                <a16:creationId xmlns:a16="http://schemas.microsoft.com/office/drawing/2014/main" id="{8D3B394C-EB73-4D80-AA44-A868D7A69218}"/>
+              </a:ext>
+            </a:extLst>
+          </p:cNvPr>
+          <p:cNvCxnSpPr>
+            <a:cxnSpLocks/>
+          </p:cNvCxnSpPr>
+          <p:nvPr/>
+        </p:nvCxnSpPr>
+        <p:spPr>
+          <a:xfrm>
+            <a:off x="9927996" y="3429000"/>
+            <a:ext cx="0" cy="1118097"/>
+          </a:xfrm>
+          <a:prstGeom prst="line">
+            <a:avLst/>
+          </a:prstGeom>
+          <a:ln w="28575">
+            <a:solidFill>
+              <a:schemeClr val="tx1"/>
+            </a:solidFill>
+          </a:ln>
+        </p:spPr>
+        <p:style>
+          <a:lnRef idx="1">
+            <a:schemeClr val="accent1"/>
+          </a:lnRef>
+          <a:fillRef idx="0">
+            <a:schemeClr val="accent1"/>
+          </a:fillRef>
+          <a:effectRef idx="0">
+            <a:schemeClr val="accent1"/>
+          </a:effectRef>
+          <a:fontRef idx="minor">
+            <a:schemeClr val="tx1"/>
+          </a:fontRef>
+        </p:style>
+      </p:cxnSp>
+      <p:sp>
+        <p:nvSpPr>
+          <p:cNvPr id="43" name="TextBox 42">
+            <a:extLst>
+              <a:ext uri="{FF2B5EF4-FFF2-40B4-BE49-F238E27FC236}">
+                <a16:creationId xmlns:a16="http://schemas.microsoft.com/office/drawing/2014/main" id="{1F0A29DF-731F-459C-B7C0-E1969A585F82}"/>
+              </a:ext>
+            </a:extLst>
+          </p:cNvPr>
+          <p:cNvSpPr txBox="1"/>
+          <p:nvPr/>
+        </p:nvSpPr>
+        <p:spPr>
+          <a:xfrm>
+            <a:off x="9602850" y="2995382"/>
+            <a:ext cx="634660" cy="338554"/>
+          </a:xfrm>
+          <a:prstGeom prst="rect">
+            <a:avLst/>
+          </a:prstGeom>
+          <a:noFill/>
+        </p:spPr>
+        <p:txBody>
+          <a:bodyPr wrap="square" rtlCol="0">
+            <a:spAutoFit/>
+          </a:bodyPr>
+          <a:lstStyle/>
+          <a:p>
+            <a:r>
+              <a:rPr lang="ko-KR" altLang="en-US" sz="1600" b="1" dirty="0"/>
+              <a:t>완성</a:t>
+            </a:r>
+            <a:endParaRPr lang="en-US" altLang="ko-KR" sz="1600" b="1" dirty="0"/>
+          </a:p>
+        </p:txBody>
+      </p:sp>
+      <p:sp>
+        <p:nvSpPr>
+          <p:cNvPr id="44" name="TextBox 43">
+            <a:extLst>
+              <a:ext uri="{FF2B5EF4-FFF2-40B4-BE49-F238E27FC236}">
+                <a16:creationId xmlns:a16="http://schemas.microsoft.com/office/drawing/2014/main" id="{6D76A2FB-8D6A-4DF7-9F54-ECB6175CA480}"/>
+              </a:ext>
+            </a:extLst>
+          </p:cNvPr>
+          <p:cNvSpPr txBox="1"/>
+          <p:nvPr/>
+        </p:nvSpPr>
+        <p:spPr>
+          <a:xfrm>
+            <a:off x="9669853" y="4652760"/>
+            <a:ext cx="634660" cy="338554"/>
+          </a:xfrm>
+          <a:prstGeom prst="rect">
+            <a:avLst/>
+          </a:prstGeom>
+          <a:noFill/>
+        </p:spPr>
+        <p:txBody>
+          <a:bodyPr wrap="square" rtlCol="0">
+            <a:spAutoFit/>
+          </a:bodyPr>
+          <a:lstStyle/>
+          <a:p>
+            <a:r>
+              <a:rPr lang="ko-KR" altLang="en-US" sz="1600" b="1" dirty="0"/>
+              <a:t>완성</a:t>
+            </a:r>
+            <a:endParaRPr lang="en-US" altLang="ko-KR" sz="1600" b="1" dirty="0"/>
+          </a:p>
+        </p:txBody>
+      </p:sp>
+    </p:spTree>
+    <p:extLst>
+      <p:ext uri="{BB962C8B-B14F-4D97-AF65-F5344CB8AC3E}">
+        <p14:creationId xmlns:p14="http://schemas.microsoft.com/office/powerpoint/2010/main" val="3943572866"/>
+      </p:ext>
+    </p:extLst>
+  </p:cSld>
+  <p:clrMapOvr>
+    <a:masterClrMapping/>
+  </p:clrMapOvr>
+</p:sld>
+</file>
+
+<file path=ppt/slides/slide11.xml><?xml version="1.0" encoding="utf-8"?>
+<p:sld xmlns:a="http://schemas.openxmlformats.org/drawingml/2006/main" xmlns:r="http://schemas.openxmlformats.org/officeDocument/2006/relationships" xmlns:p="http://schemas.openxmlformats.org/presentationml/2006/main">
+  <p:cSld>
+    <p:spTree>
+      <p:nvGrpSpPr>
+        <p:cNvPr id="1" name=""/>
+        <p:cNvGrpSpPr/>
+        <p:nvPr/>
+      </p:nvGrpSpPr>
+      <p:grpSpPr>
+        <a:xfrm>
+          <a:off x="0" y="0"/>
+          <a:ext cx="0" cy="0"/>
+          <a:chOff x="0" y="0"/>
+          <a:chExt cx="0" cy="0"/>
+        </a:xfrm>
+      </p:grpSpPr>
+      <p:sp>
+        <p:nvSpPr>
+          <p:cNvPr id="4" name="TextBox 3">
+            <a:extLst>
+              <a:ext uri="{FF2B5EF4-FFF2-40B4-BE49-F238E27FC236}">
+                <a16:creationId xmlns:a16="http://schemas.microsoft.com/office/drawing/2014/main" id="{565939C4-D575-4568-9F1F-823A532B1F45}"/>
+              </a:ext>
+            </a:extLst>
+          </p:cNvPr>
+          <p:cNvSpPr txBox="1"/>
+          <p:nvPr/>
+        </p:nvSpPr>
+        <p:spPr>
+          <a:xfrm>
+            <a:off x="231354" y="231354"/>
+            <a:ext cx="3358612" cy="461665"/>
+          </a:xfrm>
+          <a:prstGeom prst="rect">
+            <a:avLst/>
+          </a:prstGeom>
+          <a:noFill/>
+        </p:spPr>
+        <p:txBody>
+          <a:bodyPr wrap="none" rtlCol="0">
+            <a:spAutoFit/>
+          </a:bodyPr>
+          <a:lstStyle/>
+          <a:p>
+            <a:r>
+              <a:rPr lang="en-US" altLang="ko-KR" sz="2400" b="1" dirty="0"/>
+              <a:t>Development Process</a:t>
+            </a:r>
+          </a:p>
+        </p:txBody>
+      </p:sp>
+      <p:cxnSp>
+        <p:nvCxnSpPr>
+          <p:cNvPr id="5" name="직선 연결선 4">
+            <a:extLst>
+              <a:ext uri="{FF2B5EF4-FFF2-40B4-BE49-F238E27FC236}">
+                <a16:creationId xmlns:a16="http://schemas.microsoft.com/office/drawing/2014/main" id="{BFE9EEFE-8BC0-4879-9D12-2A8BC074C22E}"/>
+              </a:ext>
+            </a:extLst>
+          </p:cNvPr>
+          <p:cNvCxnSpPr>
+            <a:cxnSpLocks/>
+          </p:cNvCxnSpPr>
+          <p:nvPr/>
+        </p:nvCxnSpPr>
+        <p:spPr>
+          <a:xfrm>
+            <a:off x="5586235" y="122850"/>
+            <a:ext cx="6475476" cy="0"/>
+          </a:xfrm>
+          <a:prstGeom prst="line">
+            <a:avLst/>
+          </a:prstGeom>
+          <a:ln w="12700">
+            <a:solidFill>
+              <a:schemeClr val="tx1"/>
+            </a:solidFill>
+            <a:headEnd type="none" w="med" len="med"/>
+            <a:tailEnd type="arrow" w="lg" len="lg"/>
+          </a:ln>
+        </p:spPr>
+        <p:style>
+          <a:lnRef idx="1">
+            <a:schemeClr val="accent1"/>
+          </a:lnRef>
+          <a:fillRef idx="0">
+            <a:schemeClr val="accent1"/>
+          </a:fillRef>
+          <a:effectRef idx="0">
+            <a:schemeClr val="accent1"/>
+          </a:effectRef>
+          <a:fontRef idx="minor">
+            <a:schemeClr val="tx1"/>
+          </a:fontRef>
+        </p:style>
+      </p:cxnSp>
+      <p:sp>
+        <p:nvSpPr>
+          <p:cNvPr id="6" name="TextBox 5">
+            <a:extLst>
+              <a:ext uri="{FF2B5EF4-FFF2-40B4-BE49-F238E27FC236}">
+                <a16:creationId xmlns:a16="http://schemas.microsoft.com/office/drawing/2014/main" id="{DDC4FEB6-5B26-4F0F-A146-69E3C363501F}"/>
+              </a:ext>
+            </a:extLst>
+          </p:cNvPr>
+          <p:cNvSpPr txBox="1"/>
+          <p:nvPr/>
+        </p:nvSpPr>
+        <p:spPr>
+          <a:xfrm>
+            <a:off x="5604443" y="231355"/>
+            <a:ext cx="716286" cy="276999"/>
+          </a:xfrm>
+          <a:prstGeom prst="rect">
+            <a:avLst/>
+          </a:prstGeom>
+          <a:noFill/>
+        </p:spPr>
+        <p:txBody>
+          <a:bodyPr wrap="none" rtlCol="0">
+            <a:spAutoFit/>
+          </a:bodyPr>
+          <a:lstStyle/>
+          <a:p>
+            <a:r>
+              <a:rPr lang="en-US" altLang="ko-KR" sz="1200" dirty="0"/>
+              <a:t>Preview</a:t>
+            </a:r>
+            <a:endParaRPr lang="ko-KR" altLang="en-US" sz="1200" dirty="0"/>
+          </a:p>
+        </p:txBody>
+      </p:sp>
+      <p:sp>
+        <p:nvSpPr>
+          <p:cNvPr id="7" name="TextBox 6">
+            <a:extLst>
+              <a:ext uri="{FF2B5EF4-FFF2-40B4-BE49-F238E27FC236}">
+                <a16:creationId xmlns:a16="http://schemas.microsoft.com/office/drawing/2014/main" id="{1C9DDA0A-F980-4E1D-83FD-D5A5F3D249D0}"/>
+              </a:ext>
+            </a:extLst>
+          </p:cNvPr>
+          <p:cNvSpPr txBox="1"/>
+          <p:nvPr/>
+        </p:nvSpPr>
+        <p:spPr>
+          <a:xfrm>
+            <a:off x="6320729" y="231355"/>
+            <a:ext cx="545855" cy="276999"/>
+          </a:xfrm>
+          <a:prstGeom prst="rect">
+            <a:avLst/>
+          </a:prstGeom>
+          <a:noFill/>
+        </p:spPr>
+        <p:txBody>
+          <a:bodyPr wrap="none" rtlCol="0">
+            <a:spAutoFit/>
+          </a:bodyPr>
+          <a:lstStyle/>
+          <a:p>
+            <a:r>
+              <a:rPr lang="en-US" altLang="ko-KR" sz="1200" dirty="0"/>
+              <a:t>Team</a:t>
+            </a:r>
+            <a:endParaRPr lang="ko-KR" altLang="en-US" sz="1200" dirty="0"/>
+          </a:p>
+        </p:txBody>
+      </p:sp>
+      <p:sp>
+        <p:nvSpPr>
+          <p:cNvPr id="8" name="TextBox 7">
+            <a:extLst>
+              <a:ext uri="{FF2B5EF4-FFF2-40B4-BE49-F238E27FC236}">
+                <a16:creationId xmlns:a16="http://schemas.microsoft.com/office/drawing/2014/main" id="{DF48F0D6-48B6-41ED-B5FC-479983F1A736}"/>
+              </a:ext>
+            </a:extLst>
+          </p:cNvPr>
+          <p:cNvSpPr txBox="1"/>
+          <p:nvPr/>
+        </p:nvSpPr>
+        <p:spPr>
+          <a:xfrm>
+            <a:off x="6866584" y="231355"/>
+            <a:ext cx="1062535" cy="276999"/>
+          </a:xfrm>
+          <a:prstGeom prst="rect">
+            <a:avLst/>
+          </a:prstGeom>
+          <a:noFill/>
+        </p:spPr>
+        <p:txBody>
+          <a:bodyPr wrap="none" rtlCol="0">
+            <a:spAutoFit/>
+          </a:bodyPr>
+          <a:lstStyle/>
+          <a:p>
+            <a:r>
+              <a:rPr lang="en-US" altLang="ko-KR" sz="1200" dirty="0"/>
+              <a:t>Environment</a:t>
+            </a:r>
+            <a:endParaRPr lang="ko-KR" altLang="en-US" sz="1200" dirty="0"/>
+          </a:p>
+        </p:txBody>
+      </p:sp>
+      <p:sp>
+        <p:nvSpPr>
+          <p:cNvPr id="9" name="TextBox 8">
+            <a:extLst>
+              <a:ext uri="{FF2B5EF4-FFF2-40B4-BE49-F238E27FC236}">
+                <a16:creationId xmlns:a16="http://schemas.microsoft.com/office/drawing/2014/main" id="{436432E4-6A8D-4C01-BEF5-05843EDD45ED}"/>
+              </a:ext>
+            </a:extLst>
+          </p:cNvPr>
+          <p:cNvSpPr txBox="1"/>
+          <p:nvPr/>
+        </p:nvSpPr>
+        <p:spPr>
+          <a:xfrm>
+            <a:off x="7929119" y="231354"/>
+            <a:ext cx="1020600" cy="276999"/>
+          </a:xfrm>
+          <a:prstGeom prst="rect">
+            <a:avLst/>
+          </a:prstGeom>
+          <a:noFill/>
+        </p:spPr>
+        <p:txBody>
+          <a:bodyPr wrap="none" rtlCol="0">
+            <a:spAutoFit/>
+          </a:bodyPr>
+          <a:lstStyle/>
+          <a:p>
+            <a:r>
+              <a:rPr lang="en-US" altLang="ko-KR" sz="1200" dirty="0"/>
+              <a:t>Architecture</a:t>
+            </a:r>
+            <a:endParaRPr lang="ko-KR" altLang="en-US" sz="1200" dirty="0"/>
+          </a:p>
+        </p:txBody>
+      </p:sp>
+      <p:sp>
+        <p:nvSpPr>
+          <p:cNvPr id="10" name="TextBox 9">
+            <a:extLst>
+              <a:ext uri="{FF2B5EF4-FFF2-40B4-BE49-F238E27FC236}">
+                <a16:creationId xmlns:a16="http://schemas.microsoft.com/office/drawing/2014/main" id="{898A85B0-6B93-477A-8083-12355552FD85}"/>
+              </a:ext>
+            </a:extLst>
+          </p:cNvPr>
+          <p:cNvSpPr txBox="1"/>
+          <p:nvPr/>
+        </p:nvSpPr>
+        <p:spPr>
+          <a:xfrm>
+            <a:off x="8949719" y="231355"/>
+            <a:ext cx="1354794" cy="276999"/>
+          </a:xfrm>
+          <a:prstGeom prst="rect">
+            <a:avLst/>
+          </a:prstGeom>
+          <a:noFill/>
+        </p:spPr>
+        <p:txBody>
+          <a:bodyPr wrap="none" rtlCol="0">
+            <a:spAutoFit/>
+          </a:bodyPr>
+          <a:lstStyle/>
+          <a:p>
+            <a:r>
+              <a:rPr lang="en-US" altLang="ko-KR" sz="1200" dirty="0"/>
+              <a:t>Core Technology</a:t>
+            </a:r>
+            <a:endParaRPr lang="ko-KR" altLang="en-US" sz="1200" dirty="0"/>
+          </a:p>
+        </p:txBody>
+      </p:sp>
+      <p:sp>
+        <p:nvSpPr>
+          <p:cNvPr id="11" name="TextBox 10">
+            <a:extLst>
+              <a:ext uri="{FF2B5EF4-FFF2-40B4-BE49-F238E27FC236}">
+                <a16:creationId xmlns:a16="http://schemas.microsoft.com/office/drawing/2014/main" id="{8F0386BA-D88E-48CA-A783-34CC75783863}"/>
+              </a:ext>
+            </a:extLst>
+          </p:cNvPr>
+          <p:cNvSpPr txBox="1"/>
+          <p:nvPr/>
+        </p:nvSpPr>
+        <p:spPr>
+          <a:xfrm>
+            <a:off x="10304513" y="231354"/>
+            <a:ext cx="1693156" cy="276999"/>
+          </a:xfrm>
+          <a:prstGeom prst="rect">
+            <a:avLst/>
+          </a:prstGeom>
+          <a:noFill/>
+        </p:spPr>
+        <p:txBody>
+          <a:bodyPr wrap="none" rtlCol="0">
+            <a:spAutoFit/>
+          </a:bodyPr>
+          <a:lstStyle/>
+          <a:p>
+            <a:r>
+              <a:rPr lang="en-US" altLang="ko-KR" sz="1200" dirty="0">
+                <a:solidFill>
+                  <a:srgbClr val="0070C0"/>
+                </a:solidFill>
+              </a:rPr>
+              <a:t>Development Process</a:t>
+            </a:r>
+            <a:endParaRPr lang="ko-KR" altLang="en-US" sz="1200" dirty="0">
+              <a:solidFill>
+                <a:srgbClr val="0070C0"/>
+              </a:solidFill>
+            </a:endParaRPr>
+          </a:p>
+        </p:txBody>
+      </p:sp>
+      <p:sp>
+        <p:nvSpPr>
+          <p:cNvPr id="12" name="TextBox 11">
+            <a:extLst>
+              <a:ext uri="{FF2B5EF4-FFF2-40B4-BE49-F238E27FC236}">
+                <a16:creationId xmlns:a16="http://schemas.microsoft.com/office/drawing/2014/main" id="{76FCFFFC-96B6-4EBA-84EC-A6CF15AA68B6}"/>
+              </a:ext>
+            </a:extLst>
+          </p:cNvPr>
+          <p:cNvSpPr txBox="1"/>
+          <p:nvPr/>
+        </p:nvSpPr>
+        <p:spPr>
+          <a:xfrm>
+            <a:off x="686478" y="1267329"/>
+            <a:ext cx="2982369" cy="369332"/>
+          </a:xfrm>
+          <a:prstGeom prst="rect">
+            <a:avLst/>
+          </a:prstGeom>
+          <a:noFill/>
+        </p:spPr>
+        <p:txBody>
+          <a:bodyPr wrap="square" rtlCol="0">
+            <a:spAutoFit/>
+          </a:bodyPr>
+          <a:lstStyle/>
+          <a:p>
+            <a:r>
+              <a:rPr lang="ko-KR" altLang="en-US" b="1" dirty="0"/>
+              <a:t>향후 계획</a:t>
+            </a:r>
+          </a:p>
+        </p:txBody>
+      </p:sp>
+      <p:sp>
+        <p:nvSpPr>
+          <p:cNvPr id="14" name="TextBox 13">
+            <a:extLst>
+              <a:ext uri="{FF2B5EF4-FFF2-40B4-BE49-F238E27FC236}">
+                <a16:creationId xmlns:a16="http://schemas.microsoft.com/office/drawing/2014/main" id="{CFD5CDA9-5982-494D-BA65-66B8379C6D96}"/>
+              </a:ext>
+            </a:extLst>
+          </p:cNvPr>
+          <p:cNvSpPr txBox="1"/>
+          <p:nvPr/>
+        </p:nvSpPr>
+        <p:spPr>
+          <a:xfrm>
+            <a:off x="379025" y="4206664"/>
+            <a:ext cx="3063270" cy="338554"/>
+          </a:xfrm>
+          <a:prstGeom prst="rect">
+            <a:avLst/>
+          </a:prstGeom>
+          <a:noFill/>
+        </p:spPr>
+        <p:txBody>
+          <a:bodyPr wrap="square" rtlCol="0">
+            <a:spAutoFit/>
+          </a:bodyPr>
+          <a:lstStyle/>
+          <a:p>
+            <a:r>
+              <a:rPr lang="ko-KR" altLang="en-US" sz="1600" b="1" dirty="0"/>
+              <a:t>서버 계획</a:t>
+            </a:r>
+            <a:endParaRPr lang="en-US" altLang="ko-KR" sz="1600" b="1" dirty="0"/>
+          </a:p>
+        </p:txBody>
+      </p:sp>
+      <p:sp>
+        <p:nvSpPr>
+          <p:cNvPr id="17" name="TextBox 16">
+            <a:extLst>
+              <a:ext uri="{FF2B5EF4-FFF2-40B4-BE49-F238E27FC236}">
+                <a16:creationId xmlns:a16="http://schemas.microsoft.com/office/drawing/2014/main" id="{FB231B24-B272-48FD-BCCF-257AA8BD8296}"/>
+              </a:ext>
+            </a:extLst>
+          </p:cNvPr>
+          <p:cNvSpPr txBox="1"/>
+          <p:nvPr/>
+        </p:nvSpPr>
+        <p:spPr>
+          <a:xfrm>
+            <a:off x="379025" y="3404883"/>
+            <a:ext cx="3063270" cy="338554"/>
+          </a:xfrm>
+          <a:prstGeom prst="rect">
+            <a:avLst/>
+          </a:prstGeom>
+          <a:noFill/>
+        </p:spPr>
+        <p:txBody>
+          <a:bodyPr wrap="square" rtlCol="0">
+            <a:spAutoFit/>
+          </a:bodyPr>
+          <a:lstStyle/>
+          <a:p>
+            <a:r>
+              <a:rPr lang="ko-KR" altLang="en-US" sz="1600" b="1" dirty="0"/>
+              <a:t>안드로이드 계획</a:t>
+            </a:r>
+            <a:endParaRPr lang="en-US" altLang="ko-KR" sz="1600" b="1" dirty="0"/>
+          </a:p>
+        </p:txBody>
+      </p:sp>
+      <p:cxnSp>
+        <p:nvCxnSpPr>
+          <p:cNvPr id="19" name="직선 연결선 18">
+            <a:extLst>
+              <a:ext uri="{FF2B5EF4-FFF2-40B4-BE49-F238E27FC236}">
+                <a16:creationId xmlns:a16="http://schemas.microsoft.com/office/drawing/2014/main" id="{7E8A01C9-D479-4399-98F5-5F5DC318460B}"/>
+              </a:ext>
+            </a:extLst>
+          </p:cNvPr>
+          <p:cNvCxnSpPr>
+            <a:cxnSpLocks/>
+          </p:cNvCxnSpPr>
+          <p:nvPr/>
+        </p:nvCxnSpPr>
+        <p:spPr>
+          <a:xfrm>
+            <a:off x="448733" y="3975050"/>
+            <a:ext cx="11413067" cy="0"/>
+          </a:xfrm>
+          <a:prstGeom prst="line">
+            <a:avLst/>
+          </a:prstGeom>
+          <a:ln w="19050">
+            <a:solidFill>
+              <a:schemeClr val="tx1"/>
+            </a:solidFill>
+            <a:headEnd type="none" w="med" len="med"/>
+            <a:tailEnd type="arrow" w="lg" len="lg"/>
+          </a:ln>
+        </p:spPr>
+        <p:style>
+          <a:lnRef idx="1">
+            <a:schemeClr val="accent1"/>
+          </a:lnRef>
+          <a:fillRef idx="0">
+            <a:schemeClr val="accent1"/>
+          </a:fillRef>
+          <a:effectRef idx="0">
+            <a:schemeClr val="accent1"/>
+          </a:effectRef>
+          <a:fontRef idx="minor">
+            <a:schemeClr val="tx1"/>
+          </a:fontRef>
+        </p:style>
+      </p:cxnSp>
+    </p:spTree>
+    <p:extLst>
+      <p:ext uri="{BB962C8B-B14F-4D97-AF65-F5344CB8AC3E}">
+        <p14:creationId xmlns:p14="http://schemas.microsoft.com/office/powerpoint/2010/main" val="3418610673"/>
       </p:ext>
     </p:extLst>
   </p:cSld>
@@ -7656,10 +9598,17 @@
           <a:lstStyle/>
           <a:p>
             <a:r>
+              <a:rPr lang="ko-KR" altLang="en-US" b="1" dirty="0"/>
+              <a:t>기술적 측면</a:t>
+            </a:r>
+            <a:r>
               <a:rPr lang="en-US" altLang="ko-KR" b="1" dirty="0"/>
-              <a:t>GPS</a:t>
-            </a:r>
-            <a:endParaRPr lang="ko-KR" altLang="en-US" b="1" dirty="0"/>
+              <a:t>: </a:t>
+            </a:r>
+            <a:r>
+              <a:rPr lang="ko-KR" altLang="en-US" b="1" dirty="0"/>
+              <a:t>지도</a:t>
+            </a:r>
           </a:p>
         </p:txBody>
       </p:sp>
@@ -7679,8 +9628,8 @@
         </p:nvCxnSpPr>
         <p:spPr>
           <a:xfrm>
-            <a:off x="6035415" y="1267329"/>
-            <a:ext cx="0" cy="5590671"/>
+            <a:off x="5962585" y="1754931"/>
+            <a:ext cx="0" cy="5105979"/>
           </a:xfrm>
           <a:prstGeom prst="line">
             <a:avLst/>
@@ -7706,22 +9655,166 @@
           </a:fontRef>
         </p:style>
       </p:cxnSp>
+      <p:sp>
+        <p:nvSpPr>
+          <p:cNvPr id="15" name="TextBox 14">
+            <a:extLst>
+              <a:ext uri="{FF2B5EF4-FFF2-40B4-BE49-F238E27FC236}">
+                <a16:creationId xmlns:a16="http://schemas.microsoft.com/office/drawing/2014/main" id="{9EDB85C7-51DC-4DFD-992F-6EC9299093B6}"/>
+              </a:ext>
+            </a:extLst>
+          </p:cNvPr>
+          <p:cNvSpPr txBox="1"/>
+          <p:nvPr/>
+        </p:nvSpPr>
+        <p:spPr>
+          <a:xfrm>
+            <a:off x="855472" y="1943190"/>
+            <a:ext cx="2864513" cy="338554"/>
+          </a:xfrm>
+          <a:prstGeom prst="rect">
+            <a:avLst/>
+          </a:prstGeom>
+          <a:noFill/>
+        </p:spPr>
+        <p:txBody>
+          <a:bodyPr wrap="square" rtlCol="0">
+            <a:spAutoFit/>
+          </a:bodyPr>
+          <a:lstStyle/>
+          <a:p>
+            <a:r>
+              <a:rPr lang="en-US" altLang="ko-KR" sz="1600" b="1" dirty="0"/>
+              <a:t>GPS</a:t>
+            </a:r>
+            <a:endParaRPr lang="ko-KR" altLang="en-US" sz="1600" b="1" dirty="0"/>
+          </a:p>
+        </p:txBody>
+      </p:sp>
+      <p:sp>
+        <p:nvSpPr>
+          <p:cNvPr id="19" name="TextBox 18">
+            <a:extLst>
+              <a:ext uri="{FF2B5EF4-FFF2-40B4-BE49-F238E27FC236}">
+                <a16:creationId xmlns:a16="http://schemas.microsoft.com/office/drawing/2014/main" id="{28A45B88-27C1-4024-A443-31C67A853265}"/>
+              </a:ext>
+            </a:extLst>
+          </p:cNvPr>
+          <p:cNvSpPr txBox="1"/>
+          <p:nvPr/>
+        </p:nvSpPr>
+        <p:spPr>
+          <a:xfrm>
+            <a:off x="883346" y="2588273"/>
+            <a:ext cx="4270219" cy="1398460"/>
+          </a:xfrm>
+          <a:prstGeom prst="rect">
+            <a:avLst/>
+          </a:prstGeom>
+          <a:noFill/>
+        </p:spPr>
+        <p:txBody>
+          <a:bodyPr wrap="square" rtlCol="0">
+            <a:spAutoFit/>
+          </a:bodyPr>
+          <a:lstStyle/>
+          <a:p>
+            <a:pPr>
+              <a:lnSpc>
+                <a:spcPct val="150000"/>
+              </a:lnSpc>
+            </a:pPr>
+            <a:r>
+              <a:rPr lang="en-US" altLang="ko-KR" sz="1400" b="1" dirty="0" err="1"/>
+              <a:t>android.location</a:t>
+            </a:r>
+            <a:endParaRPr lang="en-US" altLang="ko-KR" sz="1400" b="1" dirty="0"/>
+          </a:p>
+          <a:p>
+            <a:pPr marL="171450" indent="-171450">
+              <a:lnSpc>
+                <a:spcPct val="150000"/>
+              </a:lnSpc>
+              <a:buFont typeface="Arial" panose="020B0604020202020204" pitchFamily="34" charset="0"/>
+              <a:buChar char="•"/>
+            </a:pPr>
+            <a:endParaRPr lang="en-US" altLang="ko-KR" sz="1100" dirty="0"/>
+          </a:p>
+          <a:p>
+            <a:pPr marL="171450" indent="-171450">
+              <a:lnSpc>
+                <a:spcPct val="150000"/>
+              </a:lnSpc>
+              <a:buFont typeface="Arial" panose="020B0604020202020204" pitchFamily="34" charset="0"/>
+              <a:buChar char="•"/>
+            </a:pPr>
+            <a:r>
+              <a:rPr lang="en-US" altLang="ko-KR" sz="1100" dirty="0"/>
+              <a:t>Android</a:t>
+            </a:r>
+            <a:r>
+              <a:rPr lang="ko-KR" altLang="en-US" sz="1100" dirty="0"/>
+              <a:t> </a:t>
+            </a:r>
+            <a:r>
+              <a:rPr lang="en-US" altLang="ko-KR" sz="1100" dirty="0"/>
+              <a:t>OS</a:t>
+            </a:r>
+            <a:r>
+              <a:rPr lang="ko-KR" altLang="en-US" sz="1100" dirty="0"/>
+              <a:t> 내에서 제공하는 위치추적 기능</a:t>
+            </a:r>
+            <a:endParaRPr lang="en-US" altLang="ko-KR" sz="1100" dirty="0"/>
+          </a:p>
+          <a:p>
+            <a:pPr marL="171450" indent="-171450">
+              <a:lnSpc>
+                <a:spcPct val="150000"/>
+              </a:lnSpc>
+              <a:buFont typeface="Arial" panose="020B0604020202020204" pitchFamily="34" charset="0"/>
+              <a:buChar char="•"/>
+            </a:pPr>
+            <a:endParaRPr lang="en-US" altLang="ko-KR" sz="1100" dirty="0"/>
+          </a:p>
+          <a:p>
+            <a:pPr marL="171450" indent="-171450">
+              <a:lnSpc>
+                <a:spcPct val="150000"/>
+              </a:lnSpc>
+              <a:buFont typeface="Arial" panose="020B0604020202020204" pitchFamily="34" charset="0"/>
+              <a:buChar char="•"/>
+            </a:pPr>
+            <a:r>
+              <a:rPr lang="ko-KR" altLang="en-US" sz="1100" dirty="0"/>
+              <a:t>위도 </a:t>
+            </a:r>
+            <a:r>
+              <a:rPr lang="en-US" altLang="ko-KR" sz="1100" dirty="0"/>
+              <a:t>/ </a:t>
+            </a:r>
+            <a:r>
+              <a:rPr lang="ko-KR" altLang="en-US" sz="1100" dirty="0"/>
+              <a:t>경도 획득을 통한 현 위치 기능 사용</a:t>
+            </a:r>
+          </a:p>
+        </p:txBody>
+      </p:sp>
       <p:pic>
         <p:nvPicPr>
-          <p:cNvPr id="19" name="그림 18">
-            <a:extLst>
-              <a:ext uri="{FF2B5EF4-FFF2-40B4-BE49-F238E27FC236}">
-                <a16:creationId xmlns:a16="http://schemas.microsoft.com/office/drawing/2014/main" id="{AD295372-4860-134C-A8C0-E5DC0AA8290F}"/>
+          <p:cNvPr id="24" name="그림 23" descr="스크린샷이(가) 표시된 사진&#10;&#10;자동 생성된 설명">
+            <a:extLst>
+              <a:ext uri="{FF2B5EF4-FFF2-40B4-BE49-F238E27FC236}">
+                <a16:creationId xmlns:a16="http://schemas.microsoft.com/office/drawing/2014/main" id="{DC11C253-D557-4BFB-8EE3-3DDE944ED1CC}"/>
               </a:ext>
             </a:extLst>
           </p:cNvPr>
           <p:cNvPicPr>
-            <a:picLocks noChangeAspect="1"/>
+            <a:picLocks/>
           </p:cNvPicPr>
           <p:nvPr/>
         </p:nvPicPr>
         <p:blipFill>
-          <a:blip r:embed="rId2">
+          <a:blip r:embed="rId3">
             <a:extLst>
               <a:ext uri="{28A0092B-C50C-407E-A947-70E740481C1C}">
                 <a14:useLocalDpi xmlns:a14="http://schemas.microsoft.com/office/drawing/2010/main" val="0"/>
@@ -7734,8 +9827,8 @@
         </p:blipFill>
         <p:spPr>
           <a:xfrm>
-            <a:off x="686478" y="2019202"/>
-            <a:ext cx="4786229" cy="3804749"/>
+            <a:off x="855472" y="4576257"/>
+            <a:ext cx="4316752" cy="1698451"/>
           </a:xfrm>
           <a:prstGeom prst="rect">
             <a:avLst/>
@@ -7744,20 +9837,20 @@
       </p:pic>
       <p:sp>
         <p:nvSpPr>
-          <p:cNvPr id="20" name="TextBox 19">
-            <a:extLst>
-              <a:ext uri="{FF2B5EF4-FFF2-40B4-BE49-F238E27FC236}">
-                <a16:creationId xmlns:a16="http://schemas.microsoft.com/office/drawing/2014/main" id="{ACEBE0BA-DB62-B746-B07C-37DE6FA93A74}"/>
-              </a:ext>
-            </a:extLst>
-          </p:cNvPr>
-          <p:cNvSpPr txBox="1"/>
-          <p:nvPr/>
-        </p:nvSpPr>
-        <p:spPr>
-          <a:xfrm>
-            <a:off x="6741580" y="1523507"/>
-            <a:ext cx="4763942" cy="5078313"/>
+          <p:cNvPr id="26" name="TextBox 25">
+            <a:extLst>
+              <a:ext uri="{FF2B5EF4-FFF2-40B4-BE49-F238E27FC236}">
+                <a16:creationId xmlns:a16="http://schemas.microsoft.com/office/drawing/2014/main" id="{91C97B8D-FA58-4DA4-8CAC-F7A87E5BCCB4}"/>
+              </a:ext>
+            </a:extLst>
+          </p:cNvPr>
+          <p:cNvSpPr txBox="1"/>
+          <p:nvPr/>
+        </p:nvSpPr>
+        <p:spPr>
+          <a:xfrm>
+            <a:off x="7010561" y="1943190"/>
+            <a:ext cx="2864513" cy="338554"/>
           </a:xfrm>
           <a:prstGeom prst="rect">
             <a:avLst/>
@@ -7770,167 +9863,177 @@
           </a:bodyPr>
           <a:lstStyle/>
           <a:p>
-            <a:pPr marL="342900" indent="-342900">
-              <a:buAutoNum type="arabicPeriod"/>
+            <a:r>
+              <a:rPr lang="ko-KR" altLang="en-US" sz="1600" b="1" dirty="0"/>
+              <a:t>지도</a:t>
+            </a:r>
+          </a:p>
+        </p:txBody>
+      </p:sp>
+      <p:sp>
+        <p:nvSpPr>
+          <p:cNvPr id="28" name="TextBox 27">
+            <a:extLst>
+              <a:ext uri="{FF2B5EF4-FFF2-40B4-BE49-F238E27FC236}">
+                <a16:creationId xmlns:a16="http://schemas.microsoft.com/office/drawing/2014/main" id="{85D4F06E-FBBC-4973-A924-2DC1EB0C6396}"/>
+              </a:ext>
+            </a:extLst>
+          </p:cNvPr>
+          <p:cNvSpPr txBox="1"/>
+          <p:nvPr/>
+        </p:nvSpPr>
+        <p:spPr>
+          <a:xfrm>
+            <a:off x="7038435" y="2588273"/>
+            <a:ext cx="4270219" cy="1398460"/>
+          </a:xfrm>
+          <a:prstGeom prst="rect">
+            <a:avLst/>
+          </a:prstGeom>
+          <a:noFill/>
+        </p:spPr>
+        <p:txBody>
+          <a:bodyPr wrap="square" rtlCol="0">
+            <a:spAutoFit/>
+          </a:bodyPr>
+          <a:lstStyle/>
+          <a:p>
+            <a:pPr>
+              <a:lnSpc>
+                <a:spcPct val="150000"/>
+              </a:lnSpc>
             </a:pPr>
             <a:r>
-              <a:rPr kumimoji="1" lang="ko-KR" altLang="en-US" dirty="0"/>
-              <a:t>기능</a:t>
-            </a:r>
-            <a:endParaRPr kumimoji="1" lang="en-US" altLang="ko-KR" dirty="0"/>
-          </a:p>
-          <a:p>
-            <a:pPr marL="800100" lvl="1" indent="-342900">
+              <a:rPr lang="en-US" altLang="ko-KR" sz="1400" b="1" dirty="0" err="1"/>
+              <a:t>Kakao</a:t>
+            </a:r>
+            <a:r>
+              <a:rPr lang="en-US" altLang="ko-KR" sz="1400" b="1" dirty="0"/>
+              <a:t> </a:t>
+            </a:r>
+            <a:r>
+              <a:rPr lang="ko-KR" altLang="en-US" sz="1400" b="1" dirty="0"/>
+              <a:t>지도</a:t>
+            </a:r>
+            <a:r>
+              <a:rPr lang="en-US" altLang="ko-KR" sz="1400" b="1" dirty="0"/>
+              <a:t> API : </a:t>
+            </a:r>
+            <a:r>
+              <a:rPr lang="en-US" altLang="ko-KR" sz="1400" b="1" dirty="0" err="1"/>
+              <a:t>net.daum.mf.map.api.MapView</a:t>
+            </a:r>
+            <a:endParaRPr lang="en-US" altLang="ko-KR" sz="1400" b="1" dirty="0"/>
+          </a:p>
+          <a:p>
+            <a:pPr marL="171450" indent="-171450">
+              <a:lnSpc>
+                <a:spcPct val="150000"/>
+              </a:lnSpc>
               <a:buFont typeface="Arial" panose="020B0604020202020204" pitchFamily="34" charset="0"/>
               <a:buChar char="•"/>
             </a:pPr>
-            <a:r>
-              <a:rPr kumimoji="1" lang="ko-KR" altLang="en-US" dirty="0"/>
-              <a:t>앱을 사용하는 유저 중 내 주변 지역 사람들이 얼마나 많이 </a:t>
-            </a:r>
-            <a:r>
-              <a:rPr kumimoji="1" lang="ko-KR" altLang="en-US" dirty="0" err="1"/>
-              <a:t>챌린지를</a:t>
-            </a:r>
-            <a:r>
-              <a:rPr kumimoji="1" lang="ko-KR" altLang="en-US" dirty="0"/>
-              <a:t> 하고 있는지 나타낸다</a:t>
-            </a:r>
-            <a:endParaRPr kumimoji="1" lang="en-US" altLang="ko-KR" dirty="0"/>
-          </a:p>
-          <a:p>
-            <a:pPr lvl="1"/>
-            <a:endParaRPr kumimoji="1" lang="en-US" altLang="ko-KR" dirty="0"/>
-          </a:p>
-          <a:p>
-            <a:pPr marL="342900" indent="-342900">
-              <a:buAutoNum type="arabicPeriod"/>
-            </a:pPr>
-            <a:r>
-              <a:rPr kumimoji="1" lang="ko-KR" altLang="en-US" dirty="0"/>
-              <a:t>효과</a:t>
-            </a:r>
-            <a:endParaRPr kumimoji="1" lang="en-US" altLang="ko-KR" dirty="0"/>
-          </a:p>
-          <a:p>
-            <a:pPr marL="800100" lvl="1" indent="-342900">
+            <a:endParaRPr lang="en-US" altLang="ko-KR" sz="1100" dirty="0"/>
+          </a:p>
+          <a:p>
+            <a:pPr marL="171450" indent="-171450">
+              <a:lnSpc>
+                <a:spcPct val="150000"/>
+              </a:lnSpc>
               <a:buFont typeface="Arial" panose="020B0604020202020204" pitchFamily="34" charset="0"/>
               <a:buChar char="•"/>
             </a:pPr>
             <a:r>
-              <a:rPr kumimoji="1" lang="ko-KR" altLang="en-US" dirty="0"/>
-              <a:t>심리적 보상</a:t>
-            </a:r>
-            <a:endParaRPr kumimoji="1" lang="en-US" altLang="ko-KR" dirty="0"/>
-          </a:p>
-          <a:p>
-            <a:pPr marL="800100" lvl="1" indent="-342900">
+              <a:rPr lang="ko-KR" altLang="en-US" sz="1100" dirty="0"/>
+              <a:t>카카오 지도 </a:t>
+            </a:r>
+            <a:r>
+              <a:rPr lang="en-US" altLang="ko-KR" sz="1100" dirty="0"/>
+              <a:t>API</a:t>
+            </a:r>
+            <a:r>
+              <a:rPr lang="ko-KR" altLang="en-US" sz="1100" dirty="0"/>
+              <a:t>를 통한 시각적 지도 구현</a:t>
+            </a:r>
+            <a:endParaRPr lang="en-US" altLang="ko-KR" sz="1100" dirty="0"/>
+          </a:p>
+          <a:p>
+            <a:pPr marL="171450" indent="-171450">
+              <a:lnSpc>
+                <a:spcPct val="150000"/>
+              </a:lnSpc>
               <a:buFont typeface="Arial" panose="020B0604020202020204" pitchFamily="34" charset="0"/>
               <a:buChar char="•"/>
             </a:pPr>
-            <a:endParaRPr kumimoji="1" lang="en-US" altLang="ko-KR" dirty="0"/>
-          </a:p>
-          <a:p>
-            <a:pPr marL="1257300" lvl="2" indent="-342900">
+            <a:endParaRPr lang="en-US" altLang="ko-KR" sz="1100" dirty="0"/>
+          </a:p>
+          <a:p>
+            <a:pPr marL="171450" indent="-171450">
+              <a:lnSpc>
+                <a:spcPct val="150000"/>
+              </a:lnSpc>
               <a:buFont typeface="Arial" panose="020B0604020202020204" pitchFamily="34" charset="0"/>
               <a:buChar char="•"/>
             </a:pPr>
             <a:r>
-              <a:rPr kumimoji="1" lang="ko-KR" altLang="en-US" dirty="0"/>
-              <a:t>주변 사람들이 많이 하는 것에 대해 승부욕 유발</a:t>
-            </a:r>
-            <a:endParaRPr kumimoji="1" lang="en-US" altLang="ko-KR" dirty="0"/>
-          </a:p>
-          <a:p>
-            <a:pPr lvl="2"/>
-            <a:endParaRPr kumimoji="1" lang="en-US" altLang="ko-KR" dirty="0"/>
-          </a:p>
-          <a:p>
-            <a:pPr marL="800100" lvl="1" indent="-342900">
-              <a:buFont typeface="Arial" panose="020B0604020202020204" pitchFamily="34" charset="0"/>
-              <a:buChar char="•"/>
-            </a:pPr>
-            <a:r>
-              <a:rPr kumimoji="1" lang="ko-KR" altLang="en-US" dirty="0"/>
-              <a:t>시각적 정보 제공</a:t>
-            </a:r>
-            <a:endParaRPr kumimoji="1" lang="en-US" altLang="ko-KR" dirty="0"/>
-          </a:p>
-          <a:p>
-            <a:pPr marL="1257300" lvl="2" indent="-342900">
-              <a:buFont typeface="Arial" panose="020B0604020202020204" pitchFamily="34" charset="0"/>
-              <a:buChar char="•"/>
-            </a:pPr>
-            <a:r>
-              <a:rPr kumimoji="1" lang="ko-KR" altLang="en-US" dirty="0" err="1"/>
-              <a:t>마커</a:t>
-            </a:r>
-            <a:r>
-              <a:rPr kumimoji="1" lang="ko-KR" altLang="en-US" dirty="0"/>
-              <a:t> 색 구분을 통해 </a:t>
-            </a:r>
-            <a:r>
-              <a:rPr kumimoji="1" lang="en-US" altLang="ko-KR" dirty="0"/>
-              <a:t>Everyday,</a:t>
-            </a:r>
-            <a:r>
-              <a:rPr kumimoji="1" lang="ko-KR" altLang="en-US" dirty="0"/>
-              <a:t> 요일 별</a:t>
-            </a:r>
-            <a:r>
-              <a:rPr kumimoji="1" lang="en-US" altLang="ko-KR" dirty="0"/>
-              <a:t>,</a:t>
-            </a:r>
-            <a:r>
-              <a:rPr kumimoji="1" lang="ko-KR" altLang="en-US" dirty="0"/>
-              <a:t> 일주일 별 </a:t>
-            </a:r>
-            <a:r>
-              <a:rPr kumimoji="1" lang="ko-KR" altLang="en-US" dirty="0" err="1"/>
-              <a:t>챌린지</a:t>
-            </a:r>
-            <a:r>
-              <a:rPr kumimoji="1" lang="ko-KR" altLang="en-US" dirty="0"/>
-              <a:t> 구분</a:t>
-            </a:r>
-            <a:endParaRPr kumimoji="1" lang="en-US" altLang="ko-KR" dirty="0"/>
-          </a:p>
-          <a:p>
-            <a:pPr lvl="2"/>
-            <a:endParaRPr kumimoji="1" lang="en-US" altLang="ko-KR" dirty="0"/>
-          </a:p>
-          <a:p>
-            <a:pPr marL="1257300" lvl="2" indent="-342900">
-              <a:buFont typeface="Arial" panose="020B0604020202020204" pitchFamily="34" charset="0"/>
-              <a:buChar char="•"/>
-            </a:pPr>
-            <a:r>
-              <a:rPr kumimoji="1" lang="ko-KR" altLang="en-US" dirty="0" err="1"/>
-              <a:t>마커</a:t>
-            </a:r>
-            <a:r>
-              <a:rPr kumimoji="1" lang="ko-KR" altLang="en-US" dirty="0"/>
-              <a:t> 클릭 시 </a:t>
-            </a:r>
-            <a:r>
-              <a:rPr kumimoji="1" lang="ko-KR" altLang="en-US" dirty="0" err="1"/>
-              <a:t>카테고리별</a:t>
-            </a:r>
-            <a:r>
-              <a:rPr kumimoji="1" lang="ko-KR" altLang="en-US" dirty="0"/>
-              <a:t> 정보제공 분류 </a:t>
-            </a:r>
-            <a:endParaRPr kumimoji="1" lang="en-US" altLang="ko-KR" dirty="0"/>
-          </a:p>
-          <a:p>
-            <a:endParaRPr kumimoji="1" lang="ko-Kore-KR" altLang="en-US" dirty="0"/>
-          </a:p>
-        </p:txBody>
-      </p:sp>
+              <a:rPr lang="en-US" altLang="ko-KR" sz="1100" dirty="0"/>
+              <a:t>GPS</a:t>
+            </a:r>
+            <a:r>
+              <a:rPr lang="ko-KR" altLang="en-US" sz="1100" dirty="0"/>
+              <a:t> 로 부터 획득한 위도 </a:t>
+            </a:r>
+            <a:r>
+              <a:rPr lang="en-US" altLang="ko-KR" sz="1100" dirty="0"/>
+              <a:t>/ </a:t>
+            </a:r>
+            <a:r>
+              <a:rPr lang="ko-KR" altLang="en-US" sz="1100" dirty="0"/>
+              <a:t>경도를 통한 마커 생성</a:t>
+            </a:r>
+          </a:p>
+        </p:txBody>
+      </p:sp>
+      <p:pic>
+        <p:nvPicPr>
+          <p:cNvPr id="31" name="그림 30">
+            <a:extLst>
+              <a:ext uri="{FF2B5EF4-FFF2-40B4-BE49-F238E27FC236}">
+                <a16:creationId xmlns:a16="http://schemas.microsoft.com/office/drawing/2014/main" id="{29B0F564-D33C-4640-9DAE-9821431A35CF}"/>
+              </a:ext>
+            </a:extLst>
+          </p:cNvPr>
+          <p:cNvPicPr>
+            <a:picLocks/>
+          </p:cNvPicPr>
+          <p:nvPr/>
+        </p:nvPicPr>
+        <p:blipFill>
+          <a:blip r:embed="rId4">
+            <a:extLst>
+              <a:ext uri="{28A0092B-C50C-407E-A947-70E740481C1C}">
+                <a14:useLocalDpi xmlns:a14="http://schemas.microsoft.com/office/drawing/2010/main" val="0"/>
+              </a:ext>
+            </a:extLst>
+          </a:blip>
+          <a:stretch>
+            <a:fillRect/>
+          </a:stretch>
+        </p:blipFill>
+        <p:spPr>
+          <a:xfrm>
+            <a:off x="7038435" y="4576257"/>
+            <a:ext cx="4316752" cy="1698434"/>
+          </a:xfrm>
+          <a:prstGeom prst="rect">
+            <a:avLst/>
+          </a:prstGeom>
+        </p:spPr>
+      </p:pic>
     </p:spTree>
     <p:extLst>
       <p:ext uri="{BB962C8B-B14F-4D97-AF65-F5344CB8AC3E}">
-        <p14:creationId xmlns:p14="http://schemas.microsoft.com/office/powerpoint/2010/main" val="1285532446"/>
+        <p14:creationId xmlns:p14="http://schemas.microsoft.com/office/powerpoint/2010/main" val="1424098130"/>
       </p:ext>
     </p:extLst>
   </p:cSld>
@@ -7972,7 +10075,7 @@
         <p:spPr>
           <a:xfrm>
             <a:off x="231354" y="231354"/>
-            <a:ext cx="3358612" cy="461665"/>
+            <a:ext cx="3794885" cy="461665"/>
           </a:xfrm>
           <a:prstGeom prst="rect">
             <a:avLst/>
@@ -7986,8 +10089,8 @@
           <a:lstStyle/>
           <a:p>
             <a:r>
-              <a:rPr lang="en-US" altLang="ko-KR" sz="2400" b="1" dirty="0"/>
-              <a:t>Development Process</a:t>
+              <a:rPr lang="en-US" altLang="ko-KR" sz="2400" b="1" spc="600" dirty="0"/>
+              <a:t>Core Technology</a:t>
             </a:r>
           </a:p>
         </p:txBody>
@@ -8210,48 +10313,12 @@
           <a:lstStyle/>
           <a:p>
             <a:r>
-              <a:rPr lang="en-US" altLang="ko-KR" sz="1200" dirty="0"/>
-              <a:t>Core Technology</a:t>
-            </a:r>
-            <a:endParaRPr lang="ko-KR" altLang="en-US" sz="1200" dirty="0"/>
-          </a:p>
-        </p:txBody>
-      </p:sp>
-      <p:sp>
-        <p:nvSpPr>
-          <p:cNvPr id="11" name="TextBox 10">
-            <a:extLst>
-              <a:ext uri="{FF2B5EF4-FFF2-40B4-BE49-F238E27FC236}">
-                <a16:creationId xmlns:a16="http://schemas.microsoft.com/office/drawing/2014/main" id="{8F0386BA-D88E-48CA-A783-34CC75783863}"/>
-              </a:ext>
-            </a:extLst>
-          </p:cNvPr>
-          <p:cNvSpPr txBox="1"/>
-          <p:nvPr/>
-        </p:nvSpPr>
-        <p:spPr>
-          <a:xfrm>
-            <a:off x="10304513" y="231354"/>
-            <a:ext cx="1693156" cy="276999"/>
-          </a:xfrm>
-          <a:prstGeom prst="rect">
-            <a:avLst/>
-          </a:prstGeom>
-          <a:noFill/>
-        </p:spPr>
-        <p:txBody>
-          <a:bodyPr wrap="none" rtlCol="0">
-            <a:spAutoFit/>
-          </a:bodyPr>
-          <a:lstStyle/>
-          <a:p>
-            <a:r>
               <a:rPr lang="en-US" altLang="ko-KR" sz="1200" dirty="0">
                 <a:solidFill>
                   <a:srgbClr val="0070C0"/>
                 </a:solidFill>
               </a:rPr>
-              <a:t>Development Process</a:t>
+              <a:t>Core Technology</a:t>
             </a:r>
             <a:endParaRPr lang="ko-KR" altLang="en-US" sz="1200" dirty="0">
               <a:solidFill>
@@ -8263,10 +10330,46 @@
       </p:sp>
       <p:sp>
         <p:nvSpPr>
+          <p:cNvPr id="11" name="TextBox 10">
+            <a:extLst>
+              <a:ext uri="{FF2B5EF4-FFF2-40B4-BE49-F238E27FC236}">
+                <a16:creationId xmlns:a16="http://schemas.microsoft.com/office/drawing/2014/main" id="{8F0386BA-D88E-48CA-A783-34CC75783863}"/>
+              </a:ext>
+            </a:extLst>
+          </p:cNvPr>
+          <p:cNvSpPr txBox="1"/>
+          <p:nvPr/>
+        </p:nvSpPr>
+        <p:spPr>
+          <a:xfrm>
+            <a:off x="10304513" y="231354"/>
+            <a:ext cx="1693156" cy="276999"/>
+          </a:xfrm>
+          <a:prstGeom prst="rect">
+            <a:avLst/>
+          </a:prstGeom>
+          <a:noFill/>
+        </p:spPr>
+        <p:txBody>
+          <a:bodyPr wrap="none" rtlCol="0">
+            <a:spAutoFit/>
+          </a:bodyPr>
+          <a:lstStyle/>
+          <a:p>
+            <a:r>
+              <a:rPr lang="en-US" altLang="ko-KR" sz="1200" dirty="0"/>
+              <a:t>Development Process</a:t>
+            </a:r>
+            <a:endParaRPr lang="ko-KR" altLang="en-US" sz="1200" dirty="0"/>
+          </a:p>
+        </p:txBody>
+      </p:sp>
+      <p:sp>
+        <p:nvSpPr>
           <p:cNvPr id="12" name="TextBox 11">
             <a:extLst>
               <a:ext uri="{FF2B5EF4-FFF2-40B4-BE49-F238E27FC236}">
-                <a16:creationId xmlns:a16="http://schemas.microsoft.com/office/drawing/2014/main" id="{76FCFFFC-96B6-4EBA-84EC-A6CF15AA68B6}"/>
+                <a16:creationId xmlns:a16="http://schemas.microsoft.com/office/drawing/2014/main" id="{1C56A630-BD2A-49B9-A266-AC70E9614F4F}"/>
               </a:ext>
             </a:extLst>
           </p:cNvPr>
@@ -8291,27 +10394,35 @@
           <a:p>
             <a:r>
               <a:rPr lang="ko-KR" altLang="en-US" b="1" dirty="0"/>
-              <a:t>사고 과정</a:t>
-            </a:r>
-          </a:p>
-        </p:txBody>
-      </p:sp>
-      <p:sp>
-        <p:nvSpPr>
-          <p:cNvPr id="13" name="TextBox 12">
-            <a:extLst>
-              <a:ext uri="{FF2B5EF4-FFF2-40B4-BE49-F238E27FC236}">
-                <a16:creationId xmlns:a16="http://schemas.microsoft.com/office/drawing/2014/main" id="{71CFA767-FC64-4294-8A24-545FD6B3B900}"/>
-              </a:ext>
-            </a:extLst>
-          </p:cNvPr>
-          <p:cNvSpPr txBox="1"/>
-          <p:nvPr/>
-        </p:nvSpPr>
-        <p:spPr>
-          <a:xfrm>
-            <a:off x="1587795" y="1872417"/>
-            <a:ext cx="3063270" cy="338554"/>
+              <a:t>기능적 측면</a:t>
+            </a:r>
+            <a:r>
+              <a:rPr lang="en-US" altLang="ko-KR" b="1" dirty="0"/>
+              <a:t>: </a:t>
+            </a:r>
+            <a:r>
+              <a:rPr lang="ko-KR" altLang="en-US" b="1" dirty="0"/>
+              <a:t>마커</a:t>
+            </a:r>
+          </a:p>
+        </p:txBody>
+      </p:sp>
+      <p:sp>
+        <p:nvSpPr>
+          <p:cNvPr id="2" name="TextBox 1">
+            <a:extLst>
+              <a:ext uri="{FF2B5EF4-FFF2-40B4-BE49-F238E27FC236}">
+                <a16:creationId xmlns:a16="http://schemas.microsoft.com/office/drawing/2014/main" id="{62E52271-2265-4EEE-A038-B02CF9B2B318}"/>
+              </a:ext>
+            </a:extLst>
+          </p:cNvPr>
+          <p:cNvSpPr txBox="1"/>
+          <p:nvPr/>
+        </p:nvSpPr>
+        <p:spPr>
+          <a:xfrm>
+            <a:off x="855472" y="1943190"/>
+            <a:ext cx="2864513" cy="338554"/>
           </a:xfrm>
           <a:prstGeom prst="rect">
             <a:avLst/>
@@ -8326,421 +10437,18 @@
           <a:p>
             <a:r>
               <a:rPr lang="ko-KR" altLang="en-US" sz="1600" b="1" dirty="0"/>
-              <a:t>애자일 프로세스</a:t>
+              <a:t>도전과제 마킹</a:t>
             </a:r>
             <a:endParaRPr lang="en-US" altLang="ko-KR" sz="1600" b="1" dirty="0"/>
-          </a:p>
-        </p:txBody>
-      </p:sp>
-      <p:sp>
-        <p:nvSpPr>
-          <p:cNvPr id="14" name="TextBox 13">
-            <a:extLst>
-              <a:ext uri="{FF2B5EF4-FFF2-40B4-BE49-F238E27FC236}">
-                <a16:creationId xmlns:a16="http://schemas.microsoft.com/office/drawing/2014/main" id="{CFD5CDA9-5982-494D-BA65-66B8379C6D96}"/>
-              </a:ext>
-            </a:extLst>
-          </p:cNvPr>
-          <p:cNvSpPr txBox="1"/>
-          <p:nvPr/>
-        </p:nvSpPr>
-        <p:spPr>
-          <a:xfrm>
-            <a:off x="1587795" y="2210971"/>
-            <a:ext cx="3063270" cy="338554"/>
-          </a:xfrm>
-          <a:prstGeom prst="rect">
-            <a:avLst/>
-          </a:prstGeom>
-          <a:noFill/>
-        </p:spPr>
-        <p:txBody>
-          <a:bodyPr wrap="square" rtlCol="0">
-            <a:spAutoFit/>
-          </a:bodyPr>
-          <a:lstStyle/>
-          <a:p>
-            <a:r>
-              <a:rPr lang="en-US" altLang="ko-KR" sz="1600" b="1" dirty="0"/>
-              <a:t>Agile Software Development</a:t>
-            </a:r>
-          </a:p>
-        </p:txBody>
-      </p:sp>
-      <p:sp>
-        <p:nvSpPr>
-          <p:cNvPr id="17" name="TextBox 16">
-            <a:extLst>
-              <a:ext uri="{FF2B5EF4-FFF2-40B4-BE49-F238E27FC236}">
-                <a16:creationId xmlns:a16="http://schemas.microsoft.com/office/drawing/2014/main" id="{27784EB9-7799-4504-BED7-E498395D1A69}"/>
-              </a:ext>
-            </a:extLst>
-          </p:cNvPr>
-          <p:cNvSpPr txBox="1"/>
-          <p:nvPr/>
-        </p:nvSpPr>
-        <p:spPr>
-          <a:xfrm>
-            <a:off x="7540935" y="1872417"/>
-            <a:ext cx="3063270" cy="338554"/>
-          </a:xfrm>
-          <a:prstGeom prst="rect">
-            <a:avLst/>
-          </a:prstGeom>
-          <a:noFill/>
-        </p:spPr>
-        <p:txBody>
-          <a:bodyPr wrap="square" rtlCol="0">
-            <a:spAutoFit/>
-          </a:bodyPr>
-          <a:lstStyle/>
-          <a:p>
-            <a:r>
-              <a:rPr lang="ko-KR" altLang="en-US" sz="1600" b="1" dirty="0"/>
-              <a:t>선형 모델</a:t>
-            </a:r>
-            <a:r>
-              <a:rPr lang="en-US" altLang="ko-KR" sz="1600" b="1" dirty="0"/>
-              <a:t>(</a:t>
-            </a:r>
-            <a:r>
-              <a:rPr lang="ko-KR" altLang="en-US" sz="1600" b="1" dirty="0"/>
-              <a:t>순서 지향형 모델</a:t>
-            </a:r>
-            <a:r>
-              <a:rPr lang="en-US" altLang="ko-KR" sz="1600" b="1" dirty="0"/>
-              <a:t>)</a:t>
-            </a:r>
-          </a:p>
-        </p:txBody>
-      </p:sp>
-      <p:sp>
-        <p:nvSpPr>
-          <p:cNvPr id="18" name="TextBox 17">
-            <a:extLst>
-              <a:ext uri="{FF2B5EF4-FFF2-40B4-BE49-F238E27FC236}">
-                <a16:creationId xmlns:a16="http://schemas.microsoft.com/office/drawing/2014/main" id="{19B448D8-B712-47E6-BD6C-AFAC57AE9F47}"/>
-              </a:ext>
-            </a:extLst>
-          </p:cNvPr>
-          <p:cNvSpPr txBox="1"/>
-          <p:nvPr/>
-        </p:nvSpPr>
-        <p:spPr>
-          <a:xfrm>
-            <a:off x="7540935" y="2210971"/>
-            <a:ext cx="3063270" cy="338554"/>
-          </a:xfrm>
-          <a:prstGeom prst="rect">
-            <a:avLst/>
-          </a:prstGeom>
-          <a:noFill/>
-        </p:spPr>
-        <p:txBody>
-          <a:bodyPr wrap="square" rtlCol="0">
-            <a:spAutoFit/>
-          </a:bodyPr>
-          <a:lstStyle/>
-          <a:p>
-            <a:r>
-              <a:rPr lang="en-US" altLang="ko-KR" sz="1600" b="1" dirty="0"/>
-              <a:t>Plan-based model</a:t>
-            </a:r>
-          </a:p>
-        </p:txBody>
-      </p:sp>
-      <p:sp>
-        <p:nvSpPr>
-          <p:cNvPr id="20" name="TextBox 19">
-            <a:extLst>
-              <a:ext uri="{FF2B5EF4-FFF2-40B4-BE49-F238E27FC236}">
-                <a16:creationId xmlns:a16="http://schemas.microsoft.com/office/drawing/2014/main" id="{7F89C88E-2C85-4D26-995D-F14456C5E686}"/>
-              </a:ext>
-            </a:extLst>
-          </p:cNvPr>
-          <p:cNvSpPr txBox="1"/>
-          <p:nvPr/>
-        </p:nvSpPr>
-        <p:spPr>
-          <a:xfrm>
-            <a:off x="5077710" y="2041694"/>
-            <a:ext cx="2036580" cy="338554"/>
-          </a:xfrm>
-          <a:prstGeom prst="rect">
-            <a:avLst/>
-          </a:prstGeom>
-          <a:noFill/>
-        </p:spPr>
-        <p:txBody>
-          <a:bodyPr wrap="square" rtlCol="0">
-            <a:spAutoFit/>
-          </a:bodyPr>
-          <a:lstStyle/>
-          <a:p>
-            <a:pPr algn="ctr"/>
-            <a:r>
-              <a:rPr lang="en-US" altLang="ko-KR" sz="1600" b="1" dirty="0"/>
-              <a:t>VS</a:t>
-            </a:r>
-          </a:p>
-        </p:txBody>
-      </p:sp>
-      <p:sp>
-        <p:nvSpPr>
-          <p:cNvPr id="21" name="TextBox 20">
-            <a:extLst>
-              <a:ext uri="{FF2B5EF4-FFF2-40B4-BE49-F238E27FC236}">
-                <a16:creationId xmlns:a16="http://schemas.microsoft.com/office/drawing/2014/main" id="{AB166F5F-E464-4AEC-ABE9-8043933BC3D8}"/>
-              </a:ext>
-            </a:extLst>
-          </p:cNvPr>
-          <p:cNvSpPr txBox="1"/>
-          <p:nvPr/>
-        </p:nvSpPr>
-        <p:spPr>
-          <a:xfrm>
-            <a:off x="891617" y="2698400"/>
-            <a:ext cx="3759447" cy="3228513"/>
-          </a:xfrm>
-          <a:prstGeom prst="rect">
-            <a:avLst/>
-          </a:prstGeom>
-          <a:noFill/>
-        </p:spPr>
-        <p:txBody>
-          <a:bodyPr wrap="square" rtlCol="0">
-            <a:spAutoFit/>
-          </a:bodyPr>
-          <a:lstStyle/>
-          <a:p>
-            <a:pPr algn="r">
-              <a:lnSpc>
-                <a:spcPct val="250000"/>
-              </a:lnSpc>
-            </a:pPr>
-            <a:r>
-              <a:rPr lang="ko-KR" altLang="en-US" sz="1400" dirty="0">
-                <a:latin typeface="+mj-lt"/>
-              </a:rPr>
-              <a:t>짧은 단위 </a:t>
-            </a:r>
-            <a:endParaRPr lang="en-US" altLang="ko-KR" sz="1400" dirty="0">
-              <a:latin typeface="+mj-lt"/>
-            </a:endParaRPr>
-          </a:p>
-          <a:p>
-            <a:pPr algn="r">
-              <a:lnSpc>
-                <a:spcPct val="250000"/>
-              </a:lnSpc>
-            </a:pPr>
-            <a:r>
-              <a:rPr lang="ko-KR" altLang="en-US" sz="1400" dirty="0"/>
-              <a:t>추상적 </a:t>
-            </a:r>
-            <a:r>
-              <a:rPr lang="en-US" altLang="ko-KR" sz="1400" dirty="0"/>
-              <a:t>/ </a:t>
-            </a:r>
-            <a:r>
-              <a:rPr lang="ko-KR" altLang="en-US" sz="1400" dirty="0"/>
-              <a:t>거시적 정리</a:t>
-            </a:r>
-            <a:endParaRPr lang="en-US" altLang="ko-KR" sz="1400" dirty="0"/>
-          </a:p>
-          <a:p>
-            <a:pPr algn="r">
-              <a:lnSpc>
-                <a:spcPct val="250000"/>
-              </a:lnSpc>
-            </a:pPr>
-            <a:r>
-              <a:rPr lang="ko-KR" altLang="en-US" sz="1400" dirty="0"/>
-              <a:t>구성원 전원이 전체를 인식</a:t>
-            </a:r>
-            <a:endParaRPr lang="en-US" altLang="ko-KR" sz="1400" dirty="0"/>
-          </a:p>
-          <a:p>
-            <a:pPr algn="r">
-              <a:lnSpc>
-                <a:spcPct val="250000"/>
-              </a:lnSpc>
-            </a:pPr>
-            <a:r>
-              <a:rPr lang="ko-KR" altLang="en-US" sz="1400" dirty="0"/>
-              <a:t>완만한 체계를 통한 유연한 대처</a:t>
-            </a:r>
-            <a:endParaRPr lang="en-US" altLang="ko-KR" sz="1400" dirty="0"/>
-          </a:p>
-          <a:p>
-            <a:pPr algn="r">
-              <a:lnSpc>
-                <a:spcPct val="250000"/>
-              </a:lnSpc>
-            </a:pPr>
-            <a:r>
-              <a:rPr lang="ko-KR" altLang="en-US" sz="1400" dirty="0"/>
-              <a:t>잦은 파편적 회의 </a:t>
-            </a:r>
-            <a:r>
-              <a:rPr lang="en-US" altLang="ko-KR" sz="1400" dirty="0"/>
-              <a:t>/ </a:t>
-            </a:r>
-            <a:r>
-              <a:rPr lang="ko-KR" altLang="en-US" sz="1400" dirty="0"/>
-              <a:t>피드백</a:t>
-            </a:r>
-            <a:endParaRPr lang="en-US" altLang="ko-KR" sz="1400" dirty="0"/>
-          </a:p>
-          <a:p>
-            <a:pPr algn="r">
-              <a:lnSpc>
-                <a:spcPct val="250000"/>
-              </a:lnSpc>
-            </a:pPr>
-            <a:r>
-              <a:rPr lang="ko-KR" altLang="en-US" sz="1400" dirty="0"/>
-              <a:t>수시로 추가되는 업무량 </a:t>
-            </a:r>
-            <a:r>
-              <a:rPr lang="en-US" altLang="ko-KR" sz="1400" dirty="0"/>
-              <a:t>/ </a:t>
-            </a:r>
-            <a:r>
-              <a:rPr lang="ko-KR" altLang="en-US" sz="1400" dirty="0"/>
-              <a:t>동적 기여</a:t>
-            </a:r>
-            <a:endParaRPr lang="en-US" altLang="ko-KR" sz="1400" dirty="0"/>
-          </a:p>
-        </p:txBody>
-      </p:sp>
-      <p:sp>
-        <p:nvSpPr>
-          <p:cNvPr id="29" name="TextBox 28">
-            <a:extLst>
-              <a:ext uri="{FF2B5EF4-FFF2-40B4-BE49-F238E27FC236}">
-                <a16:creationId xmlns:a16="http://schemas.microsoft.com/office/drawing/2014/main" id="{202D963C-C42F-4FC7-8B6C-4C77964EFD17}"/>
-              </a:ext>
-            </a:extLst>
-          </p:cNvPr>
-          <p:cNvSpPr txBox="1"/>
-          <p:nvPr/>
-        </p:nvSpPr>
-        <p:spPr>
-          <a:xfrm>
-            <a:off x="7540935" y="2698400"/>
-            <a:ext cx="3759447" cy="3228513"/>
-          </a:xfrm>
-          <a:prstGeom prst="rect">
-            <a:avLst/>
-          </a:prstGeom>
-          <a:noFill/>
-        </p:spPr>
-        <p:txBody>
-          <a:bodyPr wrap="square" rtlCol="0">
-            <a:spAutoFit/>
-          </a:bodyPr>
-          <a:lstStyle/>
-          <a:p>
-            <a:pPr algn="just">
-              <a:lnSpc>
-                <a:spcPct val="250000"/>
-              </a:lnSpc>
-            </a:pPr>
-            <a:r>
-              <a:rPr lang="ko-KR" altLang="en-US" sz="1400" dirty="0">
-                <a:latin typeface="+mj-lt"/>
-              </a:rPr>
-              <a:t>세부적 단위</a:t>
-            </a:r>
-            <a:endParaRPr lang="en-US" altLang="ko-KR" sz="1400" dirty="0">
-              <a:latin typeface="+mj-lt"/>
-            </a:endParaRPr>
-          </a:p>
-          <a:p>
-            <a:pPr algn="just">
-              <a:lnSpc>
-                <a:spcPct val="250000"/>
-              </a:lnSpc>
-            </a:pPr>
-            <a:r>
-              <a:rPr lang="ko-KR" altLang="en-US" sz="1400" dirty="0"/>
-              <a:t>체계적 정리</a:t>
-            </a:r>
-            <a:endParaRPr lang="en-US" altLang="ko-KR" sz="1400" dirty="0"/>
-          </a:p>
-          <a:p>
-            <a:pPr algn="just">
-              <a:lnSpc>
-                <a:spcPct val="250000"/>
-              </a:lnSpc>
-            </a:pPr>
-            <a:r>
-              <a:rPr lang="ko-KR" altLang="en-US" sz="1400" dirty="0"/>
-              <a:t>본인 분야 </a:t>
-            </a:r>
-            <a:r>
-              <a:rPr lang="en-US" altLang="ko-KR" sz="1400" dirty="0"/>
-              <a:t>/ </a:t>
-            </a:r>
-            <a:r>
-              <a:rPr lang="ko-KR" altLang="en-US" sz="1400" dirty="0"/>
-              <a:t>업무를 정확히 인식</a:t>
-            </a:r>
-            <a:endParaRPr lang="en-US" altLang="ko-KR" sz="1400" dirty="0"/>
-          </a:p>
-          <a:p>
-            <a:pPr algn="just">
-              <a:lnSpc>
-                <a:spcPct val="250000"/>
-              </a:lnSpc>
-            </a:pPr>
-            <a:r>
-              <a:rPr lang="ko-KR" altLang="en-US" sz="1400" dirty="0"/>
-              <a:t>수직적 체계로 인한 경직된 대처</a:t>
-            </a:r>
-            <a:endParaRPr lang="en-US" altLang="ko-KR" sz="1400" dirty="0"/>
-          </a:p>
-          <a:p>
-            <a:pPr algn="just">
-              <a:lnSpc>
-                <a:spcPct val="250000"/>
-              </a:lnSpc>
-            </a:pPr>
-            <a:r>
-              <a:rPr lang="ko-KR" altLang="en-US" sz="1400" dirty="0"/>
-              <a:t>정기 회의</a:t>
-            </a:r>
-            <a:endParaRPr lang="en-US" altLang="ko-KR" sz="1400" dirty="0"/>
-          </a:p>
-          <a:p>
-            <a:pPr algn="just">
-              <a:lnSpc>
-                <a:spcPct val="250000"/>
-              </a:lnSpc>
-            </a:pPr>
-            <a:r>
-              <a:rPr lang="ko-KR" altLang="en-US" sz="1400" dirty="0"/>
-              <a:t>정해진 업무량</a:t>
-            </a:r>
-            <a:r>
-              <a:rPr lang="en-US" altLang="ko-KR" sz="1400" dirty="0"/>
-              <a:t> / </a:t>
-            </a:r>
-            <a:r>
-              <a:rPr lang="ko-KR" altLang="en-US" sz="1400" dirty="0"/>
-              <a:t>정적 기여</a:t>
-            </a:r>
-            <a:endParaRPr lang="en-US" altLang="ko-KR" sz="1400" dirty="0"/>
           </a:p>
         </p:txBody>
       </p:sp>
       <p:cxnSp>
         <p:nvCxnSpPr>
-          <p:cNvPr id="30" name="직선 연결선 29">
-            <a:extLst>
-              <a:ext uri="{FF2B5EF4-FFF2-40B4-BE49-F238E27FC236}">
-                <a16:creationId xmlns:a16="http://schemas.microsoft.com/office/drawing/2014/main" id="{2DDE14CC-DC4B-4059-B9B1-3B1579B7CC7B}"/>
+          <p:cNvPr id="16" name="직선 연결선 14">
+            <a:extLst>
+              <a:ext uri="{FF2B5EF4-FFF2-40B4-BE49-F238E27FC236}">
+                <a16:creationId xmlns:a16="http://schemas.microsoft.com/office/drawing/2014/main" id="{0EE9CED5-BF72-4593-9938-B2A302EB39C8}"/>
               </a:ext>
             </a:extLst>
           </p:cNvPr>
@@ -8751,8 +10459,8 @@
         </p:nvCxnSpPr>
         <p:spPr>
           <a:xfrm>
-            <a:off x="686478" y="3306107"/>
-            <a:ext cx="10808377" cy="0"/>
+            <a:off x="5962585" y="1754931"/>
+            <a:ext cx="0" cy="5105979"/>
           </a:xfrm>
           <a:prstGeom prst="line">
             <a:avLst/>
@@ -8761,7 +10469,6 @@
             <a:solidFill>
               <a:schemeClr val="tx1"/>
             </a:solidFill>
-            <a:prstDash val="sysDot"/>
           </a:ln>
         </p:spPr>
         <p:style>
@@ -8779,414 +10486,22 @@
           </a:fontRef>
         </p:style>
       </p:cxnSp>
-      <p:cxnSp>
-        <p:nvCxnSpPr>
-          <p:cNvPr id="40" name="직선 연결선 39">
-            <a:extLst>
-              <a:ext uri="{FF2B5EF4-FFF2-40B4-BE49-F238E27FC236}">
-                <a16:creationId xmlns:a16="http://schemas.microsoft.com/office/drawing/2014/main" id="{5658019C-8CD4-49DA-888F-06F335C36470}"/>
-              </a:ext>
-            </a:extLst>
-          </p:cNvPr>
-          <p:cNvCxnSpPr>
-            <a:cxnSpLocks/>
-          </p:cNvCxnSpPr>
-          <p:nvPr/>
-        </p:nvCxnSpPr>
-        <p:spPr>
-          <a:xfrm>
-            <a:off x="686478" y="3856072"/>
-            <a:ext cx="10808377" cy="0"/>
-          </a:xfrm>
-          <a:prstGeom prst="line">
-            <a:avLst/>
-          </a:prstGeom>
-          <a:ln w="19050">
-            <a:solidFill>
-              <a:schemeClr val="tx1"/>
-            </a:solidFill>
-            <a:prstDash val="sysDot"/>
-          </a:ln>
-        </p:spPr>
-        <p:style>
-          <a:lnRef idx="1">
-            <a:schemeClr val="accent1"/>
-          </a:lnRef>
-          <a:fillRef idx="0">
-            <a:schemeClr val="accent1"/>
-          </a:fillRef>
-          <a:effectRef idx="0">
-            <a:schemeClr val="accent1"/>
-          </a:effectRef>
-          <a:fontRef idx="minor">
-            <a:schemeClr val="tx1"/>
-          </a:fontRef>
-        </p:style>
-      </p:cxnSp>
-      <p:cxnSp>
-        <p:nvCxnSpPr>
-          <p:cNvPr id="41" name="직선 연결선 40">
-            <a:extLst>
-              <a:ext uri="{FF2B5EF4-FFF2-40B4-BE49-F238E27FC236}">
-                <a16:creationId xmlns:a16="http://schemas.microsoft.com/office/drawing/2014/main" id="{88292891-5D55-49D4-9743-4F9B8179D92C}"/>
-              </a:ext>
-            </a:extLst>
-          </p:cNvPr>
-          <p:cNvCxnSpPr>
-            <a:cxnSpLocks/>
-          </p:cNvCxnSpPr>
-          <p:nvPr/>
-        </p:nvCxnSpPr>
-        <p:spPr>
-          <a:xfrm>
-            <a:off x="686478" y="4402724"/>
-            <a:ext cx="10808377" cy="0"/>
-          </a:xfrm>
-          <a:prstGeom prst="line">
-            <a:avLst/>
-          </a:prstGeom>
-          <a:ln w="19050">
-            <a:solidFill>
-              <a:schemeClr val="tx1"/>
-            </a:solidFill>
-            <a:prstDash val="sysDot"/>
-          </a:ln>
-        </p:spPr>
-        <p:style>
-          <a:lnRef idx="1">
-            <a:schemeClr val="accent1"/>
-          </a:lnRef>
-          <a:fillRef idx="0">
-            <a:schemeClr val="accent1"/>
-          </a:fillRef>
-          <a:effectRef idx="0">
-            <a:schemeClr val="accent1"/>
-          </a:effectRef>
-          <a:fontRef idx="minor">
-            <a:schemeClr val="tx1"/>
-          </a:fontRef>
-        </p:style>
-      </p:cxnSp>
-      <p:cxnSp>
-        <p:nvCxnSpPr>
-          <p:cNvPr id="42" name="직선 연결선 41">
-            <a:extLst>
-              <a:ext uri="{FF2B5EF4-FFF2-40B4-BE49-F238E27FC236}">
-                <a16:creationId xmlns:a16="http://schemas.microsoft.com/office/drawing/2014/main" id="{C156CE71-0EAE-4B75-83A6-4EC59DCF0A54}"/>
-              </a:ext>
-            </a:extLst>
-          </p:cNvPr>
-          <p:cNvCxnSpPr>
-            <a:cxnSpLocks/>
-          </p:cNvCxnSpPr>
-          <p:nvPr/>
-        </p:nvCxnSpPr>
-        <p:spPr>
-          <a:xfrm>
-            <a:off x="686478" y="4922872"/>
-            <a:ext cx="10808377" cy="0"/>
-          </a:xfrm>
-          <a:prstGeom prst="line">
-            <a:avLst/>
-          </a:prstGeom>
-          <a:ln w="19050">
-            <a:solidFill>
-              <a:schemeClr val="tx1"/>
-            </a:solidFill>
-            <a:prstDash val="sysDot"/>
-          </a:ln>
-        </p:spPr>
-        <p:style>
-          <a:lnRef idx="1">
-            <a:schemeClr val="accent1"/>
-          </a:lnRef>
-          <a:fillRef idx="0">
-            <a:schemeClr val="accent1"/>
-          </a:fillRef>
-          <a:effectRef idx="0">
-            <a:schemeClr val="accent1"/>
-          </a:effectRef>
-          <a:fontRef idx="minor">
-            <a:schemeClr val="tx1"/>
-          </a:fontRef>
-        </p:style>
-      </p:cxnSp>
-      <p:cxnSp>
-        <p:nvCxnSpPr>
-          <p:cNvPr id="44" name="직선 연결선 43">
-            <a:extLst>
-              <a:ext uri="{FF2B5EF4-FFF2-40B4-BE49-F238E27FC236}">
-                <a16:creationId xmlns:a16="http://schemas.microsoft.com/office/drawing/2014/main" id="{0309AB31-9FD0-4FA6-B5A9-9C83306CBEF8}"/>
-              </a:ext>
-            </a:extLst>
-          </p:cNvPr>
-          <p:cNvCxnSpPr>
-            <a:cxnSpLocks/>
-          </p:cNvCxnSpPr>
-          <p:nvPr/>
-        </p:nvCxnSpPr>
-        <p:spPr>
-          <a:xfrm>
-            <a:off x="686478" y="5472837"/>
-            <a:ext cx="10808377" cy="0"/>
-          </a:xfrm>
-          <a:prstGeom prst="line">
-            <a:avLst/>
-          </a:prstGeom>
-          <a:ln w="19050">
-            <a:solidFill>
-              <a:schemeClr val="tx1"/>
-            </a:solidFill>
-            <a:prstDash val="sysDot"/>
-          </a:ln>
-        </p:spPr>
-        <p:style>
-          <a:lnRef idx="1">
-            <a:schemeClr val="accent1"/>
-          </a:lnRef>
-          <a:fillRef idx="0">
-            <a:schemeClr val="accent1"/>
-          </a:fillRef>
-          <a:effectRef idx="0">
-            <a:schemeClr val="accent1"/>
-          </a:effectRef>
-          <a:fontRef idx="minor">
-            <a:schemeClr val="tx1"/>
-          </a:fontRef>
-        </p:style>
-      </p:cxnSp>
-      <p:cxnSp>
-        <p:nvCxnSpPr>
-          <p:cNvPr id="45" name="직선 연결선 44">
-            <a:extLst>
-              <a:ext uri="{FF2B5EF4-FFF2-40B4-BE49-F238E27FC236}">
-                <a16:creationId xmlns:a16="http://schemas.microsoft.com/office/drawing/2014/main" id="{637C27FD-F435-41DA-B3E2-A4EF31236A63}"/>
-              </a:ext>
-            </a:extLst>
-          </p:cNvPr>
-          <p:cNvCxnSpPr>
-            <a:cxnSpLocks/>
-          </p:cNvCxnSpPr>
-          <p:nvPr/>
-        </p:nvCxnSpPr>
-        <p:spPr>
-          <a:xfrm>
-            <a:off x="686478" y="6039367"/>
-            <a:ext cx="10808377" cy="0"/>
-          </a:xfrm>
-          <a:prstGeom prst="line">
-            <a:avLst/>
-          </a:prstGeom>
-          <a:ln w="19050">
-            <a:solidFill>
-              <a:schemeClr val="tx1"/>
-            </a:solidFill>
-            <a:prstDash val="sysDot"/>
-          </a:ln>
-        </p:spPr>
-        <p:style>
-          <a:lnRef idx="1">
-            <a:schemeClr val="accent1"/>
-          </a:lnRef>
-          <a:fillRef idx="0">
-            <a:schemeClr val="accent1"/>
-          </a:fillRef>
-          <a:effectRef idx="0">
-            <a:schemeClr val="accent1"/>
-          </a:effectRef>
-          <a:fontRef idx="minor">
-            <a:schemeClr val="tx1"/>
-          </a:fontRef>
-        </p:style>
-      </p:cxnSp>
-      <p:cxnSp>
-        <p:nvCxnSpPr>
-          <p:cNvPr id="25" name="직선 연결선 24">
-            <a:extLst>
-              <a:ext uri="{FF2B5EF4-FFF2-40B4-BE49-F238E27FC236}">
-                <a16:creationId xmlns:a16="http://schemas.microsoft.com/office/drawing/2014/main" id="{5C53A204-EF7D-4E55-846A-ED1E891CFFF8}"/>
-              </a:ext>
-            </a:extLst>
-          </p:cNvPr>
-          <p:cNvCxnSpPr>
-            <a:cxnSpLocks/>
-          </p:cNvCxnSpPr>
-          <p:nvPr/>
-        </p:nvCxnSpPr>
-        <p:spPr>
-          <a:xfrm>
-            <a:off x="7084473" y="2812774"/>
-            <a:ext cx="0" cy="3240000"/>
-          </a:xfrm>
-          <a:prstGeom prst="line">
-            <a:avLst/>
-          </a:prstGeom>
-          <a:ln w="19050">
-            <a:solidFill>
-              <a:schemeClr val="tx1"/>
-            </a:solidFill>
-          </a:ln>
-        </p:spPr>
-        <p:style>
-          <a:lnRef idx="1">
-            <a:schemeClr val="accent1"/>
-          </a:lnRef>
-          <a:fillRef idx="0">
-            <a:schemeClr val="accent1"/>
-          </a:fillRef>
-          <a:effectRef idx="0">
-            <a:schemeClr val="accent1"/>
-          </a:effectRef>
-          <a:fontRef idx="minor">
-            <a:schemeClr val="tx1"/>
-          </a:fontRef>
-        </p:style>
-      </p:cxnSp>
-      <p:cxnSp>
-        <p:nvCxnSpPr>
-          <p:cNvPr id="27" name="직선 연결선 26">
-            <a:extLst>
-              <a:ext uri="{FF2B5EF4-FFF2-40B4-BE49-F238E27FC236}">
-                <a16:creationId xmlns:a16="http://schemas.microsoft.com/office/drawing/2014/main" id="{366732E7-9121-4A04-B5ED-43BB8145BE2F}"/>
-              </a:ext>
-            </a:extLst>
-          </p:cNvPr>
-          <p:cNvCxnSpPr>
-            <a:cxnSpLocks/>
-          </p:cNvCxnSpPr>
-          <p:nvPr/>
-        </p:nvCxnSpPr>
-        <p:spPr>
-          <a:xfrm>
-            <a:off x="5107527" y="2812774"/>
-            <a:ext cx="0" cy="3240000"/>
-          </a:xfrm>
-          <a:prstGeom prst="line">
-            <a:avLst/>
-          </a:prstGeom>
-          <a:ln w="19050">
-            <a:solidFill>
-              <a:schemeClr val="tx1"/>
-            </a:solidFill>
-          </a:ln>
-        </p:spPr>
-        <p:style>
-          <a:lnRef idx="1">
-            <a:schemeClr val="accent1"/>
-          </a:lnRef>
-          <a:fillRef idx="0">
-            <a:schemeClr val="accent1"/>
-          </a:fillRef>
-          <a:effectRef idx="0">
-            <a:schemeClr val="accent1"/>
-          </a:effectRef>
-          <a:fontRef idx="minor">
-            <a:schemeClr val="tx1"/>
-          </a:fontRef>
-        </p:style>
-      </p:cxnSp>
-      <p:cxnSp>
-        <p:nvCxnSpPr>
-          <p:cNvPr id="32" name="직선 연결선 31">
-            <a:extLst>
-              <a:ext uri="{FF2B5EF4-FFF2-40B4-BE49-F238E27FC236}">
-                <a16:creationId xmlns:a16="http://schemas.microsoft.com/office/drawing/2014/main" id="{A48F445D-D391-4189-B8B8-A13DC596F881}"/>
-              </a:ext>
-            </a:extLst>
-          </p:cNvPr>
-          <p:cNvCxnSpPr>
-            <a:cxnSpLocks/>
-          </p:cNvCxnSpPr>
-          <p:nvPr/>
-        </p:nvCxnSpPr>
-        <p:spPr>
-          <a:xfrm>
-            <a:off x="7540935" y="2812774"/>
-            <a:ext cx="0" cy="3240000"/>
-          </a:xfrm>
-          <a:prstGeom prst="line">
-            <a:avLst/>
-          </a:prstGeom>
-          <a:ln w="19050">
-            <a:solidFill>
-              <a:schemeClr val="tx1"/>
-            </a:solidFill>
-          </a:ln>
-        </p:spPr>
-        <p:style>
-          <a:lnRef idx="1">
-            <a:schemeClr val="accent1"/>
-          </a:lnRef>
-          <a:fillRef idx="0">
-            <a:schemeClr val="accent1"/>
-          </a:fillRef>
-          <a:effectRef idx="0">
-            <a:schemeClr val="accent1"/>
-          </a:effectRef>
-          <a:fontRef idx="minor">
-            <a:schemeClr val="tx1"/>
-          </a:fontRef>
-        </p:style>
-      </p:cxnSp>
-      <p:cxnSp>
-        <p:nvCxnSpPr>
-          <p:cNvPr id="35" name="직선 연결선 34">
-            <a:extLst>
-              <a:ext uri="{FF2B5EF4-FFF2-40B4-BE49-F238E27FC236}">
-                <a16:creationId xmlns:a16="http://schemas.microsoft.com/office/drawing/2014/main" id="{D11CC437-4D1A-4C15-B549-5B5662317732}"/>
-              </a:ext>
-            </a:extLst>
-          </p:cNvPr>
-          <p:cNvCxnSpPr>
-            <a:cxnSpLocks/>
-          </p:cNvCxnSpPr>
-          <p:nvPr/>
-        </p:nvCxnSpPr>
-        <p:spPr>
-          <a:xfrm>
-            <a:off x="4651065" y="2812774"/>
-            <a:ext cx="0" cy="3240000"/>
-          </a:xfrm>
-          <a:prstGeom prst="line">
-            <a:avLst/>
-          </a:prstGeom>
-          <a:ln w="19050">
-            <a:solidFill>
-              <a:schemeClr val="tx1"/>
-            </a:solidFill>
-          </a:ln>
-        </p:spPr>
-        <p:style>
-          <a:lnRef idx="1">
-            <a:schemeClr val="accent1"/>
-          </a:lnRef>
-          <a:fillRef idx="0">
-            <a:schemeClr val="accent1"/>
-          </a:fillRef>
-          <a:effectRef idx="0">
-            <a:schemeClr val="accent1"/>
-          </a:effectRef>
-          <a:fontRef idx="minor">
-            <a:schemeClr val="tx1"/>
-          </a:fontRef>
-        </p:style>
-      </p:cxnSp>
-      <p:sp>
-        <p:nvSpPr>
-          <p:cNvPr id="46" name="TextBox 45">
-            <a:extLst>
-              <a:ext uri="{FF2B5EF4-FFF2-40B4-BE49-F238E27FC236}">
-                <a16:creationId xmlns:a16="http://schemas.microsoft.com/office/drawing/2014/main" id="{11B37F0F-DC43-43A6-BC54-D0F3CF817FC7}"/>
-              </a:ext>
-            </a:extLst>
-          </p:cNvPr>
-          <p:cNvSpPr txBox="1"/>
-          <p:nvPr/>
-        </p:nvSpPr>
-        <p:spPr>
-          <a:xfrm>
-            <a:off x="4715488" y="2684834"/>
-            <a:ext cx="2750354" cy="3228513"/>
+      <p:sp>
+        <p:nvSpPr>
+          <p:cNvPr id="3" name="TextBox 2">
+            <a:extLst>
+              <a:ext uri="{FF2B5EF4-FFF2-40B4-BE49-F238E27FC236}">
+                <a16:creationId xmlns:a16="http://schemas.microsoft.com/office/drawing/2014/main" id="{863D2F2A-FEB4-4FD6-8C96-89844DF766B9}"/>
+              </a:ext>
+            </a:extLst>
+          </p:cNvPr>
+          <p:cNvSpPr txBox="1"/>
+          <p:nvPr/>
+        </p:nvSpPr>
+        <p:spPr>
+          <a:xfrm>
+            <a:off x="883346" y="2588273"/>
+            <a:ext cx="4270219" cy="1906291"/>
           </a:xfrm>
           <a:prstGeom prst="rect">
             <a:avLst/>
@@ -9199,156 +10514,94 @@
           </a:bodyPr>
           <a:lstStyle/>
           <a:p>
-            <a:pPr algn="ctr">
+            <a:pPr>
               <a:lnSpc>
-                <a:spcPct val="250000"/>
+                <a:spcPct val="150000"/>
               </a:lnSpc>
             </a:pPr>
             <a:r>
-              <a:rPr lang="ko-KR" altLang="en-US" sz="1400" dirty="0">
-                <a:latin typeface="+mj-lt"/>
-              </a:rPr>
-              <a:t>작업 계획</a:t>
-            </a:r>
-            <a:endParaRPr lang="en-US" altLang="ko-KR" sz="1400" dirty="0">
-              <a:latin typeface="+mj-lt"/>
-            </a:endParaRPr>
-          </a:p>
-          <a:p>
-            <a:pPr algn="ctr">
+              <a:rPr lang="ko-KR" altLang="en-US" sz="1400" b="1" dirty="0"/>
+              <a:t>마커를 통한 도전과제의 시각화</a:t>
+            </a:r>
+            <a:endParaRPr lang="en-US" altLang="ko-KR" sz="1400" b="1" dirty="0"/>
+          </a:p>
+          <a:p>
+            <a:pPr>
               <a:lnSpc>
-                <a:spcPct val="250000"/>
+                <a:spcPct val="150000"/>
               </a:lnSpc>
             </a:pPr>
-            <a:r>
-              <a:rPr lang="en-US" altLang="ko-KR" sz="1400" dirty="0"/>
-              <a:t>Requirements</a:t>
-            </a:r>
-          </a:p>
-          <a:p>
-            <a:pPr algn="ctr">
+            <a:endParaRPr lang="en-US" altLang="ko-KR" sz="1100" dirty="0"/>
+          </a:p>
+          <a:p>
+            <a:pPr marL="171450" indent="-171450">
               <a:lnSpc>
-                <a:spcPct val="250000"/>
+                <a:spcPct val="150000"/>
               </a:lnSpc>
+              <a:buFont typeface="Arial" panose="020B0604020202020204" pitchFamily="34" charset="0"/>
+              <a:buChar char="•"/>
             </a:pPr>
             <a:r>
-              <a:rPr lang="ko-KR" altLang="en-US" sz="1400" dirty="0"/>
-              <a:t>팀원 역할</a:t>
-            </a:r>
-            <a:endParaRPr lang="en-US" altLang="ko-KR" sz="1400" dirty="0"/>
-          </a:p>
-          <a:p>
-            <a:pPr algn="ctr">
+              <a:rPr lang="ko-KR" altLang="en-US" sz="1100" dirty="0"/>
+              <a:t>얼마나 많은 도전과제들이 행해지는지를 시각적으로 확인</a:t>
+            </a:r>
+            <a:endParaRPr lang="en-US" altLang="ko-KR" sz="1100" dirty="0"/>
+          </a:p>
+          <a:p>
+            <a:pPr marL="171450" indent="-171450">
               <a:lnSpc>
-                <a:spcPct val="250000"/>
+                <a:spcPct val="150000"/>
               </a:lnSpc>
+              <a:buFont typeface="Arial" panose="020B0604020202020204" pitchFamily="34" charset="0"/>
+              <a:buChar char="•"/>
             </a:pPr>
-            <a:r>
-              <a:rPr lang="ko-KR" altLang="en-US" sz="1400" dirty="0"/>
-              <a:t>개발 과정 중 변동사항</a:t>
-            </a:r>
-            <a:endParaRPr lang="en-US" altLang="ko-KR" sz="1400" dirty="0"/>
-          </a:p>
-          <a:p>
-            <a:pPr algn="ctr">
+            <a:endParaRPr lang="en-US" altLang="ko-KR" sz="1100" dirty="0"/>
+          </a:p>
+          <a:p>
+            <a:pPr marL="171450" indent="-171450">
               <a:lnSpc>
-                <a:spcPct val="250000"/>
+                <a:spcPct val="150000"/>
               </a:lnSpc>
+              <a:buFont typeface="Arial" panose="020B0604020202020204" pitchFamily="34" charset="0"/>
+              <a:buChar char="•"/>
             </a:pPr>
             <a:r>
-              <a:rPr lang="ko-KR" altLang="en-US" sz="1400" dirty="0"/>
-              <a:t>피드백 </a:t>
-            </a:r>
-            <a:r>
-              <a:rPr lang="en-US" altLang="ko-KR" sz="1400" dirty="0"/>
-              <a:t>/ </a:t>
-            </a:r>
-            <a:r>
-              <a:rPr lang="ko-KR" altLang="en-US" sz="1400" dirty="0"/>
-              <a:t>소통 </a:t>
-            </a:r>
-            <a:r>
-              <a:rPr lang="en-US" altLang="ko-KR" sz="1400" dirty="0"/>
-              <a:t>/ </a:t>
-            </a:r>
-            <a:r>
-              <a:rPr lang="ko-KR" altLang="en-US" sz="1400" dirty="0"/>
-              <a:t>협력</a:t>
-            </a:r>
-            <a:endParaRPr lang="en-US" altLang="ko-KR" sz="1400" dirty="0"/>
-          </a:p>
-          <a:p>
-            <a:pPr algn="ctr">
+              <a:rPr lang="ko-KR" altLang="en-US" sz="1100" dirty="0"/>
+              <a:t>혼자서 하는 것이 아니라는 점을 어필</a:t>
+            </a:r>
+            <a:endParaRPr lang="en-US" altLang="ko-KR" sz="1100" dirty="0"/>
+          </a:p>
+          <a:p>
+            <a:pPr marL="171450" indent="-171450">
               <a:lnSpc>
-                <a:spcPct val="250000"/>
+                <a:spcPct val="150000"/>
               </a:lnSpc>
+              <a:buFont typeface="Arial" panose="020B0604020202020204" pitchFamily="34" charset="0"/>
+              <a:buChar char="•"/>
             </a:pPr>
-            <a:r>
-              <a:rPr lang="ko-KR" altLang="en-US" sz="1400" dirty="0"/>
-              <a:t>기여 </a:t>
-            </a:r>
-            <a:r>
-              <a:rPr lang="en-US" altLang="ko-KR" sz="1400" dirty="0"/>
-              <a:t>/ </a:t>
-            </a:r>
-            <a:r>
-              <a:rPr lang="ko-KR" altLang="en-US" sz="1400" dirty="0"/>
-              <a:t>업무량</a:t>
-            </a:r>
-            <a:endParaRPr lang="en-US" altLang="ko-KR" sz="1400" dirty="0"/>
-          </a:p>
-        </p:txBody>
-      </p:sp>
-      <p:cxnSp>
-        <p:nvCxnSpPr>
-          <p:cNvPr id="50" name="직선 연결선 49">
-            <a:extLst>
-              <a:ext uri="{FF2B5EF4-FFF2-40B4-BE49-F238E27FC236}">
-                <a16:creationId xmlns:a16="http://schemas.microsoft.com/office/drawing/2014/main" id="{9E7CEC02-4C1E-4EF3-8308-3095F0054FED}"/>
-              </a:ext>
-            </a:extLst>
-          </p:cNvPr>
-          <p:cNvCxnSpPr>
-            <a:cxnSpLocks/>
-          </p:cNvCxnSpPr>
-          <p:nvPr/>
-        </p:nvCxnSpPr>
-        <p:spPr>
-          <a:xfrm>
-            <a:off x="686477" y="2812774"/>
-            <a:ext cx="10808377" cy="0"/>
-          </a:xfrm>
-          <a:prstGeom prst="line">
-            <a:avLst/>
-          </a:prstGeom>
-          <a:ln w="19050">
-            <a:solidFill>
-              <a:schemeClr val="tx1"/>
-            </a:solidFill>
-            <a:prstDash val="sysDot"/>
-          </a:ln>
-        </p:spPr>
-        <p:style>
-          <a:lnRef idx="1">
-            <a:schemeClr val="accent1"/>
-          </a:lnRef>
-          <a:fillRef idx="0">
-            <a:schemeClr val="accent1"/>
-          </a:fillRef>
-          <a:effectRef idx="0">
-            <a:schemeClr val="accent1"/>
-          </a:effectRef>
-          <a:fontRef idx="minor">
-            <a:schemeClr val="tx1"/>
-          </a:fontRef>
-        </p:style>
-      </p:cxnSp>
+            <a:endParaRPr lang="en-US" altLang="ko-KR" sz="1100" dirty="0"/>
+          </a:p>
+          <a:p>
+            <a:pPr marL="171450" indent="-171450">
+              <a:lnSpc>
+                <a:spcPct val="150000"/>
+              </a:lnSpc>
+              <a:buFont typeface="Arial" panose="020B0604020202020204" pitchFamily="34" charset="0"/>
+              <a:buChar char="•"/>
+            </a:pPr>
+            <a:r>
+              <a:rPr lang="ko-KR" altLang="en-US" sz="1100" dirty="0"/>
+              <a:t>동기부여 및 심리적 만족도 확보가 가능 할 것으로 예상</a:t>
+            </a:r>
+          </a:p>
+        </p:txBody>
+      </p:sp>
       <p:pic>
         <p:nvPicPr>
-          <p:cNvPr id="53" name="그래픽 52" descr="확인 표시">
-            <a:extLst>
-              <a:ext uri="{FF2B5EF4-FFF2-40B4-BE49-F238E27FC236}">
-                <a16:creationId xmlns:a16="http://schemas.microsoft.com/office/drawing/2014/main" id="{99E9F65F-8D96-436D-A1F2-94CE33B3C8E2}"/>
+          <p:cNvPr id="15" name="그림 14">
+            <a:extLst>
+              <a:ext uri="{FF2B5EF4-FFF2-40B4-BE49-F238E27FC236}">
+                <a16:creationId xmlns:a16="http://schemas.microsoft.com/office/drawing/2014/main" id="{E5ED115D-ABBB-4233-9A15-BFF038096419}"/>
               </a:ext>
             </a:extLst>
           </p:cNvPr>
@@ -9362,9 +10615,6 @@
             <a:extLst>
               <a:ext uri="{28A0092B-C50C-407E-A947-70E740481C1C}">
                 <a14:useLocalDpi xmlns:a14="http://schemas.microsoft.com/office/drawing/2010/main" val="0"/>
-              </a:ext>
-              <a:ext uri="{96DAC541-7B7A-43D3-8B79-37D633B846F1}">
-                <asvg:svgBlip xmlns:asvg="http://schemas.microsoft.com/office/drawing/2016/SVG/main" r:embed="rId3"/>
               </a:ext>
             </a:extLst>
           </a:blip>
@@ -9374,213 +10624,260 @@
         </p:blipFill>
         <p:spPr>
           <a:xfrm>
-            <a:off x="4710021" y="2895164"/>
-            <a:ext cx="338547" cy="338547"/>
+            <a:off x="2065707" y="5182757"/>
+            <a:ext cx="1759209" cy="1398460"/>
           </a:xfrm>
           <a:prstGeom prst="rect">
             <a:avLst/>
           </a:prstGeom>
         </p:spPr>
       </p:pic>
+      <p:sp>
+        <p:nvSpPr>
+          <p:cNvPr id="18" name="TextBox 17">
+            <a:extLst>
+              <a:ext uri="{FF2B5EF4-FFF2-40B4-BE49-F238E27FC236}">
+                <a16:creationId xmlns:a16="http://schemas.microsoft.com/office/drawing/2014/main" id="{E159E886-6BF4-457F-898E-357BE7B898CB}"/>
+              </a:ext>
+            </a:extLst>
+          </p:cNvPr>
+          <p:cNvSpPr txBox="1"/>
+          <p:nvPr/>
+        </p:nvSpPr>
+        <p:spPr>
+          <a:xfrm>
+            <a:off x="7012664" y="1943190"/>
+            <a:ext cx="2864513" cy="338554"/>
+          </a:xfrm>
+          <a:prstGeom prst="rect">
+            <a:avLst/>
+          </a:prstGeom>
+          <a:noFill/>
+        </p:spPr>
+        <p:txBody>
+          <a:bodyPr wrap="square" rtlCol="0">
+            <a:spAutoFit/>
+          </a:bodyPr>
+          <a:lstStyle/>
+          <a:p>
+            <a:r>
+              <a:rPr lang="ko-KR" altLang="en-US" sz="1600" b="1" dirty="0"/>
+              <a:t>마커 별 정보 부여</a:t>
+            </a:r>
+          </a:p>
+        </p:txBody>
+      </p:sp>
+      <p:sp>
+        <p:nvSpPr>
+          <p:cNvPr id="24" name="TextBox 23">
+            <a:extLst>
+              <a:ext uri="{FF2B5EF4-FFF2-40B4-BE49-F238E27FC236}">
+                <a16:creationId xmlns:a16="http://schemas.microsoft.com/office/drawing/2014/main" id="{87B5AB39-ED83-4DBB-A2BD-EDE441B90459}"/>
+              </a:ext>
+            </a:extLst>
+          </p:cNvPr>
+          <p:cNvSpPr txBox="1"/>
+          <p:nvPr/>
+        </p:nvSpPr>
+        <p:spPr>
+          <a:xfrm>
+            <a:off x="7040538" y="2588273"/>
+            <a:ext cx="4270219" cy="2414122"/>
+          </a:xfrm>
+          <a:prstGeom prst="rect">
+            <a:avLst/>
+          </a:prstGeom>
+          <a:noFill/>
+        </p:spPr>
+        <p:txBody>
+          <a:bodyPr wrap="square" rtlCol="0">
+            <a:spAutoFit/>
+          </a:bodyPr>
+          <a:lstStyle/>
+          <a:p>
+            <a:pPr>
+              <a:lnSpc>
+                <a:spcPct val="150000"/>
+              </a:lnSpc>
+            </a:pPr>
+            <a:r>
+              <a:rPr lang="ko-KR" altLang="en-US" sz="1400" b="1" dirty="0"/>
+              <a:t>종류 별 색상 및 정보 부여</a:t>
+            </a:r>
+            <a:endParaRPr lang="en-US" altLang="ko-KR" sz="1400" b="1" dirty="0"/>
+          </a:p>
+          <a:p>
+            <a:pPr marL="171450" indent="-171450">
+              <a:lnSpc>
+                <a:spcPct val="150000"/>
+              </a:lnSpc>
+              <a:buFont typeface="Arial" panose="020B0604020202020204" pitchFamily="34" charset="0"/>
+              <a:buChar char="•"/>
+            </a:pPr>
+            <a:endParaRPr lang="en-US" altLang="ko-KR" sz="1100" dirty="0"/>
+          </a:p>
+          <a:p>
+            <a:pPr marL="171450" indent="-171450">
+              <a:lnSpc>
+                <a:spcPct val="150000"/>
+              </a:lnSpc>
+              <a:buFont typeface="Arial" panose="020B0604020202020204" pitchFamily="34" charset="0"/>
+              <a:buChar char="•"/>
+            </a:pPr>
+            <a:r>
+              <a:rPr lang="ko-KR" altLang="en-US" sz="1100" dirty="0"/>
+              <a:t>제시되는 종류</a:t>
+            </a:r>
+            <a:r>
+              <a:rPr lang="en-US" altLang="ko-KR" sz="1100" dirty="0"/>
+              <a:t>(</a:t>
+            </a:r>
+            <a:r>
+              <a:rPr lang="ko-KR" altLang="en-US" sz="1100" dirty="0"/>
+              <a:t>기준</a:t>
+            </a:r>
+            <a:r>
+              <a:rPr lang="en-US" altLang="ko-KR" sz="1100" dirty="0"/>
+              <a:t>)</a:t>
+            </a:r>
+            <a:r>
+              <a:rPr lang="ko-KR" altLang="en-US" sz="1100" dirty="0"/>
+              <a:t>에 따라 다른 색상 부여</a:t>
+            </a:r>
+            <a:endParaRPr lang="en-US" altLang="ko-KR" sz="1100" dirty="0"/>
+          </a:p>
+          <a:p>
+            <a:pPr marL="171450" indent="-171450">
+              <a:lnSpc>
+                <a:spcPct val="150000"/>
+              </a:lnSpc>
+              <a:buFont typeface="Arial" panose="020B0604020202020204" pitchFamily="34" charset="0"/>
+              <a:buChar char="•"/>
+            </a:pPr>
+            <a:endParaRPr lang="en-US" altLang="ko-KR" sz="1100" dirty="0"/>
+          </a:p>
+          <a:p>
+            <a:pPr marL="171450" indent="-171450">
+              <a:lnSpc>
+                <a:spcPct val="150000"/>
+              </a:lnSpc>
+              <a:buFont typeface="Arial" panose="020B0604020202020204" pitchFamily="34" charset="0"/>
+              <a:buChar char="•"/>
+            </a:pPr>
+            <a:r>
+              <a:rPr lang="ko-KR" altLang="en-US" sz="1100" dirty="0"/>
+              <a:t>제시되는 정보에 따른 타이틀 부여</a:t>
+            </a:r>
+            <a:endParaRPr lang="en-US" altLang="ko-KR" sz="1100" dirty="0"/>
+          </a:p>
+          <a:p>
+            <a:pPr marL="171450" indent="-171450">
+              <a:lnSpc>
+                <a:spcPct val="150000"/>
+              </a:lnSpc>
+              <a:buFont typeface="Arial" panose="020B0604020202020204" pitchFamily="34" charset="0"/>
+              <a:buChar char="•"/>
+            </a:pPr>
+            <a:endParaRPr lang="en-US" altLang="ko-KR" sz="1100" dirty="0"/>
+          </a:p>
+          <a:p>
+            <a:pPr marL="171450" indent="-171450">
+              <a:lnSpc>
+                <a:spcPct val="150000"/>
+              </a:lnSpc>
+              <a:buFont typeface="Arial" panose="020B0604020202020204" pitchFamily="34" charset="0"/>
+              <a:buChar char="•"/>
+            </a:pPr>
+            <a:r>
+              <a:rPr lang="ko-KR" altLang="en-US" sz="1100" dirty="0"/>
+              <a:t>일괄적인 디자인 </a:t>
+            </a:r>
+            <a:r>
+              <a:rPr lang="en-US" altLang="ko-KR" sz="1100" dirty="0"/>
+              <a:t>/ </a:t>
+            </a:r>
+            <a:r>
+              <a:rPr lang="ko-KR" altLang="en-US" sz="1100" dirty="0"/>
+              <a:t>정보의 반복을 줄여 시각적 만족도 극대화</a:t>
+            </a:r>
+            <a:endParaRPr lang="en-US" altLang="ko-KR" sz="1100" dirty="0"/>
+          </a:p>
+          <a:p>
+            <a:pPr marL="171450" indent="-171450">
+              <a:lnSpc>
+                <a:spcPct val="150000"/>
+              </a:lnSpc>
+              <a:buFont typeface="Arial" panose="020B0604020202020204" pitchFamily="34" charset="0"/>
+              <a:buChar char="•"/>
+            </a:pPr>
+            <a:endParaRPr lang="en-US" altLang="ko-KR" sz="1100" dirty="0"/>
+          </a:p>
+          <a:p>
+            <a:pPr marL="171450" indent="-171450">
+              <a:lnSpc>
+                <a:spcPct val="150000"/>
+              </a:lnSpc>
+              <a:buFont typeface="Arial" panose="020B0604020202020204" pitchFamily="34" charset="0"/>
+              <a:buChar char="•"/>
+            </a:pPr>
+            <a:r>
+              <a:rPr lang="ko-KR" altLang="en-US" sz="1100" dirty="0"/>
+              <a:t>사용할 기준점에 대해서는 아직 논의 중</a:t>
+            </a:r>
+          </a:p>
+        </p:txBody>
+      </p:sp>
       <p:pic>
         <p:nvPicPr>
-          <p:cNvPr id="54" name="그래픽 53" descr="확인 표시">
-            <a:extLst>
-              <a:ext uri="{FF2B5EF4-FFF2-40B4-BE49-F238E27FC236}">
-                <a16:creationId xmlns:a16="http://schemas.microsoft.com/office/drawing/2014/main" id="{82E56B2A-D62F-4C75-9F30-3ECE36C06BAA}"/>
+          <p:cNvPr id="2050" name="Picture 2" descr="20)지도의 핀, 색 세트, 벡터 일러스트 레이 션 로열티 무료 사진, 그림, 이미지 그리고 스톡포토그래피. Image 28069478.">
+            <a:extLst>
+              <a:ext uri="{FF2B5EF4-FFF2-40B4-BE49-F238E27FC236}">
+                <a16:creationId xmlns:a16="http://schemas.microsoft.com/office/drawing/2014/main" id="{1D259C03-59D6-41B4-8863-C913A4733536}"/>
               </a:ext>
             </a:extLst>
           </p:cNvPr>
           <p:cNvPicPr>
-            <a:picLocks noChangeAspect="1"/>
+            <a:picLocks noChangeAspect="1" noChangeArrowheads="1"/>
           </p:cNvPicPr>
           <p:nvPr/>
         </p:nvPicPr>
         <p:blipFill>
-          <a:blip r:embed="rId2">
+          <a:blip r:embed="rId3">
             <a:extLst>
               <a:ext uri="{28A0092B-C50C-407E-A947-70E740481C1C}">
                 <a14:useLocalDpi xmlns:a14="http://schemas.microsoft.com/office/drawing/2010/main" val="0"/>
               </a:ext>
-              <a:ext uri="{96DAC541-7B7A-43D3-8B79-37D633B846F1}">
-                <asvg:svgBlip xmlns:asvg="http://schemas.microsoft.com/office/drawing/2016/SVG/main" r:embed="rId3"/>
-              </a:ext>
             </a:extLst>
           </a:blip>
+          <a:srcRect/>
           <a:stretch>
             <a:fillRect/>
           </a:stretch>
         </p:blipFill>
-        <p:spPr>
-          <a:xfrm>
-            <a:off x="4710021" y="3396908"/>
-            <a:ext cx="338547" cy="338547"/>
-          </a:xfrm>
-          <a:prstGeom prst="rect">
-            <a:avLst/>
-          </a:prstGeom>
-        </p:spPr>
-      </p:pic>
-      <p:pic>
-        <p:nvPicPr>
-          <p:cNvPr id="55" name="그래픽 54" descr="확인 표시">
-            <a:extLst>
-              <a:ext uri="{FF2B5EF4-FFF2-40B4-BE49-F238E27FC236}">
-                <a16:creationId xmlns:a16="http://schemas.microsoft.com/office/drawing/2014/main" id="{7A36AB02-1390-4AF5-AA06-C74D4ED28B95}"/>
-              </a:ext>
-            </a:extLst>
-          </p:cNvPr>
-          <p:cNvPicPr>
-            <a:picLocks noChangeAspect="1"/>
-          </p:cNvPicPr>
-          <p:nvPr/>
-        </p:nvPicPr>
-        <p:blipFill>
-          <a:blip r:embed="rId2">
-            <a:extLst>
-              <a:ext uri="{28A0092B-C50C-407E-A947-70E740481C1C}">
-                <a14:useLocalDpi xmlns:a14="http://schemas.microsoft.com/office/drawing/2010/main" val="0"/>
-              </a:ext>
-              <a:ext uri="{96DAC541-7B7A-43D3-8B79-37D633B846F1}">
-                <asvg:svgBlip xmlns:asvg="http://schemas.microsoft.com/office/drawing/2016/SVG/main" r:embed="rId3"/>
-              </a:ext>
-            </a:extLst>
-          </a:blip>
-          <a:stretch>
-            <a:fillRect/>
-          </a:stretch>
-        </p:blipFill>
-        <p:spPr>
-          <a:xfrm>
-            <a:off x="4710020" y="3939691"/>
-            <a:ext cx="338547" cy="338547"/>
-          </a:xfrm>
-          <a:prstGeom prst="rect">
-            <a:avLst/>
-          </a:prstGeom>
-        </p:spPr>
-      </p:pic>
-      <p:pic>
-        <p:nvPicPr>
-          <p:cNvPr id="57" name="그래픽 56" descr="확인 표시">
-            <a:extLst>
-              <a:ext uri="{FF2B5EF4-FFF2-40B4-BE49-F238E27FC236}">
-                <a16:creationId xmlns:a16="http://schemas.microsoft.com/office/drawing/2014/main" id="{BD3A0B44-B3EE-49DA-AFE3-AC3C092D4F90}"/>
-              </a:ext>
-            </a:extLst>
-          </p:cNvPr>
-          <p:cNvPicPr>
-            <a:picLocks noChangeAspect="1"/>
-          </p:cNvPicPr>
-          <p:nvPr/>
-        </p:nvPicPr>
-        <p:blipFill>
-          <a:blip r:embed="rId2">
-            <a:extLst>
-              <a:ext uri="{28A0092B-C50C-407E-A947-70E740481C1C}">
-                <a14:useLocalDpi xmlns:a14="http://schemas.microsoft.com/office/drawing/2010/main" val="0"/>
-              </a:ext>
-              <a:ext uri="{96DAC541-7B7A-43D3-8B79-37D633B846F1}">
-                <asvg:svgBlip xmlns:asvg="http://schemas.microsoft.com/office/drawing/2016/SVG/main" r:embed="rId3"/>
-              </a:ext>
-            </a:extLst>
-          </a:blip>
-          <a:stretch>
-            <a:fillRect/>
-          </a:stretch>
-        </p:blipFill>
-        <p:spPr>
-          <a:xfrm>
-            <a:off x="4710019" y="4486342"/>
-            <a:ext cx="338547" cy="338547"/>
-          </a:xfrm>
-          <a:prstGeom prst="rect">
-            <a:avLst/>
-          </a:prstGeom>
-        </p:spPr>
-      </p:pic>
-      <p:pic>
-        <p:nvPicPr>
-          <p:cNvPr id="59" name="그래픽 58" descr="확인 표시">
-            <a:extLst>
-              <a:ext uri="{FF2B5EF4-FFF2-40B4-BE49-F238E27FC236}">
-                <a16:creationId xmlns:a16="http://schemas.microsoft.com/office/drawing/2014/main" id="{920FCA03-0AA1-4349-B47F-E6891D57486A}"/>
-              </a:ext>
-            </a:extLst>
-          </p:cNvPr>
-          <p:cNvPicPr>
-            <a:picLocks noChangeAspect="1"/>
-          </p:cNvPicPr>
-          <p:nvPr/>
-        </p:nvPicPr>
-        <p:blipFill>
-          <a:blip r:embed="rId2">
-            <a:extLst>
-              <a:ext uri="{28A0092B-C50C-407E-A947-70E740481C1C}">
-                <a14:useLocalDpi xmlns:a14="http://schemas.microsoft.com/office/drawing/2010/main" val="0"/>
-              </a:ext>
-              <a:ext uri="{96DAC541-7B7A-43D3-8B79-37D633B846F1}">
-                <asvg:svgBlip xmlns:asvg="http://schemas.microsoft.com/office/drawing/2016/SVG/main" r:embed="rId3"/>
-              </a:ext>
-            </a:extLst>
-          </a:blip>
-          <a:stretch>
-            <a:fillRect/>
-          </a:stretch>
-        </p:blipFill>
-        <p:spPr>
-          <a:xfrm>
-            <a:off x="4702934" y="5005965"/>
-            <a:ext cx="338547" cy="338547"/>
-          </a:xfrm>
-          <a:prstGeom prst="rect">
-            <a:avLst/>
-          </a:prstGeom>
-        </p:spPr>
-      </p:pic>
-      <p:pic>
-        <p:nvPicPr>
-          <p:cNvPr id="61" name="그래픽 60" descr="확인 표시">
-            <a:extLst>
-              <a:ext uri="{FF2B5EF4-FFF2-40B4-BE49-F238E27FC236}">
-                <a16:creationId xmlns:a16="http://schemas.microsoft.com/office/drawing/2014/main" id="{7953025C-2330-40B9-8710-A5B8B0F4664A}"/>
-              </a:ext>
-            </a:extLst>
-          </p:cNvPr>
-          <p:cNvPicPr>
-            <a:picLocks noChangeAspect="1"/>
-          </p:cNvPicPr>
-          <p:nvPr/>
-        </p:nvPicPr>
-        <p:blipFill>
-          <a:blip r:embed="rId2">
-            <a:extLst>
-              <a:ext uri="{28A0092B-C50C-407E-A947-70E740481C1C}">
-                <a14:useLocalDpi xmlns:a14="http://schemas.microsoft.com/office/drawing/2010/main" val="0"/>
-              </a:ext>
-              <a:ext uri="{96DAC541-7B7A-43D3-8B79-37D633B846F1}">
-                <asvg:svgBlip xmlns:asvg="http://schemas.microsoft.com/office/drawing/2016/SVG/main" r:embed="rId3"/>
-              </a:ext>
-            </a:extLst>
-          </a:blip>
-          <a:stretch>
-            <a:fillRect/>
-          </a:stretch>
-        </p:blipFill>
-        <p:spPr>
-          <a:xfrm>
-            <a:off x="4709284" y="5588366"/>
-            <a:ext cx="338547" cy="338547"/>
-          </a:xfrm>
-          <a:prstGeom prst="rect">
-            <a:avLst/>
-          </a:prstGeom>
+        <p:spPr bwMode="auto">
+          <a:xfrm>
+            <a:off x="8478716" y="5182757"/>
+            <a:ext cx="1398461" cy="1398461"/>
+          </a:xfrm>
+          <a:prstGeom prst="rect">
+            <a:avLst/>
+          </a:prstGeom>
+          <a:noFill/>
+          <a:extLst>
+            <a:ext uri="{909E8E84-426E-40DD-AFC4-6F175D3DCCD1}">
+              <a14:hiddenFill xmlns:a14="http://schemas.microsoft.com/office/drawing/2010/main">
+                <a:solidFill>
+                  <a:srgbClr val="FFFFFF"/>
+                </a:solidFill>
+              </a14:hiddenFill>
+            </a:ext>
+          </a:extLst>
         </p:spPr>
       </p:pic>
     </p:spTree>
     <p:extLst>
       <p:ext uri="{BB962C8B-B14F-4D97-AF65-F5344CB8AC3E}">
-        <p14:creationId xmlns:p14="http://schemas.microsoft.com/office/powerpoint/2010/main" val="4038394245"/>
+        <p14:creationId xmlns:p14="http://schemas.microsoft.com/office/powerpoint/2010/main" val="1285532446"/>
       </p:ext>
     </p:extLst>
   </p:cSld>
@@ -9941,8 +11238,44 @@
           <a:p>
             <a:r>
               <a:rPr lang="ko-KR" altLang="en-US" b="1" dirty="0"/>
-              <a:t>향후 계획</a:t>
-            </a:r>
+              <a:t>사고 과정</a:t>
+            </a:r>
+          </a:p>
+        </p:txBody>
+      </p:sp>
+      <p:sp>
+        <p:nvSpPr>
+          <p:cNvPr id="13" name="TextBox 12">
+            <a:extLst>
+              <a:ext uri="{FF2B5EF4-FFF2-40B4-BE49-F238E27FC236}">
+                <a16:creationId xmlns:a16="http://schemas.microsoft.com/office/drawing/2014/main" id="{71CFA767-FC64-4294-8A24-545FD6B3B900}"/>
+              </a:ext>
+            </a:extLst>
+          </p:cNvPr>
+          <p:cNvSpPr txBox="1"/>
+          <p:nvPr/>
+        </p:nvSpPr>
+        <p:spPr>
+          <a:xfrm>
+            <a:off x="1587795" y="1872417"/>
+            <a:ext cx="3063270" cy="338554"/>
+          </a:xfrm>
+          <a:prstGeom prst="rect">
+            <a:avLst/>
+          </a:prstGeom>
+          <a:noFill/>
+        </p:spPr>
+        <p:txBody>
+          <a:bodyPr wrap="square" rtlCol="0">
+            <a:spAutoFit/>
+          </a:bodyPr>
+          <a:lstStyle/>
+          <a:p>
+            <a:r>
+              <a:rPr lang="ko-KR" altLang="en-US" sz="1600" b="1" dirty="0"/>
+              <a:t>애자일 프로세스</a:t>
+            </a:r>
+            <a:endParaRPr lang="en-US" altLang="ko-KR" sz="1600" b="1" dirty="0"/>
           </a:p>
         </p:txBody>
       </p:sp>
@@ -9960,7 +11293,7 @@
         </p:nvSpPr>
         <p:spPr>
           <a:xfrm>
-            <a:off x="379025" y="4206664"/>
+            <a:off x="1587795" y="2210971"/>
             <a:ext cx="3063270" cy="338554"/>
           </a:xfrm>
           <a:prstGeom prst="rect">
@@ -9975,28 +11308,74 @@
           <a:lstStyle/>
           <a:p>
             <a:r>
+              <a:rPr lang="en-US" altLang="ko-KR" sz="1600" b="1" dirty="0"/>
+              <a:t>Agile Software Development</a:t>
+            </a:r>
+          </a:p>
+        </p:txBody>
+      </p:sp>
+      <p:sp>
+        <p:nvSpPr>
+          <p:cNvPr id="17" name="TextBox 16">
+            <a:extLst>
+              <a:ext uri="{FF2B5EF4-FFF2-40B4-BE49-F238E27FC236}">
+                <a16:creationId xmlns:a16="http://schemas.microsoft.com/office/drawing/2014/main" id="{27784EB9-7799-4504-BED7-E498395D1A69}"/>
+              </a:ext>
+            </a:extLst>
+          </p:cNvPr>
+          <p:cNvSpPr txBox="1"/>
+          <p:nvPr/>
+        </p:nvSpPr>
+        <p:spPr>
+          <a:xfrm>
+            <a:off x="7540935" y="1872417"/>
+            <a:ext cx="3063270" cy="338554"/>
+          </a:xfrm>
+          <a:prstGeom prst="rect">
+            <a:avLst/>
+          </a:prstGeom>
+          <a:noFill/>
+        </p:spPr>
+        <p:txBody>
+          <a:bodyPr wrap="square" rtlCol="0">
+            <a:spAutoFit/>
+          </a:bodyPr>
+          <a:lstStyle/>
+          <a:p>
+            <a:r>
               <a:rPr lang="ko-KR" altLang="en-US" sz="1600" b="1" dirty="0"/>
-              <a:t>서버 계획</a:t>
-            </a:r>
-            <a:endParaRPr lang="en-US" altLang="ko-KR" sz="1600" b="1" dirty="0"/>
-          </a:p>
-        </p:txBody>
-      </p:sp>
-      <p:sp>
-        <p:nvSpPr>
-          <p:cNvPr id="17" name="TextBox 16">
-            <a:extLst>
-              <a:ext uri="{FF2B5EF4-FFF2-40B4-BE49-F238E27FC236}">
-                <a16:creationId xmlns:a16="http://schemas.microsoft.com/office/drawing/2014/main" id="{FB231B24-B272-48FD-BCCF-257AA8BD8296}"/>
-              </a:ext>
-            </a:extLst>
-          </p:cNvPr>
-          <p:cNvSpPr txBox="1"/>
-          <p:nvPr/>
-        </p:nvSpPr>
-        <p:spPr>
-          <a:xfrm>
-            <a:off x="379025" y="3404883"/>
+              <a:t>선형 모델</a:t>
+            </a:r>
+            <a:r>
+              <a:rPr lang="en-US" altLang="ko-KR" sz="1600" b="1" dirty="0"/>
+              <a:t>(</a:t>
+            </a:r>
+            <a:r>
+              <a:rPr lang="ko-KR" altLang="en-US" sz="1600" b="1" dirty="0"/>
+              <a:t>순서 지향형 모델</a:t>
+            </a:r>
+            <a:r>
+              <a:rPr lang="en-US" altLang="ko-KR" sz="1600" b="1" dirty="0"/>
+              <a:t>)</a:t>
+            </a:r>
+          </a:p>
+        </p:txBody>
+      </p:sp>
+      <p:sp>
+        <p:nvSpPr>
+          <p:cNvPr id="18" name="TextBox 17">
+            <a:extLst>
+              <a:ext uri="{FF2B5EF4-FFF2-40B4-BE49-F238E27FC236}">
+                <a16:creationId xmlns:a16="http://schemas.microsoft.com/office/drawing/2014/main" id="{19B448D8-B712-47E6-BD6C-AFAC57AE9F47}"/>
+              </a:ext>
+            </a:extLst>
+          </p:cNvPr>
+          <p:cNvSpPr txBox="1"/>
+          <p:nvPr/>
+        </p:nvSpPr>
+        <p:spPr>
+          <a:xfrm>
+            <a:off x="7540935" y="2210971"/>
             <a:ext cx="3063270" cy="338554"/>
           </a:xfrm>
           <a:prstGeom prst="rect">
@@ -10011,19 +11390,304 @@
           <a:lstStyle/>
           <a:p>
             <a:r>
-              <a:rPr lang="ko-KR" altLang="en-US" sz="1600" b="1" dirty="0"/>
-              <a:t>안드로이드 계획</a:t>
-            </a:r>
-            <a:endParaRPr lang="en-US" altLang="ko-KR" sz="1600" b="1" dirty="0"/>
+              <a:rPr lang="en-US" altLang="ko-KR" sz="1600" b="1" dirty="0"/>
+              <a:t>Plan-based model</a:t>
+            </a:r>
+          </a:p>
+        </p:txBody>
+      </p:sp>
+      <p:sp>
+        <p:nvSpPr>
+          <p:cNvPr id="20" name="TextBox 19">
+            <a:extLst>
+              <a:ext uri="{FF2B5EF4-FFF2-40B4-BE49-F238E27FC236}">
+                <a16:creationId xmlns:a16="http://schemas.microsoft.com/office/drawing/2014/main" id="{7F89C88E-2C85-4D26-995D-F14456C5E686}"/>
+              </a:ext>
+            </a:extLst>
+          </p:cNvPr>
+          <p:cNvSpPr txBox="1"/>
+          <p:nvPr/>
+        </p:nvSpPr>
+        <p:spPr>
+          <a:xfrm>
+            <a:off x="5077710" y="2041694"/>
+            <a:ext cx="2036580" cy="338554"/>
+          </a:xfrm>
+          <a:prstGeom prst="rect">
+            <a:avLst/>
+          </a:prstGeom>
+          <a:noFill/>
+        </p:spPr>
+        <p:txBody>
+          <a:bodyPr wrap="square" rtlCol="0">
+            <a:spAutoFit/>
+          </a:bodyPr>
+          <a:lstStyle/>
+          <a:p>
+            <a:pPr algn="ctr"/>
+            <a:r>
+              <a:rPr lang="en-US" altLang="ko-KR" sz="1600" b="1" dirty="0"/>
+              <a:t>VS</a:t>
+            </a:r>
+          </a:p>
+        </p:txBody>
+      </p:sp>
+      <p:sp>
+        <p:nvSpPr>
+          <p:cNvPr id="21" name="TextBox 20">
+            <a:extLst>
+              <a:ext uri="{FF2B5EF4-FFF2-40B4-BE49-F238E27FC236}">
+                <a16:creationId xmlns:a16="http://schemas.microsoft.com/office/drawing/2014/main" id="{AB166F5F-E464-4AEC-ABE9-8043933BC3D8}"/>
+              </a:ext>
+            </a:extLst>
+          </p:cNvPr>
+          <p:cNvSpPr txBox="1"/>
+          <p:nvPr/>
+        </p:nvSpPr>
+        <p:spPr>
+          <a:xfrm>
+            <a:off x="891617" y="2698400"/>
+            <a:ext cx="3759447" cy="3228513"/>
+          </a:xfrm>
+          <a:prstGeom prst="rect">
+            <a:avLst/>
+          </a:prstGeom>
+          <a:noFill/>
+        </p:spPr>
+        <p:txBody>
+          <a:bodyPr wrap="square" rtlCol="0">
+            <a:spAutoFit/>
+          </a:bodyPr>
+          <a:lstStyle/>
+          <a:p>
+            <a:pPr algn="r">
+              <a:lnSpc>
+                <a:spcPct val="250000"/>
+              </a:lnSpc>
+            </a:pPr>
+            <a:r>
+              <a:rPr lang="ko-KR" altLang="en-US" sz="1400" dirty="0">
+                <a:latin typeface="+mj-lt"/>
+              </a:rPr>
+              <a:t>짧은 단위 </a:t>
+            </a:r>
+            <a:endParaRPr lang="en-US" altLang="ko-KR" sz="1400" dirty="0">
+              <a:latin typeface="+mj-lt"/>
+            </a:endParaRPr>
+          </a:p>
+          <a:p>
+            <a:pPr algn="r">
+              <a:lnSpc>
+                <a:spcPct val="250000"/>
+              </a:lnSpc>
+            </a:pPr>
+            <a:r>
+              <a:rPr lang="ko-KR" altLang="en-US" sz="1400" dirty="0"/>
+              <a:t>추상적 </a:t>
+            </a:r>
+            <a:r>
+              <a:rPr lang="en-US" altLang="ko-KR" sz="1400" dirty="0"/>
+              <a:t>/ </a:t>
+            </a:r>
+            <a:r>
+              <a:rPr lang="ko-KR" altLang="en-US" sz="1400" dirty="0"/>
+              <a:t>거시적 정리</a:t>
+            </a:r>
+            <a:endParaRPr lang="en-US" altLang="ko-KR" sz="1400" dirty="0"/>
+          </a:p>
+          <a:p>
+            <a:pPr algn="r">
+              <a:lnSpc>
+                <a:spcPct val="250000"/>
+              </a:lnSpc>
+            </a:pPr>
+            <a:r>
+              <a:rPr lang="ko-KR" altLang="en-US" sz="1400" dirty="0"/>
+              <a:t>구성원 전원이 전체를 인식</a:t>
+            </a:r>
+            <a:endParaRPr lang="en-US" altLang="ko-KR" sz="1400" dirty="0"/>
+          </a:p>
+          <a:p>
+            <a:pPr algn="r">
+              <a:lnSpc>
+                <a:spcPct val="250000"/>
+              </a:lnSpc>
+            </a:pPr>
+            <a:r>
+              <a:rPr lang="ko-KR" altLang="en-US" sz="1400" dirty="0"/>
+              <a:t>완만한 체계를 통한 유연한 대처</a:t>
+            </a:r>
+            <a:endParaRPr lang="en-US" altLang="ko-KR" sz="1400" dirty="0"/>
+          </a:p>
+          <a:p>
+            <a:pPr algn="r">
+              <a:lnSpc>
+                <a:spcPct val="250000"/>
+              </a:lnSpc>
+            </a:pPr>
+            <a:r>
+              <a:rPr lang="ko-KR" altLang="en-US" sz="1400" dirty="0"/>
+              <a:t>잦은 파편적 회의 </a:t>
+            </a:r>
+            <a:r>
+              <a:rPr lang="en-US" altLang="ko-KR" sz="1400" dirty="0"/>
+              <a:t>/ </a:t>
+            </a:r>
+            <a:r>
+              <a:rPr lang="ko-KR" altLang="en-US" sz="1400" dirty="0"/>
+              <a:t>피드백</a:t>
+            </a:r>
+            <a:endParaRPr lang="en-US" altLang="ko-KR" sz="1400" dirty="0"/>
+          </a:p>
+          <a:p>
+            <a:pPr algn="r">
+              <a:lnSpc>
+                <a:spcPct val="250000"/>
+              </a:lnSpc>
+            </a:pPr>
+            <a:r>
+              <a:rPr lang="ko-KR" altLang="en-US" sz="1400" dirty="0"/>
+              <a:t>수시로 추가되는 업무량 </a:t>
+            </a:r>
+            <a:r>
+              <a:rPr lang="en-US" altLang="ko-KR" sz="1400" dirty="0"/>
+              <a:t>/ </a:t>
+            </a:r>
+            <a:r>
+              <a:rPr lang="ko-KR" altLang="en-US" sz="1400" dirty="0"/>
+              <a:t>동적 기여</a:t>
+            </a:r>
+            <a:endParaRPr lang="en-US" altLang="ko-KR" sz="1400" dirty="0"/>
+          </a:p>
+        </p:txBody>
+      </p:sp>
+      <p:sp>
+        <p:nvSpPr>
+          <p:cNvPr id="29" name="TextBox 28">
+            <a:extLst>
+              <a:ext uri="{FF2B5EF4-FFF2-40B4-BE49-F238E27FC236}">
+                <a16:creationId xmlns:a16="http://schemas.microsoft.com/office/drawing/2014/main" id="{202D963C-C42F-4FC7-8B6C-4C77964EFD17}"/>
+              </a:ext>
+            </a:extLst>
+          </p:cNvPr>
+          <p:cNvSpPr txBox="1"/>
+          <p:nvPr/>
+        </p:nvSpPr>
+        <p:spPr>
+          <a:xfrm>
+            <a:off x="7540935" y="2698400"/>
+            <a:ext cx="3759447" cy="3228513"/>
+          </a:xfrm>
+          <a:prstGeom prst="rect">
+            <a:avLst/>
+          </a:prstGeom>
+          <a:noFill/>
+        </p:spPr>
+        <p:txBody>
+          <a:bodyPr wrap="square" rtlCol="0">
+            <a:spAutoFit/>
+          </a:bodyPr>
+          <a:lstStyle/>
+          <a:p>
+            <a:pPr algn="just">
+              <a:lnSpc>
+                <a:spcPct val="250000"/>
+              </a:lnSpc>
+            </a:pPr>
+            <a:r>
+              <a:rPr lang="ko-KR" altLang="en-US" sz="1400" dirty="0">
+                <a:latin typeface="+mj-lt"/>
+              </a:rPr>
+              <a:t>세부적 단위</a:t>
+            </a:r>
+            <a:endParaRPr lang="en-US" altLang="ko-KR" sz="1400" dirty="0">
+              <a:latin typeface="+mj-lt"/>
+            </a:endParaRPr>
+          </a:p>
+          <a:p>
+            <a:pPr algn="just">
+              <a:lnSpc>
+                <a:spcPct val="250000"/>
+              </a:lnSpc>
+            </a:pPr>
+            <a:r>
+              <a:rPr lang="ko-KR" altLang="en-US" sz="1400" dirty="0"/>
+              <a:t>체계적 정리</a:t>
+            </a:r>
+            <a:endParaRPr lang="en-US" altLang="ko-KR" sz="1400" dirty="0"/>
+          </a:p>
+          <a:p>
+            <a:pPr algn="just">
+              <a:lnSpc>
+                <a:spcPct val="250000"/>
+              </a:lnSpc>
+            </a:pPr>
+            <a:r>
+              <a:rPr lang="ko-KR" altLang="en-US" sz="1400" dirty="0"/>
+              <a:t>본인 분야 </a:t>
+            </a:r>
+            <a:r>
+              <a:rPr lang="en-US" altLang="ko-KR" sz="1400" dirty="0"/>
+              <a:t>/ </a:t>
+            </a:r>
+            <a:r>
+              <a:rPr lang="ko-KR" altLang="en-US" sz="1400" dirty="0"/>
+              <a:t>업무를 정확히 인식</a:t>
+            </a:r>
+            <a:endParaRPr lang="en-US" altLang="ko-KR" sz="1400" dirty="0"/>
+          </a:p>
+          <a:p>
+            <a:pPr algn="just">
+              <a:lnSpc>
+                <a:spcPct val="250000"/>
+              </a:lnSpc>
+            </a:pPr>
+            <a:r>
+              <a:rPr lang="ko-KR" altLang="en-US" sz="1400" dirty="0"/>
+              <a:t>수직적 체계로 인한 경직된 대처</a:t>
+            </a:r>
+            <a:endParaRPr lang="en-US" altLang="ko-KR" sz="1400" dirty="0"/>
+          </a:p>
+          <a:p>
+            <a:pPr algn="just">
+              <a:lnSpc>
+                <a:spcPct val="250000"/>
+              </a:lnSpc>
+            </a:pPr>
+            <a:r>
+              <a:rPr lang="ko-KR" altLang="en-US" sz="1400" dirty="0"/>
+              <a:t>정기 회의</a:t>
+            </a:r>
+            <a:endParaRPr lang="en-US" altLang="ko-KR" sz="1400" dirty="0"/>
+          </a:p>
+          <a:p>
+            <a:pPr algn="just">
+              <a:lnSpc>
+                <a:spcPct val="250000"/>
+              </a:lnSpc>
+            </a:pPr>
+            <a:r>
+              <a:rPr lang="ko-KR" altLang="en-US" sz="1400" dirty="0"/>
+              <a:t>정해진 업무량</a:t>
+            </a:r>
+            <a:r>
+              <a:rPr lang="en-US" altLang="ko-KR" sz="1400" dirty="0"/>
+              <a:t> / </a:t>
+            </a:r>
+            <a:r>
+              <a:rPr lang="ko-KR" altLang="en-US" sz="1400" dirty="0"/>
+              <a:t>정적 기여</a:t>
+            </a:r>
+            <a:endParaRPr lang="en-US" altLang="ko-KR" sz="1400" dirty="0"/>
           </a:p>
         </p:txBody>
       </p:sp>
       <p:cxnSp>
         <p:nvCxnSpPr>
-          <p:cNvPr id="19" name="직선 연결선 18">
-            <a:extLst>
-              <a:ext uri="{FF2B5EF4-FFF2-40B4-BE49-F238E27FC236}">
-                <a16:creationId xmlns:a16="http://schemas.microsoft.com/office/drawing/2014/main" id="{7E8A01C9-D479-4399-98F5-5F5DC318460B}"/>
+          <p:cNvPr id="30" name="직선 연결선 29">
+            <a:extLst>
+              <a:ext uri="{FF2B5EF4-FFF2-40B4-BE49-F238E27FC236}">
+                <a16:creationId xmlns:a16="http://schemas.microsoft.com/office/drawing/2014/main" id="{2DDE14CC-DC4B-4059-B9B1-3B1579B7CC7B}"/>
               </a:ext>
             </a:extLst>
           </p:cNvPr>
@@ -10034,8 +11698,8 @@
         </p:nvCxnSpPr>
         <p:spPr>
           <a:xfrm>
-            <a:off x="448733" y="3975050"/>
-            <a:ext cx="11413067" cy="0"/>
+            <a:off x="686478" y="3306107"/>
+            <a:ext cx="10808377" cy="0"/>
           </a:xfrm>
           <a:prstGeom prst="line">
             <a:avLst/>
@@ -10044,8 +11708,7 @@
             <a:solidFill>
               <a:schemeClr val="tx1"/>
             </a:solidFill>
-            <a:headEnd type="none" w="med" len="med"/>
-            <a:tailEnd type="arrow" w="lg" len="lg"/>
+            <a:prstDash val="sysDot"/>
           </a:ln>
         </p:spPr>
         <p:style>
@@ -10063,10 +11726,808 @@
           </a:fontRef>
         </p:style>
       </p:cxnSp>
+      <p:cxnSp>
+        <p:nvCxnSpPr>
+          <p:cNvPr id="40" name="직선 연결선 39">
+            <a:extLst>
+              <a:ext uri="{FF2B5EF4-FFF2-40B4-BE49-F238E27FC236}">
+                <a16:creationId xmlns:a16="http://schemas.microsoft.com/office/drawing/2014/main" id="{5658019C-8CD4-49DA-888F-06F335C36470}"/>
+              </a:ext>
+            </a:extLst>
+          </p:cNvPr>
+          <p:cNvCxnSpPr>
+            <a:cxnSpLocks/>
+          </p:cNvCxnSpPr>
+          <p:nvPr/>
+        </p:nvCxnSpPr>
+        <p:spPr>
+          <a:xfrm>
+            <a:off x="686478" y="3856072"/>
+            <a:ext cx="10808377" cy="0"/>
+          </a:xfrm>
+          <a:prstGeom prst="line">
+            <a:avLst/>
+          </a:prstGeom>
+          <a:ln w="19050">
+            <a:solidFill>
+              <a:schemeClr val="tx1"/>
+            </a:solidFill>
+            <a:prstDash val="sysDot"/>
+          </a:ln>
+        </p:spPr>
+        <p:style>
+          <a:lnRef idx="1">
+            <a:schemeClr val="accent1"/>
+          </a:lnRef>
+          <a:fillRef idx="0">
+            <a:schemeClr val="accent1"/>
+          </a:fillRef>
+          <a:effectRef idx="0">
+            <a:schemeClr val="accent1"/>
+          </a:effectRef>
+          <a:fontRef idx="minor">
+            <a:schemeClr val="tx1"/>
+          </a:fontRef>
+        </p:style>
+      </p:cxnSp>
+      <p:cxnSp>
+        <p:nvCxnSpPr>
+          <p:cNvPr id="41" name="직선 연결선 40">
+            <a:extLst>
+              <a:ext uri="{FF2B5EF4-FFF2-40B4-BE49-F238E27FC236}">
+                <a16:creationId xmlns:a16="http://schemas.microsoft.com/office/drawing/2014/main" id="{88292891-5D55-49D4-9743-4F9B8179D92C}"/>
+              </a:ext>
+            </a:extLst>
+          </p:cNvPr>
+          <p:cNvCxnSpPr>
+            <a:cxnSpLocks/>
+          </p:cNvCxnSpPr>
+          <p:nvPr/>
+        </p:nvCxnSpPr>
+        <p:spPr>
+          <a:xfrm>
+            <a:off x="686478" y="4402724"/>
+            <a:ext cx="10808377" cy="0"/>
+          </a:xfrm>
+          <a:prstGeom prst="line">
+            <a:avLst/>
+          </a:prstGeom>
+          <a:ln w="19050">
+            <a:solidFill>
+              <a:schemeClr val="tx1"/>
+            </a:solidFill>
+            <a:prstDash val="sysDot"/>
+          </a:ln>
+        </p:spPr>
+        <p:style>
+          <a:lnRef idx="1">
+            <a:schemeClr val="accent1"/>
+          </a:lnRef>
+          <a:fillRef idx="0">
+            <a:schemeClr val="accent1"/>
+          </a:fillRef>
+          <a:effectRef idx="0">
+            <a:schemeClr val="accent1"/>
+          </a:effectRef>
+          <a:fontRef idx="minor">
+            <a:schemeClr val="tx1"/>
+          </a:fontRef>
+        </p:style>
+      </p:cxnSp>
+      <p:cxnSp>
+        <p:nvCxnSpPr>
+          <p:cNvPr id="42" name="직선 연결선 41">
+            <a:extLst>
+              <a:ext uri="{FF2B5EF4-FFF2-40B4-BE49-F238E27FC236}">
+                <a16:creationId xmlns:a16="http://schemas.microsoft.com/office/drawing/2014/main" id="{C156CE71-0EAE-4B75-83A6-4EC59DCF0A54}"/>
+              </a:ext>
+            </a:extLst>
+          </p:cNvPr>
+          <p:cNvCxnSpPr>
+            <a:cxnSpLocks/>
+          </p:cNvCxnSpPr>
+          <p:nvPr/>
+        </p:nvCxnSpPr>
+        <p:spPr>
+          <a:xfrm>
+            <a:off x="686478" y="4922872"/>
+            <a:ext cx="10808377" cy="0"/>
+          </a:xfrm>
+          <a:prstGeom prst="line">
+            <a:avLst/>
+          </a:prstGeom>
+          <a:ln w="19050">
+            <a:solidFill>
+              <a:schemeClr val="tx1"/>
+            </a:solidFill>
+            <a:prstDash val="sysDot"/>
+          </a:ln>
+        </p:spPr>
+        <p:style>
+          <a:lnRef idx="1">
+            <a:schemeClr val="accent1"/>
+          </a:lnRef>
+          <a:fillRef idx="0">
+            <a:schemeClr val="accent1"/>
+          </a:fillRef>
+          <a:effectRef idx="0">
+            <a:schemeClr val="accent1"/>
+          </a:effectRef>
+          <a:fontRef idx="minor">
+            <a:schemeClr val="tx1"/>
+          </a:fontRef>
+        </p:style>
+      </p:cxnSp>
+      <p:cxnSp>
+        <p:nvCxnSpPr>
+          <p:cNvPr id="44" name="직선 연결선 43">
+            <a:extLst>
+              <a:ext uri="{FF2B5EF4-FFF2-40B4-BE49-F238E27FC236}">
+                <a16:creationId xmlns:a16="http://schemas.microsoft.com/office/drawing/2014/main" id="{0309AB31-9FD0-4FA6-B5A9-9C83306CBEF8}"/>
+              </a:ext>
+            </a:extLst>
+          </p:cNvPr>
+          <p:cNvCxnSpPr>
+            <a:cxnSpLocks/>
+          </p:cNvCxnSpPr>
+          <p:nvPr/>
+        </p:nvCxnSpPr>
+        <p:spPr>
+          <a:xfrm>
+            <a:off x="686478" y="5472837"/>
+            <a:ext cx="10808377" cy="0"/>
+          </a:xfrm>
+          <a:prstGeom prst="line">
+            <a:avLst/>
+          </a:prstGeom>
+          <a:ln w="19050">
+            <a:solidFill>
+              <a:schemeClr val="tx1"/>
+            </a:solidFill>
+            <a:prstDash val="sysDot"/>
+          </a:ln>
+        </p:spPr>
+        <p:style>
+          <a:lnRef idx="1">
+            <a:schemeClr val="accent1"/>
+          </a:lnRef>
+          <a:fillRef idx="0">
+            <a:schemeClr val="accent1"/>
+          </a:fillRef>
+          <a:effectRef idx="0">
+            <a:schemeClr val="accent1"/>
+          </a:effectRef>
+          <a:fontRef idx="minor">
+            <a:schemeClr val="tx1"/>
+          </a:fontRef>
+        </p:style>
+      </p:cxnSp>
+      <p:cxnSp>
+        <p:nvCxnSpPr>
+          <p:cNvPr id="45" name="직선 연결선 44">
+            <a:extLst>
+              <a:ext uri="{FF2B5EF4-FFF2-40B4-BE49-F238E27FC236}">
+                <a16:creationId xmlns:a16="http://schemas.microsoft.com/office/drawing/2014/main" id="{637C27FD-F435-41DA-B3E2-A4EF31236A63}"/>
+              </a:ext>
+            </a:extLst>
+          </p:cNvPr>
+          <p:cNvCxnSpPr>
+            <a:cxnSpLocks/>
+          </p:cNvCxnSpPr>
+          <p:nvPr/>
+        </p:nvCxnSpPr>
+        <p:spPr>
+          <a:xfrm>
+            <a:off x="686478" y="6039367"/>
+            <a:ext cx="10808377" cy="0"/>
+          </a:xfrm>
+          <a:prstGeom prst="line">
+            <a:avLst/>
+          </a:prstGeom>
+          <a:ln w="19050">
+            <a:solidFill>
+              <a:schemeClr val="tx1"/>
+            </a:solidFill>
+            <a:prstDash val="sysDot"/>
+          </a:ln>
+        </p:spPr>
+        <p:style>
+          <a:lnRef idx="1">
+            <a:schemeClr val="accent1"/>
+          </a:lnRef>
+          <a:fillRef idx="0">
+            <a:schemeClr val="accent1"/>
+          </a:fillRef>
+          <a:effectRef idx="0">
+            <a:schemeClr val="accent1"/>
+          </a:effectRef>
+          <a:fontRef idx="minor">
+            <a:schemeClr val="tx1"/>
+          </a:fontRef>
+        </p:style>
+      </p:cxnSp>
+      <p:cxnSp>
+        <p:nvCxnSpPr>
+          <p:cNvPr id="25" name="직선 연결선 24">
+            <a:extLst>
+              <a:ext uri="{FF2B5EF4-FFF2-40B4-BE49-F238E27FC236}">
+                <a16:creationId xmlns:a16="http://schemas.microsoft.com/office/drawing/2014/main" id="{5C53A204-EF7D-4E55-846A-ED1E891CFFF8}"/>
+              </a:ext>
+            </a:extLst>
+          </p:cNvPr>
+          <p:cNvCxnSpPr>
+            <a:cxnSpLocks/>
+          </p:cNvCxnSpPr>
+          <p:nvPr/>
+        </p:nvCxnSpPr>
+        <p:spPr>
+          <a:xfrm>
+            <a:off x="7084473" y="2812774"/>
+            <a:ext cx="0" cy="3240000"/>
+          </a:xfrm>
+          <a:prstGeom prst="line">
+            <a:avLst/>
+          </a:prstGeom>
+          <a:ln w="19050">
+            <a:solidFill>
+              <a:schemeClr val="tx1"/>
+            </a:solidFill>
+          </a:ln>
+        </p:spPr>
+        <p:style>
+          <a:lnRef idx="1">
+            <a:schemeClr val="accent1"/>
+          </a:lnRef>
+          <a:fillRef idx="0">
+            <a:schemeClr val="accent1"/>
+          </a:fillRef>
+          <a:effectRef idx="0">
+            <a:schemeClr val="accent1"/>
+          </a:effectRef>
+          <a:fontRef idx="minor">
+            <a:schemeClr val="tx1"/>
+          </a:fontRef>
+        </p:style>
+      </p:cxnSp>
+      <p:cxnSp>
+        <p:nvCxnSpPr>
+          <p:cNvPr id="27" name="직선 연결선 26">
+            <a:extLst>
+              <a:ext uri="{FF2B5EF4-FFF2-40B4-BE49-F238E27FC236}">
+                <a16:creationId xmlns:a16="http://schemas.microsoft.com/office/drawing/2014/main" id="{366732E7-9121-4A04-B5ED-43BB8145BE2F}"/>
+              </a:ext>
+            </a:extLst>
+          </p:cNvPr>
+          <p:cNvCxnSpPr>
+            <a:cxnSpLocks/>
+          </p:cNvCxnSpPr>
+          <p:nvPr/>
+        </p:nvCxnSpPr>
+        <p:spPr>
+          <a:xfrm>
+            <a:off x="5107527" y="2812774"/>
+            <a:ext cx="0" cy="3240000"/>
+          </a:xfrm>
+          <a:prstGeom prst="line">
+            <a:avLst/>
+          </a:prstGeom>
+          <a:ln w="19050">
+            <a:solidFill>
+              <a:schemeClr val="tx1"/>
+            </a:solidFill>
+          </a:ln>
+        </p:spPr>
+        <p:style>
+          <a:lnRef idx="1">
+            <a:schemeClr val="accent1"/>
+          </a:lnRef>
+          <a:fillRef idx="0">
+            <a:schemeClr val="accent1"/>
+          </a:fillRef>
+          <a:effectRef idx="0">
+            <a:schemeClr val="accent1"/>
+          </a:effectRef>
+          <a:fontRef idx="minor">
+            <a:schemeClr val="tx1"/>
+          </a:fontRef>
+        </p:style>
+      </p:cxnSp>
+      <p:cxnSp>
+        <p:nvCxnSpPr>
+          <p:cNvPr id="32" name="직선 연결선 31">
+            <a:extLst>
+              <a:ext uri="{FF2B5EF4-FFF2-40B4-BE49-F238E27FC236}">
+                <a16:creationId xmlns:a16="http://schemas.microsoft.com/office/drawing/2014/main" id="{A48F445D-D391-4189-B8B8-A13DC596F881}"/>
+              </a:ext>
+            </a:extLst>
+          </p:cNvPr>
+          <p:cNvCxnSpPr>
+            <a:cxnSpLocks/>
+          </p:cNvCxnSpPr>
+          <p:nvPr/>
+        </p:nvCxnSpPr>
+        <p:spPr>
+          <a:xfrm>
+            <a:off x="7540935" y="2812774"/>
+            <a:ext cx="0" cy="3240000"/>
+          </a:xfrm>
+          <a:prstGeom prst="line">
+            <a:avLst/>
+          </a:prstGeom>
+          <a:ln w="19050">
+            <a:solidFill>
+              <a:schemeClr val="tx1"/>
+            </a:solidFill>
+          </a:ln>
+        </p:spPr>
+        <p:style>
+          <a:lnRef idx="1">
+            <a:schemeClr val="accent1"/>
+          </a:lnRef>
+          <a:fillRef idx="0">
+            <a:schemeClr val="accent1"/>
+          </a:fillRef>
+          <a:effectRef idx="0">
+            <a:schemeClr val="accent1"/>
+          </a:effectRef>
+          <a:fontRef idx="minor">
+            <a:schemeClr val="tx1"/>
+          </a:fontRef>
+        </p:style>
+      </p:cxnSp>
+      <p:cxnSp>
+        <p:nvCxnSpPr>
+          <p:cNvPr id="35" name="직선 연결선 34">
+            <a:extLst>
+              <a:ext uri="{FF2B5EF4-FFF2-40B4-BE49-F238E27FC236}">
+                <a16:creationId xmlns:a16="http://schemas.microsoft.com/office/drawing/2014/main" id="{D11CC437-4D1A-4C15-B549-5B5662317732}"/>
+              </a:ext>
+            </a:extLst>
+          </p:cNvPr>
+          <p:cNvCxnSpPr>
+            <a:cxnSpLocks/>
+          </p:cNvCxnSpPr>
+          <p:nvPr/>
+        </p:nvCxnSpPr>
+        <p:spPr>
+          <a:xfrm>
+            <a:off x="4651065" y="2812774"/>
+            <a:ext cx="0" cy="3240000"/>
+          </a:xfrm>
+          <a:prstGeom prst="line">
+            <a:avLst/>
+          </a:prstGeom>
+          <a:ln w="19050">
+            <a:solidFill>
+              <a:schemeClr val="tx1"/>
+            </a:solidFill>
+          </a:ln>
+        </p:spPr>
+        <p:style>
+          <a:lnRef idx="1">
+            <a:schemeClr val="accent1"/>
+          </a:lnRef>
+          <a:fillRef idx="0">
+            <a:schemeClr val="accent1"/>
+          </a:fillRef>
+          <a:effectRef idx="0">
+            <a:schemeClr val="accent1"/>
+          </a:effectRef>
+          <a:fontRef idx="minor">
+            <a:schemeClr val="tx1"/>
+          </a:fontRef>
+        </p:style>
+      </p:cxnSp>
+      <p:sp>
+        <p:nvSpPr>
+          <p:cNvPr id="46" name="TextBox 45">
+            <a:extLst>
+              <a:ext uri="{FF2B5EF4-FFF2-40B4-BE49-F238E27FC236}">
+                <a16:creationId xmlns:a16="http://schemas.microsoft.com/office/drawing/2014/main" id="{11B37F0F-DC43-43A6-BC54-D0F3CF817FC7}"/>
+              </a:ext>
+            </a:extLst>
+          </p:cNvPr>
+          <p:cNvSpPr txBox="1"/>
+          <p:nvPr/>
+        </p:nvSpPr>
+        <p:spPr>
+          <a:xfrm>
+            <a:off x="4715488" y="2684834"/>
+            <a:ext cx="2750354" cy="3228513"/>
+          </a:xfrm>
+          <a:prstGeom prst="rect">
+            <a:avLst/>
+          </a:prstGeom>
+          <a:noFill/>
+        </p:spPr>
+        <p:txBody>
+          <a:bodyPr wrap="square" rtlCol="0">
+            <a:spAutoFit/>
+          </a:bodyPr>
+          <a:lstStyle/>
+          <a:p>
+            <a:pPr algn="ctr">
+              <a:lnSpc>
+                <a:spcPct val="250000"/>
+              </a:lnSpc>
+            </a:pPr>
+            <a:r>
+              <a:rPr lang="ko-KR" altLang="en-US" sz="1400" dirty="0">
+                <a:latin typeface="+mj-lt"/>
+              </a:rPr>
+              <a:t>작업 계획</a:t>
+            </a:r>
+            <a:endParaRPr lang="en-US" altLang="ko-KR" sz="1400" dirty="0">
+              <a:latin typeface="+mj-lt"/>
+            </a:endParaRPr>
+          </a:p>
+          <a:p>
+            <a:pPr algn="ctr">
+              <a:lnSpc>
+                <a:spcPct val="250000"/>
+              </a:lnSpc>
+            </a:pPr>
+            <a:r>
+              <a:rPr lang="en-US" altLang="ko-KR" sz="1400" dirty="0"/>
+              <a:t>Requirements</a:t>
+            </a:r>
+          </a:p>
+          <a:p>
+            <a:pPr algn="ctr">
+              <a:lnSpc>
+                <a:spcPct val="250000"/>
+              </a:lnSpc>
+            </a:pPr>
+            <a:r>
+              <a:rPr lang="ko-KR" altLang="en-US" sz="1400" dirty="0"/>
+              <a:t>팀원 역할</a:t>
+            </a:r>
+            <a:endParaRPr lang="en-US" altLang="ko-KR" sz="1400" dirty="0"/>
+          </a:p>
+          <a:p>
+            <a:pPr algn="ctr">
+              <a:lnSpc>
+                <a:spcPct val="250000"/>
+              </a:lnSpc>
+            </a:pPr>
+            <a:r>
+              <a:rPr lang="ko-KR" altLang="en-US" sz="1400" dirty="0"/>
+              <a:t>개발 과정 중 변동사항</a:t>
+            </a:r>
+            <a:endParaRPr lang="en-US" altLang="ko-KR" sz="1400" dirty="0"/>
+          </a:p>
+          <a:p>
+            <a:pPr algn="ctr">
+              <a:lnSpc>
+                <a:spcPct val="250000"/>
+              </a:lnSpc>
+            </a:pPr>
+            <a:r>
+              <a:rPr lang="ko-KR" altLang="en-US" sz="1400" dirty="0"/>
+              <a:t>피드백 </a:t>
+            </a:r>
+            <a:r>
+              <a:rPr lang="en-US" altLang="ko-KR" sz="1400" dirty="0"/>
+              <a:t>/ </a:t>
+            </a:r>
+            <a:r>
+              <a:rPr lang="ko-KR" altLang="en-US" sz="1400" dirty="0"/>
+              <a:t>소통 </a:t>
+            </a:r>
+            <a:r>
+              <a:rPr lang="en-US" altLang="ko-KR" sz="1400" dirty="0"/>
+              <a:t>/ </a:t>
+            </a:r>
+            <a:r>
+              <a:rPr lang="ko-KR" altLang="en-US" sz="1400" dirty="0"/>
+              <a:t>협력</a:t>
+            </a:r>
+            <a:endParaRPr lang="en-US" altLang="ko-KR" sz="1400" dirty="0"/>
+          </a:p>
+          <a:p>
+            <a:pPr algn="ctr">
+              <a:lnSpc>
+                <a:spcPct val="250000"/>
+              </a:lnSpc>
+            </a:pPr>
+            <a:r>
+              <a:rPr lang="ko-KR" altLang="en-US" sz="1400" dirty="0"/>
+              <a:t>기여 </a:t>
+            </a:r>
+            <a:r>
+              <a:rPr lang="en-US" altLang="ko-KR" sz="1400" dirty="0"/>
+              <a:t>/ </a:t>
+            </a:r>
+            <a:r>
+              <a:rPr lang="ko-KR" altLang="en-US" sz="1400" dirty="0"/>
+              <a:t>업무량</a:t>
+            </a:r>
+            <a:endParaRPr lang="en-US" altLang="ko-KR" sz="1400" dirty="0"/>
+          </a:p>
+        </p:txBody>
+      </p:sp>
+      <p:cxnSp>
+        <p:nvCxnSpPr>
+          <p:cNvPr id="50" name="직선 연결선 49">
+            <a:extLst>
+              <a:ext uri="{FF2B5EF4-FFF2-40B4-BE49-F238E27FC236}">
+                <a16:creationId xmlns:a16="http://schemas.microsoft.com/office/drawing/2014/main" id="{9E7CEC02-4C1E-4EF3-8308-3095F0054FED}"/>
+              </a:ext>
+            </a:extLst>
+          </p:cNvPr>
+          <p:cNvCxnSpPr>
+            <a:cxnSpLocks/>
+          </p:cNvCxnSpPr>
+          <p:nvPr/>
+        </p:nvCxnSpPr>
+        <p:spPr>
+          <a:xfrm>
+            <a:off x="686477" y="2812774"/>
+            <a:ext cx="10808377" cy="0"/>
+          </a:xfrm>
+          <a:prstGeom prst="line">
+            <a:avLst/>
+          </a:prstGeom>
+          <a:ln w="19050">
+            <a:solidFill>
+              <a:schemeClr val="tx1"/>
+            </a:solidFill>
+            <a:prstDash val="sysDot"/>
+          </a:ln>
+        </p:spPr>
+        <p:style>
+          <a:lnRef idx="1">
+            <a:schemeClr val="accent1"/>
+          </a:lnRef>
+          <a:fillRef idx="0">
+            <a:schemeClr val="accent1"/>
+          </a:fillRef>
+          <a:effectRef idx="0">
+            <a:schemeClr val="accent1"/>
+          </a:effectRef>
+          <a:fontRef idx="minor">
+            <a:schemeClr val="tx1"/>
+          </a:fontRef>
+        </p:style>
+      </p:cxnSp>
+      <p:pic>
+        <p:nvPicPr>
+          <p:cNvPr id="53" name="그래픽 52" descr="확인 표시">
+            <a:extLst>
+              <a:ext uri="{FF2B5EF4-FFF2-40B4-BE49-F238E27FC236}">
+                <a16:creationId xmlns:a16="http://schemas.microsoft.com/office/drawing/2014/main" id="{99E9F65F-8D96-436D-A1F2-94CE33B3C8E2}"/>
+              </a:ext>
+            </a:extLst>
+          </p:cNvPr>
+          <p:cNvPicPr>
+            <a:picLocks noChangeAspect="1"/>
+          </p:cNvPicPr>
+          <p:nvPr/>
+        </p:nvPicPr>
+        <p:blipFill>
+          <a:blip r:embed="rId2">
+            <a:extLst>
+              <a:ext uri="{28A0092B-C50C-407E-A947-70E740481C1C}">
+                <a14:useLocalDpi xmlns:a14="http://schemas.microsoft.com/office/drawing/2010/main" val="0"/>
+              </a:ext>
+              <a:ext uri="{96DAC541-7B7A-43D3-8B79-37D633B846F1}">
+                <asvg:svgBlip xmlns:asvg="http://schemas.microsoft.com/office/drawing/2016/SVG/main" r:embed="rId3"/>
+              </a:ext>
+            </a:extLst>
+          </a:blip>
+          <a:stretch>
+            <a:fillRect/>
+          </a:stretch>
+        </p:blipFill>
+        <p:spPr>
+          <a:xfrm>
+            <a:off x="4710021" y="2895164"/>
+            <a:ext cx="338547" cy="338547"/>
+          </a:xfrm>
+          <a:prstGeom prst="rect">
+            <a:avLst/>
+          </a:prstGeom>
+        </p:spPr>
+      </p:pic>
+      <p:pic>
+        <p:nvPicPr>
+          <p:cNvPr id="54" name="그래픽 53" descr="확인 표시">
+            <a:extLst>
+              <a:ext uri="{FF2B5EF4-FFF2-40B4-BE49-F238E27FC236}">
+                <a16:creationId xmlns:a16="http://schemas.microsoft.com/office/drawing/2014/main" id="{82E56B2A-D62F-4C75-9F30-3ECE36C06BAA}"/>
+              </a:ext>
+            </a:extLst>
+          </p:cNvPr>
+          <p:cNvPicPr>
+            <a:picLocks noChangeAspect="1"/>
+          </p:cNvPicPr>
+          <p:nvPr/>
+        </p:nvPicPr>
+        <p:blipFill>
+          <a:blip r:embed="rId2">
+            <a:extLst>
+              <a:ext uri="{28A0092B-C50C-407E-A947-70E740481C1C}">
+                <a14:useLocalDpi xmlns:a14="http://schemas.microsoft.com/office/drawing/2010/main" val="0"/>
+              </a:ext>
+              <a:ext uri="{96DAC541-7B7A-43D3-8B79-37D633B846F1}">
+                <asvg:svgBlip xmlns:asvg="http://schemas.microsoft.com/office/drawing/2016/SVG/main" r:embed="rId3"/>
+              </a:ext>
+            </a:extLst>
+          </a:blip>
+          <a:stretch>
+            <a:fillRect/>
+          </a:stretch>
+        </p:blipFill>
+        <p:spPr>
+          <a:xfrm>
+            <a:off x="4710021" y="3396908"/>
+            <a:ext cx="338547" cy="338547"/>
+          </a:xfrm>
+          <a:prstGeom prst="rect">
+            <a:avLst/>
+          </a:prstGeom>
+        </p:spPr>
+      </p:pic>
+      <p:pic>
+        <p:nvPicPr>
+          <p:cNvPr id="55" name="그래픽 54" descr="확인 표시">
+            <a:extLst>
+              <a:ext uri="{FF2B5EF4-FFF2-40B4-BE49-F238E27FC236}">
+                <a16:creationId xmlns:a16="http://schemas.microsoft.com/office/drawing/2014/main" id="{7A36AB02-1390-4AF5-AA06-C74D4ED28B95}"/>
+              </a:ext>
+            </a:extLst>
+          </p:cNvPr>
+          <p:cNvPicPr>
+            <a:picLocks noChangeAspect="1"/>
+          </p:cNvPicPr>
+          <p:nvPr/>
+        </p:nvPicPr>
+        <p:blipFill>
+          <a:blip r:embed="rId2">
+            <a:extLst>
+              <a:ext uri="{28A0092B-C50C-407E-A947-70E740481C1C}">
+                <a14:useLocalDpi xmlns:a14="http://schemas.microsoft.com/office/drawing/2010/main" val="0"/>
+              </a:ext>
+              <a:ext uri="{96DAC541-7B7A-43D3-8B79-37D633B846F1}">
+                <asvg:svgBlip xmlns:asvg="http://schemas.microsoft.com/office/drawing/2016/SVG/main" r:embed="rId3"/>
+              </a:ext>
+            </a:extLst>
+          </a:blip>
+          <a:stretch>
+            <a:fillRect/>
+          </a:stretch>
+        </p:blipFill>
+        <p:spPr>
+          <a:xfrm>
+            <a:off x="4710020" y="3939691"/>
+            <a:ext cx="338547" cy="338547"/>
+          </a:xfrm>
+          <a:prstGeom prst="rect">
+            <a:avLst/>
+          </a:prstGeom>
+        </p:spPr>
+      </p:pic>
+      <p:pic>
+        <p:nvPicPr>
+          <p:cNvPr id="57" name="그래픽 56" descr="확인 표시">
+            <a:extLst>
+              <a:ext uri="{FF2B5EF4-FFF2-40B4-BE49-F238E27FC236}">
+                <a16:creationId xmlns:a16="http://schemas.microsoft.com/office/drawing/2014/main" id="{BD3A0B44-B3EE-49DA-AFE3-AC3C092D4F90}"/>
+              </a:ext>
+            </a:extLst>
+          </p:cNvPr>
+          <p:cNvPicPr>
+            <a:picLocks noChangeAspect="1"/>
+          </p:cNvPicPr>
+          <p:nvPr/>
+        </p:nvPicPr>
+        <p:blipFill>
+          <a:blip r:embed="rId2">
+            <a:extLst>
+              <a:ext uri="{28A0092B-C50C-407E-A947-70E740481C1C}">
+                <a14:useLocalDpi xmlns:a14="http://schemas.microsoft.com/office/drawing/2010/main" val="0"/>
+              </a:ext>
+              <a:ext uri="{96DAC541-7B7A-43D3-8B79-37D633B846F1}">
+                <asvg:svgBlip xmlns:asvg="http://schemas.microsoft.com/office/drawing/2016/SVG/main" r:embed="rId3"/>
+              </a:ext>
+            </a:extLst>
+          </a:blip>
+          <a:stretch>
+            <a:fillRect/>
+          </a:stretch>
+        </p:blipFill>
+        <p:spPr>
+          <a:xfrm>
+            <a:off x="4710019" y="4486342"/>
+            <a:ext cx="338547" cy="338547"/>
+          </a:xfrm>
+          <a:prstGeom prst="rect">
+            <a:avLst/>
+          </a:prstGeom>
+        </p:spPr>
+      </p:pic>
+      <p:pic>
+        <p:nvPicPr>
+          <p:cNvPr id="59" name="그래픽 58" descr="확인 표시">
+            <a:extLst>
+              <a:ext uri="{FF2B5EF4-FFF2-40B4-BE49-F238E27FC236}">
+                <a16:creationId xmlns:a16="http://schemas.microsoft.com/office/drawing/2014/main" id="{920FCA03-0AA1-4349-B47F-E6891D57486A}"/>
+              </a:ext>
+            </a:extLst>
+          </p:cNvPr>
+          <p:cNvPicPr>
+            <a:picLocks noChangeAspect="1"/>
+          </p:cNvPicPr>
+          <p:nvPr/>
+        </p:nvPicPr>
+        <p:blipFill>
+          <a:blip r:embed="rId2">
+            <a:extLst>
+              <a:ext uri="{28A0092B-C50C-407E-A947-70E740481C1C}">
+                <a14:useLocalDpi xmlns:a14="http://schemas.microsoft.com/office/drawing/2010/main" val="0"/>
+              </a:ext>
+              <a:ext uri="{96DAC541-7B7A-43D3-8B79-37D633B846F1}">
+                <asvg:svgBlip xmlns:asvg="http://schemas.microsoft.com/office/drawing/2016/SVG/main" r:embed="rId3"/>
+              </a:ext>
+            </a:extLst>
+          </a:blip>
+          <a:stretch>
+            <a:fillRect/>
+          </a:stretch>
+        </p:blipFill>
+        <p:spPr>
+          <a:xfrm>
+            <a:off x="4702934" y="5005965"/>
+            <a:ext cx="338547" cy="338547"/>
+          </a:xfrm>
+          <a:prstGeom prst="rect">
+            <a:avLst/>
+          </a:prstGeom>
+        </p:spPr>
+      </p:pic>
+      <p:pic>
+        <p:nvPicPr>
+          <p:cNvPr id="61" name="그래픽 60" descr="확인 표시">
+            <a:extLst>
+              <a:ext uri="{FF2B5EF4-FFF2-40B4-BE49-F238E27FC236}">
+                <a16:creationId xmlns:a16="http://schemas.microsoft.com/office/drawing/2014/main" id="{7953025C-2330-40B9-8710-A5B8B0F4664A}"/>
+              </a:ext>
+            </a:extLst>
+          </p:cNvPr>
+          <p:cNvPicPr>
+            <a:picLocks noChangeAspect="1"/>
+          </p:cNvPicPr>
+          <p:nvPr/>
+        </p:nvPicPr>
+        <p:blipFill>
+          <a:blip r:embed="rId2">
+            <a:extLst>
+              <a:ext uri="{28A0092B-C50C-407E-A947-70E740481C1C}">
+                <a14:useLocalDpi xmlns:a14="http://schemas.microsoft.com/office/drawing/2010/main" val="0"/>
+              </a:ext>
+              <a:ext uri="{96DAC541-7B7A-43D3-8B79-37D633B846F1}">
+                <asvg:svgBlip xmlns:asvg="http://schemas.microsoft.com/office/drawing/2016/SVG/main" r:embed="rId3"/>
+              </a:ext>
+            </a:extLst>
+          </a:blip>
+          <a:stretch>
+            <a:fillRect/>
+          </a:stretch>
+        </p:blipFill>
+        <p:spPr>
+          <a:xfrm>
+            <a:off x="4709284" y="5588366"/>
+            <a:ext cx="338547" cy="338547"/>
+          </a:xfrm>
+          <a:prstGeom prst="rect">
+            <a:avLst/>
+          </a:prstGeom>
+        </p:spPr>
+      </p:pic>
     </p:spTree>
     <p:extLst>
       <p:ext uri="{BB962C8B-B14F-4D97-AF65-F5344CB8AC3E}">
-        <p14:creationId xmlns:p14="http://schemas.microsoft.com/office/powerpoint/2010/main" val="3418610673"/>
+        <p14:creationId xmlns:p14="http://schemas.microsoft.com/office/powerpoint/2010/main" val="4038394245"/>
       </p:ext>
     </p:extLst>
   </p:cSld>

--- a/Datas/개발 발표안 1차.pptx
+++ b/Datas/개발 발표안 1차.pptx
@@ -5,7 +5,7 @@
     <p:sldMasterId id="2147483648" r:id="rId1"/>
   </p:sldMasterIdLst>
   <p:notesMasterIdLst>
-    <p:notesMasterId r:id="rId13"/>
+    <p:notesMasterId r:id="rId12"/>
   </p:notesMasterIdLst>
   <p:sldIdLst>
     <p:sldId id="256" r:id="rId2"/>
@@ -17,8 +17,7 @@
     <p:sldId id="270" r:id="rId8"/>
     <p:sldId id="269" r:id="rId9"/>
     <p:sldId id="268" r:id="rId10"/>
-    <p:sldId id="271" r:id="rId11"/>
-    <p:sldId id="264" r:id="rId12"/>
+    <p:sldId id="264" r:id="rId11"/>
   </p:sldIdLst>
   <p:sldSz cx="12192000" cy="6858000"/>
   <p:notesSz cx="6858000" cy="9144000"/>
@@ -3909,14 +3908,7 @@
           <a:p>
             <a:r>
               <a:rPr lang="ko-KR" altLang="en-US" sz="2000" dirty="0"/>
-              <a:t>일상 속 발생하는 분리배출 쓰레기를 </a:t>
-            </a:r>
-            <a:endParaRPr lang="en-US" altLang="ko-KR" sz="2000" dirty="0"/>
-          </a:p>
-          <a:p>
-            <a:r>
-              <a:rPr lang="ko-KR" altLang="en-US" sz="2000" dirty="0"/>
-              <a:t>쉽게 해결하기 위한 환경 어플리케이션 </a:t>
+              <a:t>자연아 인간이 미안해</a:t>
             </a:r>
           </a:p>
         </p:txBody>
@@ -3946,7 +3938,7 @@
           </a:ln>
           <a:extLst>
             <a:ext uri="{C572A759-6A51-4108-AA02-DFA0A04FC94B}">
-              <ma14:wrappingTextBoxFlag xmlns="" xmlns:m="http://schemas.openxmlformats.org/officeDocument/2006/math" xmlns:a14="http://schemas.microsoft.com/office/drawing/2010/main" xmlns:ma14="http://schemas.microsoft.com/office/mac/drawingml/2011/main" val="1"/>
+              <ma14:wrappingTextBoxFlag xmlns:ma14="http://schemas.microsoft.com/office/mac/drawingml/2011/main" xmlns:a14="http://schemas.microsoft.com/office/drawing/2010/main" xmlns:m="http://schemas.openxmlformats.org/officeDocument/2006/math" xmlns="" val="1"/>
             </a:ext>
           </a:extLst>
         </p:spPr>
@@ -4055,12 +4047,343 @@
           </a:p>
         </p:txBody>
       </p:sp>
+      <p:sp>
+        <p:nvSpPr>
+          <p:cNvPr id="6" name="TextBox 5">
+            <a:extLst>
+              <a:ext uri="{FF2B5EF4-FFF2-40B4-BE49-F238E27FC236}">
+                <a16:creationId xmlns:a16="http://schemas.microsoft.com/office/drawing/2014/main" id="{DDC4FEB6-5B26-4F0F-A146-69E3C363501F}"/>
+              </a:ext>
+            </a:extLst>
+          </p:cNvPr>
+          <p:cNvSpPr txBox="1"/>
+          <p:nvPr/>
+        </p:nvSpPr>
+        <p:spPr>
+          <a:xfrm>
+            <a:off x="5604443" y="231355"/>
+            <a:ext cx="716286" cy="276999"/>
+          </a:xfrm>
+          <a:prstGeom prst="rect">
+            <a:avLst/>
+          </a:prstGeom>
+          <a:noFill/>
+        </p:spPr>
+        <p:txBody>
+          <a:bodyPr wrap="none" rtlCol="0">
+            <a:spAutoFit/>
+          </a:bodyPr>
+          <a:lstStyle/>
+          <a:p>
+            <a:r>
+              <a:rPr lang="en-US" altLang="ko-KR" sz="1200" dirty="0"/>
+              <a:t>Preview</a:t>
+            </a:r>
+            <a:endParaRPr lang="ko-KR" altLang="en-US" sz="1200" dirty="0"/>
+          </a:p>
+        </p:txBody>
+      </p:sp>
+      <p:sp>
+        <p:nvSpPr>
+          <p:cNvPr id="7" name="TextBox 6">
+            <a:extLst>
+              <a:ext uri="{FF2B5EF4-FFF2-40B4-BE49-F238E27FC236}">
+                <a16:creationId xmlns:a16="http://schemas.microsoft.com/office/drawing/2014/main" id="{1C9DDA0A-F980-4E1D-83FD-D5A5F3D249D0}"/>
+              </a:ext>
+            </a:extLst>
+          </p:cNvPr>
+          <p:cNvSpPr txBox="1"/>
+          <p:nvPr/>
+        </p:nvSpPr>
+        <p:spPr>
+          <a:xfrm>
+            <a:off x="6320729" y="231355"/>
+            <a:ext cx="545855" cy="276999"/>
+          </a:xfrm>
+          <a:prstGeom prst="rect">
+            <a:avLst/>
+          </a:prstGeom>
+          <a:noFill/>
+        </p:spPr>
+        <p:txBody>
+          <a:bodyPr wrap="none" rtlCol="0">
+            <a:spAutoFit/>
+          </a:bodyPr>
+          <a:lstStyle/>
+          <a:p>
+            <a:r>
+              <a:rPr lang="en-US" altLang="ko-KR" sz="1200" dirty="0"/>
+              <a:t>Team</a:t>
+            </a:r>
+            <a:endParaRPr lang="ko-KR" altLang="en-US" sz="1200" dirty="0"/>
+          </a:p>
+        </p:txBody>
+      </p:sp>
+      <p:sp>
+        <p:nvSpPr>
+          <p:cNvPr id="8" name="TextBox 7">
+            <a:extLst>
+              <a:ext uri="{FF2B5EF4-FFF2-40B4-BE49-F238E27FC236}">
+                <a16:creationId xmlns:a16="http://schemas.microsoft.com/office/drawing/2014/main" id="{DF48F0D6-48B6-41ED-B5FC-479983F1A736}"/>
+              </a:ext>
+            </a:extLst>
+          </p:cNvPr>
+          <p:cNvSpPr txBox="1"/>
+          <p:nvPr/>
+        </p:nvSpPr>
+        <p:spPr>
+          <a:xfrm>
+            <a:off x="6866584" y="231355"/>
+            <a:ext cx="1062535" cy="276999"/>
+          </a:xfrm>
+          <a:prstGeom prst="rect">
+            <a:avLst/>
+          </a:prstGeom>
+          <a:noFill/>
+        </p:spPr>
+        <p:txBody>
+          <a:bodyPr wrap="none" rtlCol="0">
+            <a:spAutoFit/>
+          </a:bodyPr>
+          <a:lstStyle/>
+          <a:p>
+            <a:r>
+              <a:rPr lang="en-US" altLang="ko-KR" sz="1200" dirty="0"/>
+              <a:t>Environment</a:t>
+            </a:r>
+            <a:endParaRPr lang="ko-KR" altLang="en-US" sz="1200" dirty="0"/>
+          </a:p>
+        </p:txBody>
+      </p:sp>
+      <p:sp>
+        <p:nvSpPr>
+          <p:cNvPr id="9" name="TextBox 8">
+            <a:extLst>
+              <a:ext uri="{FF2B5EF4-FFF2-40B4-BE49-F238E27FC236}">
+                <a16:creationId xmlns:a16="http://schemas.microsoft.com/office/drawing/2014/main" id="{436432E4-6A8D-4C01-BEF5-05843EDD45ED}"/>
+              </a:ext>
+            </a:extLst>
+          </p:cNvPr>
+          <p:cNvSpPr txBox="1"/>
+          <p:nvPr/>
+        </p:nvSpPr>
+        <p:spPr>
+          <a:xfrm>
+            <a:off x="7929119" y="231354"/>
+            <a:ext cx="1020600" cy="276999"/>
+          </a:xfrm>
+          <a:prstGeom prst="rect">
+            <a:avLst/>
+          </a:prstGeom>
+          <a:noFill/>
+        </p:spPr>
+        <p:txBody>
+          <a:bodyPr wrap="none" rtlCol="0">
+            <a:spAutoFit/>
+          </a:bodyPr>
+          <a:lstStyle/>
+          <a:p>
+            <a:r>
+              <a:rPr lang="en-US" altLang="ko-KR" sz="1200" dirty="0"/>
+              <a:t>Architecture</a:t>
+            </a:r>
+            <a:endParaRPr lang="ko-KR" altLang="en-US" sz="1200" dirty="0"/>
+          </a:p>
+        </p:txBody>
+      </p:sp>
+      <p:sp>
+        <p:nvSpPr>
+          <p:cNvPr id="10" name="TextBox 9">
+            <a:extLst>
+              <a:ext uri="{FF2B5EF4-FFF2-40B4-BE49-F238E27FC236}">
+                <a16:creationId xmlns:a16="http://schemas.microsoft.com/office/drawing/2014/main" id="{898A85B0-6B93-477A-8083-12355552FD85}"/>
+              </a:ext>
+            </a:extLst>
+          </p:cNvPr>
+          <p:cNvSpPr txBox="1"/>
+          <p:nvPr/>
+        </p:nvSpPr>
+        <p:spPr>
+          <a:xfrm>
+            <a:off x="8949719" y="231355"/>
+            <a:ext cx="1354794" cy="276999"/>
+          </a:xfrm>
+          <a:prstGeom prst="rect">
+            <a:avLst/>
+          </a:prstGeom>
+          <a:noFill/>
+        </p:spPr>
+        <p:txBody>
+          <a:bodyPr wrap="none" rtlCol="0">
+            <a:spAutoFit/>
+          </a:bodyPr>
+          <a:lstStyle/>
+          <a:p>
+            <a:r>
+              <a:rPr lang="en-US" altLang="ko-KR" sz="1200" dirty="0"/>
+              <a:t>Core Technology</a:t>
+            </a:r>
+            <a:endParaRPr lang="ko-KR" altLang="en-US" sz="1200" dirty="0"/>
+          </a:p>
+        </p:txBody>
+      </p:sp>
+      <p:sp>
+        <p:nvSpPr>
+          <p:cNvPr id="11" name="TextBox 10">
+            <a:extLst>
+              <a:ext uri="{FF2B5EF4-FFF2-40B4-BE49-F238E27FC236}">
+                <a16:creationId xmlns:a16="http://schemas.microsoft.com/office/drawing/2014/main" id="{8F0386BA-D88E-48CA-A783-34CC75783863}"/>
+              </a:ext>
+            </a:extLst>
+          </p:cNvPr>
+          <p:cNvSpPr txBox="1"/>
+          <p:nvPr/>
+        </p:nvSpPr>
+        <p:spPr>
+          <a:xfrm>
+            <a:off x="10304513" y="231354"/>
+            <a:ext cx="1693156" cy="276999"/>
+          </a:xfrm>
+          <a:prstGeom prst="rect">
+            <a:avLst/>
+          </a:prstGeom>
+          <a:noFill/>
+        </p:spPr>
+        <p:txBody>
+          <a:bodyPr wrap="none" rtlCol="0">
+            <a:spAutoFit/>
+          </a:bodyPr>
+          <a:lstStyle/>
+          <a:p>
+            <a:r>
+              <a:rPr lang="en-US" altLang="ko-KR" sz="1200" dirty="0">
+                <a:solidFill>
+                  <a:srgbClr val="0070C0"/>
+                </a:solidFill>
+              </a:rPr>
+              <a:t>Development Process</a:t>
+            </a:r>
+            <a:endParaRPr lang="ko-KR" altLang="en-US" sz="1200" dirty="0">
+              <a:solidFill>
+                <a:srgbClr val="0070C0"/>
+              </a:solidFill>
+            </a:endParaRPr>
+          </a:p>
+        </p:txBody>
+      </p:sp>
+      <p:sp>
+        <p:nvSpPr>
+          <p:cNvPr id="12" name="TextBox 11">
+            <a:extLst>
+              <a:ext uri="{FF2B5EF4-FFF2-40B4-BE49-F238E27FC236}">
+                <a16:creationId xmlns:a16="http://schemas.microsoft.com/office/drawing/2014/main" id="{76FCFFFC-96B6-4EBA-84EC-A6CF15AA68B6}"/>
+              </a:ext>
+            </a:extLst>
+          </p:cNvPr>
+          <p:cNvSpPr txBox="1"/>
+          <p:nvPr/>
+        </p:nvSpPr>
+        <p:spPr>
+          <a:xfrm>
+            <a:off x="686478" y="1267329"/>
+            <a:ext cx="2982369" cy="369332"/>
+          </a:xfrm>
+          <a:prstGeom prst="rect">
+            <a:avLst/>
+          </a:prstGeom>
+          <a:noFill/>
+        </p:spPr>
+        <p:txBody>
+          <a:bodyPr wrap="square" rtlCol="0">
+            <a:spAutoFit/>
+          </a:bodyPr>
+          <a:lstStyle/>
+          <a:p>
+            <a:r>
+              <a:rPr lang="ko-KR" altLang="en-US" b="1" dirty="0"/>
+              <a:t>향후 계획</a:t>
+            </a:r>
+          </a:p>
+        </p:txBody>
+      </p:sp>
+      <p:sp>
+        <p:nvSpPr>
+          <p:cNvPr id="14" name="TextBox 13">
+            <a:extLst>
+              <a:ext uri="{FF2B5EF4-FFF2-40B4-BE49-F238E27FC236}">
+                <a16:creationId xmlns:a16="http://schemas.microsoft.com/office/drawing/2014/main" id="{CFD5CDA9-5982-494D-BA65-66B8379C6D96}"/>
+              </a:ext>
+            </a:extLst>
+          </p:cNvPr>
+          <p:cNvSpPr txBox="1"/>
+          <p:nvPr/>
+        </p:nvSpPr>
+        <p:spPr>
+          <a:xfrm>
+            <a:off x="379025" y="4206664"/>
+            <a:ext cx="3063270" cy="338554"/>
+          </a:xfrm>
+          <a:prstGeom prst="rect">
+            <a:avLst/>
+          </a:prstGeom>
+          <a:noFill/>
+        </p:spPr>
+        <p:txBody>
+          <a:bodyPr wrap="square" rtlCol="0">
+            <a:spAutoFit/>
+          </a:bodyPr>
+          <a:lstStyle/>
+          <a:p>
+            <a:r>
+              <a:rPr lang="ko-KR" altLang="en-US" sz="1600" b="1" dirty="0"/>
+              <a:t>서버 계획</a:t>
+            </a:r>
+            <a:endParaRPr lang="en-US" altLang="ko-KR" sz="1600" b="1" dirty="0"/>
+          </a:p>
+        </p:txBody>
+      </p:sp>
+      <p:sp>
+        <p:nvSpPr>
+          <p:cNvPr id="17" name="TextBox 16">
+            <a:extLst>
+              <a:ext uri="{FF2B5EF4-FFF2-40B4-BE49-F238E27FC236}">
+                <a16:creationId xmlns:a16="http://schemas.microsoft.com/office/drawing/2014/main" id="{FB231B24-B272-48FD-BCCF-257AA8BD8296}"/>
+              </a:ext>
+            </a:extLst>
+          </p:cNvPr>
+          <p:cNvSpPr txBox="1"/>
+          <p:nvPr/>
+        </p:nvSpPr>
+        <p:spPr>
+          <a:xfrm>
+            <a:off x="379025" y="3404883"/>
+            <a:ext cx="3063270" cy="338554"/>
+          </a:xfrm>
+          <a:prstGeom prst="rect">
+            <a:avLst/>
+          </a:prstGeom>
+          <a:noFill/>
+        </p:spPr>
+        <p:txBody>
+          <a:bodyPr wrap="square" rtlCol="0">
+            <a:spAutoFit/>
+          </a:bodyPr>
+          <a:lstStyle/>
+          <a:p>
+            <a:r>
+              <a:rPr lang="ko-KR" altLang="en-US" sz="1600" b="1" dirty="0"/>
+              <a:t>안드로이드 계획</a:t>
+            </a:r>
+            <a:endParaRPr lang="en-US" altLang="ko-KR" sz="1600" b="1" dirty="0"/>
+          </a:p>
+        </p:txBody>
+      </p:sp>
       <p:cxnSp>
         <p:nvCxnSpPr>
-          <p:cNvPr id="5" name="직선 연결선 4">
-            <a:extLst>
-              <a:ext uri="{FF2B5EF4-FFF2-40B4-BE49-F238E27FC236}">
-                <a16:creationId xmlns:a16="http://schemas.microsoft.com/office/drawing/2014/main" id="{BFE9EEFE-8BC0-4879-9D12-2A8BC074C22E}"/>
+          <p:cNvPr id="19" name="직선 연결선 18">
+            <a:extLst>
+              <a:ext uri="{FF2B5EF4-FFF2-40B4-BE49-F238E27FC236}">
+                <a16:creationId xmlns:a16="http://schemas.microsoft.com/office/drawing/2014/main" id="{7E8A01C9-D479-4399-98F5-5F5DC318460B}"/>
               </a:ext>
             </a:extLst>
           </p:cNvPr>
@@ -4071,16 +4394,24 @@
         </p:nvCxnSpPr>
         <p:spPr>
           <a:xfrm>
-            <a:off x="5586235" y="122850"/>
-            <a:ext cx="6475476" cy="0"/>
+            <a:off x="448733" y="3975050"/>
+            <a:ext cx="11413067" cy="0"/>
           </a:xfrm>
           <a:prstGeom prst="line">
             <a:avLst/>
           </a:prstGeom>
-          <a:ln w="12700">
-            <a:solidFill>
-              <a:schemeClr val="tx1"/>
-            </a:solidFill>
+          <a:ln w="19050">
+            <a:gradFill>
+              <a:gsLst>
+                <a:gs pos="0">
+                  <a:schemeClr val="tx1"/>
+                </a:gs>
+                <a:gs pos="100000">
+                  <a:srgbClr val="0070C0"/>
+                </a:gs>
+              </a:gsLst>
+              <a:lin ang="0" scaled="0"/>
+            </a:gradFill>
             <a:headEnd type="none" w="med" len="med"/>
             <a:tailEnd type="arrow" w="lg" len="lg"/>
           </a:ln>
@@ -4102,10 +4433,10 @@
       </p:cxnSp>
       <p:sp>
         <p:nvSpPr>
-          <p:cNvPr id="6" name="TextBox 5">
-            <a:extLst>
-              <a:ext uri="{FF2B5EF4-FFF2-40B4-BE49-F238E27FC236}">
-                <a16:creationId xmlns:a16="http://schemas.microsoft.com/office/drawing/2014/main" id="{DDC4FEB6-5B26-4F0F-A146-69E3C363501F}"/>
+          <p:cNvPr id="15" name="TextBox 14">
+            <a:extLst>
+              <a:ext uri="{FF2B5EF4-FFF2-40B4-BE49-F238E27FC236}">
+                <a16:creationId xmlns:a16="http://schemas.microsoft.com/office/drawing/2014/main" id="{112038BF-2E39-4602-87E4-EE544A989412}"/>
               </a:ext>
             </a:extLst>
           </p:cNvPr>
@@ -4114,232 +4445,8 @@
         </p:nvSpPr>
         <p:spPr>
           <a:xfrm>
-            <a:off x="5604443" y="231355"/>
-            <a:ext cx="716286" cy="276999"/>
-          </a:xfrm>
-          <a:prstGeom prst="rect">
-            <a:avLst/>
-          </a:prstGeom>
-          <a:noFill/>
-        </p:spPr>
-        <p:txBody>
-          <a:bodyPr wrap="none" rtlCol="0">
-            <a:spAutoFit/>
-          </a:bodyPr>
-          <a:lstStyle/>
-          <a:p>
-            <a:r>
-              <a:rPr lang="en-US" altLang="ko-KR" sz="1200" dirty="0"/>
-              <a:t>Preview</a:t>
-            </a:r>
-            <a:endParaRPr lang="ko-KR" altLang="en-US" sz="1200" dirty="0"/>
-          </a:p>
-        </p:txBody>
-      </p:sp>
-      <p:sp>
-        <p:nvSpPr>
-          <p:cNvPr id="7" name="TextBox 6">
-            <a:extLst>
-              <a:ext uri="{FF2B5EF4-FFF2-40B4-BE49-F238E27FC236}">
-                <a16:creationId xmlns:a16="http://schemas.microsoft.com/office/drawing/2014/main" id="{1C9DDA0A-F980-4E1D-83FD-D5A5F3D249D0}"/>
-              </a:ext>
-            </a:extLst>
-          </p:cNvPr>
-          <p:cNvSpPr txBox="1"/>
-          <p:nvPr/>
-        </p:nvSpPr>
-        <p:spPr>
-          <a:xfrm>
-            <a:off x="6320729" y="231355"/>
-            <a:ext cx="545855" cy="276999"/>
-          </a:xfrm>
-          <a:prstGeom prst="rect">
-            <a:avLst/>
-          </a:prstGeom>
-          <a:noFill/>
-        </p:spPr>
-        <p:txBody>
-          <a:bodyPr wrap="none" rtlCol="0">
-            <a:spAutoFit/>
-          </a:bodyPr>
-          <a:lstStyle/>
-          <a:p>
-            <a:r>
-              <a:rPr lang="en-US" altLang="ko-KR" sz="1200" dirty="0"/>
-              <a:t>Team</a:t>
-            </a:r>
-            <a:endParaRPr lang="ko-KR" altLang="en-US" sz="1200" dirty="0"/>
-          </a:p>
-        </p:txBody>
-      </p:sp>
-      <p:sp>
-        <p:nvSpPr>
-          <p:cNvPr id="8" name="TextBox 7">
-            <a:extLst>
-              <a:ext uri="{FF2B5EF4-FFF2-40B4-BE49-F238E27FC236}">
-                <a16:creationId xmlns:a16="http://schemas.microsoft.com/office/drawing/2014/main" id="{DF48F0D6-48B6-41ED-B5FC-479983F1A736}"/>
-              </a:ext>
-            </a:extLst>
-          </p:cNvPr>
-          <p:cNvSpPr txBox="1"/>
-          <p:nvPr/>
-        </p:nvSpPr>
-        <p:spPr>
-          <a:xfrm>
-            <a:off x="6866584" y="231355"/>
-            <a:ext cx="1062535" cy="276999"/>
-          </a:xfrm>
-          <a:prstGeom prst="rect">
-            <a:avLst/>
-          </a:prstGeom>
-          <a:noFill/>
-        </p:spPr>
-        <p:txBody>
-          <a:bodyPr wrap="none" rtlCol="0">
-            <a:spAutoFit/>
-          </a:bodyPr>
-          <a:lstStyle/>
-          <a:p>
-            <a:r>
-              <a:rPr lang="en-US" altLang="ko-KR" sz="1200" dirty="0"/>
-              <a:t>Environment</a:t>
-            </a:r>
-            <a:endParaRPr lang="ko-KR" altLang="en-US" sz="1200" dirty="0"/>
-          </a:p>
-        </p:txBody>
-      </p:sp>
-      <p:sp>
-        <p:nvSpPr>
-          <p:cNvPr id="9" name="TextBox 8">
-            <a:extLst>
-              <a:ext uri="{FF2B5EF4-FFF2-40B4-BE49-F238E27FC236}">
-                <a16:creationId xmlns:a16="http://schemas.microsoft.com/office/drawing/2014/main" id="{436432E4-6A8D-4C01-BEF5-05843EDD45ED}"/>
-              </a:ext>
-            </a:extLst>
-          </p:cNvPr>
-          <p:cNvSpPr txBox="1"/>
-          <p:nvPr/>
-        </p:nvSpPr>
-        <p:spPr>
-          <a:xfrm>
-            <a:off x="7929119" y="231354"/>
-            <a:ext cx="1020600" cy="276999"/>
-          </a:xfrm>
-          <a:prstGeom prst="rect">
-            <a:avLst/>
-          </a:prstGeom>
-          <a:noFill/>
-        </p:spPr>
-        <p:txBody>
-          <a:bodyPr wrap="none" rtlCol="0">
-            <a:spAutoFit/>
-          </a:bodyPr>
-          <a:lstStyle/>
-          <a:p>
-            <a:r>
-              <a:rPr lang="en-US" altLang="ko-KR" sz="1200" dirty="0"/>
-              <a:t>Architecture</a:t>
-            </a:r>
-            <a:endParaRPr lang="ko-KR" altLang="en-US" sz="1200" dirty="0"/>
-          </a:p>
-        </p:txBody>
-      </p:sp>
-      <p:sp>
-        <p:nvSpPr>
-          <p:cNvPr id="10" name="TextBox 9">
-            <a:extLst>
-              <a:ext uri="{FF2B5EF4-FFF2-40B4-BE49-F238E27FC236}">
-                <a16:creationId xmlns:a16="http://schemas.microsoft.com/office/drawing/2014/main" id="{898A85B0-6B93-477A-8083-12355552FD85}"/>
-              </a:ext>
-            </a:extLst>
-          </p:cNvPr>
-          <p:cNvSpPr txBox="1"/>
-          <p:nvPr/>
-        </p:nvSpPr>
-        <p:spPr>
-          <a:xfrm>
-            <a:off x="8949719" y="231355"/>
-            <a:ext cx="1354794" cy="276999"/>
-          </a:xfrm>
-          <a:prstGeom prst="rect">
-            <a:avLst/>
-          </a:prstGeom>
-          <a:noFill/>
-        </p:spPr>
-        <p:txBody>
-          <a:bodyPr wrap="none" rtlCol="0">
-            <a:spAutoFit/>
-          </a:bodyPr>
-          <a:lstStyle/>
-          <a:p>
-            <a:r>
-              <a:rPr lang="en-US" altLang="ko-KR" sz="1200" dirty="0"/>
-              <a:t>Core Technology</a:t>
-            </a:r>
-            <a:endParaRPr lang="ko-KR" altLang="en-US" sz="1200" dirty="0"/>
-          </a:p>
-        </p:txBody>
-      </p:sp>
-      <p:sp>
-        <p:nvSpPr>
-          <p:cNvPr id="11" name="TextBox 10">
-            <a:extLst>
-              <a:ext uri="{FF2B5EF4-FFF2-40B4-BE49-F238E27FC236}">
-                <a16:creationId xmlns:a16="http://schemas.microsoft.com/office/drawing/2014/main" id="{8F0386BA-D88E-48CA-A783-34CC75783863}"/>
-              </a:ext>
-            </a:extLst>
-          </p:cNvPr>
-          <p:cNvSpPr txBox="1"/>
-          <p:nvPr/>
-        </p:nvSpPr>
-        <p:spPr>
-          <a:xfrm>
-            <a:off x="10304513" y="231354"/>
-            <a:ext cx="1693156" cy="276999"/>
-          </a:xfrm>
-          <a:prstGeom prst="rect">
-            <a:avLst/>
-          </a:prstGeom>
-          <a:noFill/>
-        </p:spPr>
-        <p:txBody>
-          <a:bodyPr wrap="none" rtlCol="0">
-            <a:spAutoFit/>
-          </a:bodyPr>
-          <a:lstStyle/>
-          <a:p>
-            <a:r>
-              <a:rPr lang="en-US" altLang="ko-KR" sz="1200" dirty="0">
-                <a:solidFill>
-                  <a:srgbClr val="0070C0"/>
-                </a:solidFill>
-              </a:rPr>
-              <a:t>Development Process</a:t>
-            </a:r>
-            <a:endParaRPr lang="ko-KR" altLang="en-US" sz="1200" dirty="0">
-              <a:solidFill>
-                <a:srgbClr val="0070C0"/>
-              </a:solidFill>
-            </a:endParaRPr>
-          </a:p>
-        </p:txBody>
-      </p:sp>
-      <p:sp>
-        <p:nvSpPr>
-          <p:cNvPr id="12" name="TextBox 11">
-            <a:extLst>
-              <a:ext uri="{FF2B5EF4-FFF2-40B4-BE49-F238E27FC236}">
-                <a16:creationId xmlns:a16="http://schemas.microsoft.com/office/drawing/2014/main" id="{76FCFFFC-96B6-4EBA-84EC-A6CF15AA68B6}"/>
-              </a:ext>
-            </a:extLst>
-          </p:cNvPr>
-          <p:cNvSpPr txBox="1"/>
-          <p:nvPr/>
-        </p:nvSpPr>
-        <p:spPr>
-          <a:xfrm>
-            <a:off x="686478" y="1267329"/>
-            <a:ext cx="2982369" cy="369332"/>
+            <a:off x="686477" y="4805877"/>
+            <a:ext cx="2141773" cy="333617"/>
           </a:xfrm>
           <a:prstGeom prst="rect">
             <a:avLst/>
@@ -4352,19 +4459,36 @@
           </a:bodyPr>
           <a:lstStyle/>
           <a:p>
-            <a:r>
-              <a:rPr lang="ko-KR" altLang="en-US" b="1" dirty="0"/>
-              <a:t>향후 계획</a:t>
-            </a:r>
-          </a:p>
-        </p:txBody>
-      </p:sp>
-      <p:sp>
-        <p:nvSpPr>
-          <p:cNvPr id="14" name="TextBox 13">
-            <a:extLst>
-              <a:ext uri="{FF2B5EF4-FFF2-40B4-BE49-F238E27FC236}">
-                <a16:creationId xmlns:a16="http://schemas.microsoft.com/office/drawing/2014/main" id="{CFD5CDA9-5982-494D-BA65-66B8379C6D96}"/>
+            <a:pPr algn="ctr">
+              <a:lnSpc>
+                <a:spcPct val="150000"/>
+              </a:lnSpc>
+            </a:pPr>
+            <a:r>
+              <a:rPr lang="ko-KR" altLang="en-US" sz="1200" dirty="0"/>
+              <a:t>개발 환경 </a:t>
+            </a:r>
+            <a:r>
+              <a:rPr lang="en-US" altLang="ko-KR" sz="1200" dirty="0"/>
+              <a:t>:</a:t>
+            </a:r>
+            <a:r>
+              <a:rPr lang="ko-KR" altLang="en-US" sz="1200" dirty="0"/>
+              <a:t> </a:t>
+            </a:r>
+            <a:r>
+              <a:rPr lang="en-US" altLang="ko-KR" sz="1200" dirty="0"/>
+              <a:t>Spring boot</a:t>
+            </a:r>
+          </a:p>
+        </p:txBody>
+      </p:sp>
+      <p:sp>
+        <p:nvSpPr>
+          <p:cNvPr id="16" name="TextBox 15">
+            <a:extLst>
+              <a:ext uri="{FF2B5EF4-FFF2-40B4-BE49-F238E27FC236}">
+                <a16:creationId xmlns:a16="http://schemas.microsoft.com/office/drawing/2014/main" id="{C4EC184C-E68C-40CC-A08A-CE6E0D47CEB7}"/>
               </a:ext>
             </a:extLst>
           </p:cNvPr>
@@ -4373,8 +4497,8 @@
         </p:nvSpPr>
         <p:spPr>
           <a:xfrm>
-            <a:off x="1762989" y="5305444"/>
-            <a:ext cx="3063270" cy="338554"/>
+            <a:off x="686478" y="2792755"/>
+            <a:ext cx="2141780" cy="333617"/>
           </a:xfrm>
           <a:prstGeom prst="rect">
             <a:avLst/>
@@ -4387,56 +4511,28 @@
           </a:bodyPr>
           <a:lstStyle/>
           <a:p>
-            <a:r>
-              <a:rPr lang="ko-KR" altLang="en-US" sz="1600" b="1" dirty="0"/>
-              <a:t>서버 계획</a:t>
-            </a:r>
-            <a:endParaRPr lang="en-US" altLang="ko-KR" sz="1600" b="1" dirty="0"/>
-          </a:p>
-        </p:txBody>
-      </p:sp>
-      <p:sp>
-        <p:nvSpPr>
-          <p:cNvPr id="17" name="TextBox 16">
-            <a:extLst>
-              <a:ext uri="{FF2B5EF4-FFF2-40B4-BE49-F238E27FC236}">
-                <a16:creationId xmlns:a16="http://schemas.microsoft.com/office/drawing/2014/main" id="{FB231B24-B272-48FD-BCCF-257AA8BD8296}"/>
-              </a:ext>
-            </a:extLst>
-          </p:cNvPr>
-          <p:cNvSpPr txBox="1"/>
-          <p:nvPr/>
-        </p:nvSpPr>
-        <p:spPr>
-          <a:xfrm>
-            <a:off x="231354" y="3827939"/>
-            <a:ext cx="3063270" cy="338554"/>
-          </a:xfrm>
-          <a:prstGeom prst="rect">
-            <a:avLst/>
-          </a:prstGeom>
-          <a:noFill/>
-        </p:spPr>
-        <p:txBody>
-          <a:bodyPr wrap="square" rtlCol="0">
-            <a:spAutoFit/>
-          </a:bodyPr>
-          <a:lstStyle/>
-          <a:p>
-            <a:r>
-              <a:rPr lang="ko-KR" altLang="en-US" sz="1600" b="1" dirty="0"/>
-              <a:t>개발 환경 결정</a:t>
-            </a:r>
-            <a:endParaRPr lang="en-US" altLang="ko-KR" sz="1600" b="1" dirty="0"/>
+            <a:pPr algn="ctr">
+              <a:lnSpc>
+                <a:spcPct val="150000"/>
+              </a:lnSpc>
+            </a:pPr>
+            <a:r>
+              <a:rPr lang="ko-KR" altLang="en-US" sz="1200" dirty="0"/>
+              <a:t>개발 환경 </a:t>
+            </a:r>
+            <a:r>
+              <a:rPr lang="en-US" altLang="ko-KR" sz="1200" dirty="0"/>
+              <a:t>: Android Studio</a:t>
+            </a:r>
           </a:p>
         </p:txBody>
       </p:sp>
       <p:cxnSp>
         <p:nvCxnSpPr>
-          <p:cNvPr id="19" name="직선 연결선 18">
-            <a:extLst>
-              <a:ext uri="{FF2B5EF4-FFF2-40B4-BE49-F238E27FC236}">
-                <a16:creationId xmlns:a16="http://schemas.microsoft.com/office/drawing/2014/main" id="{7E8A01C9-D479-4399-98F5-5F5DC318460B}"/>
+          <p:cNvPr id="18" name="직선 연결선 17">
+            <a:extLst>
+              <a:ext uri="{FF2B5EF4-FFF2-40B4-BE49-F238E27FC236}">
+                <a16:creationId xmlns:a16="http://schemas.microsoft.com/office/drawing/2014/main" id="{7CAE3233-8318-4F29-990E-D89AB7B7B394}"/>
               </a:ext>
             </a:extLst>
           </p:cNvPr>
@@ -4446,174 +4542,14 @@
           <p:nvPr/>
         </p:nvCxnSpPr>
         <p:spPr>
-          <a:xfrm flipV="1">
-            <a:off x="1910660" y="3978881"/>
-            <a:ext cx="9778577" cy="18335"/>
+          <a:xfrm>
+            <a:off x="2669756" y="3975050"/>
+            <a:ext cx="0" cy="713908"/>
           </a:xfrm>
           <a:prstGeom prst="line">
             <a:avLst/>
           </a:prstGeom>
-          <a:ln w="19050">
-            <a:solidFill>
-              <a:schemeClr val="tx1"/>
-            </a:solidFill>
-            <a:headEnd type="none" w="med" len="med"/>
-            <a:tailEnd type="arrow" w="lg" len="lg"/>
-          </a:ln>
-        </p:spPr>
-        <p:style>
-          <a:lnRef idx="1">
-            <a:schemeClr val="accent1"/>
-          </a:lnRef>
-          <a:fillRef idx="0">
-            <a:schemeClr val="accent1"/>
-          </a:fillRef>
-          <a:effectRef idx="0">
-            <a:schemeClr val="accent1"/>
-          </a:effectRef>
-          <a:fontRef idx="minor">
-            <a:schemeClr val="tx1"/>
-          </a:fontRef>
-        </p:style>
-      </p:cxnSp>
-      <p:sp>
-        <p:nvSpPr>
-          <p:cNvPr id="16" name="TextBox 15">
-            <a:extLst>
-              <a:ext uri="{FF2B5EF4-FFF2-40B4-BE49-F238E27FC236}">
-                <a16:creationId xmlns:a16="http://schemas.microsoft.com/office/drawing/2014/main" id="{D770479D-652B-40C5-BB9A-0B22F43CD673}"/>
-              </a:ext>
-            </a:extLst>
-          </p:cNvPr>
-          <p:cNvSpPr txBox="1"/>
-          <p:nvPr/>
-        </p:nvSpPr>
-        <p:spPr>
-          <a:xfrm>
-            <a:off x="1762989" y="2309107"/>
-            <a:ext cx="3063270" cy="338554"/>
-          </a:xfrm>
-          <a:prstGeom prst="rect">
-            <a:avLst/>
-          </a:prstGeom>
-          <a:noFill/>
-        </p:spPr>
-        <p:txBody>
-          <a:bodyPr wrap="square" rtlCol="0">
-            <a:spAutoFit/>
-          </a:bodyPr>
-          <a:lstStyle/>
-          <a:p>
-            <a:r>
-              <a:rPr lang="ko-KR" altLang="en-US" sz="1600" b="1" dirty="0"/>
-              <a:t>안드로이드 계획</a:t>
-            </a:r>
-            <a:endParaRPr lang="en-US" altLang="ko-KR" sz="1600" b="1" dirty="0"/>
-          </a:p>
-        </p:txBody>
-      </p:sp>
-      <p:cxnSp>
-        <p:nvCxnSpPr>
-          <p:cNvPr id="15" name="직선 연결선 14">
-            <a:extLst>
-              <a:ext uri="{FF2B5EF4-FFF2-40B4-BE49-F238E27FC236}">
-                <a16:creationId xmlns:a16="http://schemas.microsoft.com/office/drawing/2014/main" id="{D282570B-98E4-40CF-BCC5-92960E8D8465}"/>
-              </a:ext>
-            </a:extLst>
-          </p:cNvPr>
-          <p:cNvCxnSpPr>
-            <a:cxnSpLocks/>
-          </p:cNvCxnSpPr>
-          <p:nvPr/>
-        </p:nvCxnSpPr>
-        <p:spPr>
-          <a:xfrm>
-            <a:off x="3129699" y="3429000"/>
-            <a:ext cx="0" cy="568216"/>
-          </a:xfrm>
-          <a:prstGeom prst="line">
-            <a:avLst/>
-          </a:prstGeom>
-          <a:ln w="28575">
-            <a:solidFill>
-              <a:schemeClr val="tx1"/>
-            </a:solidFill>
-          </a:ln>
-        </p:spPr>
-        <p:style>
-          <a:lnRef idx="1">
-            <a:schemeClr val="accent1"/>
-          </a:lnRef>
-          <a:fillRef idx="0">
-            <a:schemeClr val="accent1"/>
-          </a:fillRef>
-          <a:effectRef idx="0">
-            <a:schemeClr val="accent1"/>
-          </a:effectRef>
-          <a:fontRef idx="minor">
-            <a:schemeClr val="tx1"/>
-          </a:fontRef>
-        </p:style>
-      </p:cxnSp>
-      <p:sp>
-        <p:nvSpPr>
-          <p:cNvPr id="21" name="TextBox 20">
-            <a:extLst>
-              <a:ext uri="{FF2B5EF4-FFF2-40B4-BE49-F238E27FC236}">
-                <a16:creationId xmlns:a16="http://schemas.microsoft.com/office/drawing/2014/main" id="{F99F13E5-A38F-4B42-8747-067118510EDA}"/>
-              </a:ext>
-            </a:extLst>
-          </p:cNvPr>
-          <p:cNvSpPr txBox="1"/>
-          <p:nvPr/>
-        </p:nvSpPr>
-        <p:spPr>
-          <a:xfrm>
-            <a:off x="2384110" y="3004549"/>
-            <a:ext cx="1491177" cy="338554"/>
-          </a:xfrm>
-          <a:prstGeom prst="rect">
-            <a:avLst/>
-          </a:prstGeom>
-          <a:noFill/>
-        </p:spPr>
-        <p:txBody>
-          <a:bodyPr wrap="square" rtlCol="0">
-            <a:spAutoFit/>
-          </a:bodyPr>
-          <a:lstStyle/>
-          <a:p>
-            <a:r>
-              <a:rPr lang="ko-KR" altLang="en-US" sz="1600" b="1" dirty="0"/>
-              <a:t>레이아웃 구성</a:t>
-            </a:r>
-            <a:endParaRPr lang="en-US" altLang="ko-KR" sz="1600" b="1" dirty="0"/>
-          </a:p>
-        </p:txBody>
-      </p:sp>
-      <p:cxnSp>
-        <p:nvCxnSpPr>
-          <p:cNvPr id="22" name="직선 연결선 21">
-            <a:extLst>
-              <a:ext uri="{FF2B5EF4-FFF2-40B4-BE49-F238E27FC236}">
-                <a16:creationId xmlns:a16="http://schemas.microsoft.com/office/drawing/2014/main" id="{C7E3EA71-851F-455F-9153-36C174F59D9E}"/>
-              </a:ext>
-            </a:extLst>
-          </p:cNvPr>
-          <p:cNvCxnSpPr>
-            <a:cxnSpLocks/>
-          </p:cNvCxnSpPr>
-          <p:nvPr/>
-        </p:nvCxnSpPr>
-        <p:spPr>
-          <a:xfrm>
-            <a:off x="2818613" y="3997216"/>
-            <a:ext cx="0" cy="568216"/>
-          </a:xfrm>
-          <a:prstGeom prst="line">
-            <a:avLst/>
-          </a:prstGeom>
-          <a:ln w="28575">
+          <a:ln w="12700">
             <a:solidFill>
               <a:schemeClr val="tx1"/>
             </a:solidFill>
@@ -4636,10 +4572,10 @@
       </p:cxnSp>
       <p:cxnSp>
         <p:nvCxnSpPr>
-          <p:cNvPr id="23" name="직선 연결선 22">
-            <a:extLst>
-              <a:ext uri="{FF2B5EF4-FFF2-40B4-BE49-F238E27FC236}">
-                <a16:creationId xmlns:a16="http://schemas.microsoft.com/office/drawing/2014/main" id="{FE521378-3F64-458E-8788-29BB121BF63D}"/>
+          <p:cNvPr id="22" name="직선 연결선 21">
+            <a:extLst>
+              <a:ext uri="{FF2B5EF4-FFF2-40B4-BE49-F238E27FC236}">
+                <a16:creationId xmlns:a16="http://schemas.microsoft.com/office/drawing/2014/main" id="{49C53F12-C455-4743-B690-3CF6A9ADF691}"/>
               </a:ext>
             </a:extLst>
           </p:cNvPr>
@@ -4650,56 +4586,13 @@
         </p:nvCxnSpPr>
         <p:spPr>
           <a:xfrm>
-            <a:off x="4799550" y="3004549"/>
-            <a:ext cx="0" cy="992667"/>
+            <a:off x="686478" y="4686134"/>
+            <a:ext cx="1983278" cy="0"/>
           </a:xfrm>
           <a:prstGeom prst="line">
             <a:avLst/>
           </a:prstGeom>
-          <a:ln w="28575">
-            <a:solidFill>
-              <a:schemeClr val="tx1"/>
-            </a:solidFill>
-          </a:ln>
-        </p:spPr>
-        <p:style>
-          <a:lnRef idx="1">
-            <a:schemeClr val="accent1"/>
-          </a:lnRef>
-          <a:fillRef idx="0">
-            <a:schemeClr val="accent1"/>
-          </a:fillRef>
-          <a:effectRef idx="0">
-            <a:schemeClr val="accent1"/>
-          </a:effectRef>
-          <a:fontRef idx="minor">
-            <a:schemeClr val="tx1"/>
-          </a:fontRef>
-        </p:style>
-      </p:cxnSp>
-      <p:cxnSp>
-        <p:nvCxnSpPr>
-          <p:cNvPr id="24" name="직선 연결선 23">
-            <a:extLst>
-              <a:ext uri="{FF2B5EF4-FFF2-40B4-BE49-F238E27FC236}">
-                <a16:creationId xmlns:a16="http://schemas.microsoft.com/office/drawing/2014/main" id="{922B7BD5-1996-4918-B115-2A31AD280DCA}"/>
-              </a:ext>
-            </a:extLst>
-          </p:cNvPr>
-          <p:cNvCxnSpPr>
-            <a:cxnSpLocks/>
-          </p:cNvCxnSpPr>
-          <p:nvPr/>
-        </p:nvCxnSpPr>
-        <p:spPr>
-          <a:xfrm>
-            <a:off x="6585800" y="3429000"/>
-            <a:ext cx="0" cy="568216"/>
-          </a:xfrm>
-          <a:prstGeom prst="line">
-            <a:avLst/>
-          </a:prstGeom>
-          <a:ln w="28575">
+          <a:ln w="12700">
             <a:solidFill>
               <a:schemeClr val="tx1"/>
             </a:solidFill>
@@ -4725,7 +4618,7 @@
           <p:cNvPr id="25" name="직선 연결선 24">
             <a:extLst>
               <a:ext uri="{FF2B5EF4-FFF2-40B4-BE49-F238E27FC236}">
-                <a16:creationId xmlns:a16="http://schemas.microsoft.com/office/drawing/2014/main" id="{48ED583C-5C6C-49B6-A2C0-3CBB057DB208}"/>
+                <a16:creationId xmlns:a16="http://schemas.microsoft.com/office/drawing/2014/main" id="{40E54D5D-BAE0-4C35-808D-764A3C42AF82}"/>
               </a:ext>
             </a:extLst>
           </p:cNvPr>
@@ -4736,13 +4629,13 @@
         </p:nvCxnSpPr>
         <p:spPr>
           <a:xfrm>
-            <a:off x="8424566" y="3429000"/>
-            <a:ext cx="0" cy="568216"/>
+            <a:off x="2669756" y="3264195"/>
+            <a:ext cx="0" cy="710855"/>
           </a:xfrm>
           <a:prstGeom prst="line">
             <a:avLst/>
           </a:prstGeom>
-          <a:ln w="28575">
+          <a:ln w="12700">
             <a:solidFill>
               <a:schemeClr val="tx1"/>
             </a:solidFill>
@@ -4768,7 +4661,7 @@
           <p:cNvPr id="26" name="직선 연결선 25">
             <a:extLst>
               <a:ext uri="{FF2B5EF4-FFF2-40B4-BE49-F238E27FC236}">
-                <a16:creationId xmlns:a16="http://schemas.microsoft.com/office/drawing/2014/main" id="{3F026D76-FFC2-4691-83F4-BD3DBC89758F}"/>
+                <a16:creationId xmlns:a16="http://schemas.microsoft.com/office/drawing/2014/main" id="{D696D2DA-DEB0-4E58-B6A1-2A7CF1FCAC38}"/>
               </a:ext>
             </a:extLst>
           </p:cNvPr>
@@ -4779,13 +4672,13 @@
         </p:nvCxnSpPr>
         <p:spPr>
           <a:xfrm>
-            <a:off x="4507583" y="3997216"/>
-            <a:ext cx="0" cy="568216"/>
+            <a:off x="686478" y="3264195"/>
+            <a:ext cx="1983278" cy="0"/>
           </a:xfrm>
           <a:prstGeom prst="line">
             <a:avLst/>
           </a:prstGeom>
-          <a:ln w="28575">
+          <a:ln w="12700">
             <a:solidFill>
               <a:schemeClr val="tx1"/>
             </a:solidFill>
@@ -4808,10 +4701,10 @@
       </p:cxnSp>
       <p:cxnSp>
         <p:nvCxnSpPr>
-          <p:cNvPr id="27" name="직선 연결선 26">
-            <a:extLst>
-              <a:ext uri="{FF2B5EF4-FFF2-40B4-BE49-F238E27FC236}">
-                <a16:creationId xmlns:a16="http://schemas.microsoft.com/office/drawing/2014/main" id="{C598853D-83BD-4467-A8CB-ED8A9F587085}"/>
+          <p:cNvPr id="31" name="직선 연결선 30">
+            <a:extLst>
+              <a:ext uri="{FF2B5EF4-FFF2-40B4-BE49-F238E27FC236}">
+                <a16:creationId xmlns:a16="http://schemas.microsoft.com/office/drawing/2014/main" id="{1F37E21C-2FAD-40CB-B232-9673E6B24DC1}"/>
               </a:ext>
             </a:extLst>
           </p:cNvPr>
@@ -4822,13 +4715,13 @@
         </p:nvCxnSpPr>
         <p:spPr>
           <a:xfrm>
-            <a:off x="6320729" y="3978881"/>
-            <a:ext cx="0" cy="568216"/>
+            <a:off x="686478" y="2963150"/>
+            <a:ext cx="0" cy="301045"/>
           </a:xfrm>
           <a:prstGeom prst="line">
             <a:avLst/>
           </a:prstGeom>
-          <a:ln w="28575">
+          <a:ln w="12700">
             <a:solidFill>
               <a:schemeClr val="tx1"/>
             </a:solidFill>
@@ -4851,10 +4744,10 @@
       </p:cxnSp>
       <p:cxnSp>
         <p:nvCxnSpPr>
-          <p:cNvPr id="28" name="직선 연결선 27">
-            <a:extLst>
-              <a:ext uri="{FF2B5EF4-FFF2-40B4-BE49-F238E27FC236}">
-                <a16:creationId xmlns:a16="http://schemas.microsoft.com/office/drawing/2014/main" id="{107A4C37-B675-40FD-B2C7-366DF8869354}"/>
+          <p:cNvPr id="33" name="직선 연결선 32">
+            <a:extLst>
+              <a:ext uri="{FF2B5EF4-FFF2-40B4-BE49-F238E27FC236}">
+                <a16:creationId xmlns:a16="http://schemas.microsoft.com/office/drawing/2014/main" id="{FE4007D6-454E-4C6F-8FD4-100068AE2AD2}"/>
               </a:ext>
             </a:extLst>
           </p:cNvPr>
@@ -4865,13 +4758,13 @@
         </p:nvCxnSpPr>
         <p:spPr>
           <a:xfrm>
-            <a:off x="8118050" y="3997216"/>
-            <a:ext cx="0" cy="568216"/>
+            <a:off x="686478" y="4686134"/>
+            <a:ext cx="0" cy="301045"/>
           </a:xfrm>
           <a:prstGeom prst="line">
             <a:avLst/>
           </a:prstGeom>
-          <a:ln w="28575">
+          <a:ln w="12700">
             <a:solidFill>
               <a:schemeClr val="tx1"/>
             </a:solidFill>
@@ -4892,365 +4785,12 @@
           </a:fontRef>
         </p:style>
       </p:cxnSp>
-      <p:sp>
-        <p:nvSpPr>
-          <p:cNvPr id="29" name="TextBox 28">
-            <a:extLst>
-              <a:ext uri="{FF2B5EF4-FFF2-40B4-BE49-F238E27FC236}">
-                <a16:creationId xmlns:a16="http://schemas.microsoft.com/office/drawing/2014/main" id="{7D17B7B3-BAB7-4F8A-B060-EE0E22EE8436}"/>
-              </a:ext>
-            </a:extLst>
-          </p:cNvPr>
-          <p:cNvSpPr txBox="1"/>
-          <p:nvPr/>
-        </p:nvSpPr>
-        <p:spPr>
-          <a:xfrm>
-            <a:off x="3875287" y="2656828"/>
-            <a:ext cx="2042039" cy="338554"/>
-          </a:xfrm>
-          <a:prstGeom prst="rect">
-            <a:avLst/>
-          </a:prstGeom>
-          <a:noFill/>
-        </p:spPr>
-        <p:txBody>
-          <a:bodyPr wrap="square" rtlCol="0">
-            <a:spAutoFit/>
-          </a:bodyPr>
-          <a:lstStyle/>
-          <a:p>
-            <a:r>
-              <a:rPr lang="ko-KR" altLang="en-US" sz="1600" b="1" dirty="0"/>
-              <a:t>지도 </a:t>
-            </a:r>
-            <a:r>
-              <a:rPr lang="en-US" altLang="ko-KR" sz="1600" b="1" dirty="0" err="1"/>
-              <a:t>api</a:t>
-            </a:r>
-            <a:r>
-              <a:rPr lang="en-US" altLang="ko-KR" sz="1600" b="1" dirty="0"/>
-              <a:t> </a:t>
-            </a:r>
-            <a:r>
-              <a:rPr lang="ko-KR" altLang="en-US" sz="1600" b="1" dirty="0"/>
-              <a:t>기능 구현</a:t>
-            </a:r>
-            <a:endParaRPr lang="en-US" altLang="ko-KR" sz="1600" b="1" dirty="0"/>
-          </a:p>
-        </p:txBody>
-      </p:sp>
-      <p:sp>
-        <p:nvSpPr>
-          <p:cNvPr id="31" name="TextBox 30">
-            <a:extLst>
-              <a:ext uri="{FF2B5EF4-FFF2-40B4-BE49-F238E27FC236}">
-                <a16:creationId xmlns:a16="http://schemas.microsoft.com/office/drawing/2014/main" id="{476244EB-D892-41D3-9773-8B9E6213512F}"/>
-              </a:ext>
-            </a:extLst>
-          </p:cNvPr>
-          <p:cNvSpPr txBox="1"/>
-          <p:nvPr/>
-        </p:nvSpPr>
-        <p:spPr>
-          <a:xfrm>
-            <a:off x="5561781" y="2995382"/>
-            <a:ext cx="2154773" cy="338554"/>
-          </a:xfrm>
-          <a:prstGeom prst="rect">
-            <a:avLst/>
-          </a:prstGeom>
-          <a:noFill/>
-        </p:spPr>
-        <p:txBody>
-          <a:bodyPr wrap="square" rtlCol="0">
-            <a:spAutoFit/>
-          </a:bodyPr>
-          <a:lstStyle/>
-          <a:p>
-            <a:r>
-              <a:rPr lang="en-US" altLang="ko-KR" sz="1600" b="1" dirty="0"/>
-              <a:t>Oracle – </a:t>
-            </a:r>
-            <a:r>
-              <a:rPr lang="ko-KR" altLang="en-US" sz="1600" b="1" dirty="0" err="1"/>
-              <a:t>안드</a:t>
-            </a:r>
-            <a:r>
-              <a:rPr lang="ko-KR" altLang="en-US" sz="1600" b="1" dirty="0"/>
-              <a:t> 연동</a:t>
-            </a:r>
-            <a:endParaRPr lang="en-US" altLang="ko-KR" sz="1600" b="1" dirty="0"/>
-          </a:p>
-        </p:txBody>
-      </p:sp>
-      <p:sp>
-        <p:nvSpPr>
-          <p:cNvPr id="32" name="TextBox 31">
-            <a:extLst>
-              <a:ext uri="{FF2B5EF4-FFF2-40B4-BE49-F238E27FC236}">
-                <a16:creationId xmlns:a16="http://schemas.microsoft.com/office/drawing/2014/main" id="{368C546D-B55D-4124-8F09-9DE23DC11DD7}"/>
-              </a:ext>
-            </a:extLst>
-          </p:cNvPr>
-          <p:cNvSpPr txBox="1"/>
-          <p:nvPr/>
-        </p:nvSpPr>
-        <p:spPr>
-          <a:xfrm>
-            <a:off x="7733195" y="3004549"/>
-            <a:ext cx="1491177" cy="338554"/>
-          </a:xfrm>
-          <a:prstGeom prst="rect">
-            <a:avLst/>
-          </a:prstGeom>
-          <a:noFill/>
-        </p:spPr>
-        <p:txBody>
-          <a:bodyPr wrap="square" rtlCol="0">
-            <a:spAutoFit/>
-          </a:bodyPr>
-          <a:lstStyle/>
-          <a:p>
-            <a:r>
-              <a:rPr lang="ko-KR" altLang="en-US" sz="1600" b="1" dirty="0"/>
-              <a:t>각 기능 구현</a:t>
-            </a:r>
-            <a:endParaRPr lang="en-US" altLang="ko-KR" sz="1600" b="1" dirty="0"/>
-          </a:p>
-        </p:txBody>
-      </p:sp>
-      <p:sp>
-        <p:nvSpPr>
-          <p:cNvPr id="33" name="TextBox 32">
-            <a:extLst>
-              <a:ext uri="{FF2B5EF4-FFF2-40B4-BE49-F238E27FC236}">
-                <a16:creationId xmlns:a16="http://schemas.microsoft.com/office/drawing/2014/main" id="{2973688E-A0E7-4211-A001-2CA0385AC3E1}"/>
-              </a:ext>
-            </a:extLst>
-          </p:cNvPr>
-          <p:cNvSpPr txBox="1"/>
-          <p:nvPr/>
-        </p:nvSpPr>
-        <p:spPr>
-          <a:xfrm>
-            <a:off x="2073024" y="4669662"/>
-            <a:ext cx="1491177" cy="584775"/>
-          </a:xfrm>
-          <a:prstGeom prst="rect">
-            <a:avLst/>
-          </a:prstGeom>
-          <a:noFill/>
-        </p:spPr>
-        <p:txBody>
-          <a:bodyPr wrap="square" rtlCol="0">
-            <a:spAutoFit/>
-          </a:bodyPr>
-          <a:lstStyle/>
-          <a:p>
-            <a:r>
-              <a:rPr lang="en-US" altLang="ko-KR" sz="1600" b="1" dirty="0"/>
-              <a:t>Spring boot - Oracle </a:t>
-            </a:r>
-            <a:r>
-              <a:rPr lang="ko-KR" altLang="en-US" sz="1600" b="1" dirty="0"/>
-              <a:t>연동</a:t>
-            </a:r>
-            <a:endParaRPr lang="en-US" altLang="ko-KR" sz="1600" b="1" dirty="0"/>
-          </a:p>
-        </p:txBody>
-      </p:sp>
-      <p:sp>
-        <p:nvSpPr>
-          <p:cNvPr id="34" name="TextBox 33">
-            <a:extLst>
-              <a:ext uri="{FF2B5EF4-FFF2-40B4-BE49-F238E27FC236}">
-                <a16:creationId xmlns:a16="http://schemas.microsoft.com/office/drawing/2014/main" id="{C18E7D90-C1C3-41B3-B2E7-2E24AD1C22E2}"/>
-              </a:ext>
-            </a:extLst>
-          </p:cNvPr>
-          <p:cNvSpPr txBox="1"/>
-          <p:nvPr/>
-        </p:nvSpPr>
-        <p:spPr>
-          <a:xfrm>
-            <a:off x="3761994" y="4669662"/>
-            <a:ext cx="1545273" cy="1323439"/>
-          </a:xfrm>
-          <a:prstGeom prst="rect">
-            <a:avLst/>
-          </a:prstGeom>
-          <a:noFill/>
-        </p:spPr>
-        <p:txBody>
-          <a:bodyPr wrap="square" rtlCol="0">
-            <a:spAutoFit/>
-          </a:bodyPr>
-          <a:lstStyle/>
-          <a:p>
-            <a:r>
-              <a:rPr lang="ko-KR" altLang="en-US" sz="1600" b="1" dirty="0"/>
-              <a:t>네이버 클라우드 플랫폼 서버</a:t>
-            </a:r>
-            <a:endParaRPr lang="en-US" altLang="ko-KR" sz="1600" b="1" dirty="0"/>
-          </a:p>
-          <a:p>
-            <a:endParaRPr lang="en-US" altLang="ko-KR" sz="1600" b="1" dirty="0"/>
-          </a:p>
-          <a:p>
-            <a:r>
-              <a:rPr lang="en-US" altLang="ko-KR" sz="1600" b="1" dirty="0"/>
-              <a:t>=</a:t>
-            </a:r>
-            <a:r>
-              <a:rPr lang="ko-KR" altLang="en-US" sz="1600" b="1" dirty="0"/>
-              <a:t> 중간에 한번 거치는 웹 서버 </a:t>
-            </a:r>
-            <a:endParaRPr lang="en-US" altLang="ko-KR" sz="1600" b="1" dirty="0"/>
-          </a:p>
-        </p:txBody>
-      </p:sp>
-      <p:sp>
-        <p:nvSpPr>
-          <p:cNvPr id="35" name="TextBox 34">
-            <a:extLst>
-              <a:ext uri="{FF2B5EF4-FFF2-40B4-BE49-F238E27FC236}">
-                <a16:creationId xmlns:a16="http://schemas.microsoft.com/office/drawing/2014/main" id="{C50DC025-857A-4759-B2DF-4B9A37E9780E}"/>
-              </a:ext>
-            </a:extLst>
-          </p:cNvPr>
-          <p:cNvSpPr txBox="1"/>
-          <p:nvPr/>
-        </p:nvSpPr>
-        <p:spPr>
-          <a:xfrm>
-            <a:off x="5561781" y="4660496"/>
-            <a:ext cx="1491177" cy="830997"/>
-          </a:xfrm>
-          <a:prstGeom prst="rect">
-            <a:avLst/>
-          </a:prstGeom>
-          <a:noFill/>
-        </p:spPr>
-        <p:txBody>
-          <a:bodyPr wrap="square" rtlCol="0">
-            <a:spAutoFit/>
-          </a:bodyPr>
-          <a:lstStyle/>
-          <a:p>
-            <a:r>
-              <a:rPr lang="ko-KR" altLang="en-US" sz="1600" b="1" dirty="0"/>
-              <a:t>로그인 기능 </a:t>
-            </a:r>
-            <a:r>
-              <a:rPr lang="en-US" altLang="ko-KR" sz="1600" b="1" dirty="0"/>
-              <a:t>– </a:t>
-            </a:r>
-            <a:r>
-              <a:rPr lang="en-US" altLang="ko-KR" sz="1600" b="1" dirty="0" err="1"/>
-              <a:t>kakao</a:t>
-            </a:r>
-            <a:r>
-              <a:rPr lang="en-US" altLang="ko-KR" sz="1600" b="1"/>
-              <a:t> API </a:t>
-            </a:r>
-            <a:r>
-              <a:rPr lang="ko-KR" altLang="en-US" sz="1600" b="1"/>
-              <a:t>이용</a:t>
-            </a:r>
-            <a:endParaRPr lang="en-US" altLang="ko-KR" sz="1600" b="1" dirty="0"/>
-          </a:p>
-        </p:txBody>
-      </p:sp>
-      <p:sp>
-        <p:nvSpPr>
-          <p:cNvPr id="36" name="TextBox 35">
-            <a:extLst>
-              <a:ext uri="{FF2B5EF4-FFF2-40B4-BE49-F238E27FC236}">
-                <a16:creationId xmlns:a16="http://schemas.microsoft.com/office/drawing/2014/main" id="{487CCD70-3BDC-45BE-A33D-EEDE2940C342}"/>
-              </a:ext>
-            </a:extLst>
-          </p:cNvPr>
-          <p:cNvSpPr txBox="1"/>
-          <p:nvPr/>
-        </p:nvSpPr>
-        <p:spPr>
-          <a:xfrm>
-            <a:off x="7458418" y="4669662"/>
-            <a:ext cx="1491177" cy="338554"/>
-          </a:xfrm>
-          <a:prstGeom prst="rect">
-            <a:avLst/>
-          </a:prstGeom>
-          <a:noFill/>
-        </p:spPr>
-        <p:txBody>
-          <a:bodyPr wrap="square" rtlCol="0">
-            <a:spAutoFit/>
-          </a:bodyPr>
-          <a:lstStyle/>
-          <a:p>
-            <a:r>
-              <a:rPr lang="ko-KR" altLang="en-US" sz="1600" b="1" dirty="0"/>
-              <a:t>각 기능 구현</a:t>
-            </a:r>
-            <a:endParaRPr lang="en-US" altLang="ko-KR" sz="1600" b="1" dirty="0"/>
-          </a:p>
-        </p:txBody>
-      </p:sp>
-      <p:sp>
-        <p:nvSpPr>
-          <p:cNvPr id="37" name="TextBox 36">
-            <a:extLst>
-              <a:ext uri="{FF2B5EF4-FFF2-40B4-BE49-F238E27FC236}">
-                <a16:creationId xmlns:a16="http://schemas.microsoft.com/office/drawing/2014/main" id="{1B329EB2-4EAB-461E-B564-43561355B889}"/>
-              </a:ext>
-            </a:extLst>
-          </p:cNvPr>
-          <p:cNvSpPr txBox="1"/>
-          <p:nvPr/>
-        </p:nvSpPr>
-        <p:spPr>
-          <a:xfrm>
-            <a:off x="5317576" y="6032124"/>
-            <a:ext cx="6744135" cy="338554"/>
-          </a:xfrm>
-          <a:prstGeom prst="rect">
-            <a:avLst/>
-          </a:prstGeom>
-          <a:noFill/>
-        </p:spPr>
-        <p:txBody>
-          <a:bodyPr wrap="square" rtlCol="0">
-            <a:spAutoFit/>
-          </a:bodyPr>
-          <a:lstStyle/>
-          <a:p>
-            <a:r>
-              <a:rPr lang="ko-KR" altLang="en-US" sz="1600" b="1" dirty="0"/>
-              <a:t>개발 과정에서 변화 생길 시</a:t>
-            </a:r>
-            <a:r>
-              <a:rPr lang="en-US" altLang="ko-KR" sz="1600" b="1" dirty="0"/>
-              <a:t>, </a:t>
-            </a:r>
-            <a:r>
-              <a:rPr lang="ko-KR" altLang="en-US" sz="1600" b="1" dirty="0"/>
-              <a:t>소통을 통해 바로 대처 할 예정</a:t>
-            </a:r>
-            <a:r>
-              <a:rPr lang="en-US" altLang="ko-KR" sz="1600" b="1" dirty="0"/>
-              <a:t>.</a:t>
-            </a:r>
-          </a:p>
-        </p:txBody>
-      </p:sp>
       <p:cxnSp>
         <p:nvCxnSpPr>
-          <p:cNvPr id="39" name="직선 연결선 38">
-            <a:extLst>
-              <a:ext uri="{FF2B5EF4-FFF2-40B4-BE49-F238E27FC236}">
-                <a16:creationId xmlns:a16="http://schemas.microsoft.com/office/drawing/2014/main" id="{8D3B394C-EB73-4D80-AA44-A868D7A69218}"/>
+          <p:cNvPr id="38" name="직선 연결선 37">
+            <a:extLst>
+              <a:ext uri="{FF2B5EF4-FFF2-40B4-BE49-F238E27FC236}">
+                <a16:creationId xmlns:a16="http://schemas.microsoft.com/office/drawing/2014/main" id="{BFCD7070-E58E-498F-A2D7-C9808E620297}"/>
               </a:ext>
             </a:extLst>
           </p:cNvPr>
@@ -5261,15 +4801,15 @@
         </p:nvCxnSpPr>
         <p:spPr>
           <a:xfrm>
-            <a:off x="9927996" y="3429000"/>
-            <a:ext cx="0" cy="1118097"/>
+            <a:off x="2462813" y="5591138"/>
+            <a:ext cx="1983278" cy="0"/>
           </a:xfrm>
           <a:prstGeom prst="line">
             <a:avLst/>
           </a:prstGeom>
-          <a:ln w="28575">
+          <a:ln w="12700">
             <a:solidFill>
-              <a:schemeClr val="tx1"/>
+              <a:srgbClr val="003C68"/>
             </a:solidFill>
           </a:ln>
         </p:spPr>
@@ -5288,149 +4828,12 @@
           </a:fontRef>
         </p:style>
       </p:cxnSp>
-      <p:sp>
-        <p:nvSpPr>
-          <p:cNvPr id="43" name="TextBox 42">
-            <a:extLst>
-              <a:ext uri="{FF2B5EF4-FFF2-40B4-BE49-F238E27FC236}">
-                <a16:creationId xmlns:a16="http://schemas.microsoft.com/office/drawing/2014/main" id="{1F0A29DF-731F-459C-B7C0-E1969A585F82}"/>
-              </a:ext>
-            </a:extLst>
-          </p:cNvPr>
-          <p:cNvSpPr txBox="1"/>
-          <p:nvPr/>
-        </p:nvSpPr>
-        <p:spPr>
-          <a:xfrm>
-            <a:off x="9602850" y="2995382"/>
-            <a:ext cx="634660" cy="338554"/>
-          </a:xfrm>
-          <a:prstGeom prst="rect">
-            <a:avLst/>
-          </a:prstGeom>
-          <a:noFill/>
-        </p:spPr>
-        <p:txBody>
-          <a:bodyPr wrap="square" rtlCol="0">
-            <a:spAutoFit/>
-          </a:bodyPr>
-          <a:lstStyle/>
-          <a:p>
-            <a:r>
-              <a:rPr lang="ko-KR" altLang="en-US" sz="1600" b="1" dirty="0"/>
-              <a:t>완성</a:t>
-            </a:r>
-            <a:endParaRPr lang="en-US" altLang="ko-KR" sz="1600" b="1" dirty="0"/>
-          </a:p>
-        </p:txBody>
-      </p:sp>
-      <p:sp>
-        <p:nvSpPr>
-          <p:cNvPr id="44" name="TextBox 43">
-            <a:extLst>
-              <a:ext uri="{FF2B5EF4-FFF2-40B4-BE49-F238E27FC236}">
-                <a16:creationId xmlns:a16="http://schemas.microsoft.com/office/drawing/2014/main" id="{6D76A2FB-8D6A-4DF7-9F54-ECB6175CA480}"/>
-              </a:ext>
-            </a:extLst>
-          </p:cNvPr>
-          <p:cNvSpPr txBox="1"/>
-          <p:nvPr/>
-        </p:nvSpPr>
-        <p:spPr>
-          <a:xfrm>
-            <a:off x="9669853" y="4652760"/>
-            <a:ext cx="634660" cy="338554"/>
-          </a:xfrm>
-          <a:prstGeom prst="rect">
-            <a:avLst/>
-          </a:prstGeom>
-          <a:noFill/>
-        </p:spPr>
-        <p:txBody>
-          <a:bodyPr wrap="square" rtlCol="0">
-            <a:spAutoFit/>
-          </a:bodyPr>
-          <a:lstStyle/>
-          <a:p>
-            <a:r>
-              <a:rPr lang="ko-KR" altLang="en-US" sz="1600" b="1" dirty="0"/>
-              <a:t>완성</a:t>
-            </a:r>
-            <a:endParaRPr lang="en-US" altLang="ko-KR" sz="1600" b="1" dirty="0"/>
-          </a:p>
-        </p:txBody>
-      </p:sp>
-    </p:spTree>
-    <p:extLst>
-      <p:ext uri="{BB962C8B-B14F-4D97-AF65-F5344CB8AC3E}">
-        <p14:creationId xmlns:p14="http://schemas.microsoft.com/office/powerpoint/2010/main" val="3943572866"/>
-      </p:ext>
-    </p:extLst>
-  </p:cSld>
-  <p:clrMapOvr>
-    <a:masterClrMapping/>
-  </p:clrMapOvr>
-</p:sld>
-</file>
-
-<file path=ppt/slides/slide11.xml><?xml version="1.0" encoding="utf-8"?>
-<p:sld xmlns:a="http://schemas.openxmlformats.org/drawingml/2006/main" xmlns:r="http://schemas.openxmlformats.org/officeDocument/2006/relationships" xmlns:p="http://schemas.openxmlformats.org/presentationml/2006/main">
-  <p:cSld>
-    <p:spTree>
-      <p:nvGrpSpPr>
-        <p:cNvPr id="1" name=""/>
-        <p:cNvGrpSpPr/>
-        <p:nvPr/>
-      </p:nvGrpSpPr>
-      <p:grpSpPr>
-        <a:xfrm>
-          <a:off x="0" y="0"/>
-          <a:ext cx="0" cy="0"/>
-          <a:chOff x="0" y="0"/>
-          <a:chExt cx="0" cy="0"/>
-        </a:xfrm>
-      </p:grpSpPr>
-      <p:sp>
-        <p:nvSpPr>
-          <p:cNvPr id="4" name="TextBox 3">
-            <a:extLst>
-              <a:ext uri="{FF2B5EF4-FFF2-40B4-BE49-F238E27FC236}">
-                <a16:creationId xmlns:a16="http://schemas.microsoft.com/office/drawing/2014/main" id="{565939C4-D575-4568-9F1F-823A532B1F45}"/>
-              </a:ext>
-            </a:extLst>
-          </p:cNvPr>
-          <p:cNvSpPr txBox="1"/>
-          <p:nvPr/>
-        </p:nvSpPr>
-        <p:spPr>
-          <a:xfrm>
-            <a:off x="231354" y="231354"/>
-            <a:ext cx="3358612" cy="461665"/>
-          </a:xfrm>
-          <a:prstGeom prst="rect">
-            <a:avLst/>
-          </a:prstGeom>
-          <a:noFill/>
-        </p:spPr>
-        <p:txBody>
-          <a:bodyPr wrap="none" rtlCol="0">
-            <a:spAutoFit/>
-          </a:bodyPr>
-          <a:lstStyle/>
-          <a:p>
-            <a:r>
-              <a:rPr lang="en-US" altLang="ko-KR" sz="2400" b="1" dirty="0"/>
-              <a:t>Development Process</a:t>
-            </a:r>
-          </a:p>
-        </p:txBody>
-      </p:sp>
       <p:cxnSp>
         <p:nvCxnSpPr>
-          <p:cNvPr id="5" name="직선 연결선 4">
-            <a:extLst>
-              <a:ext uri="{FF2B5EF4-FFF2-40B4-BE49-F238E27FC236}">
-                <a16:creationId xmlns:a16="http://schemas.microsoft.com/office/drawing/2014/main" id="{BFE9EEFE-8BC0-4879-9D12-2A8BC074C22E}"/>
+          <p:cNvPr id="41" name="직선 연결선 40">
+            <a:extLst>
+              <a:ext uri="{FF2B5EF4-FFF2-40B4-BE49-F238E27FC236}">
+                <a16:creationId xmlns:a16="http://schemas.microsoft.com/office/drawing/2014/main" id="{D71E23AF-8046-4333-9A5B-A9C2901E153E}"/>
               </a:ext>
             </a:extLst>
           </p:cNvPr>
@@ -5441,18 +4844,16 @@
         </p:nvCxnSpPr>
         <p:spPr>
           <a:xfrm>
-            <a:off x="5586235" y="122850"/>
-            <a:ext cx="6475476" cy="0"/>
+            <a:off x="2462813" y="2059383"/>
+            <a:ext cx="0" cy="513705"/>
           </a:xfrm>
           <a:prstGeom prst="line">
             <a:avLst/>
           </a:prstGeom>
           <a:ln w="12700">
             <a:solidFill>
-              <a:schemeClr val="tx1"/>
+              <a:srgbClr val="003C68"/>
             </a:solidFill>
-            <a:headEnd type="none" w="med" len="med"/>
-            <a:tailEnd type="arrow" w="lg" len="lg"/>
           </a:ln>
         </p:spPr>
         <p:style>
@@ -5470,12 +4871,184 @@
           </a:fontRef>
         </p:style>
       </p:cxnSp>
-      <p:sp>
-        <p:nvSpPr>
-          <p:cNvPr id="6" name="TextBox 5">
-            <a:extLst>
-              <a:ext uri="{FF2B5EF4-FFF2-40B4-BE49-F238E27FC236}">
-                <a16:creationId xmlns:a16="http://schemas.microsoft.com/office/drawing/2014/main" id="{DDC4FEB6-5B26-4F0F-A146-69E3C363501F}"/>
+      <p:cxnSp>
+        <p:nvCxnSpPr>
+          <p:cNvPr id="42" name="직선 연결선 41">
+            <a:extLst>
+              <a:ext uri="{FF2B5EF4-FFF2-40B4-BE49-F238E27FC236}">
+                <a16:creationId xmlns:a16="http://schemas.microsoft.com/office/drawing/2014/main" id="{5B4C910C-D363-48B4-9522-547CC6D9A5D9}"/>
+              </a:ext>
+            </a:extLst>
+          </p:cNvPr>
+          <p:cNvCxnSpPr>
+            <a:cxnSpLocks/>
+          </p:cNvCxnSpPr>
+          <p:nvPr/>
+        </p:nvCxnSpPr>
+        <p:spPr>
+          <a:xfrm>
+            <a:off x="2462813" y="5591138"/>
+            <a:ext cx="0" cy="301045"/>
+          </a:xfrm>
+          <a:prstGeom prst="line">
+            <a:avLst/>
+          </a:prstGeom>
+          <a:ln w="12700">
+            <a:solidFill>
+              <a:srgbClr val="003C68"/>
+            </a:solidFill>
+          </a:ln>
+        </p:spPr>
+        <p:style>
+          <a:lnRef idx="1">
+            <a:schemeClr val="accent1"/>
+          </a:lnRef>
+          <a:fillRef idx="0">
+            <a:schemeClr val="accent1"/>
+          </a:fillRef>
+          <a:effectRef idx="0">
+            <a:schemeClr val="accent1"/>
+          </a:effectRef>
+          <a:fontRef idx="minor">
+            <a:schemeClr val="tx1"/>
+          </a:fontRef>
+        </p:style>
+      </p:cxnSp>
+      <p:cxnSp>
+        <p:nvCxnSpPr>
+          <p:cNvPr id="49" name="직선 연결선 48">
+            <a:extLst>
+              <a:ext uri="{FF2B5EF4-FFF2-40B4-BE49-F238E27FC236}">
+                <a16:creationId xmlns:a16="http://schemas.microsoft.com/office/drawing/2014/main" id="{446B6CAC-7A7C-435D-AF04-AB55024E2766}"/>
+              </a:ext>
+            </a:extLst>
+          </p:cNvPr>
+          <p:cNvCxnSpPr>
+            <a:cxnSpLocks/>
+          </p:cNvCxnSpPr>
+          <p:nvPr/>
+        </p:nvCxnSpPr>
+        <p:spPr>
+          <a:xfrm>
+            <a:off x="4446091" y="2573088"/>
+            <a:ext cx="0" cy="1403428"/>
+          </a:xfrm>
+          <a:prstGeom prst="line">
+            <a:avLst/>
+          </a:prstGeom>
+          <a:ln w="12700">
+            <a:solidFill>
+              <a:srgbClr val="003C68"/>
+            </a:solidFill>
+          </a:ln>
+        </p:spPr>
+        <p:style>
+          <a:lnRef idx="1">
+            <a:schemeClr val="accent1"/>
+          </a:lnRef>
+          <a:fillRef idx="0">
+            <a:schemeClr val="accent1"/>
+          </a:fillRef>
+          <a:effectRef idx="0">
+            <a:schemeClr val="accent1"/>
+          </a:effectRef>
+          <a:fontRef idx="minor">
+            <a:schemeClr val="tx1"/>
+          </a:fontRef>
+        </p:style>
+      </p:cxnSp>
+      <p:cxnSp>
+        <p:nvCxnSpPr>
+          <p:cNvPr id="51" name="직선 연결선 50">
+            <a:extLst>
+              <a:ext uri="{FF2B5EF4-FFF2-40B4-BE49-F238E27FC236}">
+                <a16:creationId xmlns:a16="http://schemas.microsoft.com/office/drawing/2014/main" id="{154FA58E-95CF-450A-83FE-473BAC933AFF}"/>
+              </a:ext>
+            </a:extLst>
+          </p:cNvPr>
+          <p:cNvCxnSpPr>
+            <a:cxnSpLocks/>
+          </p:cNvCxnSpPr>
+          <p:nvPr/>
+        </p:nvCxnSpPr>
+        <p:spPr>
+          <a:xfrm>
+            <a:off x="4446091" y="3965137"/>
+            <a:ext cx="0" cy="1616088"/>
+          </a:xfrm>
+          <a:prstGeom prst="line">
+            <a:avLst/>
+          </a:prstGeom>
+          <a:ln w="12700">
+            <a:solidFill>
+              <a:srgbClr val="003C68"/>
+            </a:solidFill>
+          </a:ln>
+        </p:spPr>
+        <p:style>
+          <a:lnRef idx="1">
+            <a:schemeClr val="accent1"/>
+          </a:lnRef>
+          <a:fillRef idx="0">
+            <a:schemeClr val="accent1"/>
+          </a:fillRef>
+          <a:effectRef idx="0">
+            <a:schemeClr val="accent1"/>
+          </a:effectRef>
+          <a:fontRef idx="minor">
+            <a:schemeClr val="tx1"/>
+          </a:fontRef>
+        </p:style>
+      </p:cxnSp>
+      <p:cxnSp>
+        <p:nvCxnSpPr>
+          <p:cNvPr id="70" name="직선 연결선 69">
+            <a:extLst>
+              <a:ext uri="{FF2B5EF4-FFF2-40B4-BE49-F238E27FC236}">
+                <a16:creationId xmlns:a16="http://schemas.microsoft.com/office/drawing/2014/main" id="{A2CB8075-A620-4CBC-A2A0-E45FBA4908B9}"/>
+              </a:ext>
+            </a:extLst>
+          </p:cNvPr>
+          <p:cNvCxnSpPr>
+            <a:cxnSpLocks/>
+          </p:cNvCxnSpPr>
+          <p:nvPr/>
+        </p:nvCxnSpPr>
+        <p:spPr>
+          <a:xfrm>
+            <a:off x="2462813" y="2573088"/>
+            <a:ext cx="1983278" cy="0"/>
+          </a:xfrm>
+          <a:prstGeom prst="line">
+            <a:avLst/>
+          </a:prstGeom>
+          <a:ln w="12700">
+            <a:solidFill>
+              <a:srgbClr val="003C68"/>
+            </a:solidFill>
+          </a:ln>
+        </p:spPr>
+        <p:style>
+          <a:lnRef idx="1">
+            <a:schemeClr val="accent1"/>
+          </a:lnRef>
+          <a:fillRef idx="0">
+            <a:schemeClr val="accent1"/>
+          </a:fillRef>
+          <a:effectRef idx="0">
+            <a:schemeClr val="accent1"/>
+          </a:effectRef>
+          <a:fontRef idx="minor">
+            <a:schemeClr val="tx1"/>
+          </a:fontRef>
+        </p:style>
+      </p:cxnSp>
+      <p:sp>
+        <p:nvSpPr>
+          <p:cNvPr id="71" name="TextBox 70">
+            <a:extLst>
+              <a:ext uri="{FF2B5EF4-FFF2-40B4-BE49-F238E27FC236}">
+                <a16:creationId xmlns:a16="http://schemas.microsoft.com/office/drawing/2014/main" id="{2BBB072C-76BE-40CB-9777-8940E048D656}"/>
               </a:ext>
             </a:extLst>
           </p:cNvPr>
@@ -5484,232 +5057,8 @@
         </p:nvSpPr>
         <p:spPr>
           <a:xfrm>
-            <a:off x="5604443" y="231355"/>
-            <a:ext cx="716286" cy="276999"/>
-          </a:xfrm>
-          <a:prstGeom prst="rect">
-            <a:avLst/>
-          </a:prstGeom>
-          <a:noFill/>
-        </p:spPr>
-        <p:txBody>
-          <a:bodyPr wrap="none" rtlCol="0">
-            <a:spAutoFit/>
-          </a:bodyPr>
-          <a:lstStyle/>
-          <a:p>
-            <a:r>
-              <a:rPr lang="en-US" altLang="ko-KR" sz="1200" dirty="0"/>
-              <a:t>Preview</a:t>
-            </a:r>
-            <a:endParaRPr lang="ko-KR" altLang="en-US" sz="1200" dirty="0"/>
-          </a:p>
-        </p:txBody>
-      </p:sp>
-      <p:sp>
-        <p:nvSpPr>
-          <p:cNvPr id="7" name="TextBox 6">
-            <a:extLst>
-              <a:ext uri="{FF2B5EF4-FFF2-40B4-BE49-F238E27FC236}">
-                <a16:creationId xmlns:a16="http://schemas.microsoft.com/office/drawing/2014/main" id="{1C9DDA0A-F980-4E1D-83FD-D5A5F3D249D0}"/>
-              </a:ext>
-            </a:extLst>
-          </p:cNvPr>
-          <p:cNvSpPr txBox="1"/>
-          <p:nvPr/>
-        </p:nvSpPr>
-        <p:spPr>
-          <a:xfrm>
-            <a:off x="6320729" y="231355"/>
-            <a:ext cx="545855" cy="276999"/>
-          </a:xfrm>
-          <a:prstGeom prst="rect">
-            <a:avLst/>
-          </a:prstGeom>
-          <a:noFill/>
-        </p:spPr>
-        <p:txBody>
-          <a:bodyPr wrap="none" rtlCol="0">
-            <a:spAutoFit/>
-          </a:bodyPr>
-          <a:lstStyle/>
-          <a:p>
-            <a:r>
-              <a:rPr lang="en-US" altLang="ko-KR" sz="1200" dirty="0"/>
-              <a:t>Team</a:t>
-            </a:r>
-            <a:endParaRPr lang="ko-KR" altLang="en-US" sz="1200" dirty="0"/>
-          </a:p>
-        </p:txBody>
-      </p:sp>
-      <p:sp>
-        <p:nvSpPr>
-          <p:cNvPr id="8" name="TextBox 7">
-            <a:extLst>
-              <a:ext uri="{FF2B5EF4-FFF2-40B4-BE49-F238E27FC236}">
-                <a16:creationId xmlns:a16="http://schemas.microsoft.com/office/drawing/2014/main" id="{DF48F0D6-48B6-41ED-B5FC-479983F1A736}"/>
-              </a:ext>
-            </a:extLst>
-          </p:cNvPr>
-          <p:cNvSpPr txBox="1"/>
-          <p:nvPr/>
-        </p:nvSpPr>
-        <p:spPr>
-          <a:xfrm>
-            <a:off x="6866584" y="231355"/>
-            <a:ext cx="1062535" cy="276999"/>
-          </a:xfrm>
-          <a:prstGeom prst="rect">
-            <a:avLst/>
-          </a:prstGeom>
-          <a:noFill/>
-        </p:spPr>
-        <p:txBody>
-          <a:bodyPr wrap="none" rtlCol="0">
-            <a:spAutoFit/>
-          </a:bodyPr>
-          <a:lstStyle/>
-          <a:p>
-            <a:r>
-              <a:rPr lang="en-US" altLang="ko-KR" sz="1200" dirty="0"/>
-              <a:t>Environment</a:t>
-            </a:r>
-            <a:endParaRPr lang="ko-KR" altLang="en-US" sz="1200" dirty="0"/>
-          </a:p>
-        </p:txBody>
-      </p:sp>
-      <p:sp>
-        <p:nvSpPr>
-          <p:cNvPr id="9" name="TextBox 8">
-            <a:extLst>
-              <a:ext uri="{FF2B5EF4-FFF2-40B4-BE49-F238E27FC236}">
-                <a16:creationId xmlns:a16="http://schemas.microsoft.com/office/drawing/2014/main" id="{436432E4-6A8D-4C01-BEF5-05843EDD45ED}"/>
-              </a:ext>
-            </a:extLst>
-          </p:cNvPr>
-          <p:cNvSpPr txBox="1"/>
-          <p:nvPr/>
-        </p:nvSpPr>
-        <p:spPr>
-          <a:xfrm>
-            <a:off x="7929119" y="231354"/>
-            <a:ext cx="1020600" cy="276999"/>
-          </a:xfrm>
-          <a:prstGeom prst="rect">
-            <a:avLst/>
-          </a:prstGeom>
-          <a:noFill/>
-        </p:spPr>
-        <p:txBody>
-          <a:bodyPr wrap="none" rtlCol="0">
-            <a:spAutoFit/>
-          </a:bodyPr>
-          <a:lstStyle/>
-          <a:p>
-            <a:r>
-              <a:rPr lang="en-US" altLang="ko-KR" sz="1200" dirty="0"/>
-              <a:t>Architecture</a:t>
-            </a:r>
-            <a:endParaRPr lang="ko-KR" altLang="en-US" sz="1200" dirty="0"/>
-          </a:p>
-        </p:txBody>
-      </p:sp>
-      <p:sp>
-        <p:nvSpPr>
-          <p:cNvPr id="10" name="TextBox 9">
-            <a:extLst>
-              <a:ext uri="{FF2B5EF4-FFF2-40B4-BE49-F238E27FC236}">
-                <a16:creationId xmlns:a16="http://schemas.microsoft.com/office/drawing/2014/main" id="{898A85B0-6B93-477A-8083-12355552FD85}"/>
-              </a:ext>
-            </a:extLst>
-          </p:cNvPr>
-          <p:cNvSpPr txBox="1"/>
-          <p:nvPr/>
-        </p:nvSpPr>
-        <p:spPr>
-          <a:xfrm>
-            <a:off x="8949719" y="231355"/>
-            <a:ext cx="1354794" cy="276999"/>
-          </a:xfrm>
-          <a:prstGeom prst="rect">
-            <a:avLst/>
-          </a:prstGeom>
-          <a:noFill/>
-        </p:spPr>
-        <p:txBody>
-          <a:bodyPr wrap="none" rtlCol="0">
-            <a:spAutoFit/>
-          </a:bodyPr>
-          <a:lstStyle/>
-          <a:p>
-            <a:r>
-              <a:rPr lang="en-US" altLang="ko-KR" sz="1200" dirty="0"/>
-              <a:t>Core Technology</a:t>
-            </a:r>
-            <a:endParaRPr lang="ko-KR" altLang="en-US" sz="1200" dirty="0"/>
-          </a:p>
-        </p:txBody>
-      </p:sp>
-      <p:sp>
-        <p:nvSpPr>
-          <p:cNvPr id="11" name="TextBox 10">
-            <a:extLst>
-              <a:ext uri="{FF2B5EF4-FFF2-40B4-BE49-F238E27FC236}">
-                <a16:creationId xmlns:a16="http://schemas.microsoft.com/office/drawing/2014/main" id="{8F0386BA-D88E-48CA-A783-34CC75783863}"/>
-              </a:ext>
-            </a:extLst>
-          </p:cNvPr>
-          <p:cNvSpPr txBox="1"/>
-          <p:nvPr/>
-        </p:nvSpPr>
-        <p:spPr>
-          <a:xfrm>
-            <a:off x="10304513" y="231354"/>
-            <a:ext cx="1693156" cy="276999"/>
-          </a:xfrm>
-          <a:prstGeom prst="rect">
-            <a:avLst/>
-          </a:prstGeom>
-          <a:noFill/>
-        </p:spPr>
-        <p:txBody>
-          <a:bodyPr wrap="none" rtlCol="0">
-            <a:spAutoFit/>
-          </a:bodyPr>
-          <a:lstStyle/>
-          <a:p>
-            <a:r>
-              <a:rPr lang="en-US" altLang="ko-KR" sz="1200" dirty="0">
-                <a:solidFill>
-                  <a:srgbClr val="0070C0"/>
-                </a:solidFill>
-              </a:rPr>
-              <a:t>Development Process</a:t>
-            </a:r>
-            <a:endParaRPr lang="ko-KR" altLang="en-US" sz="1200" dirty="0">
-              <a:solidFill>
-                <a:srgbClr val="0070C0"/>
-              </a:solidFill>
-            </a:endParaRPr>
-          </a:p>
-        </p:txBody>
-      </p:sp>
-      <p:sp>
-        <p:nvSpPr>
-          <p:cNvPr id="12" name="TextBox 11">
-            <a:extLst>
-              <a:ext uri="{FF2B5EF4-FFF2-40B4-BE49-F238E27FC236}">
-                <a16:creationId xmlns:a16="http://schemas.microsoft.com/office/drawing/2014/main" id="{76FCFFFC-96B6-4EBA-84EC-A6CF15AA68B6}"/>
-              </a:ext>
-            </a:extLst>
-          </p:cNvPr>
-          <p:cNvSpPr txBox="1"/>
-          <p:nvPr/>
-        </p:nvSpPr>
-        <p:spPr>
-          <a:xfrm>
-            <a:off x="686478" y="1267329"/>
-            <a:ext cx="2982369" cy="369332"/>
+            <a:off x="5092987" y="4805877"/>
+            <a:ext cx="2141777" cy="610616"/>
           </a:xfrm>
           <a:prstGeom prst="rect">
             <a:avLst/>
@@ -5722,19 +5071,44 @@
           </a:bodyPr>
           <a:lstStyle/>
           <a:p>
-            <a:r>
-              <a:rPr lang="ko-KR" altLang="en-US" b="1" dirty="0"/>
-              <a:t>향후 계획</a:t>
-            </a:r>
-          </a:p>
-        </p:txBody>
-      </p:sp>
-      <p:sp>
-        <p:nvSpPr>
-          <p:cNvPr id="14" name="TextBox 13">
-            <a:extLst>
-              <a:ext uri="{FF2B5EF4-FFF2-40B4-BE49-F238E27FC236}">
-                <a16:creationId xmlns:a16="http://schemas.microsoft.com/office/drawing/2014/main" id="{CFD5CDA9-5982-494D-BA65-66B8379C6D96}"/>
+            <a:pPr algn="ctr">
+              <a:lnSpc>
+                <a:spcPct val="150000"/>
+              </a:lnSpc>
+            </a:pPr>
+            <a:r>
+              <a:rPr lang="en-US" altLang="ko-KR" sz="1200" dirty="0" err="1"/>
+              <a:t>kakao</a:t>
+            </a:r>
+            <a:r>
+              <a:rPr lang="en-US" altLang="ko-KR" sz="1200" dirty="0"/>
+              <a:t> API</a:t>
+            </a:r>
+            <a:r>
+              <a:rPr lang="ko-KR" altLang="en-US" sz="1200" dirty="0"/>
+              <a:t>를 이용한 </a:t>
+            </a:r>
+            <a:endParaRPr lang="en-US" altLang="ko-KR" sz="1200" dirty="0"/>
+          </a:p>
+          <a:p>
+            <a:pPr algn="ctr">
+              <a:lnSpc>
+                <a:spcPct val="150000"/>
+              </a:lnSpc>
+            </a:pPr>
+            <a:r>
+              <a:rPr lang="ko-KR" altLang="en-US" sz="1200" dirty="0"/>
+              <a:t>자동 로그인 기능 구현</a:t>
+            </a:r>
+          </a:p>
+        </p:txBody>
+      </p:sp>
+      <p:sp>
+        <p:nvSpPr>
+          <p:cNvPr id="72" name="TextBox 71">
+            <a:extLst>
+              <a:ext uri="{FF2B5EF4-FFF2-40B4-BE49-F238E27FC236}">
+                <a16:creationId xmlns:a16="http://schemas.microsoft.com/office/drawing/2014/main" id="{E31ED079-7775-435E-95A3-386D8206A0AF}"/>
               </a:ext>
             </a:extLst>
           </p:cNvPr>
@@ -5743,8 +5117,8 @@
         </p:nvSpPr>
         <p:spPr>
           <a:xfrm>
-            <a:off x="379025" y="4206664"/>
-            <a:ext cx="3063270" cy="338554"/>
+            <a:off x="5092988" y="2792755"/>
+            <a:ext cx="2141780" cy="333617"/>
           </a:xfrm>
           <a:prstGeom prst="rect">
             <a:avLst/>
@@ -5757,20 +5131,298 @@
           </a:bodyPr>
           <a:lstStyle/>
           <a:p>
-            <a:r>
-              <a:rPr lang="ko-KR" altLang="en-US" sz="1600" b="1" dirty="0"/>
-              <a:t>서버 계획</a:t>
-            </a:r>
-            <a:endParaRPr lang="en-US" altLang="ko-KR" sz="1600" b="1" dirty="0"/>
-          </a:p>
-        </p:txBody>
-      </p:sp>
-      <p:sp>
-        <p:nvSpPr>
-          <p:cNvPr id="17" name="TextBox 16">
-            <a:extLst>
-              <a:ext uri="{FF2B5EF4-FFF2-40B4-BE49-F238E27FC236}">
-                <a16:creationId xmlns:a16="http://schemas.microsoft.com/office/drawing/2014/main" id="{FB231B24-B272-48FD-BCCF-257AA8BD8296}"/>
+            <a:pPr algn="ctr">
+              <a:lnSpc>
+                <a:spcPct val="150000"/>
+              </a:lnSpc>
+            </a:pPr>
+            <a:r>
+              <a:rPr lang="en-US" altLang="ko-KR" sz="1200" dirty="0"/>
+              <a:t>GPS + </a:t>
+            </a:r>
+            <a:r>
+              <a:rPr lang="ko-KR" altLang="en-US" sz="1200" dirty="0"/>
+              <a:t>지도 </a:t>
+            </a:r>
+            <a:r>
+              <a:rPr lang="en-US" altLang="ko-KR" sz="1200" dirty="0" err="1"/>
+              <a:t>api</a:t>
+            </a:r>
+            <a:r>
+              <a:rPr lang="en-US" altLang="ko-KR" sz="1200" dirty="0"/>
+              <a:t> </a:t>
+            </a:r>
+            <a:r>
+              <a:rPr lang="ko-KR" altLang="en-US" sz="1200" dirty="0"/>
+              <a:t>기능 구현</a:t>
+            </a:r>
+          </a:p>
+        </p:txBody>
+      </p:sp>
+      <p:cxnSp>
+        <p:nvCxnSpPr>
+          <p:cNvPr id="73" name="직선 연결선 72">
+            <a:extLst>
+              <a:ext uri="{FF2B5EF4-FFF2-40B4-BE49-F238E27FC236}">
+                <a16:creationId xmlns:a16="http://schemas.microsoft.com/office/drawing/2014/main" id="{C090755B-D3EA-415C-9B0F-750CD5C24189}"/>
+              </a:ext>
+            </a:extLst>
+          </p:cNvPr>
+          <p:cNvCxnSpPr>
+            <a:cxnSpLocks/>
+          </p:cNvCxnSpPr>
+          <p:nvPr/>
+        </p:nvCxnSpPr>
+        <p:spPr>
+          <a:xfrm>
+            <a:off x="7076266" y="3975050"/>
+            <a:ext cx="0" cy="713908"/>
+          </a:xfrm>
+          <a:prstGeom prst="line">
+            <a:avLst/>
+          </a:prstGeom>
+          <a:ln w="12700">
+            <a:solidFill>
+              <a:srgbClr val="005998"/>
+            </a:solidFill>
+          </a:ln>
+        </p:spPr>
+        <p:style>
+          <a:lnRef idx="1">
+            <a:schemeClr val="accent1"/>
+          </a:lnRef>
+          <a:fillRef idx="0">
+            <a:schemeClr val="accent1"/>
+          </a:fillRef>
+          <a:effectRef idx="0">
+            <a:schemeClr val="accent1"/>
+          </a:effectRef>
+          <a:fontRef idx="minor">
+            <a:schemeClr val="tx1"/>
+          </a:fontRef>
+        </p:style>
+      </p:cxnSp>
+      <p:cxnSp>
+        <p:nvCxnSpPr>
+          <p:cNvPr id="74" name="직선 연결선 73">
+            <a:extLst>
+              <a:ext uri="{FF2B5EF4-FFF2-40B4-BE49-F238E27FC236}">
+                <a16:creationId xmlns:a16="http://schemas.microsoft.com/office/drawing/2014/main" id="{CA064504-3C3D-427F-A7D3-57C78C5E4DC4}"/>
+              </a:ext>
+            </a:extLst>
+          </p:cNvPr>
+          <p:cNvCxnSpPr>
+            <a:cxnSpLocks/>
+          </p:cNvCxnSpPr>
+          <p:nvPr/>
+        </p:nvCxnSpPr>
+        <p:spPr>
+          <a:xfrm>
+            <a:off x="5092988" y="4686134"/>
+            <a:ext cx="1983278" cy="0"/>
+          </a:xfrm>
+          <a:prstGeom prst="line">
+            <a:avLst/>
+          </a:prstGeom>
+          <a:ln w="12700">
+            <a:solidFill>
+              <a:srgbClr val="005998"/>
+            </a:solidFill>
+          </a:ln>
+        </p:spPr>
+        <p:style>
+          <a:lnRef idx="1">
+            <a:schemeClr val="accent1"/>
+          </a:lnRef>
+          <a:fillRef idx="0">
+            <a:schemeClr val="accent1"/>
+          </a:fillRef>
+          <a:effectRef idx="0">
+            <a:schemeClr val="accent1"/>
+          </a:effectRef>
+          <a:fontRef idx="minor">
+            <a:schemeClr val="tx1"/>
+          </a:fontRef>
+        </p:style>
+      </p:cxnSp>
+      <p:cxnSp>
+        <p:nvCxnSpPr>
+          <p:cNvPr id="75" name="직선 연결선 74">
+            <a:extLst>
+              <a:ext uri="{FF2B5EF4-FFF2-40B4-BE49-F238E27FC236}">
+                <a16:creationId xmlns:a16="http://schemas.microsoft.com/office/drawing/2014/main" id="{A6806FB3-D7FB-4498-93B1-B10CB4DF4FD9}"/>
+              </a:ext>
+            </a:extLst>
+          </p:cNvPr>
+          <p:cNvCxnSpPr>
+            <a:cxnSpLocks/>
+          </p:cNvCxnSpPr>
+          <p:nvPr/>
+        </p:nvCxnSpPr>
+        <p:spPr>
+          <a:xfrm>
+            <a:off x="7076266" y="3264195"/>
+            <a:ext cx="0" cy="710855"/>
+          </a:xfrm>
+          <a:prstGeom prst="line">
+            <a:avLst/>
+          </a:prstGeom>
+          <a:ln w="12700">
+            <a:solidFill>
+              <a:srgbClr val="005998"/>
+            </a:solidFill>
+          </a:ln>
+        </p:spPr>
+        <p:style>
+          <a:lnRef idx="1">
+            <a:schemeClr val="accent1"/>
+          </a:lnRef>
+          <a:fillRef idx="0">
+            <a:schemeClr val="accent1"/>
+          </a:fillRef>
+          <a:effectRef idx="0">
+            <a:schemeClr val="accent1"/>
+          </a:effectRef>
+          <a:fontRef idx="minor">
+            <a:schemeClr val="tx1"/>
+          </a:fontRef>
+        </p:style>
+      </p:cxnSp>
+      <p:cxnSp>
+        <p:nvCxnSpPr>
+          <p:cNvPr id="76" name="직선 연결선 75">
+            <a:extLst>
+              <a:ext uri="{FF2B5EF4-FFF2-40B4-BE49-F238E27FC236}">
+                <a16:creationId xmlns:a16="http://schemas.microsoft.com/office/drawing/2014/main" id="{C887F495-F862-4FE5-867A-DE3F7C72B190}"/>
+              </a:ext>
+            </a:extLst>
+          </p:cNvPr>
+          <p:cNvCxnSpPr>
+            <a:cxnSpLocks/>
+          </p:cNvCxnSpPr>
+          <p:nvPr/>
+        </p:nvCxnSpPr>
+        <p:spPr>
+          <a:xfrm>
+            <a:off x="5092988" y="3264195"/>
+            <a:ext cx="1983278" cy="0"/>
+          </a:xfrm>
+          <a:prstGeom prst="line">
+            <a:avLst/>
+          </a:prstGeom>
+          <a:ln w="12700">
+            <a:solidFill>
+              <a:srgbClr val="005998"/>
+            </a:solidFill>
+          </a:ln>
+        </p:spPr>
+        <p:style>
+          <a:lnRef idx="1">
+            <a:schemeClr val="accent1"/>
+          </a:lnRef>
+          <a:fillRef idx="0">
+            <a:schemeClr val="accent1"/>
+          </a:fillRef>
+          <a:effectRef idx="0">
+            <a:schemeClr val="accent1"/>
+          </a:effectRef>
+          <a:fontRef idx="minor">
+            <a:schemeClr val="tx1"/>
+          </a:fontRef>
+        </p:style>
+      </p:cxnSp>
+      <p:cxnSp>
+        <p:nvCxnSpPr>
+          <p:cNvPr id="77" name="직선 연결선 76">
+            <a:extLst>
+              <a:ext uri="{FF2B5EF4-FFF2-40B4-BE49-F238E27FC236}">
+                <a16:creationId xmlns:a16="http://schemas.microsoft.com/office/drawing/2014/main" id="{E12F202F-11D0-4E8C-83E9-A74E1A45D670}"/>
+              </a:ext>
+            </a:extLst>
+          </p:cNvPr>
+          <p:cNvCxnSpPr>
+            <a:cxnSpLocks/>
+          </p:cNvCxnSpPr>
+          <p:nvPr/>
+        </p:nvCxnSpPr>
+        <p:spPr>
+          <a:xfrm>
+            <a:off x="5092988" y="2963150"/>
+            <a:ext cx="0" cy="301045"/>
+          </a:xfrm>
+          <a:prstGeom prst="line">
+            <a:avLst/>
+          </a:prstGeom>
+          <a:ln w="12700">
+            <a:solidFill>
+              <a:srgbClr val="003C68"/>
+            </a:solidFill>
+          </a:ln>
+        </p:spPr>
+        <p:style>
+          <a:lnRef idx="1">
+            <a:schemeClr val="accent1"/>
+          </a:lnRef>
+          <a:fillRef idx="0">
+            <a:schemeClr val="accent1"/>
+          </a:fillRef>
+          <a:effectRef idx="0">
+            <a:schemeClr val="accent1"/>
+          </a:effectRef>
+          <a:fontRef idx="minor">
+            <a:schemeClr val="tx1"/>
+          </a:fontRef>
+        </p:style>
+      </p:cxnSp>
+      <p:cxnSp>
+        <p:nvCxnSpPr>
+          <p:cNvPr id="78" name="직선 연결선 77">
+            <a:extLst>
+              <a:ext uri="{FF2B5EF4-FFF2-40B4-BE49-F238E27FC236}">
+                <a16:creationId xmlns:a16="http://schemas.microsoft.com/office/drawing/2014/main" id="{592047AD-7012-48D4-9A36-589DE0671E2B}"/>
+              </a:ext>
+            </a:extLst>
+          </p:cNvPr>
+          <p:cNvCxnSpPr>
+            <a:cxnSpLocks/>
+          </p:cNvCxnSpPr>
+          <p:nvPr/>
+        </p:nvCxnSpPr>
+        <p:spPr>
+          <a:xfrm>
+            <a:off x="5092988" y="4686134"/>
+            <a:ext cx="0" cy="301045"/>
+          </a:xfrm>
+          <a:prstGeom prst="line">
+            <a:avLst/>
+          </a:prstGeom>
+          <a:ln w="12700">
+            <a:solidFill>
+              <a:srgbClr val="003C68"/>
+            </a:solidFill>
+          </a:ln>
+        </p:spPr>
+        <p:style>
+          <a:lnRef idx="1">
+            <a:schemeClr val="accent1"/>
+          </a:lnRef>
+          <a:fillRef idx="0">
+            <a:schemeClr val="accent1"/>
+          </a:fillRef>
+          <a:effectRef idx="0">
+            <a:schemeClr val="accent1"/>
+          </a:effectRef>
+          <a:fontRef idx="minor">
+            <a:schemeClr val="tx1"/>
+          </a:fontRef>
+        </p:style>
+      </p:cxnSp>
+      <p:sp>
+        <p:nvSpPr>
+          <p:cNvPr id="79" name="TextBox 78">
+            <a:extLst>
+              <a:ext uri="{FF2B5EF4-FFF2-40B4-BE49-F238E27FC236}">
+                <a16:creationId xmlns:a16="http://schemas.microsoft.com/office/drawing/2014/main" id="{6284784E-646F-417D-977A-8A514DB53028}"/>
               </a:ext>
             </a:extLst>
           </p:cNvPr>
@@ -5779,8 +5431,8 @@
         </p:nvSpPr>
         <p:spPr>
           <a:xfrm>
-            <a:off x="379025" y="3404883"/>
-            <a:ext cx="3063270" cy="338554"/>
+            <a:off x="2462813" y="1924219"/>
+            <a:ext cx="2141780" cy="610616"/>
           </a:xfrm>
           <a:prstGeom prst="rect">
             <a:avLst/>
@@ -5793,20 +5445,81 @@
           </a:bodyPr>
           <a:lstStyle/>
           <a:p>
-            <a:r>
-              <a:rPr lang="ko-KR" altLang="en-US" sz="1600" b="1" dirty="0"/>
-              <a:t>안드로이드 계획</a:t>
-            </a:r>
-            <a:endParaRPr lang="en-US" altLang="ko-KR" sz="1600" b="1" dirty="0"/>
+            <a:pPr algn="ctr">
+              <a:lnSpc>
+                <a:spcPct val="150000"/>
+              </a:lnSpc>
+            </a:pPr>
+            <a:r>
+              <a:rPr lang="ko-KR" altLang="en-US" sz="1200" dirty="0"/>
+              <a:t>와이어 프레임 기반 </a:t>
+            </a:r>
+            <a:endParaRPr lang="en-US" altLang="ko-KR" sz="1200" dirty="0"/>
+          </a:p>
+          <a:p>
+            <a:pPr algn="ctr">
+              <a:lnSpc>
+                <a:spcPct val="150000"/>
+              </a:lnSpc>
+            </a:pPr>
+            <a:r>
+              <a:rPr lang="ko-KR" altLang="en-US" sz="1200" dirty="0"/>
+              <a:t>레이아웃 구성</a:t>
+            </a:r>
+            <a:endParaRPr lang="en-US" altLang="ko-KR" sz="1200" dirty="0"/>
+          </a:p>
+        </p:txBody>
+      </p:sp>
+      <p:sp>
+        <p:nvSpPr>
+          <p:cNvPr id="80" name="TextBox 79">
+            <a:extLst>
+              <a:ext uri="{FF2B5EF4-FFF2-40B4-BE49-F238E27FC236}">
+                <a16:creationId xmlns:a16="http://schemas.microsoft.com/office/drawing/2014/main" id="{A5F07D26-478F-4406-8D46-CF1F96E7C0A3}"/>
+              </a:ext>
+            </a:extLst>
+          </p:cNvPr>
+          <p:cNvSpPr txBox="1"/>
+          <p:nvPr/>
+        </p:nvSpPr>
+        <p:spPr>
+          <a:xfrm>
+            <a:off x="2462813" y="5710881"/>
+            <a:ext cx="2141775" cy="333617"/>
+          </a:xfrm>
+          <a:prstGeom prst="rect">
+            <a:avLst/>
+          </a:prstGeom>
+          <a:noFill/>
+        </p:spPr>
+        <p:txBody>
+          <a:bodyPr wrap="square" rtlCol="0">
+            <a:spAutoFit/>
+          </a:bodyPr>
+          <a:lstStyle/>
+          <a:p>
+            <a:pPr algn="ctr">
+              <a:lnSpc>
+                <a:spcPct val="150000"/>
+              </a:lnSpc>
+            </a:pPr>
+            <a:r>
+              <a:rPr lang="en-US" altLang="ko-KR" sz="1200" dirty="0"/>
+              <a:t>Spring boot - Oracle </a:t>
+            </a:r>
+            <a:r>
+              <a:rPr lang="ko-KR" altLang="en-US" sz="1200" dirty="0"/>
+              <a:t>연동</a:t>
+            </a:r>
           </a:p>
         </p:txBody>
       </p:sp>
       <p:cxnSp>
         <p:nvCxnSpPr>
-          <p:cNvPr id="19" name="직선 연결선 18">
-            <a:extLst>
-              <a:ext uri="{FF2B5EF4-FFF2-40B4-BE49-F238E27FC236}">
-                <a16:creationId xmlns:a16="http://schemas.microsoft.com/office/drawing/2014/main" id="{7E8A01C9-D479-4399-98F5-5F5DC318460B}"/>
+          <p:cNvPr id="97" name="직선 연결선 96">
+            <a:extLst>
+              <a:ext uri="{FF2B5EF4-FFF2-40B4-BE49-F238E27FC236}">
+                <a16:creationId xmlns:a16="http://schemas.microsoft.com/office/drawing/2014/main" id="{87848460-74B7-4C7A-811F-8986EEF80B2C}"/>
               </a:ext>
             </a:extLst>
           </p:cNvPr>
@@ -5817,15 +5530,711 @@
         </p:nvCxnSpPr>
         <p:spPr>
           <a:xfrm>
-            <a:off x="448733" y="3975050"/>
-            <a:ext cx="11413067" cy="0"/>
+            <a:off x="6966441" y="5591138"/>
+            <a:ext cx="1983278" cy="0"/>
           </a:xfrm>
           <a:prstGeom prst="line">
             <a:avLst/>
           </a:prstGeom>
-          <a:ln w="19050">
+          <a:ln w="12700">
             <a:solidFill>
-              <a:schemeClr val="tx1"/>
+              <a:srgbClr val="0066B0"/>
+            </a:solidFill>
+          </a:ln>
+        </p:spPr>
+        <p:style>
+          <a:lnRef idx="1">
+            <a:schemeClr val="accent1"/>
+          </a:lnRef>
+          <a:fillRef idx="0">
+            <a:schemeClr val="accent1"/>
+          </a:fillRef>
+          <a:effectRef idx="0">
+            <a:schemeClr val="accent1"/>
+          </a:effectRef>
+          <a:fontRef idx="minor">
+            <a:schemeClr val="tx1"/>
+          </a:fontRef>
+        </p:style>
+      </p:cxnSp>
+      <p:cxnSp>
+        <p:nvCxnSpPr>
+          <p:cNvPr id="98" name="직선 연결선 97">
+            <a:extLst>
+              <a:ext uri="{FF2B5EF4-FFF2-40B4-BE49-F238E27FC236}">
+                <a16:creationId xmlns:a16="http://schemas.microsoft.com/office/drawing/2014/main" id="{BB253BA3-C324-4F2A-9708-12CFD3390AF0}"/>
+              </a:ext>
+            </a:extLst>
+          </p:cNvPr>
+          <p:cNvCxnSpPr>
+            <a:cxnSpLocks/>
+          </p:cNvCxnSpPr>
+          <p:nvPr/>
+        </p:nvCxnSpPr>
+        <p:spPr>
+          <a:xfrm>
+            <a:off x="6966441" y="2059383"/>
+            <a:ext cx="0" cy="301045"/>
+          </a:xfrm>
+          <a:prstGeom prst="line">
+            <a:avLst/>
+          </a:prstGeom>
+          <a:ln w="12700">
+            <a:solidFill>
+              <a:srgbClr val="0066B0"/>
+            </a:solidFill>
+          </a:ln>
+        </p:spPr>
+        <p:style>
+          <a:lnRef idx="1">
+            <a:schemeClr val="accent1"/>
+          </a:lnRef>
+          <a:fillRef idx="0">
+            <a:schemeClr val="accent1"/>
+          </a:fillRef>
+          <a:effectRef idx="0">
+            <a:schemeClr val="accent1"/>
+          </a:effectRef>
+          <a:fontRef idx="minor">
+            <a:schemeClr val="tx1"/>
+          </a:fontRef>
+        </p:style>
+      </p:cxnSp>
+      <p:cxnSp>
+        <p:nvCxnSpPr>
+          <p:cNvPr id="99" name="직선 연결선 98">
+            <a:extLst>
+              <a:ext uri="{FF2B5EF4-FFF2-40B4-BE49-F238E27FC236}">
+                <a16:creationId xmlns:a16="http://schemas.microsoft.com/office/drawing/2014/main" id="{56AEF558-80F8-4986-A128-F44DA79EB76C}"/>
+              </a:ext>
+            </a:extLst>
+          </p:cNvPr>
+          <p:cNvCxnSpPr>
+            <a:cxnSpLocks/>
+          </p:cNvCxnSpPr>
+          <p:nvPr/>
+        </p:nvCxnSpPr>
+        <p:spPr>
+          <a:xfrm>
+            <a:off x="6966441" y="5591138"/>
+            <a:ext cx="0" cy="301045"/>
+          </a:xfrm>
+          <a:prstGeom prst="line">
+            <a:avLst/>
+          </a:prstGeom>
+          <a:ln w="12700">
+            <a:solidFill>
+              <a:srgbClr val="0066B0"/>
+            </a:solidFill>
+          </a:ln>
+        </p:spPr>
+        <p:style>
+          <a:lnRef idx="1">
+            <a:schemeClr val="accent1"/>
+          </a:lnRef>
+          <a:fillRef idx="0">
+            <a:schemeClr val="accent1"/>
+          </a:fillRef>
+          <a:effectRef idx="0">
+            <a:schemeClr val="accent1"/>
+          </a:effectRef>
+          <a:fontRef idx="minor">
+            <a:schemeClr val="tx1"/>
+          </a:fontRef>
+        </p:style>
+      </p:cxnSp>
+      <p:cxnSp>
+        <p:nvCxnSpPr>
+          <p:cNvPr id="100" name="직선 연결선 99">
+            <a:extLst>
+              <a:ext uri="{FF2B5EF4-FFF2-40B4-BE49-F238E27FC236}">
+                <a16:creationId xmlns:a16="http://schemas.microsoft.com/office/drawing/2014/main" id="{793E36FA-EF82-402E-8A9F-C2EE248FE52C}"/>
+              </a:ext>
+            </a:extLst>
+          </p:cNvPr>
+          <p:cNvCxnSpPr>
+            <a:cxnSpLocks/>
+          </p:cNvCxnSpPr>
+          <p:nvPr/>
+        </p:nvCxnSpPr>
+        <p:spPr>
+          <a:xfrm>
+            <a:off x="8949719" y="2360428"/>
+            <a:ext cx="0" cy="1616088"/>
+          </a:xfrm>
+          <a:prstGeom prst="line">
+            <a:avLst/>
+          </a:prstGeom>
+          <a:ln w="12700">
+            <a:solidFill>
+              <a:srgbClr val="0066B0"/>
+            </a:solidFill>
+          </a:ln>
+        </p:spPr>
+        <p:style>
+          <a:lnRef idx="1">
+            <a:schemeClr val="accent1"/>
+          </a:lnRef>
+          <a:fillRef idx="0">
+            <a:schemeClr val="accent1"/>
+          </a:fillRef>
+          <a:effectRef idx="0">
+            <a:schemeClr val="accent1"/>
+          </a:effectRef>
+          <a:fontRef idx="minor">
+            <a:schemeClr val="tx1"/>
+          </a:fontRef>
+        </p:style>
+      </p:cxnSp>
+      <p:cxnSp>
+        <p:nvCxnSpPr>
+          <p:cNvPr id="101" name="직선 연결선 100">
+            <a:extLst>
+              <a:ext uri="{FF2B5EF4-FFF2-40B4-BE49-F238E27FC236}">
+                <a16:creationId xmlns:a16="http://schemas.microsoft.com/office/drawing/2014/main" id="{B72584C6-0406-41EC-A6AC-C81DCE70BA76}"/>
+              </a:ext>
+            </a:extLst>
+          </p:cNvPr>
+          <p:cNvCxnSpPr>
+            <a:cxnSpLocks/>
+          </p:cNvCxnSpPr>
+          <p:nvPr/>
+        </p:nvCxnSpPr>
+        <p:spPr>
+          <a:xfrm>
+            <a:off x="8949719" y="3965137"/>
+            <a:ext cx="0" cy="1616088"/>
+          </a:xfrm>
+          <a:prstGeom prst="line">
+            <a:avLst/>
+          </a:prstGeom>
+          <a:ln w="12700">
+            <a:solidFill>
+              <a:srgbClr val="0066B0"/>
+            </a:solidFill>
+          </a:ln>
+        </p:spPr>
+        <p:style>
+          <a:lnRef idx="1">
+            <a:schemeClr val="accent1"/>
+          </a:lnRef>
+          <a:fillRef idx="0">
+            <a:schemeClr val="accent1"/>
+          </a:fillRef>
+          <a:effectRef idx="0">
+            <a:schemeClr val="accent1"/>
+          </a:effectRef>
+          <a:fontRef idx="minor">
+            <a:schemeClr val="tx1"/>
+          </a:fontRef>
+        </p:style>
+      </p:cxnSp>
+      <p:cxnSp>
+        <p:nvCxnSpPr>
+          <p:cNvPr id="102" name="직선 연결선 101">
+            <a:extLst>
+              <a:ext uri="{FF2B5EF4-FFF2-40B4-BE49-F238E27FC236}">
+                <a16:creationId xmlns:a16="http://schemas.microsoft.com/office/drawing/2014/main" id="{FD7ECD31-B777-4C86-983A-B60C450FB9E8}"/>
+              </a:ext>
+            </a:extLst>
+          </p:cNvPr>
+          <p:cNvCxnSpPr>
+            <a:cxnSpLocks/>
+          </p:cNvCxnSpPr>
+          <p:nvPr/>
+        </p:nvCxnSpPr>
+        <p:spPr>
+          <a:xfrm>
+            <a:off x="6966441" y="2360428"/>
+            <a:ext cx="1983278" cy="0"/>
+          </a:xfrm>
+          <a:prstGeom prst="line">
+            <a:avLst/>
+          </a:prstGeom>
+          <a:ln w="12700">
+            <a:solidFill>
+              <a:srgbClr val="0066B0"/>
+            </a:solidFill>
+          </a:ln>
+        </p:spPr>
+        <p:style>
+          <a:lnRef idx="1">
+            <a:schemeClr val="accent1"/>
+          </a:lnRef>
+          <a:fillRef idx="0">
+            <a:schemeClr val="accent1"/>
+          </a:fillRef>
+          <a:effectRef idx="0">
+            <a:schemeClr val="accent1"/>
+          </a:effectRef>
+          <a:fontRef idx="minor">
+            <a:schemeClr val="tx1"/>
+          </a:fontRef>
+        </p:style>
+      </p:cxnSp>
+      <p:sp>
+        <p:nvSpPr>
+          <p:cNvPr id="103" name="TextBox 102">
+            <a:extLst>
+              <a:ext uri="{FF2B5EF4-FFF2-40B4-BE49-F238E27FC236}">
+                <a16:creationId xmlns:a16="http://schemas.microsoft.com/office/drawing/2014/main" id="{49CCF2D2-C28B-4DDE-8A8F-D492ADDADBCF}"/>
+              </a:ext>
+            </a:extLst>
+          </p:cNvPr>
+          <p:cNvSpPr txBox="1"/>
+          <p:nvPr/>
+        </p:nvSpPr>
+        <p:spPr>
+          <a:xfrm>
+            <a:off x="9596615" y="4805877"/>
+            <a:ext cx="2141778" cy="333617"/>
+          </a:xfrm>
+          <a:prstGeom prst="rect">
+            <a:avLst/>
+          </a:prstGeom>
+          <a:noFill/>
+        </p:spPr>
+        <p:txBody>
+          <a:bodyPr wrap="square" rtlCol="0">
+            <a:spAutoFit/>
+          </a:bodyPr>
+          <a:lstStyle/>
+          <a:p>
+            <a:pPr algn="ctr">
+              <a:lnSpc>
+                <a:spcPct val="150000"/>
+              </a:lnSpc>
+            </a:pPr>
+            <a:r>
+              <a:rPr lang="ko-KR" altLang="en-US" sz="1200" dirty="0"/>
+              <a:t>개발 완료</a:t>
+            </a:r>
+            <a:endParaRPr lang="en-US" altLang="ko-KR" sz="1200" dirty="0"/>
+          </a:p>
+        </p:txBody>
+      </p:sp>
+      <p:sp>
+        <p:nvSpPr>
+          <p:cNvPr id="104" name="TextBox 103">
+            <a:extLst>
+              <a:ext uri="{FF2B5EF4-FFF2-40B4-BE49-F238E27FC236}">
+                <a16:creationId xmlns:a16="http://schemas.microsoft.com/office/drawing/2014/main" id="{D0595F93-0A6F-41E5-A636-C4ABB0B0E290}"/>
+              </a:ext>
+            </a:extLst>
+          </p:cNvPr>
+          <p:cNvSpPr txBox="1"/>
+          <p:nvPr/>
+        </p:nvSpPr>
+        <p:spPr>
+          <a:xfrm>
+            <a:off x="9596616" y="2792755"/>
+            <a:ext cx="2141780" cy="333617"/>
+          </a:xfrm>
+          <a:prstGeom prst="rect">
+            <a:avLst/>
+          </a:prstGeom>
+          <a:noFill/>
+        </p:spPr>
+        <p:txBody>
+          <a:bodyPr wrap="square" rtlCol="0">
+            <a:spAutoFit/>
+          </a:bodyPr>
+          <a:lstStyle/>
+          <a:p>
+            <a:pPr algn="ctr">
+              <a:lnSpc>
+                <a:spcPct val="150000"/>
+              </a:lnSpc>
+            </a:pPr>
+            <a:r>
+              <a:rPr lang="ko-KR" altLang="en-US" sz="1200" dirty="0"/>
+              <a:t>개발 완료</a:t>
+            </a:r>
+            <a:endParaRPr lang="en-US" altLang="ko-KR" sz="1200" dirty="0"/>
+          </a:p>
+        </p:txBody>
+      </p:sp>
+      <p:cxnSp>
+        <p:nvCxnSpPr>
+          <p:cNvPr id="105" name="직선 연결선 104">
+            <a:extLst>
+              <a:ext uri="{FF2B5EF4-FFF2-40B4-BE49-F238E27FC236}">
+                <a16:creationId xmlns:a16="http://schemas.microsoft.com/office/drawing/2014/main" id="{02E6C7A7-1BF2-4374-A88A-8D2F27F71A8C}"/>
+              </a:ext>
+            </a:extLst>
+          </p:cNvPr>
+          <p:cNvCxnSpPr>
+            <a:cxnSpLocks/>
+          </p:cNvCxnSpPr>
+          <p:nvPr/>
+        </p:nvCxnSpPr>
+        <p:spPr>
+          <a:xfrm>
+            <a:off x="11579894" y="3975050"/>
+            <a:ext cx="0" cy="713908"/>
+          </a:xfrm>
+          <a:prstGeom prst="line">
+            <a:avLst/>
+          </a:prstGeom>
+          <a:ln w="12700">
+            <a:solidFill>
+              <a:srgbClr val="0070C0"/>
+            </a:solidFill>
+          </a:ln>
+        </p:spPr>
+        <p:style>
+          <a:lnRef idx="1">
+            <a:schemeClr val="accent1"/>
+          </a:lnRef>
+          <a:fillRef idx="0">
+            <a:schemeClr val="accent1"/>
+          </a:fillRef>
+          <a:effectRef idx="0">
+            <a:schemeClr val="accent1"/>
+          </a:effectRef>
+          <a:fontRef idx="minor">
+            <a:schemeClr val="tx1"/>
+          </a:fontRef>
+        </p:style>
+      </p:cxnSp>
+      <p:cxnSp>
+        <p:nvCxnSpPr>
+          <p:cNvPr id="106" name="직선 연결선 105">
+            <a:extLst>
+              <a:ext uri="{FF2B5EF4-FFF2-40B4-BE49-F238E27FC236}">
+                <a16:creationId xmlns:a16="http://schemas.microsoft.com/office/drawing/2014/main" id="{A36E51BB-99B9-4957-9964-3AE8FBF04485}"/>
+              </a:ext>
+            </a:extLst>
+          </p:cNvPr>
+          <p:cNvCxnSpPr>
+            <a:cxnSpLocks/>
+          </p:cNvCxnSpPr>
+          <p:nvPr/>
+        </p:nvCxnSpPr>
+        <p:spPr>
+          <a:xfrm>
+            <a:off x="9596616" y="4686134"/>
+            <a:ext cx="1983278" cy="0"/>
+          </a:xfrm>
+          <a:prstGeom prst="line">
+            <a:avLst/>
+          </a:prstGeom>
+          <a:ln w="12700">
+            <a:solidFill>
+              <a:srgbClr val="0070C0"/>
+            </a:solidFill>
+          </a:ln>
+        </p:spPr>
+        <p:style>
+          <a:lnRef idx="1">
+            <a:schemeClr val="accent1"/>
+          </a:lnRef>
+          <a:fillRef idx="0">
+            <a:schemeClr val="accent1"/>
+          </a:fillRef>
+          <a:effectRef idx="0">
+            <a:schemeClr val="accent1"/>
+          </a:effectRef>
+          <a:fontRef idx="minor">
+            <a:schemeClr val="tx1"/>
+          </a:fontRef>
+        </p:style>
+      </p:cxnSp>
+      <p:cxnSp>
+        <p:nvCxnSpPr>
+          <p:cNvPr id="107" name="직선 연결선 106">
+            <a:extLst>
+              <a:ext uri="{FF2B5EF4-FFF2-40B4-BE49-F238E27FC236}">
+                <a16:creationId xmlns:a16="http://schemas.microsoft.com/office/drawing/2014/main" id="{F72FD82B-9B61-42DB-B02F-487CC19EDBE1}"/>
+              </a:ext>
+            </a:extLst>
+          </p:cNvPr>
+          <p:cNvCxnSpPr>
+            <a:cxnSpLocks/>
+          </p:cNvCxnSpPr>
+          <p:nvPr/>
+        </p:nvCxnSpPr>
+        <p:spPr>
+          <a:xfrm>
+            <a:off x="11579894" y="3264195"/>
+            <a:ext cx="0" cy="710855"/>
+          </a:xfrm>
+          <a:prstGeom prst="line">
+            <a:avLst/>
+          </a:prstGeom>
+          <a:ln w="12700">
+            <a:solidFill>
+              <a:srgbClr val="0070C0"/>
+            </a:solidFill>
+          </a:ln>
+        </p:spPr>
+        <p:style>
+          <a:lnRef idx="1">
+            <a:schemeClr val="accent1"/>
+          </a:lnRef>
+          <a:fillRef idx="0">
+            <a:schemeClr val="accent1"/>
+          </a:fillRef>
+          <a:effectRef idx="0">
+            <a:schemeClr val="accent1"/>
+          </a:effectRef>
+          <a:fontRef idx="minor">
+            <a:schemeClr val="tx1"/>
+          </a:fontRef>
+        </p:style>
+      </p:cxnSp>
+      <p:cxnSp>
+        <p:nvCxnSpPr>
+          <p:cNvPr id="108" name="직선 연결선 107">
+            <a:extLst>
+              <a:ext uri="{FF2B5EF4-FFF2-40B4-BE49-F238E27FC236}">
+                <a16:creationId xmlns:a16="http://schemas.microsoft.com/office/drawing/2014/main" id="{5FAF8BF5-BE90-42FF-B747-51DBABBD0A09}"/>
+              </a:ext>
+            </a:extLst>
+          </p:cNvPr>
+          <p:cNvCxnSpPr>
+            <a:cxnSpLocks/>
+          </p:cNvCxnSpPr>
+          <p:nvPr/>
+        </p:nvCxnSpPr>
+        <p:spPr>
+          <a:xfrm>
+            <a:off x="9596616" y="3264195"/>
+            <a:ext cx="1983278" cy="0"/>
+          </a:xfrm>
+          <a:prstGeom prst="line">
+            <a:avLst/>
+          </a:prstGeom>
+          <a:ln w="12700">
+            <a:solidFill>
+              <a:srgbClr val="0070C0"/>
+            </a:solidFill>
+          </a:ln>
+        </p:spPr>
+        <p:style>
+          <a:lnRef idx="1">
+            <a:schemeClr val="accent1"/>
+          </a:lnRef>
+          <a:fillRef idx="0">
+            <a:schemeClr val="accent1"/>
+          </a:fillRef>
+          <a:effectRef idx="0">
+            <a:schemeClr val="accent1"/>
+          </a:effectRef>
+          <a:fontRef idx="minor">
+            <a:schemeClr val="tx1"/>
+          </a:fontRef>
+        </p:style>
+      </p:cxnSp>
+      <p:cxnSp>
+        <p:nvCxnSpPr>
+          <p:cNvPr id="109" name="직선 연결선 108">
+            <a:extLst>
+              <a:ext uri="{FF2B5EF4-FFF2-40B4-BE49-F238E27FC236}">
+                <a16:creationId xmlns:a16="http://schemas.microsoft.com/office/drawing/2014/main" id="{CF5E897D-25E3-4EFE-B238-EEB914EE133F}"/>
+              </a:ext>
+            </a:extLst>
+          </p:cNvPr>
+          <p:cNvCxnSpPr>
+            <a:cxnSpLocks/>
+          </p:cNvCxnSpPr>
+          <p:nvPr/>
+        </p:nvCxnSpPr>
+        <p:spPr>
+          <a:xfrm>
+            <a:off x="9596616" y="2963150"/>
+            <a:ext cx="0" cy="301045"/>
+          </a:xfrm>
+          <a:prstGeom prst="line">
+            <a:avLst/>
+          </a:prstGeom>
+          <a:ln w="12700">
+            <a:solidFill>
+              <a:srgbClr val="0070C0"/>
+            </a:solidFill>
+          </a:ln>
+        </p:spPr>
+        <p:style>
+          <a:lnRef idx="1">
+            <a:schemeClr val="accent1"/>
+          </a:lnRef>
+          <a:fillRef idx="0">
+            <a:schemeClr val="accent1"/>
+          </a:fillRef>
+          <a:effectRef idx="0">
+            <a:schemeClr val="accent1"/>
+          </a:effectRef>
+          <a:fontRef idx="minor">
+            <a:schemeClr val="tx1"/>
+          </a:fontRef>
+        </p:style>
+      </p:cxnSp>
+      <p:cxnSp>
+        <p:nvCxnSpPr>
+          <p:cNvPr id="110" name="직선 연결선 109">
+            <a:extLst>
+              <a:ext uri="{FF2B5EF4-FFF2-40B4-BE49-F238E27FC236}">
+                <a16:creationId xmlns:a16="http://schemas.microsoft.com/office/drawing/2014/main" id="{6C4EBAC1-D12C-4EC1-AC9F-79212D9D997D}"/>
+              </a:ext>
+            </a:extLst>
+          </p:cNvPr>
+          <p:cNvCxnSpPr>
+            <a:cxnSpLocks/>
+          </p:cNvCxnSpPr>
+          <p:nvPr/>
+        </p:nvCxnSpPr>
+        <p:spPr>
+          <a:xfrm>
+            <a:off x="9596616" y="4686134"/>
+            <a:ext cx="0" cy="301045"/>
+          </a:xfrm>
+          <a:prstGeom prst="line">
+            <a:avLst/>
+          </a:prstGeom>
+          <a:ln w="12700">
+            <a:solidFill>
+              <a:srgbClr val="0070C0"/>
+            </a:solidFill>
+          </a:ln>
+        </p:spPr>
+        <p:style>
+          <a:lnRef idx="1">
+            <a:schemeClr val="accent1"/>
+          </a:lnRef>
+          <a:fillRef idx="0">
+            <a:schemeClr val="accent1"/>
+          </a:fillRef>
+          <a:effectRef idx="0">
+            <a:schemeClr val="accent1"/>
+          </a:effectRef>
+          <a:fontRef idx="minor">
+            <a:schemeClr val="tx1"/>
+          </a:fontRef>
+        </p:style>
+      </p:cxnSp>
+      <p:sp>
+        <p:nvSpPr>
+          <p:cNvPr id="111" name="TextBox 110">
+            <a:extLst>
+              <a:ext uri="{FF2B5EF4-FFF2-40B4-BE49-F238E27FC236}">
+                <a16:creationId xmlns:a16="http://schemas.microsoft.com/office/drawing/2014/main" id="{EE5DABA6-3581-47BF-8786-7C878647368E}"/>
+              </a:ext>
+            </a:extLst>
+          </p:cNvPr>
+          <p:cNvSpPr txBox="1"/>
+          <p:nvPr/>
+        </p:nvSpPr>
+        <p:spPr>
+          <a:xfrm>
+            <a:off x="6966441" y="1892320"/>
+            <a:ext cx="2141774" cy="333617"/>
+          </a:xfrm>
+          <a:prstGeom prst="rect">
+            <a:avLst/>
+          </a:prstGeom>
+          <a:noFill/>
+        </p:spPr>
+        <p:txBody>
+          <a:bodyPr wrap="square" rtlCol="0">
+            <a:spAutoFit/>
+          </a:bodyPr>
+          <a:lstStyle/>
+          <a:p>
+            <a:pPr algn="ctr">
+              <a:lnSpc>
+                <a:spcPct val="150000"/>
+              </a:lnSpc>
+            </a:pPr>
+            <a:r>
+              <a:rPr lang="ko-KR" altLang="en-US" sz="1200" dirty="0"/>
+              <a:t>기타 </a:t>
+            </a:r>
+            <a:r>
+              <a:rPr lang="en-US" altLang="ko-KR" sz="1200" dirty="0"/>
+              <a:t>/ </a:t>
+            </a:r>
+            <a:r>
+              <a:rPr lang="ko-KR" altLang="en-US" sz="1200" dirty="0"/>
+              <a:t>추가되는 기능 구현</a:t>
+            </a:r>
+            <a:endParaRPr lang="en-US" altLang="ko-KR" sz="1200" dirty="0"/>
+          </a:p>
+        </p:txBody>
+      </p:sp>
+      <p:sp>
+        <p:nvSpPr>
+          <p:cNvPr id="112" name="TextBox 111">
+            <a:extLst>
+              <a:ext uri="{FF2B5EF4-FFF2-40B4-BE49-F238E27FC236}">
+                <a16:creationId xmlns:a16="http://schemas.microsoft.com/office/drawing/2014/main" id="{C0CDF44A-FAF3-481B-A9C3-DF0E8E1230C5}"/>
+              </a:ext>
+            </a:extLst>
+          </p:cNvPr>
+          <p:cNvSpPr txBox="1"/>
+          <p:nvPr/>
+        </p:nvSpPr>
+        <p:spPr>
+          <a:xfrm>
+            <a:off x="6966441" y="5710881"/>
+            <a:ext cx="2141779" cy="333617"/>
+          </a:xfrm>
+          <a:prstGeom prst="rect">
+            <a:avLst/>
+          </a:prstGeom>
+          <a:noFill/>
+        </p:spPr>
+        <p:txBody>
+          <a:bodyPr wrap="square" rtlCol="0">
+            <a:spAutoFit/>
+          </a:bodyPr>
+          <a:lstStyle/>
+          <a:p>
+            <a:pPr algn="ctr">
+              <a:lnSpc>
+                <a:spcPct val="150000"/>
+              </a:lnSpc>
+            </a:pPr>
+            <a:r>
+              <a:rPr lang="ko-KR" altLang="en-US" sz="1200" dirty="0"/>
+              <a:t>기타 </a:t>
+            </a:r>
+            <a:r>
+              <a:rPr lang="en-US" altLang="ko-KR" sz="1200" dirty="0"/>
+              <a:t>/ </a:t>
+            </a:r>
+            <a:r>
+              <a:rPr lang="ko-KR" altLang="en-US" sz="1200" dirty="0"/>
+              <a:t>추가되는 기능 구현</a:t>
+            </a:r>
+            <a:endParaRPr lang="en-US" altLang="ko-KR" sz="1200" dirty="0"/>
+          </a:p>
+        </p:txBody>
+      </p:sp>
+      <p:cxnSp>
+        <p:nvCxnSpPr>
+          <p:cNvPr id="119" name="직선 연결선 118">
+            <a:extLst>
+              <a:ext uri="{FF2B5EF4-FFF2-40B4-BE49-F238E27FC236}">
+                <a16:creationId xmlns:a16="http://schemas.microsoft.com/office/drawing/2014/main" id="{8F27B51B-A64D-4062-A3BB-BE99F72A53C4}"/>
+              </a:ext>
+            </a:extLst>
+          </p:cNvPr>
+          <p:cNvCxnSpPr>
+            <a:cxnSpLocks/>
+          </p:cNvCxnSpPr>
+          <p:nvPr/>
+        </p:nvCxnSpPr>
+        <p:spPr>
+          <a:xfrm>
+            <a:off x="5586235" y="122850"/>
+            <a:ext cx="6475476" cy="0"/>
+          </a:xfrm>
+          <a:prstGeom prst="line">
+            <a:avLst/>
+          </a:prstGeom>
+          <a:ln w="12700" cmpd="sng">
+            <a:solidFill>
+              <a:srgbClr val="0070C0"/>
             </a:solidFill>
             <a:headEnd type="none" w="med" len="med"/>
             <a:tailEnd type="arrow" w="lg" len="lg"/>
@@ -6168,10 +6577,18 @@
           <a:prstGeom prst="line">
             <a:avLst/>
           </a:prstGeom>
-          <a:ln w="12700">
-            <a:solidFill>
-              <a:schemeClr val="tx1"/>
-            </a:solidFill>
+          <a:ln w="12700" cmpd="sng">
+            <a:gradFill>
+              <a:gsLst>
+                <a:gs pos="0">
+                  <a:srgbClr val="0070C0"/>
+                </a:gs>
+                <a:gs pos="100000">
+                  <a:schemeClr val="tx1"/>
+                </a:gs>
+              </a:gsLst>
+              <a:lin ang="0" scaled="0"/>
+            </a:gradFill>
             <a:headEnd type="none" w="med" len="med"/>
             <a:tailEnd type="arrow" w="lg" len="lg"/>
           </a:ln>
@@ -6603,51 +7020,6 @@
           </a:p>
         </p:txBody>
       </p:sp>
-      <p:cxnSp>
-        <p:nvCxnSpPr>
-          <p:cNvPr id="5" name="직선 연결선 4">
-            <a:extLst>
-              <a:ext uri="{FF2B5EF4-FFF2-40B4-BE49-F238E27FC236}">
-                <a16:creationId xmlns:a16="http://schemas.microsoft.com/office/drawing/2014/main" id="{BFE9EEFE-8BC0-4879-9D12-2A8BC074C22E}"/>
-              </a:ext>
-            </a:extLst>
-          </p:cNvPr>
-          <p:cNvCxnSpPr>
-            <a:cxnSpLocks/>
-          </p:cNvCxnSpPr>
-          <p:nvPr/>
-        </p:nvCxnSpPr>
-        <p:spPr>
-          <a:xfrm>
-            <a:off x="5586235" y="122850"/>
-            <a:ext cx="6475476" cy="0"/>
-          </a:xfrm>
-          <a:prstGeom prst="line">
-            <a:avLst/>
-          </a:prstGeom>
-          <a:ln w="12700">
-            <a:solidFill>
-              <a:schemeClr val="tx1"/>
-            </a:solidFill>
-            <a:headEnd type="none" w="med" len="med"/>
-            <a:tailEnd type="arrow" w="lg" len="lg"/>
-          </a:ln>
-        </p:spPr>
-        <p:style>
-          <a:lnRef idx="1">
-            <a:schemeClr val="accent1"/>
-          </a:lnRef>
-          <a:fillRef idx="0">
-            <a:schemeClr val="accent1"/>
-          </a:fillRef>
-          <a:effectRef idx="0">
-            <a:schemeClr val="accent1"/>
-          </a:effectRef>
-          <a:fontRef idx="minor">
-            <a:schemeClr val="tx1"/>
-          </a:fontRef>
-        </p:style>
-      </p:cxnSp>
       <p:sp>
         <p:nvSpPr>
           <p:cNvPr id="6" name="TextBox 5">
@@ -7503,6 +7875,59 @@
             <a:solidFill>
               <a:schemeClr val="tx1"/>
             </a:solidFill>
+          </a:ln>
+        </p:spPr>
+        <p:style>
+          <a:lnRef idx="1">
+            <a:schemeClr val="accent1"/>
+          </a:lnRef>
+          <a:fillRef idx="0">
+            <a:schemeClr val="accent1"/>
+          </a:fillRef>
+          <a:effectRef idx="0">
+            <a:schemeClr val="accent1"/>
+          </a:effectRef>
+          <a:fontRef idx="minor">
+            <a:schemeClr val="tx1"/>
+          </a:fontRef>
+        </p:style>
+      </p:cxnSp>
+      <p:cxnSp>
+        <p:nvCxnSpPr>
+          <p:cNvPr id="33" name="직선 연결선 32">
+            <a:extLst>
+              <a:ext uri="{FF2B5EF4-FFF2-40B4-BE49-F238E27FC236}">
+                <a16:creationId xmlns:a16="http://schemas.microsoft.com/office/drawing/2014/main" id="{79D5F2FD-82B0-429F-A7E6-986A85156A80}"/>
+              </a:ext>
+            </a:extLst>
+          </p:cNvPr>
+          <p:cNvCxnSpPr>
+            <a:cxnSpLocks/>
+          </p:cNvCxnSpPr>
+          <p:nvPr/>
+        </p:nvCxnSpPr>
+        <p:spPr>
+          <a:xfrm>
+            <a:off x="5586235" y="122850"/>
+            <a:ext cx="6475476" cy="0"/>
+          </a:xfrm>
+          <a:prstGeom prst="line">
+            <a:avLst/>
+          </a:prstGeom>
+          <a:ln w="12700" cmpd="sng">
+            <a:gradFill>
+              <a:gsLst>
+                <a:gs pos="0">
+                  <a:srgbClr val="0070C0"/>
+                </a:gs>
+                <a:gs pos="100000">
+                  <a:srgbClr val="00182A"/>
+                </a:gs>
+              </a:gsLst>
+              <a:lin ang="0" scaled="0"/>
+            </a:gradFill>
+            <a:headEnd type="none" w="med" len="med"/>
+            <a:tailEnd type="arrow" w="lg" len="lg"/>
           </a:ln>
         </p:spPr>
         <p:style>
@@ -7586,51 +8011,6 @@
           </a:p>
         </p:txBody>
       </p:sp>
-      <p:cxnSp>
-        <p:nvCxnSpPr>
-          <p:cNvPr id="5" name="직선 연결선 4">
-            <a:extLst>
-              <a:ext uri="{FF2B5EF4-FFF2-40B4-BE49-F238E27FC236}">
-                <a16:creationId xmlns:a16="http://schemas.microsoft.com/office/drawing/2014/main" id="{BFE9EEFE-8BC0-4879-9D12-2A8BC074C22E}"/>
-              </a:ext>
-            </a:extLst>
-          </p:cNvPr>
-          <p:cNvCxnSpPr>
-            <a:cxnSpLocks/>
-          </p:cNvCxnSpPr>
-          <p:nvPr/>
-        </p:nvCxnSpPr>
-        <p:spPr>
-          <a:xfrm>
-            <a:off x="5586235" y="122850"/>
-            <a:ext cx="6475476" cy="0"/>
-          </a:xfrm>
-          <a:prstGeom prst="line">
-            <a:avLst/>
-          </a:prstGeom>
-          <a:ln w="12700">
-            <a:solidFill>
-              <a:schemeClr val="tx1"/>
-            </a:solidFill>
-            <a:headEnd type="none" w="med" len="med"/>
-            <a:tailEnd type="arrow" w="lg" len="lg"/>
-          </a:ln>
-        </p:spPr>
-        <p:style>
-          <a:lnRef idx="1">
-            <a:schemeClr val="accent1"/>
-          </a:lnRef>
-          <a:fillRef idx="0">
-            <a:schemeClr val="accent1"/>
-          </a:fillRef>
-          <a:effectRef idx="0">
-            <a:schemeClr val="accent1"/>
-          </a:effectRef>
-          <a:fontRef idx="minor">
-            <a:schemeClr val="tx1"/>
-          </a:fontRef>
-        </p:style>
-      </p:cxnSp>
       <p:sp>
         <p:nvSpPr>
           <p:cNvPr id="6" name="TextBox 5">
@@ -8029,6 +8409,488 @@
             <a:solidFill>
               <a:schemeClr val="tx1"/>
             </a:solidFill>
+          </a:ln>
+        </p:spPr>
+        <p:style>
+          <a:lnRef idx="1">
+            <a:schemeClr val="accent1"/>
+          </a:lnRef>
+          <a:fillRef idx="0">
+            <a:schemeClr val="accent1"/>
+          </a:fillRef>
+          <a:effectRef idx="0">
+            <a:schemeClr val="accent1"/>
+          </a:effectRef>
+          <a:fontRef idx="minor">
+            <a:schemeClr val="tx1"/>
+          </a:fontRef>
+        </p:style>
+      </p:cxnSp>
+      <p:pic>
+        <p:nvPicPr>
+          <p:cNvPr id="17" name="그림 16" descr="노트북, 그리기이(가) 표시된 사진&#10;&#10;자동 생성된 설명">
+            <a:extLst>
+              <a:ext uri="{FF2B5EF4-FFF2-40B4-BE49-F238E27FC236}">
+                <a16:creationId xmlns:a16="http://schemas.microsoft.com/office/drawing/2014/main" id="{545BA9D9-C01C-4DEA-952B-347FE57D3F87}"/>
+              </a:ext>
+            </a:extLst>
+          </p:cNvPr>
+          <p:cNvPicPr>
+            <a:picLocks noChangeAspect="1"/>
+          </p:cNvPicPr>
+          <p:nvPr/>
+        </p:nvPicPr>
+        <p:blipFill>
+          <a:blip r:embed="rId2">
+            <a:extLst>
+              <a:ext uri="{28A0092B-C50C-407E-A947-70E740481C1C}">
+                <a14:useLocalDpi xmlns:a14="http://schemas.microsoft.com/office/drawing/2010/main" val="0"/>
+              </a:ext>
+            </a:extLst>
+          </a:blip>
+          <a:stretch>
+            <a:fillRect/>
+          </a:stretch>
+        </p:blipFill>
+        <p:spPr>
+          <a:xfrm>
+            <a:off x="739453" y="5205058"/>
+            <a:ext cx="2618172" cy="1421585"/>
+          </a:xfrm>
+          <a:prstGeom prst="rect">
+            <a:avLst/>
+          </a:prstGeom>
+        </p:spPr>
+      </p:pic>
+      <p:pic>
+        <p:nvPicPr>
+          <p:cNvPr id="18" name="그림 17" descr="쥐고있는, 남자, 그리기, 공이(가) 표시된 사진&#10;&#10;자동 생성된 설명">
+            <a:extLst>
+              <a:ext uri="{FF2B5EF4-FFF2-40B4-BE49-F238E27FC236}">
+                <a16:creationId xmlns:a16="http://schemas.microsoft.com/office/drawing/2014/main" id="{CD9B439D-188C-48B9-AE97-9C3EC30E2B48}"/>
+              </a:ext>
+            </a:extLst>
+          </p:cNvPr>
+          <p:cNvPicPr>
+            <a:picLocks noChangeAspect="1"/>
+          </p:cNvPicPr>
+          <p:nvPr/>
+        </p:nvPicPr>
+        <p:blipFill>
+          <a:blip r:embed="rId3">
+            <a:extLst>
+              <a:ext uri="{28A0092B-C50C-407E-A947-70E740481C1C}">
+                <a14:useLocalDpi xmlns:a14="http://schemas.microsoft.com/office/drawing/2010/main" val="0"/>
+              </a:ext>
+            </a:extLst>
+          </a:blip>
+          <a:stretch>
+            <a:fillRect/>
+          </a:stretch>
+        </p:blipFill>
+        <p:spPr>
+          <a:xfrm>
+            <a:off x="8480623" y="5205060"/>
+            <a:ext cx="3371047" cy="1421585"/>
+          </a:xfrm>
+          <a:prstGeom prst="rect">
+            <a:avLst/>
+          </a:prstGeom>
+        </p:spPr>
+      </p:pic>
+      <p:pic>
+        <p:nvPicPr>
+          <p:cNvPr id="19" name="그림 18">
+            <a:extLst>
+              <a:ext uri="{FF2B5EF4-FFF2-40B4-BE49-F238E27FC236}">
+                <a16:creationId xmlns:a16="http://schemas.microsoft.com/office/drawing/2014/main" id="{245E0F79-A14E-49CF-B582-82EA227D1668}"/>
+              </a:ext>
+            </a:extLst>
+          </p:cNvPr>
+          <p:cNvPicPr>
+            <a:picLocks noChangeAspect="1"/>
+          </p:cNvPicPr>
+          <p:nvPr/>
+        </p:nvPicPr>
+        <p:blipFill>
+          <a:blip r:embed="rId4">
+            <a:extLst>
+              <a:ext uri="{28A0092B-C50C-407E-A947-70E740481C1C}">
+                <a14:useLocalDpi xmlns:a14="http://schemas.microsoft.com/office/drawing/2010/main" val="0"/>
+              </a:ext>
+            </a:extLst>
+          </a:blip>
+          <a:stretch>
+            <a:fillRect/>
+          </a:stretch>
+        </p:blipFill>
+        <p:spPr>
+          <a:xfrm>
+            <a:off x="4782535" y="5205059"/>
+            <a:ext cx="2641111" cy="1421585"/>
+          </a:xfrm>
+          <a:prstGeom prst="rect">
+            <a:avLst/>
+          </a:prstGeom>
+        </p:spPr>
+      </p:pic>
+      <p:sp>
+        <p:nvSpPr>
+          <p:cNvPr id="20" name="TextBox 19">
+            <a:extLst>
+              <a:ext uri="{FF2B5EF4-FFF2-40B4-BE49-F238E27FC236}">
+                <a16:creationId xmlns:a16="http://schemas.microsoft.com/office/drawing/2014/main" id="{9A3CE9E0-2967-4851-918A-A562D513D6FC}"/>
+              </a:ext>
+            </a:extLst>
+          </p:cNvPr>
+          <p:cNvSpPr txBox="1"/>
+          <p:nvPr/>
+        </p:nvSpPr>
+        <p:spPr>
+          <a:xfrm>
+            <a:off x="971609" y="2063277"/>
+            <a:ext cx="2864513" cy="307777"/>
+          </a:xfrm>
+          <a:prstGeom prst="rect">
+            <a:avLst/>
+          </a:prstGeom>
+          <a:noFill/>
+        </p:spPr>
+        <p:txBody>
+          <a:bodyPr wrap="square" rtlCol="0">
+            <a:spAutoFit/>
+          </a:bodyPr>
+          <a:lstStyle/>
+          <a:p>
+            <a:r>
+              <a:rPr lang="en-US" altLang="ko-KR" sz="1400" b="1" dirty="0"/>
+              <a:t>APP</a:t>
+            </a:r>
+            <a:endParaRPr lang="ko-KR" altLang="en-US" sz="1400" b="1" dirty="0"/>
+          </a:p>
+        </p:txBody>
+      </p:sp>
+      <p:sp>
+        <p:nvSpPr>
+          <p:cNvPr id="21" name="TextBox 20">
+            <a:extLst>
+              <a:ext uri="{FF2B5EF4-FFF2-40B4-BE49-F238E27FC236}">
+                <a16:creationId xmlns:a16="http://schemas.microsoft.com/office/drawing/2014/main" id="{BE3ACC10-7D6C-4917-A018-F8FB8DAA8042}"/>
+              </a:ext>
+            </a:extLst>
+          </p:cNvPr>
+          <p:cNvSpPr txBox="1"/>
+          <p:nvPr/>
+        </p:nvSpPr>
+        <p:spPr>
+          <a:xfrm>
+            <a:off x="4782535" y="2063278"/>
+            <a:ext cx="2864513" cy="307777"/>
+          </a:xfrm>
+          <a:prstGeom prst="rect">
+            <a:avLst/>
+          </a:prstGeom>
+          <a:noFill/>
+        </p:spPr>
+        <p:txBody>
+          <a:bodyPr wrap="square" rtlCol="0">
+            <a:spAutoFit/>
+          </a:bodyPr>
+          <a:lstStyle/>
+          <a:p>
+            <a:r>
+              <a:rPr lang="en-US" altLang="ko-KR" sz="1400" b="1" dirty="0"/>
+              <a:t>Spring Boot</a:t>
+            </a:r>
+            <a:endParaRPr lang="ko-KR" altLang="en-US" sz="1400" b="1" dirty="0"/>
+          </a:p>
+        </p:txBody>
+      </p:sp>
+      <p:sp>
+        <p:nvSpPr>
+          <p:cNvPr id="22" name="TextBox 21">
+            <a:extLst>
+              <a:ext uri="{FF2B5EF4-FFF2-40B4-BE49-F238E27FC236}">
+                <a16:creationId xmlns:a16="http://schemas.microsoft.com/office/drawing/2014/main" id="{F5946DBE-1CE5-40EF-87C1-D3C14C098D01}"/>
+              </a:ext>
+            </a:extLst>
+          </p:cNvPr>
+          <p:cNvSpPr txBox="1"/>
+          <p:nvPr/>
+        </p:nvSpPr>
+        <p:spPr>
+          <a:xfrm>
+            <a:off x="8794555" y="2063277"/>
+            <a:ext cx="2864513" cy="307777"/>
+          </a:xfrm>
+          <a:prstGeom prst="rect">
+            <a:avLst/>
+          </a:prstGeom>
+          <a:noFill/>
+        </p:spPr>
+        <p:txBody>
+          <a:bodyPr wrap="square" rtlCol="0">
+            <a:spAutoFit/>
+          </a:bodyPr>
+          <a:lstStyle/>
+          <a:p>
+            <a:r>
+              <a:rPr lang="en-US" altLang="ko-KR" sz="1400" b="1" dirty="0"/>
+              <a:t>Android Studio</a:t>
+            </a:r>
+            <a:endParaRPr lang="ko-KR" altLang="en-US" sz="1400" b="1" dirty="0"/>
+          </a:p>
+        </p:txBody>
+      </p:sp>
+      <p:sp>
+        <p:nvSpPr>
+          <p:cNvPr id="23" name="TextBox 22">
+            <a:extLst>
+              <a:ext uri="{FF2B5EF4-FFF2-40B4-BE49-F238E27FC236}">
+                <a16:creationId xmlns:a16="http://schemas.microsoft.com/office/drawing/2014/main" id="{C6023765-F28E-4803-806A-C2CCEB0DF3EA}"/>
+              </a:ext>
+            </a:extLst>
+          </p:cNvPr>
+          <p:cNvSpPr txBox="1"/>
+          <p:nvPr/>
+        </p:nvSpPr>
+        <p:spPr>
+          <a:xfrm>
+            <a:off x="906611" y="2818948"/>
+            <a:ext cx="2762236" cy="1880195"/>
+          </a:xfrm>
+          <a:prstGeom prst="rect">
+            <a:avLst/>
+          </a:prstGeom>
+          <a:noFill/>
+        </p:spPr>
+        <p:txBody>
+          <a:bodyPr wrap="square" rtlCol="0">
+            <a:spAutoFit/>
+          </a:bodyPr>
+          <a:lstStyle/>
+          <a:p>
+            <a:pPr marL="171450" indent="-171450">
+              <a:lnSpc>
+                <a:spcPct val="200000"/>
+              </a:lnSpc>
+              <a:buFont typeface="Arial" panose="020B0604020202020204" pitchFamily="34" charset="0"/>
+              <a:buChar char="•"/>
+            </a:pPr>
+            <a:r>
+              <a:rPr lang="ko-KR" altLang="en-US" sz="1200" dirty="0"/>
+              <a:t>모듈은 한 개만 사용</a:t>
+            </a:r>
+            <a:endParaRPr lang="en-US" altLang="ko-KR" sz="1200" dirty="0"/>
+          </a:p>
+          <a:p>
+            <a:pPr marL="171450" indent="-171450">
+              <a:lnSpc>
+                <a:spcPct val="200000"/>
+              </a:lnSpc>
+              <a:buFont typeface="Arial" panose="020B0604020202020204" pitchFamily="34" charset="0"/>
+              <a:buChar char="•"/>
+            </a:pPr>
+            <a:endParaRPr lang="en-US" altLang="ko-KR" sz="1200" dirty="0"/>
+          </a:p>
+          <a:p>
+            <a:pPr marL="171450" indent="-171450">
+              <a:lnSpc>
+                <a:spcPct val="200000"/>
+              </a:lnSpc>
+              <a:buFont typeface="Arial" panose="020B0604020202020204" pitchFamily="34" charset="0"/>
+              <a:buChar char="•"/>
+            </a:pPr>
+            <a:r>
+              <a:rPr lang="ko-KR" altLang="en-US" sz="1200" dirty="0"/>
+              <a:t>비교적 소규모의 앱 볼륨</a:t>
+            </a:r>
+            <a:endParaRPr lang="en-US" altLang="ko-KR" sz="1200" dirty="0"/>
+          </a:p>
+          <a:p>
+            <a:pPr marL="171450" indent="-171450">
+              <a:lnSpc>
+                <a:spcPct val="200000"/>
+              </a:lnSpc>
+              <a:buFont typeface="Arial" panose="020B0604020202020204" pitchFamily="34" charset="0"/>
+              <a:buChar char="•"/>
+            </a:pPr>
+            <a:endParaRPr lang="en-US" altLang="ko-KR" sz="1200" dirty="0"/>
+          </a:p>
+          <a:p>
+            <a:pPr marL="171450" indent="-171450">
+              <a:lnSpc>
+                <a:spcPct val="200000"/>
+              </a:lnSpc>
+              <a:buFont typeface="Arial" panose="020B0604020202020204" pitchFamily="34" charset="0"/>
+              <a:buChar char="•"/>
+            </a:pPr>
+            <a:r>
+              <a:rPr lang="ko-KR" altLang="en-US" sz="1200" dirty="0"/>
+              <a:t>모듈 분할 의 불필요성</a:t>
+            </a:r>
+            <a:endParaRPr lang="en-US" altLang="ko-KR" sz="1200" dirty="0"/>
+          </a:p>
+        </p:txBody>
+      </p:sp>
+      <p:sp>
+        <p:nvSpPr>
+          <p:cNvPr id="24" name="TextBox 23">
+            <a:extLst>
+              <a:ext uri="{FF2B5EF4-FFF2-40B4-BE49-F238E27FC236}">
+                <a16:creationId xmlns:a16="http://schemas.microsoft.com/office/drawing/2014/main" id="{D4E371EB-56F3-4597-93EB-6390336245C7}"/>
+              </a:ext>
+            </a:extLst>
+          </p:cNvPr>
+          <p:cNvSpPr txBox="1"/>
+          <p:nvPr/>
+        </p:nvSpPr>
+        <p:spPr>
+          <a:xfrm>
+            <a:off x="4918630" y="2818947"/>
+            <a:ext cx="2762236" cy="1141531"/>
+          </a:xfrm>
+          <a:prstGeom prst="rect">
+            <a:avLst/>
+          </a:prstGeom>
+          <a:noFill/>
+        </p:spPr>
+        <p:txBody>
+          <a:bodyPr wrap="square" rtlCol="0">
+            <a:spAutoFit/>
+          </a:bodyPr>
+          <a:lstStyle/>
+          <a:p>
+            <a:pPr marL="171450" indent="-171450">
+              <a:lnSpc>
+                <a:spcPct val="200000"/>
+              </a:lnSpc>
+              <a:buFont typeface="Arial" panose="020B0604020202020204" pitchFamily="34" charset="0"/>
+              <a:buChar char="•"/>
+            </a:pPr>
+            <a:r>
+              <a:rPr lang="ko-KR" altLang="en-US" sz="1200" dirty="0"/>
+              <a:t>사용 경험이 있는 소프트웨어</a:t>
+            </a:r>
+            <a:endParaRPr lang="en-US" altLang="ko-KR" sz="1200" dirty="0"/>
+          </a:p>
+          <a:p>
+            <a:pPr marL="171450" indent="-171450">
+              <a:lnSpc>
+                <a:spcPct val="200000"/>
+              </a:lnSpc>
+              <a:buFont typeface="Arial" panose="020B0604020202020204" pitchFamily="34" charset="0"/>
+              <a:buChar char="•"/>
+            </a:pPr>
+            <a:endParaRPr lang="en-US" altLang="ko-KR" sz="1200" dirty="0"/>
+          </a:p>
+          <a:p>
+            <a:pPr marL="171450" indent="-171450">
+              <a:lnSpc>
+                <a:spcPct val="200000"/>
+              </a:lnSpc>
+              <a:buFont typeface="Arial" panose="020B0604020202020204" pitchFamily="34" charset="0"/>
+              <a:buChar char="•"/>
+            </a:pPr>
+            <a:r>
+              <a:rPr lang="en-US" altLang="ko-KR" sz="1200" dirty="0"/>
+              <a:t>Spring </a:t>
+            </a:r>
+            <a:r>
+              <a:rPr lang="ko-KR" altLang="en-US" sz="1200" dirty="0"/>
+              <a:t>기반 </a:t>
+            </a:r>
+            <a:r>
+              <a:rPr lang="en-US" altLang="ko-KR" sz="1200" dirty="0"/>
+              <a:t>rest API </a:t>
+            </a:r>
+            <a:r>
+              <a:rPr lang="ko-KR" altLang="en-US" sz="1200" dirty="0"/>
+              <a:t>개발 희망</a:t>
+            </a:r>
+            <a:endParaRPr lang="en-US" altLang="ko-KR" sz="1200" dirty="0"/>
+          </a:p>
+        </p:txBody>
+      </p:sp>
+      <p:sp>
+        <p:nvSpPr>
+          <p:cNvPr id="25" name="TextBox 24">
+            <a:extLst>
+              <a:ext uri="{FF2B5EF4-FFF2-40B4-BE49-F238E27FC236}">
+                <a16:creationId xmlns:a16="http://schemas.microsoft.com/office/drawing/2014/main" id="{627205F8-6747-4507-972C-76DF1EE8F76A}"/>
+              </a:ext>
+            </a:extLst>
+          </p:cNvPr>
+          <p:cNvSpPr txBox="1"/>
+          <p:nvPr/>
+        </p:nvSpPr>
+        <p:spPr>
+          <a:xfrm>
+            <a:off x="8949719" y="2775090"/>
+            <a:ext cx="2762236" cy="402867"/>
+          </a:xfrm>
+          <a:prstGeom prst="rect">
+            <a:avLst/>
+          </a:prstGeom>
+          <a:noFill/>
+        </p:spPr>
+        <p:txBody>
+          <a:bodyPr wrap="square" rtlCol="0">
+            <a:spAutoFit/>
+          </a:bodyPr>
+          <a:lstStyle/>
+          <a:p>
+            <a:pPr marL="171450" indent="-171450">
+              <a:lnSpc>
+                <a:spcPct val="200000"/>
+              </a:lnSpc>
+              <a:buFont typeface="Arial" panose="020B0604020202020204" pitchFamily="34" charset="0"/>
+              <a:buChar char="•"/>
+            </a:pPr>
+            <a:r>
+              <a:rPr lang="ko-KR" altLang="en-US" sz="1200" dirty="0"/>
+              <a:t>사용 경험이 있는 소프트웨어</a:t>
+            </a:r>
+            <a:endParaRPr lang="en-US" altLang="ko-KR" sz="1200" dirty="0"/>
+          </a:p>
+        </p:txBody>
+      </p:sp>
+      <p:cxnSp>
+        <p:nvCxnSpPr>
+          <p:cNvPr id="29" name="직선 연결선 28">
+            <a:extLst>
+              <a:ext uri="{FF2B5EF4-FFF2-40B4-BE49-F238E27FC236}">
+                <a16:creationId xmlns:a16="http://schemas.microsoft.com/office/drawing/2014/main" id="{6C5A3807-392E-4AA8-8BB7-C601D736B2DD}"/>
+              </a:ext>
+            </a:extLst>
+          </p:cNvPr>
+          <p:cNvCxnSpPr>
+            <a:cxnSpLocks/>
+          </p:cNvCxnSpPr>
+          <p:nvPr/>
+        </p:nvCxnSpPr>
+        <p:spPr>
+          <a:xfrm>
+            <a:off x="5586235" y="122850"/>
+            <a:ext cx="6475476" cy="0"/>
+          </a:xfrm>
+          <a:prstGeom prst="line">
+            <a:avLst/>
+          </a:prstGeom>
+          <a:ln w="12700" cmpd="sng">
+            <a:gradFill>
+              <a:gsLst>
+                <a:gs pos="0">
+                  <a:srgbClr val="0070C0"/>
+                </a:gs>
+                <a:gs pos="100000">
+                  <a:srgbClr val="002A49"/>
+                </a:gs>
+              </a:gsLst>
+              <a:lin ang="0" scaled="0"/>
+            </a:gradFill>
+            <a:headEnd type="none" w="med" len="med"/>
+            <a:tailEnd type="arrow" w="lg" len="lg"/>
           </a:ln>
         </p:spPr>
         <p:style>
@@ -8111,51 +8973,6 @@
           </a:p>
         </p:txBody>
       </p:sp>
-      <p:cxnSp>
-        <p:nvCxnSpPr>
-          <p:cNvPr id="5" name="직선 연결선 4">
-            <a:extLst>
-              <a:ext uri="{FF2B5EF4-FFF2-40B4-BE49-F238E27FC236}">
-                <a16:creationId xmlns:a16="http://schemas.microsoft.com/office/drawing/2014/main" id="{BFE9EEFE-8BC0-4879-9D12-2A8BC074C22E}"/>
-              </a:ext>
-            </a:extLst>
-          </p:cNvPr>
-          <p:cNvCxnSpPr>
-            <a:cxnSpLocks/>
-          </p:cNvCxnSpPr>
-          <p:nvPr/>
-        </p:nvCxnSpPr>
-        <p:spPr>
-          <a:xfrm>
-            <a:off x="5586235" y="122850"/>
-            <a:ext cx="6475476" cy="0"/>
-          </a:xfrm>
-          <a:prstGeom prst="line">
-            <a:avLst/>
-          </a:prstGeom>
-          <a:ln w="12700">
-            <a:solidFill>
-              <a:schemeClr val="tx1"/>
-            </a:solidFill>
-            <a:headEnd type="none" w="med" len="med"/>
-            <a:tailEnd type="arrow" w="lg" len="lg"/>
-          </a:ln>
-        </p:spPr>
-        <p:style>
-          <a:lnRef idx="1">
-            <a:schemeClr val="accent1"/>
-          </a:lnRef>
-          <a:fillRef idx="0">
-            <a:schemeClr val="accent1"/>
-          </a:fillRef>
-          <a:effectRef idx="0">
-            <a:schemeClr val="accent1"/>
-          </a:effectRef>
-          <a:fontRef idx="minor">
-            <a:schemeClr val="tx1"/>
-          </a:fontRef>
-        </p:style>
-      </p:cxnSp>
       <p:sp>
         <p:nvSpPr>
           <p:cNvPr id="6" name="TextBox 5">
@@ -8865,6 +9682,59 @@
           </a:p>
         </p:txBody>
       </p:sp>
+      <p:cxnSp>
+        <p:nvCxnSpPr>
+          <p:cNvPr id="18" name="직선 연결선 17">
+            <a:extLst>
+              <a:ext uri="{FF2B5EF4-FFF2-40B4-BE49-F238E27FC236}">
+                <a16:creationId xmlns:a16="http://schemas.microsoft.com/office/drawing/2014/main" id="{565E2DEA-D4B8-46D2-BC30-7F12615890EB}"/>
+              </a:ext>
+            </a:extLst>
+          </p:cNvPr>
+          <p:cNvCxnSpPr>
+            <a:cxnSpLocks/>
+          </p:cNvCxnSpPr>
+          <p:nvPr/>
+        </p:nvCxnSpPr>
+        <p:spPr>
+          <a:xfrm>
+            <a:off x="5586235" y="122850"/>
+            <a:ext cx="6475476" cy="0"/>
+          </a:xfrm>
+          <a:prstGeom prst="line">
+            <a:avLst/>
+          </a:prstGeom>
+          <a:ln w="12700" cmpd="sng">
+            <a:gradFill>
+              <a:gsLst>
+                <a:gs pos="0">
+                  <a:srgbClr val="0070C0"/>
+                </a:gs>
+                <a:gs pos="100000">
+                  <a:srgbClr val="004170"/>
+                </a:gs>
+              </a:gsLst>
+              <a:lin ang="0" scaled="0"/>
+            </a:gradFill>
+            <a:headEnd type="none" w="med" len="med"/>
+            <a:tailEnd type="arrow" w="lg" len="lg"/>
+          </a:ln>
+        </p:spPr>
+        <p:style>
+          <a:lnRef idx="1">
+            <a:schemeClr val="accent1"/>
+          </a:lnRef>
+          <a:fillRef idx="0">
+            <a:schemeClr val="accent1"/>
+          </a:fillRef>
+          <a:effectRef idx="0">
+            <a:schemeClr val="accent1"/>
+          </a:effectRef>
+          <a:fontRef idx="minor">
+            <a:schemeClr val="tx1"/>
+          </a:fontRef>
+        </p:style>
+      </p:cxnSp>
     </p:spTree>
     <p:extLst>
       <p:ext uri="{BB962C8B-B14F-4D97-AF65-F5344CB8AC3E}">
@@ -8930,12 +9800,658 @@
           </a:p>
         </p:txBody>
       </p:sp>
+      <p:sp>
+        <p:nvSpPr>
+          <p:cNvPr id="6" name="TextBox 5">
+            <a:extLst>
+              <a:ext uri="{FF2B5EF4-FFF2-40B4-BE49-F238E27FC236}">
+                <a16:creationId xmlns:a16="http://schemas.microsoft.com/office/drawing/2014/main" id="{DDC4FEB6-5B26-4F0F-A146-69E3C363501F}"/>
+              </a:ext>
+            </a:extLst>
+          </p:cNvPr>
+          <p:cNvSpPr txBox="1"/>
+          <p:nvPr/>
+        </p:nvSpPr>
+        <p:spPr>
+          <a:xfrm>
+            <a:off x="5604443" y="231355"/>
+            <a:ext cx="716286" cy="276999"/>
+          </a:xfrm>
+          <a:prstGeom prst="rect">
+            <a:avLst/>
+          </a:prstGeom>
+          <a:noFill/>
+        </p:spPr>
+        <p:txBody>
+          <a:bodyPr wrap="none" rtlCol="0">
+            <a:spAutoFit/>
+          </a:bodyPr>
+          <a:lstStyle/>
+          <a:p>
+            <a:r>
+              <a:rPr lang="en-US" altLang="ko-KR" sz="1200" dirty="0"/>
+              <a:t>Preview</a:t>
+            </a:r>
+            <a:endParaRPr lang="ko-KR" altLang="en-US" sz="1200" dirty="0"/>
+          </a:p>
+        </p:txBody>
+      </p:sp>
+      <p:sp>
+        <p:nvSpPr>
+          <p:cNvPr id="7" name="TextBox 6">
+            <a:extLst>
+              <a:ext uri="{FF2B5EF4-FFF2-40B4-BE49-F238E27FC236}">
+                <a16:creationId xmlns:a16="http://schemas.microsoft.com/office/drawing/2014/main" id="{1C9DDA0A-F980-4E1D-83FD-D5A5F3D249D0}"/>
+              </a:ext>
+            </a:extLst>
+          </p:cNvPr>
+          <p:cNvSpPr txBox="1"/>
+          <p:nvPr/>
+        </p:nvSpPr>
+        <p:spPr>
+          <a:xfrm>
+            <a:off x="6320729" y="231355"/>
+            <a:ext cx="545855" cy="276999"/>
+          </a:xfrm>
+          <a:prstGeom prst="rect">
+            <a:avLst/>
+          </a:prstGeom>
+          <a:noFill/>
+        </p:spPr>
+        <p:txBody>
+          <a:bodyPr wrap="none" rtlCol="0">
+            <a:spAutoFit/>
+          </a:bodyPr>
+          <a:lstStyle/>
+          <a:p>
+            <a:r>
+              <a:rPr lang="en-US" altLang="ko-KR" sz="1200" dirty="0"/>
+              <a:t>Team</a:t>
+            </a:r>
+            <a:endParaRPr lang="ko-KR" altLang="en-US" sz="1200" dirty="0"/>
+          </a:p>
+        </p:txBody>
+      </p:sp>
+      <p:sp>
+        <p:nvSpPr>
+          <p:cNvPr id="8" name="TextBox 7">
+            <a:extLst>
+              <a:ext uri="{FF2B5EF4-FFF2-40B4-BE49-F238E27FC236}">
+                <a16:creationId xmlns:a16="http://schemas.microsoft.com/office/drawing/2014/main" id="{DF48F0D6-48B6-41ED-B5FC-479983F1A736}"/>
+              </a:ext>
+            </a:extLst>
+          </p:cNvPr>
+          <p:cNvSpPr txBox="1"/>
+          <p:nvPr/>
+        </p:nvSpPr>
+        <p:spPr>
+          <a:xfrm>
+            <a:off x="6866584" y="231355"/>
+            <a:ext cx="1062535" cy="276999"/>
+          </a:xfrm>
+          <a:prstGeom prst="rect">
+            <a:avLst/>
+          </a:prstGeom>
+          <a:noFill/>
+        </p:spPr>
+        <p:txBody>
+          <a:bodyPr wrap="none" rtlCol="0">
+            <a:spAutoFit/>
+          </a:bodyPr>
+          <a:lstStyle/>
+          <a:p>
+            <a:r>
+              <a:rPr lang="en-US" altLang="ko-KR" sz="1200" dirty="0"/>
+              <a:t>Environment</a:t>
+            </a:r>
+            <a:endParaRPr lang="ko-KR" altLang="en-US" sz="1200" dirty="0"/>
+          </a:p>
+        </p:txBody>
+      </p:sp>
+      <p:sp>
+        <p:nvSpPr>
+          <p:cNvPr id="9" name="TextBox 8">
+            <a:extLst>
+              <a:ext uri="{FF2B5EF4-FFF2-40B4-BE49-F238E27FC236}">
+                <a16:creationId xmlns:a16="http://schemas.microsoft.com/office/drawing/2014/main" id="{436432E4-6A8D-4C01-BEF5-05843EDD45ED}"/>
+              </a:ext>
+            </a:extLst>
+          </p:cNvPr>
+          <p:cNvSpPr txBox="1"/>
+          <p:nvPr/>
+        </p:nvSpPr>
+        <p:spPr>
+          <a:xfrm>
+            <a:off x="7929119" y="231354"/>
+            <a:ext cx="1020600" cy="276999"/>
+          </a:xfrm>
+          <a:prstGeom prst="rect">
+            <a:avLst/>
+          </a:prstGeom>
+          <a:noFill/>
+        </p:spPr>
+        <p:txBody>
+          <a:bodyPr wrap="none" rtlCol="0">
+            <a:spAutoFit/>
+          </a:bodyPr>
+          <a:lstStyle/>
+          <a:p>
+            <a:r>
+              <a:rPr lang="en-US" altLang="ko-KR" sz="1200" dirty="0">
+                <a:solidFill>
+                  <a:srgbClr val="0070C0"/>
+                </a:solidFill>
+              </a:rPr>
+              <a:t>Architecture</a:t>
+            </a:r>
+            <a:endParaRPr lang="ko-KR" altLang="en-US" sz="1200" dirty="0">
+              <a:solidFill>
+                <a:srgbClr val="0070C0"/>
+              </a:solidFill>
+            </a:endParaRPr>
+          </a:p>
+        </p:txBody>
+      </p:sp>
+      <p:sp>
+        <p:nvSpPr>
+          <p:cNvPr id="10" name="TextBox 9">
+            <a:extLst>
+              <a:ext uri="{FF2B5EF4-FFF2-40B4-BE49-F238E27FC236}">
+                <a16:creationId xmlns:a16="http://schemas.microsoft.com/office/drawing/2014/main" id="{898A85B0-6B93-477A-8083-12355552FD85}"/>
+              </a:ext>
+            </a:extLst>
+          </p:cNvPr>
+          <p:cNvSpPr txBox="1"/>
+          <p:nvPr/>
+        </p:nvSpPr>
+        <p:spPr>
+          <a:xfrm>
+            <a:off x="8949719" y="231355"/>
+            <a:ext cx="1354794" cy="276999"/>
+          </a:xfrm>
+          <a:prstGeom prst="rect">
+            <a:avLst/>
+          </a:prstGeom>
+          <a:noFill/>
+        </p:spPr>
+        <p:txBody>
+          <a:bodyPr wrap="none" rtlCol="0">
+            <a:spAutoFit/>
+          </a:bodyPr>
+          <a:lstStyle/>
+          <a:p>
+            <a:r>
+              <a:rPr lang="en-US" altLang="ko-KR" sz="1200" dirty="0"/>
+              <a:t>Core Technology</a:t>
+            </a:r>
+            <a:endParaRPr lang="ko-KR" altLang="en-US" sz="1200" dirty="0"/>
+          </a:p>
+        </p:txBody>
+      </p:sp>
+      <p:sp>
+        <p:nvSpPr>
+          <p:cNvPr id="11" name="TextBox 10">
+            <a:extLst>
+              <a:ext uri="{FF2B5EF4-FFF2-40B4-BE49-F238E27FC236}">
+                <a16:creationId xmlns:a16="http://schemas.microsoft.com/office/drawing/2014/main" id="{8F0386BA-D88E-48CA-A783-34CC75783863}"/>
+              </a:ext>
+            </a:extLst>
+          </p:cNvPr>
+          <p:cNvSpPr txBox="1"/>
+          <p:nvPr/>
+        </p:nvSpPr>
+        <p:spPr>
+          <a:xfrm>
+            <a:off x="10304513" y="231354"/>
+            <a:ext cx="1693156" cy="276999"/>
+          </a:xfrm>
+          <a:prstGeom prst="rect">
+            <a:avLst/>
+          </a:prstGeom>
+          <a:noFill/>
+        </p:spPr>
+        <p:txBody>
+          <a:bodyPr wrap="none" rtlCol="0">
+            <a:spAutoFit/>
+          </a:bodyPr>
+          <a:lstStyle/>
+          <a:p>
+            <a:r>
+              <a:rPr lang="en-US" altLang="ko-KR" sz="1200" dirty="0"/>
+              <a:t>Development Process</a:t>
+            </a:r>
+            <a:endParaRPr lang="ko-KR" altLang="en-US" sz="1200" dirty="0"/>
+          </a:p>
+        </p:txBody>
+      </p:sp>
+      <p:sp>
+        <p:nvSpPr>
+          <p:cNvPr id="12" name="TextBox 11">
+            <a:extLst>
+              <a:ext uri="{FF2B5EF4-FFF2-40B4-BE49-F238E27FC236}">
+                <a16:creationId xmlns:a16="http://schemas.microsoft.com/office/drawing/2014/main" id="{C07D5641-6895-45D1-A4DE-9DDB93E8E6DA}"/>
+              </a:ext>
+            </a:extLst>
+          </p:cNvPr>
+          <p:cNvSpPr txBox="1"/>
+          <p:nvPr/>
+        </p:nvSpPr>
+        <p:spPr>
+          <a:xfrm>
+            <a:off x="686478" y="1267329"/>
+            <a:ext cx="2982369" cy="369332"/>
+          </a:xfrm>
+          <a:prstGeom prst="rect">
+            <a:avLst/>
+          </a:prstGeom>
+          <a:noFill/>
+        </p:spPr>
+        <p:txBody>
+          <a:bodyPr wrap="square" rtlCol="0">
+            <a:spAutoFit/>
+          </a:bodyPr>
+          <a:lstStyle/>
+          <a:p>
+            <a:r>
+              <a:rPr lang="en-US" altLang="ko-KR" b="1" dirty="0"/>
+              <a:t>ERD Diagram</a:t>
+            </a:r>
+            <a:endParaRPr lang="ko-KR" altLang="en-US" b="1" dirty="0"/>
+          </a:p>
+        </p:txBody>
+      </p:sp>
+      <p:pic>
+        <p:nvPicPr>
+          <p:cNvPr id="13" name="그림 12" descr="실내, 컴퓨터, 노트북, 테이블이(가) 표시된 사진&#10;&#10;자동 생성된 설명">
+            <a:extLst>
+              <a:ext uri="{FF2B5EF4-FFF2-40B4-BE49-F238E27FC236}">
+                <a16:creationId xmlns:a16="http://schemas.microsoft.com/office/drawing/2014/main" id="{FD107604-09B4-4F41-A761-C2D9CBCD5BCC}"/>
+              </a:ext>
+            </a:extLst>
+          </p:cNvPr>
+          <p:cNvPicPr>
+            <a:picLocks noChangeAspect="1"/>
+          </p:cNvPicPr>
+          <p:nvPr/>
+        </p:nvPicPr>
+        <p:blipFill>
+          <a:blip r:embed="rId2">
+            <a:extLst>
+              <a:ext uri="{28A0092B-C50C-407E-A947-70E740481C1C}">
+                <a14:useLocalDpi xmlns:a14="http://schemas.microsoft.com/office/drawing/2010/main" val="0"/>
+              </a:ext>
+            </a:extLst>
+          </a:blip>
+          <a:stretch>
+            <a:fillRect/>
+          </a:stretch>
+        </p:blipFill>
+        <p:spPr>
+          <a:xfrm>
+            <a:off x="3673646" y="1829565"/>
+            <a:ext cx="8324024" cy="4518072"/>
+          </a:xfrm>
+          <a:prstGeom prst="rect">
+            <a:avLst/>
+          </a:prstGeom>
+        </p:spPr>
+      </p:pic>
+      <p:sp>
+        <p:nvSpPr>
+          <p:cNvPr id="14" name="TextBox 13">
+            <a:extLst>
+              <a:ext uri="{FF2B5EF4-FFF2-40B4-BE49-F238E27FC236}">
+                <a16:creationId xmlns:a16="http://schemas.microsoft.com/office/drawing/2014/main" id="{F0DE3130-CBA2-4D95-A334-37F16764D668}"/>
+              </a:ext>
+            </a:extLst>
+          </p:cNvPr>
+          <p:cNvSpPr txBox="1"/>
+          <p:nvPr/>
+        </p:nvSpPr>
+        <p:spPr>
+          <a:xfrm>
+            <a:off x="855472" y="1754931"/>
+            <a:ext cx="2864513" cy="276999"/>
+          </a:xfrm>
+          <a:prstGeom prst="rect">
+            <a:avLst/>
+          </a:prstGeom>
+          <a:noFill/>
+        </p:spPr>
+        <p:txBody>
+          <a:bodyPr wrap="square" rtlCol="0">
+            <a:spAutoFit/>
+          </a:bodyPr>
+          <a:lstStyle/>
+          <a:p>
+            <a:r>
+              <a:rPr lang="ko-KR" altLang="en-US" sz="1200" b="1" dirty="0"/>
+              <a:t>주요 테이블 관계도</a:t>
+            </a:r>
+          </a:p>
+        </p:txBody>
+      </p:sp>
+      <p:sp>
+        <p:nvSpPr>
+          <p:cNvPr id="15" name="TextBox 14">
+            <a:extLst>
+              <a:ext uri="{FF2B5EF4-FFF2-40B4-BE49-F238E27FC236}">
+                <a16:creationId xmlns:a16="http://schemas.microsoft.com/office/drawing/2014/main" id="{35E52FF0-9542-4E59-BEA4-91210CA767AD}"/>
+              </a:ext>
+            </a:extLst>
+          </p:cNvPr>
+          <p:cNvSpPr txBox="1"/>
+          <p:nvPr/>
+        </p:nvSpPr>
+        <p:spPr>
+          <a:xfrm>
+            <a:off x="906611" y="2106565"/>
+            <a:ext cx="2762236" cy="1239827"/>
+          </a:xfrm>
+          <a:prstGeom prst="rect">
+            <a:avLst/>
+          </a:prstGeom>
+          <a:noFill/>
+        </p:spPr>
+        <p:txBody>
+          <a:bodyPr wrap="square" rtlCol="0">
+            <a:spAutoFit/>
+          </a:bodyPr>
+          <a:lstStyle/>
+          <a:p>
+            <a:pPr>
+              <a:lnSpc>
+                <a:spcPct val="150000"/>
+              </a:lnSpc>
+            </a:pPr>
+            <a:r>
+              <a:rPr lang="ko-KR" altLang="en-US" sz="1100" b="1" dirty="0"/>
+              <a:t>테이블 종류</a:t>
+            </a:r>
+            <a:endParaRPr lang="en-US" altLang="ko-KR" sz="1100" b="1" dirty="0"/>
+          </a:p>
+          <a:p>
+            <a:pPr marL="171450" indent="-171450">
+              <a:lnSpc>
+                <a:spcPct val="150000"/>
+              </a:lnSpc>
+              <a:buFont typeface="Arial" panose="020B0604020202020204" pitchFamily="34" charset="0"/>
+              <a:buChar char="•"/>
+            </a:pPr>
+            <a:r>
+              <a:rPr lang="ko-KR" altLang="en-US" sz="1000" dirty="0"/>
+              <a:t>펀딩 관련 테이블</a:t>
+            </a:r>
+            <a:endParaRPr lang="en-US" altLang="ko-KR" sz="1000" dirty="0"/>
+          </a:p>
+          <a:p>
+            <a:pPr marL="171450" indent="-171450">
+              <a:lnSpc>
+                <a:spcPct val="150000"/>
+              </a:lnSpc>
+              <a:buFont typeface="Arial" panose="020B0604020202020204" pitchFamily="34" charset="0"/>
+              <a:buChar char="•"/>
+            </a:pPr>
+            <a:r>
+              <a:rPr lang="ko-KR" altLang="en-US" sz="1000" dirty="0"/>
+              <a:t>분리배출법 관련 테이블</a:t>
+            </a:r>
+          </a:p>
+          <a:p>
+            <a:pPr marL="171450" indent="-171450">
+              <a:lnSpc>
+                <a:spcPct val="150000"/>
+              </a:lnSpc>
+              <a:buFont typeface="Arial" panose="020B0604020202020204" pitchFamily="34" charset="0"/>
+              <a:buChar char="•"/>
+            </a:pPr>
+            <a:r>
+              <a:rPr lang="ko-KR" altLang="en-US" sz="1000" dirty="0"/>
+              <a:t>챌린지 관련 테이블</a:t>
+            </a:r>
+            <a:endParaRPr lang="en-US" altLang="ko-KR" sz="1000" dirty="0"/>
+          </a:p>
+          <a:p>
+            <a:pPr marL="171450" indent="-171450">
+              <a:lnSpc>
+                <a:spcPct val="150000"/>
+              </a:lnSpc>
+              <a:buFont typeface="Arial" panose="020B0604020202020204" pitchFamily="34" charset="0"/>
+              <a:buChar char="•"/>
+            </a:pPr>
+            <a:r>
+              <a:rPr lang="ko-KR" altLang="en-US" sz="1000" dirty="0"/>
+              <a:t>회원정보 관련 테이블</a:t>
+            </a:r>
+            <a:endParaRPr lang="en-US" altLang="ko-KR" sz="1000" dirty="0"/>
+          </a:p>
+        </p:txBody>
+      </p:sp>
+      <p:sp>
+        <p:nvSpPr>
+          <p:cNvPr id="19" name="TextBox 18">
+            <a:extLst>
+              <a:ext uri="{FF2B5EF4-FFF2-40B4-BE49-F238E27FC236}">
+                <a16:creationId xmlns:a16="http://schemas.microsoft.com/office/drawing/2014/main" id="{21AEEA88-DAAA-4485-90CB-99C7E3215E00}"/>
+              </a:ext>
+            </a:extLst>
+          </p:cNvPr>
+          <p:cNvSpPr txBox="1"/>
+          <p:nvPr/>
+        </p:nvSpPr>
+        <p:spPr>
+          <a:xfrm>
+            <a:off x="855472" y="3461645"/>
+            <a:ext cx="2864513" cy="276999"/>
+          </a:xfrm>
+          <a:prstGeom prst="rect">
+            <a:avLst/>
+          </a:prstGeom>
+          <a:noFill/>
+        </p:spPr>
+        <p:txBody>
+          <a:bodyPr wrap="square" rtlCol="0">
+            <a:spAutoFit/>
+          </a:bodyPr>
+          <a:lstStyle/>
+          <a:p>
+            <a:r>
+              <a:rPr lang="ko-KR" altLang="en-US" sz="1200" b="1" dirty="0"/>
+              <a:t>데이터 관리 </a:t>
+            </a:r>
+            <a:r>
+              <a:rPr lang="en-US" altLang="ko-KR" sz="1200" b="1" dirty="0"/>
+              <a:t>/ </a:t>
+            </a:r>
+            <a:r>
+              <a:rPr lang="ko-KR" altLang="en-US" sz="1200" b="1" dirty="0"/>
+              <a:t>접근 계획</a:t>
+            </a:r>
+          </a:p>
+        </p:txBody>
+      </p:sp>
+      <p:sp>
+        <p:nvSpPr>
+          <p:cNvPr id="20" name="TextBox 19">
+            <a:extLst>
+              <a:ext uri="{FF2B5EF4-FFF2-40B4-BE49-F238E27FC236}">
+                <a16:creationId xmlns:a16="http://schemas.microsoft.com/office/drawing/2014/main" id="{0EB06A17-B72D-45C6-AC6C-F9CDE96EFB09}"/>
+              </a:ext>
+            </a:extLst>
+          </p:cNvPr>
+          <p:cNvSpPr txBox="1"/>
+          <p:nvPr/>
+        </p:nvSpPr>
+        <p:spPr>
+          <a:xfrm>
+            <a:off x="906611" y="3813279"/>
+            <a:ext cx="2762236" cy="988860"/>
+          </a:xfrm>
+          <a:prstGeom prst="rect">
+            <a:avLst/>
+          </a:prstGeom>
+          <a:noFill/>
+        </p:spPr>
+        <p:txBody>
+          <a:bodyPr wrap="square" rtlCol="0">
+            <a:spAutoFit/>
+          </a:bodyPr>
+          <a:lstStyle/>
+          <a:p>
+            <a:pPr>
+              <a:lnSpc>
+                <a:spcPct val="150000"/>
+              </a:lnSpc>
+            </a:pPr>
+            <a:r>
+              <a:rPr lang="ko-KR" altLang="en-US" sz="1100" b="1" dirty="0"/>
+              <a:t>관리자 측 계획</a:t>
+            </a:r>
+            <a:endParaRPr lang="en-US" altLang="ko-KR" sz="1100" b="1" dirty="0"/>
+          </a:p>
+          <a:p>
+            <a:pPr marL="171450" indent="-171450">
+              <a:lnSpc>
+                <a:spcPct val="150000"/>
+              </a:lnSpc>
+              <a:buFont typeface="Arial" panose="020B0604020202020204" pitchFamily="34" charset="0"/>
+              <a:buChar char="•"/>
+            </a:pPr>
+            <a:r>
+              <a:rPr lang="ko-KR" altLang="en-US" sz="1000" dirty="0"/>
+              <a:t>컴퓨터를 통한 접근</a:t>
+            </a:r>
+            <a:endParaRPr lang="en-US" altLang="ko-KR" sz="1000" dirty="0"/>
+          </a:p>
+          <a:p>
+            <a:pPr marL="171450" indent="-171450">
+              <a:lnSpc>
+                <a:spcPct val="150000"/>
+              </a:lnSpc>
+              <a:buFont typeface="Arial" panose="020B0604020202020204" pitchFamily="34" charset="0"/>
+              <a:buChar char="•"/>
+            </a:pPr>
+            <a:r>
+              <a:rPr lang="ko-KR" altLang="en-US" sz="1000" dirty="0"/>
+              <a:t>사전 데이터 수동 입력</a:t>
+            </a:r>
+            <a:endParaRPr lang="en-US" altLang="ko-KR" sz="1000" dirty="0"/>
+          </a:p>
+          <a:p>
+            <a:pPr marL="171450" indent="-171450">
+              <a:lnSpc>
+                <a:spcPct val="150000"/>
+              </a:lnSpc>
+              <a:buFont typeface="Arial" panose="020B0604020202020204" pitchFamily="34" charset="0"/>
+              <a:buChar char="•"/>
+            </a:pPr>
+            <a:r>
+              <a:rPr lang="ko-KR" altLang="en-US" sz="900" dirty="0"/>
+              <a:t>파이썬을 이용한 데이터 수집 </a:t>
+            </a:r>
+            <a:r>
+              <a:rPr lang="en-US" altLang="ko-KR" sz="900" dirty="0"/>
+              <a:t>~ </a:t>
+            </a:r>
+            <a:r>
+              <a:rPr lang="ko-KR" altLang="en-US" sz="900" dirty="0"/>
+              <a:t>전처리 과정</a:t>
+            </a:r>
+            <a:endParaRPr lang="en-US" altLang="ko-KR" sz="900" dirty="0"/>
+          </a:p>
+        </p:txBody>
+      </p:sp>
+      <p:sp>
+        <p:nvSpPr>
+          <p:cNvPr id="21" name="TextBox 20">
+            <a:extLst>
+              <a:ext uri="{FF2B5EF4-FFF2-40B4-BE49-F238E27FC236}">
+                <a16:creationId xmlns:a16="http://schemas.microsoft.com/office/drawing/2014/main" id="{888372FE-8AB4-4C95-B929-D68D1C592E61}"/>
+              </a:ext>
+            </a:extLst>
+          </p:cNvPr>
+          <p:cNvSpPr txBox="1"/>
+          <p:nvPr/>
+        </p:nvSpPr>
+        <p:spPr>
+          <a:xfrm>
+            <a:off x="906611" y="5053106"/>
+            <a:ext cx="2762236" cy="758028"/>
+          </a:xfrm>
+          <a:prstGeom prst="rect">
+            <a:avLst/>
+          </a:prstGeom>
+          <a:noFill/>
+        </p:spPr>
+        <p:txBody>
+          <a:bodyPr wrap="square" rtlCol="0">
+            <a:spAutoFit/>
+          </a:bodyPr>
+          <a:lstStyle/>
+          <a:p>
+            <a:pPr>
+              <a:lnSpc>
+                <a:spcPct val="150000"/>
+              </a:lnSpc>
+            </a:pPr>
+            <a:r>
+              <a:rPr lang="ko-KR" altLang="en-US" sz="1100" b="1" dirty="0"/>
+              <a:t>사용자 측 계획</a:t>
+            </a:r>
+            <a:endParaRPr lang="en-US" altLang="ko-KR" sz="1100" b="1" dirty="0"/>
+          </a:p>
+          <a:p>
+            <a:pPr marL="171450" indent="-171450">
+              <a:lnSpc>
+                <a:spcPct val="150000"/>
+              </a:lnSpc>
+              <a:buFont typeface="Arial" panose="020B0604020202020204" pitchFamily="34" charset="0"/>
+              <a:buChar char="•"/>
+            </a:pPr>
+            <a:r>
+              <a:rPr lang="ko-KR" altLang="en-US" sz="1000" dirty="0"/>
+              <a:t>애플리케이션을 통한 접근</a:t>
+            </a:r>
+            <a:endParaRPr lang="en-US" altLang="ko-KR" sz="1000" dirty="0"/>
+          </a:p>
+          <a:p>
+            <a:pPr marL="171450" indent="-171450">
+              <a:lnSpc>
+                <a:spcPct val="150000"/>
+              </a:lnSpc>
+              <a:buFont typeface="Arial" panose="020B0604020202020204" pitchFamily="34" charset="0"/>
+              <a:buChar char="•"/>
+            </a:pPr>
+            <a:r>
+              <a:rPr lang="ko-KR" altLang="en-US" sz="900" dirty="0"/>
+              <a:t>부여된 </a:t>
+            </a:r>
+            <a:r>
+              <a:rPr lang="en-US" altLang="ko-KR" sz="900" dirty="0"/>
+              <a:t>ID</a:t>
+            </a:r>
+            <a:r>
+              <a:rPr lang="ko-KR" altLang="en-US" sz="900" dirty="0"/>
+              <a:t>에 따라 허가된 데이터 출력 </a:t>
+            </a:r>
+            <a:r>
+              <a:rPr lang="en-US" altLang="ko-KR" sz="900" dirty="0"/>
+              <a:t>/ </a:t>
+            </a:r>
+            <a:r>
+              <a:rPr lang="ko-KR" altLang="en-US" sz="900" dirty="0"/>
+              <a:t>입력</a:t>
+            </a:r>
+            <a:endParaRPr lang="en-US" altLang="ko-KR" sz="900" dirty="0"/>
+          </a:p>
+        </p:txBody>
+      </p:sp>
       <p:cxnSp>
         <p:nvCxnSpPr>
-          <p:cNvPr id="5" name="직선 연결선 4">
-            <a:extLst>
-              <a:ext uri="{FF2B5EF4-FFF2-40B4-BE49-F238E27FC236}">
-                <a16:creationId xmlns:a16="http://schemas.microsoft.com/office/drawing/2014/main" id="{BFE9EEFE-8BC0-4879-9D12-2A8BC074C22E}"/>
+          <p:cNvPr id="22" name="직선 연결선 21">
+            <a:extLst>
+              <a:ext uri="{FF2B5EF4-FFF2-40B4-BE49-F238E27FC236}">
+                <a16:creationId xmlns:a16="http://schemas.microsoft.com/office/drawing/2014/main" id="{E6D0F0F8-BD39-47E1-A371-463A866482A2}"/>
               </a:ext>
             </a:extLst>
           </p:cNvPr>
@@ -8952,10 +10468,18 @@
           <a:prstGeom prst="line">
             <a:avLst/>
           </a:prstGeom>
-          <a:ln w="12700">
-            <a:solidFill>
-              <a:schemeClr val="tx1"/>
-            </a:solidFill>
+          <a:ln w="12700" cmpd="sng">
+            <a:gradFill>
+              <a:gsLst>
+                <a:gs pos="0">
+                  <a:srgbClr val="0070C0"/>
+                </a:gs>
+                <a:gs pos="100000">
+                  <a:srgbClr val="004F88"/>
+                </a:gs>
+              </a:gsLst>
+              <a:lin ang="0" scaled="0"/>
+            </a:gradFill>
             <a:headEnd type="none" w="med" len="med"/>
             <a:tailEnd type="arrow" w="lg" len="lg"/>
           </a:ln>
@@ -8975,266 +10499,6 @@
           </a:fontRef>
         </p:style>
       </p:cxnSp>
-      <p:sp>
-        <p:nvSpPr>
-          <p:cNvPr id="6" name="TextBox 5">
-            <a:extLst>
-              <a:ext uri="{FF2B5EF4-FFF2-40B4-BE49-F238E27FC236}">
-                <a16:creationId xmlns:a16="http://schemas.microsoft.com/office/drawing/2014/main" id="{DDC4FEB6-5B26-4F0F-A146-69E3C363501F}"/>
-              </a:ext>
-            </a:extLst>
-          </p:cNvPr>
-          <p:cNvSpPr txBox="1"/>
-          <p:nvPr/>
-        </p:nvSpPr>
-        <p:spPr>
-          <a:xfrm>
-            <a:off x="5604443" y="231355"/>
-            <a:ext cx="716286" cy="276999"/>
-          </a:xfrm>
-          <a:prstGeom prst="rect">
-            <a:avLst/>
-          </a:prstGeom>
-          <a:noFill/>
-        </p:spPr>
-        <p:txBody>
-          <a:bodyPr wrap="none" rtlCol="0">
-            <a:spAutoFit/>
-          </a:bodyPr>
-          <a:lstStyle/>
-          <a:p>
-            <a:r>
-              <a:rPr lang="en-US" altLang="ko-KR" sz="1200" dirty="0"/>
-              <a:t>Preview</a:t>
-            </a:r>
-            <a:endParaRPr lang="ko-KR" altLang="en-US" sz="1200" dirty="0"/>
-          </a:p>
-        </p:txBody>
-      </p:sp>
-      <p:sp>
-        <p:nvSpPr>
-          <p:cNvPr id="7" name="TextBox 6">
-            <a:extLst>
-              <a:ext uri="{FF2B5EF4-FFF2-40B4-BE49-F238E27FC236}">
-                <a16:creationId xmlns:a16="http://schemas.microsoft.com/office/drawing/2014/main" id="{1C9DDA0A-F980-4E1D-83FD-D5A5F3D249D0}"/>
-              </a:ext>
-            </a:extLst>
-          </p:cNvPr>
-          <p:cNvSpPr txBox="1"/>
-          <p:nvPr/>
-        </p:nvSpPr>
-        <p:spPr>
-          <a:xfrm>
-            <a:off x="6320729" y="231355"/>
-            <a:ext cx="545855" cy="276999"/>
-          </a:xfrm>
-          <a:prstGeom prst="rect">
-            <a:avLst/>
-          </a:prstGeom>
-          <a:noFill/>
-        </p:spPr>
-        <p:txBody>
-          <a:bodyPr wrap="none" rtlCol="0">
-            <a:spAutoFit/>
-          </a:bodyPr>
-          <a:lstStyle/>
-          <a:p>
-            <a:r>
-              <a:rPr lang="en-US" altLang="ko-KR" sz="1200" dirty="0"/>
-              <a:t>Team</a:t>
-            </a:r>
-            <a:endParaRPr lang="ko-KR" altLang="en-US" sz="1200" dirty="0"/>
-          </a:p>
-        </p:txBody>
-      </p:sp>
-      <p:sp>
-        <p:nvSpPr>
-          <p:cNvPr id="8" name="TextBox 7">
-            <a:extLst>
-              <a:ext uri="{FF2B5EF4-FFF2-40B4-BE49-F238E27FC236}">
-                <a16:creationId xmlns:a16="http://schemas.microsoft.com/office/drawing/2014/main" id="{DF48F0D6-48B6-41ED-B5FC-479983F1A736}"/>
-              </a:ext>
-            </a:extLst>
-          </p:cNvPr>
-          <p:cNvSpPr txBox="1"/>
-          <p:nvPr/>
-        </p:nvSpPr>
-        <p:spPr>
-          <a:xfrm>
-            <a:off x="6866584" y="231355"/>
-            <a:ext cx="1062535" cy="276999"/>
-          </a:xfrm>
-          <a:prstGeom prst="rect">
-            <a:avLst/>
-          </a:prstGeom>
-          <a:noFill/>
-        </p:spPr>
-        <p:txBody>
-          <a:bodyPr wrap="none" rtlCol="0">
-            <a:spAutoFit/>
-          </a:bodyPr>
-          <a:lstStyle/>
-          <a:p>
-            <a:r>
-              <a:rPr lang="en-US" altLang="ko-KR" sz="1200" dirty="0"/>
-              <a:t>Environment</a:t>
-            </a:r>
-            <a:endParaRPr lang="ko-KR" altLang="en-US" sz="1200" dirty="0"/>
-          </a:p>
-        </p:txBody>
-      </p:sp>
-      <p:sp>
-        <p:nvSpPr>
-          <p:cNvPr id="9" name="TextBox 8">
-            <a:extLst>
-              <a:ext uri="{FF2B5EF4-FFF2-40B4-BE49-F238E27FC236}">
-                <a16:creationId xmlns:a16="http://schemas.microsoft.com/office/drawing/2014/main" id="{436432E4-6A8D-4C01-BEF5-05843EDD45ED}"/>
-              </a:ext>
-            </a:extLst>
-          </p:cNvPr>
-          <p:cNvSpPr txBox="1"/>
-          <p:nvPr/>
-        </p:nvSpPr>
-        <p:spPr>
-          <a:xfrm>
-            <a:off x="7929119" y="231354"/>
-            <a:ext cx="1020600" cy="276999"/>
-          </a:xfrm>
-          <a:prstGeom prst="rect">
-            <a:avLst/>
-          </a:prstGeom>
-          <a:noFill/>
-        </p:spPr>
-        <p:txBody>
-          <a:bodyPr wrap="none" rtlCol="0">
-            <a:spAutoFit/>
-          </a:bodyPr>
-          <a:lstStyle/>
-          <a:p>
-            <a:r>
-              <a:rPr lang="en-US" altLang="ko-KR" sz="1200" dirty="0">
-                <a:solidFill>
-                  <a:srgbClr val="0070C0"/>
-                </a:solidFill>
-              </a:rPr>
-              <a:t>Architecture</a:t>
-            </a:r>
-            <a:endParaRPr lang="ko-KR" altLang="en-US" sz="1200" dirty="0">
-              <a:solidFill>
-                <a:srgbClr val="0070C0"/>
-              </a:solidFill>
-            </a:endParaRPr>
-          </a:p>
-        </p:txBody>
-      </p:sp>
-      <p:sp>
-        <p:nvSpPr>
-          <p:cNvPr id="10" name="TextBox 9">
-            <a:extLst>
-              <a:ext uri="{FF2B5EF4-FFF2-40B4-BE49-F238E27FC236}">
-                <a16:creationId xmlns:a16="http://schemas.microsoft.com/office/drawing/2014/main" id="{898A85B0-6B93-477A-8083-12355552FD85}"/>
-              </a:ext>
-            </a:extLst>
-          </p:cNvPr>
-          <p:cNvSpPr txBox="1"/>
-          <p:nvPr/>
-        </p:nvSpPr>
-        <p:spPr>
-          <a:xfrm>
-            <a:off x="8949719" y="231355"/>
-            <a:ext cx="1354794" cy="276999"/>
-          </a:xfrm>
-          <a:prstGeom prst="rect">
-            <a:avLst/>
-          </a:prstGeom>
-          <a:noFill/>
-        </p:spPr>
-        <p:txBody>
-          <a:bodyPr wrap="none" rtlCol="0">
-            <a:spAutoFit/>
-          </a:bodyPr>
-          <a:lstStyle/>
-          <a:p>
-            <a:r>
-              <a:rPr lang="en-US" altLang="ko-KR" sz="1200" dirty="0"/>
-              <a:t>Core Technology</a:t>
-            </a:r>
-            <a:endParaRPr lang="ko-KR" altLang="en-US" sz="1200" dirty="0"/>
-          </a:p>
-        </p:txBody>
-      </p:sp>
-      <p:sp>
-        <p:nvSpPr>
-          <p:cNvPr id="11" name="TextBox 10">
-            <a:extLst>
-              <a:ext uri="{FF2B5EF4-FFF2-40B4-BE49-F238E27FC236}">
-                <a16:creationId xmlns:a16="http://schemas.microsoft.com/office/drawing/2014/main" id="{8F0386BA-D88E-48CA-A783-34CC75783863}"/>
-              </a:ext>
-            </a:extLst>
-          </p:cNvPr>
-          <p:cNvSpPr txBox="1"/>
-          <p:nvPr/>
-        </p:nvSpPr>
-        <p:spPr>
-          <a:xfrm>
-            <a:off x="10304513" y="231354"/>
-            <a:ext cx="1693156" cy="276999"/>
-          </a:xfrm>
-          <a:prstGeom prst="rect">
-            <a:avLst/>
-          </a:prstGeom>
-          <a:noFill/>
-        </p:spPr>
-        <p:txBody>
-          <a:bodyPr wrap="none" rtlCol="0">
-            <a:spAutoFit/>
-          </a:bodyPr>
-          <a:lstStyle/>
-          <a:p>
-            <a:r>
-              <a:rPr lang="en-US" altLang="ko-KR" sz="1200" dirty="0"/>
-              <a:t>Development Process</a:t>
-            </a:r>
-            <a:endParaRPr lang="ko-KR" altLang="en-US" sz="1200" dirty="0"/>
-          </a:p>
-        </p:txBody>
-      </p:sp>
-      <p:sp>
-        <p:nvSpPr>
-          <p:cNvPr id="12" name="TextBox 11">
-            <a:extLst>
-              <a:ext uri="{FF2B5EF4-FFF2-40B4-BE49-F238E27FC236}">
-                <a16:creationId xmlns:a16="http://schemas.microsoft.com/office/drawing/2014/main" id="{C07D5641-6895-45D1-A4DE-9DDB93E8E6DA}"/>
-              </a:ext>
-            </a:extLst>
-          </p:cNvPr>
-          <p:cNvSpPr txBox="1"/>
-          <p:nvPr/>
-        </p:nvSpPr>
-        <p:spPr>
-          <a:xfrm>
-            <a:off x="686478" y="1267329"/>
-            <a:ext cx="2982369" cy="369332"/>
-          </a:xfrm>
-          <a:prstGeom prst="rect">
-            <a:avLst/>
-          </a:prstGeom>
-          <a:noFill/>
-        </p:spPr>
-        <p:txBody>
-          <a:bodyPr wrap="square" rtlCol="0">
-            <a:spAutoFit/>
-          </a:bodyPr>
-          <a:lstStyle/>
-          <a:p>
-            <a:r>
-              <a:rPr lang="en-US" altLang="ko-KR" b="1" dirty="0"/>
-              <a:t>ERD Diagram</a:t>
-            </a:r>
-            <a:endParaRPr lang="ko-KR" altLang="en-US" b="1" dirty="0"/>
-          </a:p>
-        </p:txBody>
-      </p:sp>
     </p:spTree>
     <p:extLst>
       <p:ext uri="{BB962C8B-B14F-4D97-AF65-F5344CB8AC3E}">
@@ -9300,51 +10564,6 @@
           </a:p>
         </p:txBody>
       </p:sp>
-      <p:cxnSp>
-        <p:nvCxnSpPr>
-          <p:cNvPr id="5" name="직선 연결선 4">
-            <a:extLst>
-              <a:ext uri="{FF2B5EF4-FFF2-40B4-BE49-F238E27FC236}">
-                <a16:creationId xmlns:a16="http://schemas.microsoft.com/office/drawing/2014/main" id="{BFE9EEFE-8BC0-4879-9D12-2A8BC074C22E}"/>
-              </a:ext>
-            </a:extLst>
-          </p:cNvPr>
-          <p:cNvCxnSpPr>
-            <a:cxnSpLocks/>
-          </p:cNvCxnSpPr>
-          <p:nvPr/>
-        </p:nvCxnSpPr>
-        <p:spPr>
-          <a:xfrm>
-            <a:off x="5586235" y="122850"/>
-            <a:ext cx="6475476" cy="0"/>
-          </a:xfrm>
-          <a:prstGeom prst="line">
-            <a:avLst/>
-          </a:prstGeom>
-          <a:ln w="12700">
-            <a:solidFill>
-              <a:schemeClr val="tx1"/>
-            </a:solidFill>
-            <a:headEnd type="none" w="med" len="med"/>
-            <a:tailEnd type="arrow" w="lg" len="lg"/>
-          </a:ln>
-        </p:spPr>
-        <p:style>
-          <a:lnRef idx="1">
-            <a:schemeClr val="accent1"/>
-          </a:lnRef>
-          <a:fillRef idx="0">
-            <a:schemeClr val="accent1"/>
-          </a:fillRef>
-          <a:effectRef idx="0">
-            <a:schemeClr val="accent1"/>
-          </a:effectRef>
-          <a:fontRef idx="minor">
-            <a:schemeClr val="tx1"/>
-          </a:fontRef>
-        </p:style>
-      </p:cxnSp>
       <p:sp>
         <p:nvSpPr>
           <p:cNvPr id="6" name="TextBox 5">
@@ -10030,6 +11249,59 @@
           </a:prstGeom>
         </p:spPr>
       </p:pic>
+      <p:cxnSp>
+        <p:nvCxnSpPr>
+          <p:cNvPr id="18" name="직선 연결선 17">
+            <a:extLst>
+              <a:ext uri="{FF2B5EF4-FFF2-40B4-BE49-F238E27FC236}">
+                <a16:creationId xmlns:a16="http://schemas.microsoft.com/office/drawing/2014/main" id="{9FD7FD90-F6B0-43D7-A45F-24DE6B22D289}"/>
+              </a:ext>
+            </a:extLst>
+          </p:cNvPr>
+          <p:cNvCxnSpPr>
+            <a:cxnSpLocks/>
+          </p:cNvCxnSpPr>
+          <p:nvPr/>
+        </p:nvCxnSpPr>
+        <p:spPr>
+          <a:xfrm>
+            <a:off x="5586235" y="122850"/>
+            <a:ext cx="6475476" cy="0"/>
+          </a:xfrm>
+          <a:prstGeom prst="line">
+            <a:avLst/>
+          </a:prstGeom>
+          <a:ln w="12700" cmpd="sng">
+            <a:gradFill>
+              <a:gsLst>
+                <a:gs pos="0">
+                  <a:srgbClr val="0070C0"/>
+                </a:gs>
+                <a:gs pos="100000">
+                  <a:srgbClr val="005897"/>
+                </a:gs>
+              </a:gsLst>
+              <a:lin ang="0" scaled="0"/>
+            </a:gradFill>
+            <a:headEnd type="none" w="med" len="med"/>
+            <a:tailEnd type="arrow" w="lg" len="lg"/>
+          </a:ln>
+        </p:spPr>
+        <p:style>
+          <a:lnRef idx="1">
+            <a:schemeClr val="accent1"/>
+          </a:lnRef>
+          <a:fillRef idx="0">
+            <a:schemeClr val="accent1"/>
+          </a:fillRef>
+          <a:effectRef idx="0">
+            <a:schemeClr val="accent1"/>
+          </a:effectRef>
+          <a:fontRef idx="minor">
+            <a:schemeClr val="tx1"/>
+          </a:fontRef>
+        </p:style>
+      </p:cxnSp>
     </p:spTree>
     <p:extLst>
       <p:ext uri="{BB962C8B-B14F-4D97-AF65-F5344CB8AC3E}">
@@ -10095,51 +11367,6 @@
           </a:p>
         </p:txBody>
       </p:sp>
-      <p:cxnSp>
-        <p:nvCxnSpPr>
-          <p:cNvPr id="5" name="직선 연결선 4">
-            <a:extLst>
-              <a:ext uri="{FF2B5EF4-FFF2-40B4-BE49-F238E27FC236}">
-                <a16:creationId xmlns:a16="http://schemas.microsoft.com/office/drawing/2014/main" id="{BFE9EEFE-8BC0-4879-9D12-2A8BC074C22E}"/>
-              </a:ext>
-            </a:extLst>
-          </p:cNvPr>
-          <p:cNvCxnSpPr>
-            <a:cxnSpLocks/>
-          </p:cNvCxnSpPr>
-          <p:nvPr/>
-        </p:nvCxnSpPr>
-        <p:spPr>
-          <a:xfrm>
-            <a:off x="5586235" y="122850"/>
-            <a:ext cx="6475476" cy="0"/>
-          </a:xfrm>
-          <a:prstGeom prst="line">
-            <a:avLst/>
-          </a:prstGeom>
-          <a:ln w="12700">
-            <a:solidFill>
-              <a:schemeClr val="tx1"/>
-            </a:solidFill>
-            <a:headEnd type="none" w="med" len="med"/>
-            <a:tailEnd type="arrow" w="lg" len="lg"/>
-          </a:ln>
-        </p:spPr>
-        <p:style>
-          <a:lnRef idx="1">
-            <a:schemeClr val="accent1"/>
-          </a:lnRef>
-          <a:fillRef idx="0">
-            <a:schemeClr val="accent1"/>
-          </a:fillRef>
-          <a:effectRef idx="0">
-            <a:schemeClr val="accent1"/>
-          </a:effectRef>
-          <a:fontRef idx="minor">
-            <a:schemeClr val="tx1"/>
-          </a:fontRef>
-        </p:style>
-      </p:cxnSp>
       <p:sp>
         <p:nvSpPr>
           <p:cNvPr id="6" name="TextBox 5">
@@ -10874,6 +12101,59 @@
           </a:extLst>
         </p:spPr>
       </p:pic>
+      <p:cxnSp>
+        <p:nvCxnSpPr>
+          <p:cNvPr id="19" name="직선 연결선 18">
+            <a:extLst>
+              <a:ext uri="{FF2B5EF4-FFF2-40B4-BE49-F238E27FC236}">
+                <a16:creationId xmlns:a16="http://schemas.microsoft.com/office/drawing/2014/main" id="{B5A0D7E5-A5D7-45B3-AE38-2A7454DA4C1A}"/>
+              </a:ext>
+            </a:extLst>
+          </p:cNvPr>
+          <p:cNvCxnSpPr>
+            <a:cxnSpLocks/>
+          </p:cNvCxnSpPr>
+          <p:nvPr/>
+        </p:nvCxnSpPr>
+        <p:spPr>
+          <a:xfrm>
+            <a:off x="5586235" y="122850"/>
+            <a:ext cx="6475476" cy="0"/>
+          </a:xfrm>
+          <a:prstGeom prst="line">
+            <a:avLst/>
+          </a:prstGeom>
+          <a:ln w="12700" cmpd="sng">
+            <a:gradFill>
+              <a:gsLst>
+                <a:gs pos="0">
+                  <a:srgbClr val="0070C0"/>
+                </a:gs>
+                <a:gs pos="100000">
+                  <a:srgbClr val="005EA2"/>
+                </a:gs>
+              </a:gsLst>
+              <a:lin ang="0" scaled="0"/>
+            </a:gradFill>
+            <a:headEnd type="none" w="med" len="med"/>
+            <a:tailEnd type="arrow" w="lg" len="lg"/>
+          </a:ln>
+        </p:spPr>
+        <p:style>
+          <a:lnRef idx="1">
+            <a:schemeClr val="accent1"/>
+          </a:lnRef>
+          <a:fillRef idx="0">
+            <a:schemeClr val="accent1"/>
+          </a:fillRef>
+          <a:effectRef idx="0">
+            <a:schemeClr val="accent1"/>
+          </a:effectRef>
+          <a:fontRef idx="minor">
+            <a:schemeClr val="tx1"/>
+          </a:fontRef>
+        </p:style>
+      </p:cxnSp>
     </p:spTree>
     <p:extLst>
       <p:ext uri="{BB962C8B-B14F-4D97-AF65-F5344CB8AC3E}">
@@ -10939,51 +12219,6 @@
           </a:p>
         </p:txBody>
       </p:sp>
-      <p:cxnSp>
-        <p:nvCxnSpPr>
-          <p:cNvPr id="5" name="직선 연결선 4">
-            <a:extLst>
-              <a:ext uri="{FF2B5EF4-FFF2-40B4-BE49-F238E27FC236}">
-                <a16:creationId xmlns:a16="http://schemas.microsoft.com/office/drawing/2014/main" id="{BFE9EEFE-8BC0-4879-9D12-2A8BC074C22E}"/>
-              </a:ext>
-            </a:extLst>
-          </p:cNvPr>
-          <p:cNvCxnSpPr>
-            <a:cxnSpLocks/>
-          </p:cNvCxnSpPr>
-          <p:nvPr/>
-        </p:nvCxnSpPr>
-        <p:spPr>
-          <a:xfrm>
-            <a:off x="5586235" y="122850"/>
-            <a:ext cx="6475476" cy="0"/>
-          </a:xfrm>
-          <a:prstGeom prst="line">
-            <a:avLst/>
-          </a:prstGeom>
-          <a:ln w="12700">
-            <a:solidFill>
-              <a:schemeClr val="tx1"/>
-            </a:solidFill>
-            <a:headEnd type="none" w="med" len="med"/>
-            <a:tailEnd type="arrow" w="lg" len="lg"/>
-          </a:ln>
-        </p:spPr>
-        <p:style>
-          <a:lnRef idx="1">
-            <a:schemeClr val="accent1"/>
-          </a:lnRef>
-          <a:fillRef idx="0">
-            <a:schemeClr val="accent1"/>
-          </a:fillRef>
-          <a:effectRef idx="0">
-            <a:schemeClr val="accent1"/>
-          </a:effectRef>
-          <a:fontRef idx="minor">
-            <a:schemeClr val="tx1"/>
-          </a:fontRef>
-        </p:style>
-      </p:cxnSp>
       <p:sp>
         <p:nvSpPr>
           <p:cNvPr id="6" name="TextBox 5">
@@ -12524,6 +13759,59 @@
           </a:prstGeom>
         </p:spPr>
       </p:pic>
+      <p:cxnSp>
+        <p:nvCxnSpPr>
+          <p:cNvPr id="36" name="직선 연결선 35">
+            <a:extLst>
+              <a:ext uri="{FF2B5EF4-FFF2-40B4-BE49-F238E27FC236}">
+                <a16:creationId xmlns:a16="http://schemas.microsoft.com/office/drawing/2014/main" id="{0A280360-9DF9-48F4-A4F1-10DAA7FC7B52}"/>
+              </a:ext>
+            </a:extLst>
+          </p:cNvPr>
+          <p:cNvCxnSpPr>
+            <a:cxnSpLocks/>
+          </p:cNvCxnSpPr>
+          <p:nvPr/>
+        </p:nvCxnSpPr>
+        <p:spPr>
+          <a:xfrm>
+            <a:off x="5586235" y="122850"/>
+            <a:ext cx="6475476" cy="0"/>
+          </a:xfrm>
+          <a:prstGeom prst="line">
+            <a:avLst/>
+          </a:prstGeom>
+          <a:ln w="12700" cmpd="sng">
+            <a:gradFill>
+              <a:gsLst>
+                <a:gs pos="0">
+                  <a:srgbClr val="0070C0"/>
+                </a:gs>
+                <a:gs pos="100000">
+                  <a:srgbClr val="0062A9"/>
+                </a:gs>
+              </a:gsLst>
+              <a:lin ang="0" scaled="0"/>
+            </a:gradFill>
+            <a:headEnd type="none" w="med" len="med"/>
+            <a:tailEnd type="arrow" w="lg" len="lg"/>
+          </a:ln>
+        </p:spPr>
+        <p:style>
+          <a:lnRef idx="1">
+            <a:schemeClr val="accent1"/>
+          </a:lnRef>
+          <a:fillRef idx="0">
+            <a:schemeClr val="accent1"/>
+          </a:fillRef>
+          <a:effectRef idx="0">
+            <a:schemeClr val="accent1"/>
+          </a:effectRef>
+          <a:fontRef idx="minor">
+            <a:schemeClr val="tx1"/>
+          </a:fontRef>
+        </p:style>
+      </p:cxnSp>
     </p:spTree>
     <p:extLst>
       <p:ext uri="{BB962C8B-B14F-4D97-AF65-F5344CB8AC3E}">

--- a/Datas/개발 발표안 1차.pptx
+++ b/Datas/개발 발표안 1차.pptx
@@ -3938,7 +3938,7 @@
           </a:ln>
           <a:extLst>
             <a:ext uri="{C572A759-6A51-4108-AA02-DFA0A04FC94B}">
-              <ma14:wrappingTextBoxFlag xmlns:ma14="http://schemas.microsoft.com/office/mac/drawingml/2011/main" xmlns:a14="http://schemas.microsoft.com/office/drawing/2010/main" xmlns:m="http://schemas.openxmlformats.org/officeDocument/2006/math" xmlns="" val="1"/>
+              <ma14:wrappingTextBoxFlag xmlns="" xmlns:m="http://schemas.openxmlformats.org/officeDocument/2006/math" xmlns:a14="http://schemas.microsoft.com/office/drawing/2010/main" xmlns:ma14="http://schemas.microsoft.com/office/mac/drawingml/2011/main" val="1"/>
             </a:ext>
           </a:extLst>
         </p:spPr>
@@ -9735,6 +9735,662 @@
           </a:fontRef>
         </p:style>
       </p:cxnSp>
+      <p:sp>
+        <p:nvSpPr>
+          <p:cNvPr id="2" name="직사각형 1">
+            <a:extLst>
+              <a:ext uri="{FF2B5EF4-FFF2-40B4-BE49-F238E27FC236}">
+                <a16:creationId xmlns:a16="http://schemas.microsoft.com/office/drawing/2014/main" id="{0061C43A-858E-4FA4-9E64-126804CA6169}"/>
+              </a:ext>
+            </a:extLst>
+          </p:cNvPr>
+          <p:cNvSpPr>
+            <a:spLocks noChangeAspect="1"/>
+          </p:cNvSpPr>
+          <p:nvPr/>
+        </p:nvSpPr>
+        <p:spPr>
+          <a:xfrm>
+            <a:off x="2532489" y="2187370"/>
+            <a:ext cx="180000" cy="180000"/>
+          </a:xfrm>
+          <a:prstGeom prst="rect">
+            <a:avLst/>
+          </a:prstGeom>
+          <a:solidFill>
+            <a:schemeClr val="bg1"/>
+          </a:solidFill>
+          <a:ln>
+            <a:solidFill>
+              <a:srgbClr val="FF0000"/>
+            </a:solidFill>
+          </a:ln>
+        </p:spPr>
+        <p:style>
+          <a:lnRef idx="2">
+            <a:schemeClr val="accent1">
+              <a:shade val="50000"/>
+            </a:schemeClr>
+          </a:lnRef>
+          <a:fillRef idx="1">
+            <a:schemeClr val="accent1"/>
+          </a:fillRef>
+          <a:effectRef idx="0">
+            <a:schemeClr val="accent1"/>
+          </a:effectRef>
+          <a:fontRef idx="minor">
+            <a:schemeClr val="lt1"/>
+          </a:fontRef>
+        </p:style>
+        <p:txBody>
+          <a:bodyPr rtlCol="0" anchor="ctr"/>
+          <a:lstStyle/>
+          <a:p>
+            <a:pPr algn="ctr"/>
+            <a:endParaRPr lang="ko-KR" altLang="en-US"/>
+          </a:p>
+        </p:txBody>
+      </p:sp>
+      <p:sp>
+        <p:nvSpPr>
+          <p:cNvPr id="19" name="직사각형 18">
+            <a:extLst>
+              <a:ext uri="{FF2B5EF4-FFF2-40B4-BE49-F238E27FC236}">
+                <a16:creationId xmlns:a16="http://schemas.microsoft.com/office/drawing/2014/main" id="{1C919F7F-408E-4DEC-B08C-1FE6F24FE995}"/>
+              </a:ext>
+            </a:extLst>
+          </p:cNvPr>
+          <p:cNvSpPr>
+            <a:spLocks noChangeAspect="1"/>
+          </p:cNvSpPr>
+          <p:nvPr/>
+        </p:nvSpPr>
+        <p:spPr>
+          <a:xfrm>
+            <a:off x="2732581" y="3812433"/>
+            <a:ext cx="180000" cy="180000"/>
+          </a:xfrm>
+          <a:prstGeom prst="rect">
+            <a:avLst/>
+          </a:prstGeom>
+          <a:solidFill>
+            <a:schemeClr val="bg1"/>
+          </a:solidFill>
+          <a:ln>
+            <a:solidFill>
+              <a:srgbClr val="00B050"/>
+            </a:solidFill>
+          </a:ln>
+        </p:spPr>
+        <p:style>
+          <a:lnRef idx="2">
+            <a:schemeClr val="accent1">
+              <a:shade val="50000"/>
+            </a:schemeClr>
+          </a:lnRef>
+          <a:fillRef idx="1">
+            <a:schemeClr val="accent1"/>
+          </a:fillRef>
+          <a:effectRef idx="0">
+            <a:schemeClr val="accent1"/>
+          </a:effectRef>
+          <a:fontRef idx="minor">
+            <a:schemeClr val="lt1"/>
+          </a:fontRef>
+        </p:style>
+        <p:txBody>
+          <a:bodyPr rtlCol="0" anchor="ctr"/>
+          <a:lstStyle/>
+          <a:p>
+            <a:pPr algn="ctr"/>
+            <a:endParaRPr lang="ko-KR" altLang="en-US"/>
+          </a:p>
+        </p:txBody>
+      </p:sp>
+      <p:sp>
+        <p:nvSpPr>
+          <p:cNvPr id="20" name="직사각형 19">
+            <a:extLst>
+              <a:ext uri="{FF2B5EF4-FFF2-40B4-BE49-F238E27FC236}">
+                <a16:creationId xmlns:a16="http://schemas.microsoft.com/office/drawing/2014/main" id="{2E77D740-9D30-4C5A-90D1-5AA4FBA0C705}"/>
+              </a:ext>
+            </a:extLst>
+          </p:cNvPr>
+          <p:cNvSpPr>
+            <a:spLocks noChangeAspect="1"/>
+          </p:cNvSpPr>
+          <p:nvPr/>
+        </p:nvSpPr>
+        <p:spPr>
+          <a:xfrm>
+            <a:off x="3719985" y="4992100"/>
+            <a:ext cx="180000" cy="180000"/>
+          </a:xfrm>
+          <a:prstGeom prst="rect">
+            <a:avLst/>
+          </a:prstGeom>
+          <a:solidFill>
+            <a:schemeClr val="bg1"/>
+          </a:solidFill>
+          <a:ln>
+            <a:solidFill>
+              <a:srgbClr val="0070C0"/>
+            </a:solidFill>
+          </a:ln>
+        </p:spPr>
+        <p:style>
+          <a:lnRef idx="2">
+            <a:schemeClr val="accent1">
+              <a:shade val="50000"/>
+            </a:schemeClr>
+          </a:lnRef>
+          <a:fillRef idx="1">
+            <a:schemeClr val="accent1"/>
+          </a:fillRef>
+          <a:effectRef idx="0">
+            <a:schemeClr val="accent1"/>
+          </a:effectRef>
+          <a:fontRef idx="minor">
+            <a:schemeClr val="lt1"/>
+          </a:fontRef>
+        </p:style>
+        <p:txBody>
+          <a:bodyPr rtlCol="0" anchor="ctr"/>
+          <a:lstStyle/>
+          <a:p>
+            <a:pPr algn="ctr"/>
+            <a:endParaRPr lang="ko-KR" altLang="en-US"/>
+          </a:p>
+        </p:txBody>
+      </p:sp>
+      <p:sp>
+        <p:nvSpPr>
+          <p:cNvPr id="21" name="직사각형 20">
+            <a:extLst>
+              <a:ext uri="{FF2B5EF4-FFF2-40B4-BE49-F238E27FC236}">
+                <a16:creationId xmlns:a16="http://schemas.microsoft.com/office/drawing/2014/main" id="{FD181515-B569-48B3-A5AC-60BC69D97EE4}"/>
+              </a:ext>
+            </a:extLst>
+          </p:cNvPr>
+          <p:cNvSpPr>
+            <a:spLocks noChangeAspect="1"/>
+          </p:cNvSpPr>
+          <p:nvPr/>
+        </p:nvSpPr>
+        <p:spPr>
+          <a:xfrm>
+            <a:off x="3279718" y="5682188"/>
+            <a:ext cx="180000" cy="180000"/>
+          </a:xfrm>
+          <a:prstGeom prst="rect">
+            <a:avLst/>
+          </a:prstGeom>
+          <a:solidFill>
+            <a:schemeClr val="bg1"/>
+          </a:solidFill>
+          <a:ln>
+            <a:solidFill>
+              <a:srgbClr val="FFC000"/>
+            </a:solidFill>
+          </a:ln>
+        </p:spPr>
+        <p:style>
+          <a:lnRef idx="2">
+            <a:schemeClr val="accent1">
+              <a:shade val="50000"/>
+            </a:schemeClr>
+          </a:lnRef>
+          <a:fillRef idx="1">
+            <a:schemeClr val="accent1"/>
+          </a:fillRef>
+          <a:effectRef idx="0">
+            <a:schemeClr val="accent1"/>
+          </a:effectRef>
+          <a:fontRef idx="minor">
+            <a:schemeClr val="lt1"/>
+          </a:fontRef>
+        </p:style>
+        <p:txBody>
+          <a:bodyPr rtlCol="0" anchor="ctr"/>
+          <a:lstStyle/>
+          <a:p>
+            <a:pPr algn="ctr"/>
+            <a:endParaRPr lang="ko-KR" altLang="en-US"/>
+          </a:p>
+        </p:txBody>
+      </p:sp>
+      <p:sp>
+        <p:nvSpPr>
+          <p:cNvPr id="22" name="직사각형 21">
+            <a:extLst>
+              <a:ext uri="{FF2B5EF4-FFF2-40B4-BE49-F238E27FC236}">
+                <a16:creationId xmlns:a16="http://schemas.microsoft.com/office/drawing/2014/main" id="{B280476D-5773-41B5-96B5-FA2C6C2AA363}"/>
+              </a:ext>
+            </a:extLst>
+          </p:cNvPr>
+          <p:cNvSpPr>
+            <a:spLocks/>
+          </p:cNvSpPr>
+          <p:nvPr/>
+        </p:nvSpPr>
+        <p:spPr>
+          <a:xfrm>
+            <a:off x="6087002" y="1754931"/>
+            <a:ext cx="1397531" cy="4859520"/>
+          </a:xfrm>
+          <a:prstGeom prst="rect">
+            <a:avLst/>
+          </a:prstGeom>
+          <a:noFill/>
+          <a:ln>
+            <a:solidFill>
+              <a:srgbClr val="FF0000"/>
+            </a:solidFill>
+          </a:ln>
+        </p:spPr>
+        <p:style>
+          <a:lnRef idx="2">
+            <a:schemeClr val="accent1">
+              <a:shade val="50000"/>
+            </a:schemeClr>
+          </a:lnRef>
+          <a:fillRef idx="1">
+            <a:schemeClr val="accent1"/>
+          </a:fillRef>
+          <a:effectRef idx="0">
+            <a:schemeClr val="accent1"/>
+          </a:effectRef>
+          <a:fontRef idx="minor">
+            <a:schemeClr val="lt1"/>
+          </a:fontRef>
+        </p:style>
+        <p:txBody>
+          <a:bodyPr rtlCol="0" anchor="ctr"/>
+          <a:lstStyle/>
+          <a:p>
+            <a:pPr algn="ctr"/>
+            <a:endParaRPr lang="ko-KR" altLang="en-US"/>
+          </a:p>
+        </p:txBody>
+      </p:sp>
+      <p:sp>
+        <p:nvSpPr>
+          <p:cNvPr id="23" name="직사각형 22">
+            <a:extLst>
+              <a:ext uri="{FF2B5EF4-FFF2-40B4-BE49-F238E27FC236}">
+                <a16:creationId xmlns:a16="http://schemas.microsoft.com/office/drawing/2014/main" id="{1408CEF4-088B-4D55-AC6C-0EC05D780277}"/>
+              </a:ext>
+            </a:extLst>
+          </p:cNvPr>
+          <p:cNvSpPr>
+            <a:spLocks/>
+          </p:cNvSpPr>
+          <p:nvPr/>
+        </p:nvSpPr>
+        <p:spPr>
+          <a:xfrm>
+            <a:off x="9592558" y="1941929"/>
+            <a:ext cx="592842" cy="538803"/>
+          </a:xfrm>
+          <a:prstGeom prst="rect">
+            <a:avLst/>
+          </a:prstGeom>
+          <a:noFill/>
+          <a:ln>
+            <a:solidFill>
+              <a:srgbClr val="00B050"/>
+            </a:solidFill>
+          </a:ln>
+        </p:spPr>
+        <p:style>
+          <a:lnRef idx="2">
+            <a:schemeClr val="accent1">
+              <a:shade val="50000"/>
+            </a:schemeClr>
+          </a:lnRef>
+          <a:fillRef idx="1">
+            <a:schemeClr val="accent1"/>
+          </a:fillRef>
+          <a:effectRef idx="0">
+            <a:schemeClr val="accent1"/>
+          </a:effectRef>
+          <a:fontRef idx="minor">
+            <a:schemeClr val="lt1"/>
+          </a:fontRef>
+        </p:style>
+        <p:txBody>
+          <a:bodyPr rtlCol="0" anchor="ctr"/>
+          <a:lstStyle/>
+          <a:p>
+            <a:pPr algn="ctr"/>
+            <a:endParaRPr lang="ko-KR" altLang="en-US"/>
+          </a:p>
+        </p:txBody>
+      </p:sp>
+      <p:sp>
+        <p:nvSpPr>
+          <p:cNvPr id="24" name="직사각형 23">
+            <a:extLst>
+              <a:ext uri="{FF2B5EF4-FFF2-40B4-BE49-F238E27FC236}">
+                <a16:creationId xmlns:a16="http://schemas.microsoft.com/office/drawing/2014/main" id="{FD6EBB90-37D6-4ACC-AEC0-60885B9303EF}"/>
+              </a:ext>
+            </a:extLst>
+          </p:cNvPr>
+          <p:cNvSpPr>
+            <a:spLocks/>
+          </p:cNvSpPr>
+          <p:nvPr/>
+        </p:nvSpPr>
+        <p:spPr>
+          <a:xfrm>
+            <a:off x="9592558" y="3038421"/>
+            <a:ext cx="592842" cy="538803"/>
+          </a:xfrm>
+          <a:prstGeom prst="rect">
+            <a:avLst/>
+          </a:prstGeom>
+          <a:noFill/>
+          <a:ln>
+            <a:solidFill>
+              <a:srgbClr val="00B050"/>
+            </a:solidFill>
+          </a:ln>
+        </p:spPr>
+        <p:style>
+          <a:lnRef idx="2">
+            <a:schemeClr val="accent1">
+              <a:shade val="50000"/>
+            </a:schemeClr>
+          </a:lnRef>
+          <a:fillRef idx="1">
+            <a:schemeClr val="accent1"/>
+          </a:fillRef>
+          <a:effectRef idx="0">
+            <a:schemeClr val="accent1"/>
+          </a:effectRef>
+          <a:fontRef idx="minor">
+            <a:schemeClr val="lt1"/>
+          </a:fontRef>
+        </p:style>
+        <p:txBody>
+          <a:bodyPr rtlCol="0" anchor="ctr"/>
+          <a:lstStyle/>
+          <a:p>
+            <a:pPr algn="ctr"/>
+            <a:endParaRPr lang="ko-KR" altLang="en-US"/>
+          </a:p>
+        </p:txBody>
+      </p:sp>
+      <p:sp>
+        <p:nvSpPr>
+          <p:cNvPr id="25" name="직사각형 24">
+            <a:extLst>
+              <a:ext uri="{FF2B5EF4-FFF2-40B4-BE49-F238E27FC236}">
+                <a16:creationId xmlns:a16="http://schemas.microsoft.com/office/drawing/2014/main" id="{C70EBECE-7278-4C64-8E58-EFD678922E9D}"/>
+              </a:ext>
+            </a:extLst>
+          </p:cNvPr>
+          <p:cNvSpPr>
+            <a:spLocks/>
+          </p:cNvSpPr>
+          <p:nvPr/>
+        </p:nvSpPr>
+        <p:spPr>
+          <a:xfrm>
+            <a:off x="9592558" y="5336055"/>
+            <a:ext cx="592842" cy="538803"/>
+          </a:xfrm>
+          <a:prstGeom prst="rect">
+            <a:avLst/>
+          </a:prstGeom>
+          <a:noFill/>
+          <a:ln>
+            <a:solidFill>
+              <a:srgbClr val="00B050"/>
+            </a:solidFill>
+          </a:ln>
+        </p:spPr>
+        <p:style>
+          <a:lnRef idx="2">
+            <a:schemeClr val="accent1">
+              <a:shade val="50000"/>
+            </a:schemeClr>
+          </a:lnRef>
+          <a:fillRef idx="1">
+            <a:schemeClr val="accent1"/>
+          </a:fillRef>
+          <a:effectRef idx="0">
+            <a:schemeClr val="accent1"/>
+          </a:effectRef>
+          <a:fontRef idx="minor">
+            <a:schemeClr val="lt1"/>
+          </a:fontRef>
+        </p:style>
+        <p:txBody>
+          <a:bodyPr rtlCol="0" anchor="ctr"/>
+          <a:lstStyle/>
+          <a:p>
+            <a:pPr algn="ctr"/>
+            <a:endParaRPr lang="ko-KR" altLang="en-US"/>
+          </a:p>
+        </p:txBody>
+      </p:sp>
+      <p:sp>
+        <p:nvSpPr>
+          <p:cNvPr id="26" name="직사각형 25">
+            <a:extLst>
+              <a:ext uri="{FF2B5EF4-FFF2-40B4-BE49-F238E27FC236}">
+                <a16:creationId xmlns:a16="http://schemas.microsoft.com/office/drawing/2014/main" id="{43EAB015-FA07-48E6-BF73-6A64570B36B5}"/>
+              </a:ext>
+            </a:extLst>
+          </p:cNvPr>
+          <p:cNvSpPr>
+            <a:spLocks/>
+          </p:cNvSpPr>
+          <p:nvPr/>
+        </p:nvSpPr>
+        <p:spPr>
+          <a:xfrm>
+            <a:off x="9968384" y="3992432"/>
+            <a:ext cx="1588616" cy="999667"/>
+          </a:xfrm>
+          <a:prstGeom prst="rect">
+            <a:avLst/>
+          </a:prstGeom>
+          <a:noFill/>
+          <a:ln>
+            <a:solidFill>
+              <a:srgbClr val="0070C0"/>
+            </a:solidFill>
+          </a:ln>
+        </p:spPr>
+        <p:style>
+          <a:lnRef idx="2">
+            <a:schemeClr val="accent1">
+              <a:shade val="50000"/>
+            </a:schemeClr>
+          </a:lnRef>
+          <a:fillRef idx="1">
+            <a:schemeClr val="accent1"/>
+          </a:fillRef>
+          <a:effectRef idx="0">
+            <a:schemeClr val="accent1"/>
+          </a:effectRef>
+          <a:fontRef idx="minor">
+            <a:schemeClr val="lt1"/>
+          </a:fontRef>
+        </p:style>
+        <p:txBody>
+          <a:bodyPr rtlCol="0" anchor="ctr"/>
+          <a:lstStyle/>
+          <a:p>
+            <a:pPr algn="ctr"/>
+            <a:endParaRPr lang="ko-KR" altLang="en-US"/>
+          </a:p>
+        </p:txBody>
+      </p:sp>
+      <p:sp>
+        <p:nvSpPr>
+          <p:cNvPr id="27" name="직사각형 26">
+            <a:extLst>
+              <a:ext uri="{FF2B5EF4-FFF2-40B4-BE49-F238E27FC236}">
+                <a16:creationId xmlns:a16="http://schemas.microsoft.com/office/drawing/2014/main" id="{F1AEAACC-F23C-4DD2-AAB8-8096CAB740D5}"/>
+              </a:ext>
+            </a:extLst>
+          </p:cNvPr>
+          <p:cNvSpPr>
+            <a:spLocks/>
+          </p:cNvSpPr>
+          <p:nvPr/>
+        </p:nvSpPr>
+        <p:spPr>
+          <a:xfrm>
+            <a:off x="10490200" y="1871590"/>
+            <a:ext cx="1507469" cy="609142"/>
+          </a:xfrm>
+          <a:prstGeom prst="rect">
+            <a:avLst/>
+          </a:prstGeom>
+          <a:noFill/>
+          <a:ln>
+            <a:solidFill>
+              <a:srgbClr val="FFC000"/>
+            </a:solidFill>
+          </a:ln>
+        </p:spPr>
+        <p:style>
+          <a:lnRef idx="2">
+            <a:schemeClr val="accent1">
+              <a:shade val="50000"/>
+            </a:schemeClr>
+          </a:lnRef>
+          <a:fillRef idx="1">
+            <a:schemeClr val="accent1"/>
+          </a:fillRef>
+          <a:effectRef idx="0">
+            <a:schemeClr val="accent1"/>
+          </a:effectRef>
+          <a:fontRef idx="minor">
+            <a:schemeClr val="lt1"/>
+          </a:fontRef>
+        </p:style>
+        <p:txBody>
+          <a:bodyPr rtlCol="0" anchor="ctr"/>
+          <a:lstStyle/>
+          <a:p>
+            <a:pPr algn="ctr"/>
+            <a:endParaRPr lang="ko-KR" altLang="en-US"/>
+          </a:p>
+        </p:txBody>
+      </p:sp>
+      <p:sp>
+        <p:nvSpPr>
+          <p:cNvPr id="28" name="직사각형 27">
+            <a:extLst>
+              <a:ext uri="{FF2B5EF4-FFF2-40B4-BE49-F238E27FC236}">
+                <a16:creationId xmlns:a16="http://schemas.microsoft.com/office/drawing/2014/main" id="{22BD32EC-1611-4E3B-84AE-1757A9D43B37}"/>
+              </a:ext>
+            </a:extLst>
+          </p:cNvPr>
+          <p:cNvSpPr>
+            <a:spLocks/>
+          </p:cNvSpPr>
+          <p:nvPr/>
+        </p:nvSpPr>
+        <p:spPr>
+          <a:xfrm>
+            <a:off x="10490200" y="2993434"/>
+            <a:ext cx="1507469" cy="609142"/>
+          </a:xfrm>
+          <a:prstGeom prst="rect">
+            <a:avLst/>
+          </a:prstGeom>
+          <a:noFill/>
+          <a:ln>
+            <a:solidFill>
+              <a:srgbClr val="FFC000"/>
+            </a:solidFill>
+          </a:ln>
+        </p:spPr>
+        <p:style>
+          <a:lnRef idx="2">
+            <a:schemeClr val="accent1">
+              <a:shade val="50000"/>
+            </a:schemeClr>
+          </a:lnRef>
+          <a:fillRef idx="1">
+            <a:schemeClr val="accent1"/>
+          </a:fillRef>
+          <a:effectRef idx="0">
+            <a:schemeClr val="accent1"/>
+          </a:effectRef>
+          <a:fontRef idx="minor">
+            <a:schemeClr val="lt1"/>
+          </a:fontRef>
+        </p:style>
+        <p:txBody>
+          <a:bodyPr rtlCol="0" anchor="ctr"/>
+          <a:lstStyle/>
+          <a:p>
+            <a:pPr algn="ctr"/>
+            <a:endParaRPr lang="ko-KR" altLang="en-US"/>
+          </a:p>
+        </p:txBody>
+      </p:sp>
+      <p:sp>
+        <p:nvSpPr>
+          <p:cNvPr id="29" name="직사각형 28">
+            <a:extLst>
+              <a:ext uri="{FF2B5EF4-FFF2-40B4-BE49-F238E27FC236}">
+                <a16:creationId xmlns:a16="http://schemas.microsoft.com/office/drawing/2014/main" id="{32503AED-3255-4B31-8364-210EADA8588F}"/>
+              </a:ext>
+            </a:extLst>
+          </p:cNvPr>
+          <p:cNvSpPr>
+            <a:spLocks/>
+          </p:cNvSpPr>
+          <p:nvPr/>
+        </p:nvSpPr>
+        <p:spPr>
+          <a:xfrm>
+            <a:off x="10397356" y="5292560"/>
+            <a:ext cx="1507469" cy="609142"/>
+          </a:xfrm>
+          <a:prstGeom prst="rect">
+            <a:avLst/>
+          </a:prstGeom>
+          <a:noFill/>
+          <a:ln>
+            <a:solidFill>
+              <a:srgbClr val="FFC000"/>
+            </a:solidFill>
+          </a:ln>
+        </p:spPr>
+        <p:style>
+          <a:lnRef idx="2">
+            <a:schemeClr val="accent1">
+              <a:shade val="50000"/>
+            </a:schemeClr>
+          </a:lnRef>
+          <a:fillRef idx="1">
+            <a:schemeClr val="accent1"/>
+          </a:fillRef>
+          <a:effectRef idx="0">
+            <a:schemeClr val="accent1"/>
+          </a:effectRef>
+          <a:fontRef idx="minor">
+            <a:schemeClr val="lt1"/>
+          </a:fontRef>
+        </p:style>
+        <p:txBody>
+          <a:bodyPr rtlCol="0" anchor="ctr"/>
+          <a:lstStyle/>
+          <a:p>
+            <a:pPr algn="ctr"/>
+            <a:endParaRPr lang="ko-KR" altLang="en-US"/>
+          </a:p>
+        </p:txBody>
+      </p:sp>
     </p:spTree>
     <p:extLst>
       <p:ext uri="{BB962C8B-B14F-4D97-AF65-F5344CB8AC3E}">
@@ -9745,6 +10401,719 @@
   <p:clrMapOvr>
     <a:masterClrMapping/>
   </p:clrMapOvr>
+  <p:timing>
+    <p:tnLst>
+      <p:par>
+        <p:cTn id="1" dur="indefinite" restart="never" nodeType="tmRoot">
+          <p:childTnLst>
+            <p:seq concurrent="1" nextAc="seek">
+              <p:cTn id="2" dur="indefinite" nodeType="mainSeq">
+                <p:childTnLst>
+                  <p:par>
+                    <p:cTn id="3" fill="hold">
+                      <p:stCondLst>
+                        <p:cond delay="indefinite"/>
+                        <p:cond evt="onBegin" delay="0">
+                          <p:tn val="2"/>
+                        </p:cond>
+                      </p:stCondLst>
+                      <p:childTnLst>
+                        <p:par>
+                          <p:cTn id="4" fill="hold">
+                            <p:stCondLst>
+                              <p:cond delay="0"/>
+                            </p:stCondLst>
+                            <p:childTnLst>
+                              <p:par>
+                                <p:cTn id="5" presetID="1" presetClass="exit" presetSubtype="0" fill="hold" grpId="0" nodeType="withEffect">
+                                  <p:stCondLst>
+                                    <p:cond delay="0"/>
+                                  </p:stCondLst>
+                                  <p:childTnLst>
+                                    <p:set>
+                                      <p:cBhvr>
+                                        <p:cTn id="6" dur="1" fill="hold">
+                                          <p:stCondLst>
+                                            <p:cond delay="0"/>
+                                          </p:stCondLst>
+                                        </p:cTn>
+                                        <p:tgtEl>
+                                          <p:spTgt spid="22"/>
+                                        </p:tgtEl>
+                                        <p:attrNameLst>
+                                          <p:attrName>style.visibility</p:attrName>
+                                        </p:attrNameLst>
+                                      </p:cBhvr>
+                                      <p:to>
+                                        <p:strVal val="hidden"/>
+                                      </p:to>
+                                    </p:set>
+                                  </p:childTnLst>
+                                </p:cTn>
+                              </p:par>
+                              <p:par>
+                                <p:cTn id="7" presetID="1" presetClass="exit" presetSubtype="0" fill="hold" grpId="0" nodeType="withEffect">
+                                  <p:stCondLst>
+                                    <p:cond delay="0"/>
+                                  </p:stCondLst>
+                                  <p:childTnLst>
+                                    <p:set>
+                                      <p:cBhvr>
+                                        <p:cTn id="8" dur="1" fill="hold">
+                                          <p:stCondLst>
+                                            <p:cond delay="0"/>
+                                          </p:stCondLst>
+                                        </p:cTn>
+                                        <p:tgtEl>
+                                          <p:spTgt spid="23"/>
+                                        </p:tgtEl>
+                                        <p:attrNameLst>
+                                          <p:attrName>style.visibility</p:attrName>
+                                        </p:attrNameLst>
+                                      </p:cBhvr>
+                                      <p:to>
+                                        <p:strVal val="hidden"/>
+                                      </p:to>
+                                    </p:set>
+                                  </p:childTnLst>
+                                </p:cTn>
+                              </p:par>
+                              <p:par>
+                                <p:cTn id="9" presetID="1" presetClass="exit" presetSubtype="0" fill="hold" grpId="0" nodeType="withEffect">
+                                  <p:stCondLst>
+                                    <p:cond delay="0"/>
+                                  </p:stCondLst>
+                                  <p:childTnLst>
+                                    <p:set>
+                                      <p:cBhvr>
+                                        <p:cTn id="10" dur="1" fill="hold">
+                                          <p:stCondLst>
+                                            <p:cond delay="0"/>
+                                          </p:stCondLst>
+                                        </p:cTn>
+                                        <p:tgtEl>
+                                          <p:spTgt spid="27"/>
+                                        </p:tgtEl>
+                                        <p:attrNameLst>
+                                          <p:attrName>style.visibility</p:attrName>
+                                        </p:attrNameLst>
+                                      </p:cBhvr>
+                                      <p:to>
+                                        <p:strVal val="hidden"/>
+                                      </p:to>
+                                    </p:set>
+                                  </p:childTnLst>
+                                </p:cTn>
+                              </p:par>
+                              <p:par>
+                                <p:cTn id="11" presetID="1" presetClass="exit" presetSubtype="0" fill="hold" grpId="0" nodeType="withEffect">
+                                  <p:stCondLst>
+                                    <p:cond delay="0"/>
+                                  </p:stCondLst>
+                                  <p:childTnLst>
+                                    <p:set>
+                                      <p:cBhvr>
+                                        <p:cTn id="12" dur="1" fill="hold">
+                                          <p:stCondLst>
+                                            <p:cond delay="0"/>
+                                          </p:stCondLst>
+                                        </p:cTn>
+                                        <p:tgtEl>
+                                          <p:spTgt spid="28"/>
+                                        </p:tgtEl>
+                                        <p:attrNameLst>
+                                          <p:attrName>style.visibility</p:attrName>
+                                        </p:attrNameLst>
+                                      </p:cBhvr>
+                                      <p:to>
+                                        <p:strVal val="hidden"/>
+                                      </p:to>
+                                    </p:set>
+                                  </p:childTnLst>
+                                </p:cTn>
+                              </p:par>
+                              <p:par>
+                                <p:cTn id="13" presetID="1" presetClass="exit" presetSubtype="0" fill="hold" grpId="0" nodeType="withEffect">
+                                  <p:stCondLst>
+                                    <p:cond delay="0"/>
+                                  </p:stCondLst>
+                                  <p:childTnLst>
+                                    <p:set>
+                                      <p:cBhvr>
+                                        <p:cTn id="14" dur="1" fill="hold">
+                                          <p:stCondLst>
+                                            <p:cond delay="0"/>
+                                          </p:stCondLst>
+                                        </p:cTn>
+                                        <p:tgtEl>
+                                          <p:spTgt spid="24"/>
+                                        </p:tgtEl>
+                                        <p:attrNameLst>
+                                          <p:attrName>style.visibility</p:attrName>
+                                        </p:attrNameLst>
+                                      </p:cBhvr>
+                                      <p:to>
+                                        <p:strVal val="hidden"/>
+                                      </p:to>
+                                    </p:set>
+                                  </p:childTnLst>
+                                </p:cTn>
+                              </p:par>
+                              <p:par>
+                                <p:cTn id="15" presetID="1" presetClass="exit" presetSubtype="0" fill="hold" grpId="0" nodeType="withEffect">
+                                  <p:stCondLst>
+                                    <p:cond delay="0"/>
+                                  </p:stCondLst>
+                                  <p:childTnLst>
+                                    <p:set>
+                                      <p:cBhvr>
+                                        <p:cTn id="16" dur="1" fill="hold">
+                                          <p:stCondLst>
+                                            <p:cond delay="0"/>
+                                          </p:stCondLst>
+                                        </p:cTn>
+                                        <p:tgtEl>
+                                          <p:spTgt spid="25"/>
+                                        </p:tgtEl>
+                                        <p:attrNameLst>
+                                          <p:attrName>style.visibility</p:attrName>
+                                        </p:attrNameLst>
+                                      </p:cBhvr>
+                                      <p:to>
+                                        <p:strVal val="hidden"/>
+                                      </p:to>
+                                    </p:set>
+                                  </p:childTnLst>
+                                </p:cTn>
+                              </p:par>
+                              <p:par>
+                                <p:cTn id="17" presetID="1" presetClass="exit" presetSubtype="0" fill="hold" grpId="0" nodeType="withEffect">
+                                  <p:stCondLst>
+                                    <p:cond delay="0"/>
+                                  </p:stCondLst>
+                                  <p:childTnLst>
+                                    <p:set>
+                                      <p:cBhvr>
+                                        <p:cTn id="18" dur="1" fill="hold">
+                                          <p:stCondLst>
+                                            <p:cond delay="0"/>
+                                          </p:stCondLst>
+                                        </p:cTn>
+                                        <p:tgtEl>
+                                          <p:spTgt spid="29"/>
+                                        </p:tgtEl>
+                                        <p:attrNameLst>
+                                          <p:attrName>style.visibility</p:attrName>
+                                        </p:attrNameLst>
+                                      </p:cBhvr>
+                                      <p:to>
+                                        <p:strVal val="hidden"/>
+                                      </p:to>
+                                    </p:set>
+                                  </p:childTnLst>
+                                </p:cTn>
+                              </p:par>
+                              <p:par>
+                                <p:cTn id="19" presetID="1" presetClass="exit" presetSubtype="0" fill="hold" grpId="0" nodeType="withEffect">
+                                  <p:stCondLst>
+                                    <p:cond delay="0"/>
+                                  </p:stCondLst>
+                                  <p:childTnLst>
+                                    <p:set>
+                                      <p:cBhvr>
+                                        <p:cTn id="20" dur="1" fill="hold">
+                                          <p:stCondLst>
+                                            <p:cond delay="0"/>
+                                          </p:stCondLst>
+                                        </p:cTn>
+                                        <p:tgtEl>
+                                          <p:spTgt spid="26"/>
+                                        </p:tgtEl>
+                                        <p:attrNameLst>
+                                          <p:attrName>style.visibility</p:attrName>
+                                        </p:attrNameLst>
+                                      </p:cBhvr>
+                                      <p:to>
+                                        <p:strVal val="hidden"/>
+                                      </p:to>
+                                    </p:set>
+                                  </p:childTnLst>
+                                </p:cTn>
+                              </p:par>
+                            </p:childTnLst>
+                          </p:cTn>
+                        </p:par>
+                      </p:childTnLst>
+                    </p:cTn>
+                  </p:par>
+                  <p:par>
+                    <p:cTn id="21" fill="hold">
+                      <p:stCondLst>
+                        <p:cond delay="indefinite"/>
+                      </p:stCondLst>
+                      <p:childTnLst>
+                        <p:par>
+                          <p:cTn id="22" fill="hold">
+                            <p:stCondLst>
+                              <p:cond delay="0"/>
+                            </p:stCondLst>
+                            <p:childTnLst>
+                              <p:par>
+                                <p:cTn id="23" presetID="1" presetClass="entr" presetSubtype="0" fill="hold" grpId="1" nodeType="clickEffect">
+                                  <p:stCondLst>
+                                    <p:cond delay="0"/>
+                                  </p:stCondLst>
+                                  <p:childTnLst>
+                                    <p:set>
+                                      <p:cBhvr>
+                                        <p:cTn id="24" dur="1" fill="hold">
+                                          <p:stCondLst>
+                                            <p:cond delay="0"/>
+                                          </p:stCondLst>
+                                        </p:cTn>
+                                        <p:tgtEl>
+                                          <p:spTgt spid="22"/>
+                                        </p:tgtEl>
+                                        <p:attrNameLst>
+                                          <p:attrName>style.visibility</p:attrName>
+                                        </p:attrNameLst>
+                                      </p:cBhvr>
+                                      <p:to>
+                                        <p:strVal val="visible"/>
+                                      </p:to>
+                                    </p:set>
+                                  </p:childTnLst>
+                                </p:cTn>
+                              </p:par>
+                            </p:childTnLst>
+                          </p:cTn>
+                        </p:par>
+                      </p:childTnLst>
+                    </p:cTn>
+                  </p:par>
+                  <p:par>
+                    <p:cTn id="25" fill="hold">
+                      <p:stCondLst>
+                        <p:cond delay="indefinite"/>
+                      </p:stCondLst>
+                      <p:childTnLst>
+                        <p:par>
+                          <p:cTn id="26" fill="hold">
+                            <p:stCondLst>
+                              <p:cond delay="0"/>
+                            </p:stCondLst>
+                            <p:childTnLst>
+                              <p:par>
+                                <p:cTn id="27" presetID="1" presetClass="entr" presetSubtype="0" fill="hold" grpId="1" nodeType="clickEffect">
+                                  <p:stCondLst>
+                                    <p:cond delay="0"/>
+                                  </p:stCondLst>
+                                  <p:childTnLst>
+                                    <p:set>
+                                      <p:cBhvr>
+                                        <p:cTn id="28" dur="1" fill="hold">
+                                          <p:stCondLst>
+                                            <p:cond delay="0"/>
+                                          </p:stCondLst>
+                                        </p:cTn>
+                                        <p:tgtEl>
+                                          <p:spTgt spid="23"/>
+                                        </p:tgtEl>
+                                        <p:attrNameLst>
+                                          <p:attrName>style.visibility</p:attrName>
+                                        </p:attrNameLst>
+                                      </p:cBhvr>
+                                      <p:to>
+                                        <p:strVal val="visible"/>
+                                      </p:to>
+                                    </p:set>
+                                  </p:childTnLst>
+                                </p:cTn>
+                              </p:par>
+                              <p:par>
+                                <p:cTn id="29" presetID="1" presetClass="entr" presetSubtype="0" fill="hold" grpId="1" nodeType="withEffect">
+                                  <p:stCondLst>
+                                    <p:cond delay="0"/>
+                                  </p:stCondLst>
+                                  <p:childTnLst>
+                                    <p:set>
+                                      <p:cBhvr>
+                                        <p:cTn id="30" dur="1" fill="hold">
+                                          <p:stCondLst>
+                                            <p:cond delay="0"/>
+                                          </p:stCondLst>
+                                        </p:cTn>
+                                        <p:tgtEl>
+                                          <p:spTgt spid="24"/>
+                                        </p:tgtEl>
+                                        <p:attrNameLst>
+                                          <p:attrName>style.visibility</p:attrName>
+                                        </p:attrNameLst>
+                                      </p:cBhvr>
+                                      <p:to>
+                                        <p:strVal val="visible"/>
+                                      </p:to>
+                                    </p:set>
+                                  </p:childTnLst>
+                                </p:cTn>
+                              </p:par>
+                              <p:par>
+                                <p:cTn id="31" presetID="1" presetClass="entr" presetSubtype="0" fill="hold" grpId="1" nodeType="withEffect">
+                                  <p:stCondLst>
+                                    <p:cond delay="0"/>
+                                  </p:stCondLst>
+                                  <p:childTnLst>
+                                    <p:set>
+                                      <p:cBhvr>
+                                        <p:cTn id="32" dur="1" fill="hold">
+                                          <p:stCondLst>
+                                            <p:cond delay="0"/>
+                                          </p:stCondLst>
+                                        </p:cTn>
+                                        <p:tgtEl>
+                                          <p:spTgt spid="25"/>
+                                        </p:tgtEl>
+                                        <p:attrNameLst>
+                                          <p:attrName>style.visibility</p:attrName>
+                                        </p:attrNameLst>
+                                      </p:cBhvr>
+                                      <p:to>
+                                        <p:strVal val="visible"/>
+                                      </p:to>
+                                    </p:set>
+                                  </p:childTnLst>
+                                </p:cTn>
+                              </p:par>
+                              <p:par>
+                                <p:cTn id="33" presetID="1" presetClass="exit" presetSubtype="0" fill="hold" grpId="2" nodeType="withEffect">
+                                  <p:stCondLst>
+                                    <p:cond delay="0"/>
+                                  </p:stCondLst>
+                                  <p:childTnLst>
+                                    <p:set>
+                                      <p:cBhvr>
+                                        <p:cTn id="34" dur="1" fill="hold">
+                                          <p:stCondLst>
+                                            <p:cond delay="0"/>
+                                          </p:stCondLst>
+                                        </p:cTn>
+                                        <p:tgtEl>
+                                          <p:spTgt spid="22"/>
+                                        </p:tgtEl>
+                                        <p:attrNameLst>
+                                          <p:attrName>style.visibility</p:attrName>
+                                        </p:attrNameLst>
+                                      </p:cBhvr>
+                                      <p:to>
+                                        <p:strVal val="hidden"/>
+                                      </p:to>
+                                    </p:set>
+                                  </p:childTnLst>
+                                </p:cTn>
+                              </p:par>
+                            </p:childTnLst>
+                          </p:cTn>
+                        </p:par>
+                      </p:childTnLst>
+                    </p:cTn>
+                  </p:par>
+                  <p:par>
+                    <p:cTn id="35" fill="hold">
+                      <p:stCondLst>
+                        <p:cond delay="indefinite"/>
+                      </p:stCondLst>
+                      <p:childTnLst>
+                        <p:par>
+                          <p:cTn id="36" fill="hold">
+                            <p:stCondLst>
+                              <p:cond delay="0"/>
+                            </p:stCondLst>
+                            <p:childTnLst>
+                              <p:par>
+                                <p:cTn id="37" presetID="1" presetClass="entr" presetSubtype="0" fill="hold" grpId="1" nodeType="clickEffect">
+                                  <p:stCondLst>
+                                    <p:cond delay="0"/>
+                                  </p:stCondLst>
+                                  <p:childTnLst>
+                                    <p:set>
+                                      <p:cBhvr>
+                                        <p:cTn id="38" dur="1" fill="hold">
+                                          <p:stCondLst>
+                                            <p:cond delay="0"/>
+                                          </p:stCondLst>
+                                        </p:cTn>
+                                        <p:tgtEl>
+                                          <p:spTgt spid="26"/>
+                                        </p:tgtEl>
+                                        <p:attrNameLst>
+                                          <p:attrName>style.visibility</p:attrName>
+                                        </p:attrNameLst>
+                                      </p:cBhvr>
+                                      <p:to>
+                                        <p:strVal val="visible"/>
+                                      </p:to>
+                                    </p:set>
+                                  </p:childTnLst>
+                                </p:cTn>
+                              </p:par>
+                              <p:par>
+                                <p:cTn id="39" presetID="1" presetClass="exit" presetSubtype="0" fill="hold" grpId="2" nodeType="withEffect">
+                                  <p:stCondLst>
+                                    <p:cond delay="0"/>
+                                  </p:stCondLst>
+                                  <p:childTnLst>
+                                    <p:set>
+                                      <p:cBhvr>
+                                        <p:cTn id="40" dur="1" fill="hold">
+                                          <p:stCondLst>
+                                            <p:cond delay="0"/>
+                                          </p:stCondLst>
+                                        </p:cTn>
+                                        <p:tgtEl>
+                                          <p:spTgt spid="23"/>
+                                        </p:tgtEl>
+                                        <p:attrNameLst>
+                                          <p:attrName>style.visibility</p:attrName>
+                                        </p:attrNameLst>
+                                      </p:cBhvr>
+                                      <p:to>
+                                        <p:strVal val="hidden"/>
+                                      </p:to>
+                                    </p:set>
+                                  </p:childTnLst>
+                                </p:cTn>
+                              </p:par>
+                              <p:par>
+                                <p:cTn id="41" presetID="1" presetClass="exit" presetSubtype="0" fill="hold" grpId="2" nodeType="withEffect">
+                                  <p:stCondLst>
+                                    <p:cond delay="0"/>
+                                  </p:stCondLst>
+                                  <p:childTnLst>
+                                    <p:set>
+                                      <p:cBhvr>
+                                        <p:cTn id="42" dur="1" fill="hold">
+                                          <p:stCondLst>
+                                            <p:cond delay="0"/>
+                                          </p:stCondLst>
+                                        </p:cTn>
+                                        <p:tgtEl>
+                                          <p:spTgt spid="24"/>
+                                        </p:tgtEl>
+                                        <p:attrNameLst>
+                                          <p:attrName>style.visibility</p:attrName>
+                                        </p:attrNameLst>
+                                      </p:cBhvr>
+                                      <p:to>
+                                        <p:strVal val="hidden"/>
+                                      </p:to>
+                                    </p:set>
+                                  </p:childTnLst>
+                                </p:cTn>
+                              </p:par>
+                              <p:par>
+                                <p:cTn id="43" presetID="1" presetClass="exit" presetSubtype="0" fill="hold" grpId="2" nodeType="withEffect">
+                                  <p:stCondLst>
+                                    <p:cond delay="0"/>
+                                  </p:stCondLst>
+                                  <p:childTnLst>
+                                    <p:set>
+                                      <p:cBhvr>
+                                        <p:cTn id="44" dur="1" fill="hold">
+                                          <p:stCondLst>
+                                            <p:cond delay="0"/>
+                                          </p:stCondLst>
+                                        </p:cTn>
+                                        <p:tgtEl>
+                                          <p:spTgt spid="25"/>
+                                        </p:tgtEl>
+                                        <p:attrNameLst>
+                                          <p:attrName>style.visibility</p:attrName>
+                                        </p:attrNameLst>
+                                      </p:cBhvr>
+                                      <p:to>
+                                        <p:strVal val="hidden"/>
+                                      </p:to>
+                                    </p:set>
+                                  </p:childTnLst>
+                                </p:cTn>
+                              </p:par>
+                            </p:childTnLst>
+                          </p:cTn>
+                        </p:par>
+                      </p:childTnLst>
+                    </p:cTn>
+                  </p:par>
+                  <p:par>
+                    <p:cTn id="45" fill="hold">
+                      <p:stCondLst>
+                        <p:cond delay="indefinite"/>
+                      </p:stCondLst>
+                      <p:childTnLst>
+                        <p:par>
+                          <p:cTn id="46" fill="hold">
+                            <p:stCondLst>
+                              <p:cond delay="0"/>
+                            </p:stCondLst>
+                            <p:childTnLst>
+                              <p:par>
+                                <p:cTn id="47" presetID="1" presetClass="entr" presetSubtype="0" fill="hold" grpId="1" nodeType="clickEffect">
+                                  <p:stCondLst>
+                                    <p:cond delay="0"/>
+                                  </p:stCondLst>
+                                  <p:childTnLst>
+                                    <p:set>
+                                      <p:cBhvr>
+                                        <p:cTn id="48" dur="1" fill="hold">
+                                          <p:stCondLst>
+                                            <p:cond delay="0"/>
+                                          </p:stCondLst>
+                                        </p:cTn>
+                                        <p:tgtEl>
+                                          <p:spTgt spid="27"/>
+                                        </p:tgtEl>
+                                        <p:attrNameLst>
+                                          <p:attrName>style.visibility</p:attrName>
+                                        </p:attrNameLst>
+                                      </p:cBhvr>
+                                      <p:to>
+                                        <p:strVal val="visible"/>
+                                      </p:to>
+                                    </p:set>
+                                  </p:childTnLst>
+                                </p:cTn>
+                              </p:par>
+                              <p:par>
+                                <p:cTn id="49" presetID="1" presetClass="entr" presetSubtype="0" fill="hold" grpId="1" nodeType="withEffect">
+                                  <p:stCondLst>
+                                    <p:cond delay="0"/>
+                                  </p:stCondLst>
+                                  <p:childTnLst>
+                                    <p:set>
+                                      <p:cBhvr>
+                                        <p:cTn id="50" dur="1" fill="hold">
+                                          <p:stCondLst>
+                                            <p:cond delay="0"/>
+                                          </p:stCondLst>
+                                        </p:cTn>
+                                        <p:tgtEl>
+                                          <p:spTgt spid="28"/>
+                                        </p:tgtEl>
+                                        <p:attrNameLst>
+                                          <p:attrName>style.visibility</p:attrName>
+                                        </p:attrNameLst>
+                                      </p:cBhvr>
+                                      <p:to>
+                                        <p:strVal val="visible"/>
+                                      </p:to>
+                                    </p:set>
+                                  </p:childTnLst>
+                                </p:cTn>
+                              </p:par>
+                              <p:par>
+                                <p:cTn id="51" presetID="1" presetClass="entr" presetSubtype="0" fill="hold" grpId="1" nodeType="withEffect">
+                                  <p:stCondLst>
+                                    <p:cond delay="0"/>
+                                  </p:stCondLst>
+                                  <p:childTnLst>
+                                    <p:set>
+                                      <p:cBhvr>
+                                        <p:cTn id="52" dur="1" fill="hold">
+                                          <p:stCondLst>
+                                            <p:cond delay="0"/>
+                                          </p:stCondLst>
+                                        </p:cTn>
+                                        <p:tgtEl>
+                                          <p:spTgt spid="29"/>
+                                        </p:tgtEl>
+                                        <p:attrNameLst>
+                                          <p:attrName>style.visibility</p:attrName>
+                                        </p:attrNameLst>
+                                      </p:cBhvr>
+                                      <p:to>
+                                        <p:strVal val="visible"/>
+                                      </p:to>
+                                    </p:set>
+                                  </p:childTnLst>
+                                </p:cTn>
+                              </p:par>
+                              <p:par>
+                                <p:cTn id="53" presetID="1" presetClass="exit" presetSubtype="0" fill="hold" grpId="2" nodeType="withEffect">
+                                  <p:stCondLst>
+                                    <p:cond delay="0"/>
+                                  </p:stCondLst>
+                                  <p:childTnLst>
+                                    <p:set>
+                                      <p:cBhvr>
+                                        <p:cTn id="54" dur="1" fill="hold">
+                                          <p:stCondLst>
+                                            <p:cond delay="0"/>
+                                          </p:stCondLst>
+                                        </p:cTn>
+                                        <p:tgtEl>
+                                          <p:spTgt spid="26"/>
+                                        </p:tgtEl>
+                                        <p:attrNameLst>
+                                          <p:attrName>style.visibility</p:attrName>
+                                        </p:attrNameLst>
+                                      </p:cBhvr>
+                                      <p:to>
+                                        <p:strVal val="hidden"/>
+                                      </p:to>
+                                    </p:set>
+                                  </p:childTnLst>
+                                </p:cTn>
+                              </p:par>
+                            </p:childTnLst>
+                          </p:cTn>
+                        </p:par>
+                      </p:childTnLst>
+                    </p:cTn>
+                  </p:par>
+                </p:childTnLst>
+              </p:cTn>
+              <p:prevCondLst>
+                <p:cond evt="onPrev" delay="0">
+                  <p:tgtEl>
+                    <p:sldTgt/>
+                  </p:tgtEl>
+                </p:cond>
+              </p:prevCondLst>
+              <p:nextCondLst>
+                <p:cond evt="onNext" delay="0">
+                  <p:tgtEl>
+                    <p:sldTgt/>
+                  </p:tgtEl>
+                </p:cond>
+              </p:nextCondLst>
+            </p:seq>
+          </p:childTnLst>
+        </p:cTn>
+      </p:par>
+    </p:tnLst>
+    <p:bldLst>
+      <p:bldP spid="22" grpId="0" animBg="1"/>
+      <p:bldP spid="22" grpId="1" animBg="1"/>
+      <p:bldP spid="22" grpId="2" animBg="1"/>
+      <p:bldP spid="23" grpId="0" animBg="1"/>
+      <p:bldP spid="23" grpId="1" animBg="1"/>
+      <p:bldP spid="23" grpId="2" animBg="1"/>
+      <p:bldP spid="24" grpId="0" animBg="1"/>
+      <p:bldP spid="24" grpId="1" animBg="1"/>
+      <p:bldP spid="24" grpId="2" animBg="1"/>
+      <p:bldP spid="25" grpId="0" animBg="1"/>
+      <p:bldP spid="25" grpId="1" animBg="1"/>
+      <p:bldP spid="25" grpId="2" animBg="1"/>
+      <p:bldP spid="26" grpId="0" animBg="1"/>
+      <p:bldP spid="26" grpId="1" animBg="1"/>
+      <p:bldP spid="26" grpId="2" animBg="1"/>
+      <p:bldP spid="27" grpId="0" animBg="1"/>
+      <p:bldP spid="27" grpId="1" animBg="1"/>
+      <p:bldP spid="28" grpId="0" animBg="1"/>
+      <p:bldP spid="28" grpId="1" animBg="1"/>
+      <p:bldP spid="29" grpId="0" animBg="1"/>
+      <p:bldP spid="29" grpId="1" animBg="1"/>
+    </p:bldLst>
+  </p:timing>
 </p:sld>
 </file>
 
